--- a/FaaS.pptx
+++ b/FaaS.pptx
@@ -4,15 +4,26 @@
   <p:sldMasterIdLst>
     <p:sldMasterId id="2147483648" r:id="rId1"/>
   </p:sldMasterIdLst>
+  <p:notesMasterIdLst>
+    <p:notesMasterId r:id="rId18"/>
+  </p:notesMasterIdLst>
   <p:sldIdLst>
     <p:sldId id="256" r:id="rId2"/>
-    <p:sldId id="257" r:id="rId3"/>
-    <p:sldId id="259" r:id="rId4"/>
-    <p:sldId id="262" r:id="rId5"/>
-    <p:sldId id="258" r:id="rId6"/>
-    <p:sldId id="261" r:id="rId7"/>
-    <p:sldId id="260" r:id="rId8"/>
-    <p:sldId id="263" r:id="rId9"/>
+    <p:sldId id="264" r:id="rId3"/>
+    <p:sldId id="266" r:id="rId4"/>
+    <p:sldId id="267" r:id="rId5"/>
+    <p:sldId id="268" r:id="rId6"/>
+    <p:sldId id="269" r:id="rId7"/>
+    <p:sldId id="270" r:id="rId8"/>
+    <p:sldId id="271" r:id="rId9"/>
+    <p:sldId id="259" r:id="rId10"/>
+    <p:sldId id="265" r:id="rId11"/>
+    <p:sldId id="262" r:id="rId12"/>
+    <p:sldId id="258" r:id="rId13"/>
+    <p:sldId id="261" r:id="rId14"/>
+    <p:sldId id="257" r:id="rId15"/>
+    <p:sldId id="260" r:id="rId16"/>
+    <p:sldId id="263" r:id="rId17"/>
   </p:sldIdLst>
   <p:sldSz cx="12192000" cy="6858000"/>
   <p:notesSz cx="6858000" cy="9144000"/>
@@ -111,7 +122,659 @@
       </a:defRPr>
     </a:lvl9pPr>
   </p:defaultTextStyle>
+  <p:extLst>
+    <p:ext uri="{EFAFB233-063F-42B5-8137-9DF3F51BA10A}">
+      <p15:sldGuideLst xmlns:p15="http://schemas.microsoft.com/office/powerpoint/2012/main"/>
+    </p:ext>
+  </p:extLst>
 </p:presentation>
+</file>
+
+<file path=ppt/notesMasters/notesMaster1.xml><?xml version="1.0" encoding="utf-8"?>
+<p:notesMaster xmlns:a="http://schemas.openxmlformats.org/drawingml/2006/main" xmlns:r="http://schemas.openxmlformats.org/officeDocument/2006/relationships" xmlns:p="http://schemas.openxmlformats.org/presentationml/2006/main">
+  <p:cSld>
+    <p:bg>
+      <p:bgRef idx="1001">
+        <a:schemeClr val="bg1"/>
+      </p:bgRef>
+    </p:bg>
+    <p:spTree>
+      <p:nvGrpSpPr>
+        <p:cNvPr id="1" name=""/>
+        <p:cNvGrpSpPr/>
+        <p:nvPr/>
+      </p:nvGrpSpPr>
+      <p:grpSpPr>
+        <a:xfrm>
+          <a:off x="0" y="0"/>
+          <a:ext cx="0" cy="0"/>
+          <a:chOff x="0" y="0"/>
+          <a:chExt cx="0" cy="0"/>
+        </a:xfrm>
+      </p:grpSpPr>
+      <p:sp>
+        <p:nvSpPr>
+          <p:cNvPr id="2" name="Kopfzeilenplatzhalter 1"/>
+          <p:cNvSpPr>
+            <a:spLocks noGrp="1"/>
+          </p:cNvSpPr>
+          <p:nvPr>
+            <p:ph type="hdr" sz="quarter"/>
+          </p:nvPr>
+        </p:nvSpPr>
+        <p:spPr>
+          <a:xfrm>
+            <a:off x="0" y="0"/>
+            <a:ext cx="2971800" cy="458788"/>
+          </a:xfrm>
+          <a:prstGeom prst="rect">
+            <a:avLst/>
+          </a:prstGeom>
+        </p:spPr>
+        <p:txBody>
+          <a:bodyPr vert="horz" lIns="91440" tIns="45720" rIns="91440" bIns="45720" rtlCol="0"/>
+          <a:lstStyle>
+            <a:lvl1pPr algn="l">
+              <a:defRPr sz="1200"/>
+            </a:lvl1pPr>
+          </a:lstStyle>
+          <a:p>
+            <a:endParaRPr lang="de-DE"/>
+          </a:p>
+        </p:txBody>
+      </p:sp>
+      <p:sp>
+        <p:nvSpPr>
+          <p:cNvPr id="3" name="Datumsplatzhalter 2"/>
+          <p:cNvSpPr>
+            <a:spLocks noGrp="1"/>
+          </p:cNvSpPr>
+          <p:nvPr>
+            <p:ph type="dt" idx="1"/>
+          </p:nvPr>
+        </p:nvSpPr>
+        <p:spPr>
+          <a:xfrm>
+            <a:off x="3884613" y="0"/>
+            <a:ext cx="2971800" cy="458788"/>
+          </a:xfrm>
+          <a:prstGeom prst="rect">
+            <a:avLst/>
+          </a:prstGeom>
+        </p:spPr>
+        <p:txBody>
+          <a:bodyPr vert="horz" lIns="91440" tIns="45720" rIns="91440" bIns="45720" rtlCol="0"/>
+          <a:lstStyle>
+            <a:lvl1pPr algn="r">
+              <a:defRPr sz="1200"/>
+            </a:lvl1pPr>
+          </a:lstStyle>
+          <a:p>
+            <a:fld id="{B5BBDD20-6B24-4C91-9FAE-2E9FAB68FB77}" type="datetimeFigureOut">
+              <a:rPr lang="de-DE" smtClean="0"/>
+              <a:t>04.01.2018</a:t>
+            </a:fld>
+            <a:endParaRPr lang="de-DE"/>
+          </a:p>
+        </p:txBody>
+      </p:sp>
+      <p:sp>
+        <p:nvSpPr>
+          <p:cNvPr id="4" name="Folienbildplatzhalter 3"/>
+          <p:cNvSpPr>
+            <a:spLocks noGrp="1" noRot="1" noChangeAspect="1"/>
+          </p:cNvSpPr>
+          <p:nvPr>
+            <p:ph type="sldImg" idx="2"/>
+          </p:nvPr>
+        </p:nvSpPr>
+        <p:spPr>
+          <a:xfrm>
+            <a:off x="685800" y="1143000"/>
+            <a:ext cx="5486400" cy="3086100"/>
+          </a:xfrm>
+          <a:prstGeom prst="rect">
+            <a:avLst/>
+          </a:prstGeom>
+          <a:noFill/>
+          <a:ln w="12700">
+            <a:solidFill>
+              <a:prstClr val="black"/>
+            </a:solidFill>
+          </a:ln>
+        </p:spPr>
+        <p:txBody>
+          <a:bodyPr vert="horz" lIns="91440" tIns="45720" rIns="91440" bIns="45720" rtlCol="0" anchor="ctr"/>
+          <a:lstStyle/>
+          <a:p>
+            <a:endParaRPr lang="de-DE"/>
+          </a:p>
+        </p:txBody>
+      </p:sp>
+      <p:sp>
+        <p:nvSpPr>
+          <p:cNvPr id="5" name="Notizenplatzhalter 4"/>
+          <p:cNvSpPr>
+            <a:spLocks noGrp="1"/>
+          </p:cNvSpPr>
+          <p:nvPr>
+            <p:ph type="body" sz="quarter" idx="3"/>
+          </p:nvPr>
+        </p:nvSpPr>
+        <p:spPr>
+          <a:xfrm>
+            <a:off x="685800" y="4400550"/>
+            <a:ext cx="5486400" cy="3600450"/>
+          </a:xfrm>
+          <a:prstGeom prst="rect">
+            <a:avLst/>
+          </a:prstGeom>
+        </p:spPr>
+        <p:txBody>
+          <a:bodyPr vert="horz" lIns="91440" tIns="45720" rIns="91440" bIns="45720" rtlCol="0"/>
+          <a:lstStyle/>
+          <a:p>
+            <a:pPr lvl="0"/>
+            <a:r>
+              <a:rPr lang="de-DE" smtClean="0"/>
+              <a:t>Textmasterformat bearbeiten</a:t>
+            </a:r>
+          </a:p>
+          <a:p>
+            <a:pPr lvl="1"/>
+            <a:r>
+              <a:rPr lang="de-DE" smtClean="0"/>
+              <a:t>Zweite Ebene</a:t>
+            </a:r>
+          </a:p>
+          <a:p>
+            <a:pPr lvl="2"/>
+            <a:r>
+              <a:rPr lang="de-DE" smtClean="0"/>
+              <a:t>Dritte Ebene</a:t>
+            </a:r>
+          </a:p>
+          <a:p>
+            <a:pPr lvl="3"/>
+            <a:r>
+              <a:rPr lang="de-DE" smtClean="0"/>
+              <a:t>Vierte Ebene</a:t>
+            </a:r>
+          </a:p>
+          <a:p>
+            <a:pPr lvl="4"/>
+            <a:r>
+              <a:rPr lang="de-DE" smtClean="0"/>
+              <a:t>Fünfte Ebene</a:t>
+            </a:r>
+            <a:endParaRPr lang="de-DE"/>
+          </a:p>
+        </p:txBody>
+      </p:sp>
+      <p:sp>
+        <p:nvSpPr>
+          <p:cNvPr id="6" name="Fußzeilenplatzhalter 5"/>
+          <p:cNvSpPr>
+            <a:spLocks noGrp="1"/>
+          </p:cNvSpPr>
+          <p:nvPr>
+            <p:ph type="ftr" sz="quarter" idx="4"/>
+          </p:nvPr>
+        </p:nvSpPr>
+        <p:spPr>
+          <a:xfrm>
+            <a:off x="0" y="8685213"/>
+            <a:ext cx="2971800" cy="458787"/>
+          </a:xfrm>
+          <a:prstGeom prst="rect">
+            <a:avLst/>
+          </a:prstGeom>
+        </p:spPr>
+        <p:txBody>
+          <a:bodyPr vert="horz" lIns="91440" tIns="45720" rIns="91440" bIns="45720" rtlCol="0" anchor="b"/>
+          <a:lstStyle>
+            <a:lvl1pPr algn="l">
+              <a:defRPr sz="1200"/>
+            </a:lvl1pPr>
+          </a:lstStyle>
+          <a:p>
+            <a:endParaRPr lang="de-DE"/>
+          </a:p>
+        </p:txBody>
+      </p:sp>
+      <p:sp>
+        <p:nvSpPr>
+          <p:cNvPr id="7" name="Foliennummernplatzhalter 6"/>
+          <p:cNvSpPr>
+            <a:spLocks noGrp="1"/>
+          </p:cNvSpPr>
+          <p:nvPr>
+            <p:ph type="sldNum" sz="quarter" idx="5"/>
+          </p:nvPr>
+        </p:nvSpPr>
+        <p:spPr>
+          <a:xfrm>
+            <a:off x="3884613" y="8685213"/>
+            <a:ext cx="2971800" cy="458787"/>
+          </a:xfrm>
+          <a:prstGeom prst="rect">
+            <a:avLst/>
+          </a:prstGeom>
+        </p:spPr>
+        <p:txBody>
+          <a:bodyPr vert="horz" lIns="91440" tIns="45720" rIns="91440" bIns="45720" rtlCol="0" anchor="b"/>
+          <a:lstStyle>
+            <a:lvl1pPr algn="r">
+              <a:defRPr sz="1200"/>
+            </a:lvl1pPr>
+          </a:lstStyle>
+          <a:p>
+            <a:fld id="{C49BF084-0F4D-4C6D-A3FE-9640EDFACDD4}" type="slidenum">
+              <a:rPr lang="de-DE" smtClean="0"/>
+              <a:t>‹Nr.›</a:t>
+            </a:fld>
+            <a:endParaRPr lang="de-DE"/>
+          </a:p>
+        </p:txBody>
+      </p:sp>
+    </p:spTree>
+    <p:extLst>
+      <p:ext uri="{BB962C8B-B14F-4D97-AF65-F5344CB8AC3E}">
+        <p14:creationId xmlns:p14="http://schemas.microsoft.com/office/powerpoint/2010/main" val="435403433"/>
+      </p:ext>
+    </p:extLst>
+  </p:cSld>
+  <p:clrMap bg1="lt1" tx1="dk1" bg2="lt2" tx2="dk2" accent1="accent1" accent2="accent2" accent3="accent3" accent4="accent4" accent5="accent5" accent6="accent6" hlink="hlink" folHlink="folHlink"/>
+  <p:notesStyle>
+    <a:lvl1pPr marL="0" algn="l" defTabSz="914400" rtl="0" eaLnBrk="1" latinLnBrk="0" hangingPunct="1">
+      <a:defRPr sz="1200" kern="1200">
+        <a:solidFill>
+          <a:schemeClr val="tx1"/>
+        </a:solidFill>
+        <a:latin typeface="+mn-lt"/>
+        <a:ea typeface="+mn-ea"/>
+        <a:cs typeface="+mn-cs"/>
+      </a:defRPr>
+    </a:lvl1pPr>
+    <a:lvl2pPr marL="457200" algn="l" defTabSz="914400" rtl="0" eaLnBrk="1" latinLnBrk="0" hangingPunct="1">
+      <a:defRPr sz="1200" kern="1200">
+        <a:solidFill>
+          <a:schemeClr val="tx1"/>
+        </a:solidFill>
+        <a:latin typeface="+mn-lt"/>
+        <a:ea typeface="+mn-ea"/>
+        <a:cs typeface="+mn-cs"/>
+      </a:defRPr>
+    </a:lvl2pPr>
+    <a:lvl3pPr marL="914400" algn="l" defTabSz="914400" rtl="0" eaLnBrk="1" latinLnBrk="0" hangingPunct="1">
+      <a:defRPr sz="1200" kern="1200">
+        <a:solidFill>
+          <a:schemeClr val="tx1"/>
+        </a:solidFill>
+        <a:latin typeface="+mn-lt"/>
+        <a:ea typeface="+mn-ea"/>
+        <a:cs typeface="+mn-cs"/>
+      </a:defRPr>
+    </a:lvl3pPr>
+    <a:lvl4pPr marL="1371600" algn="l" defTabSz="914400" rtl="0" eaLnBrk="1" latinLnBrk="0" hangingPunct="1">
+      <a:defRPr sz="1200" kern="1200">
+        <a:solidFill>
+          <a:schemeClr val="tx1"/>
+        </a:solidFill>
+        <a:latin typeface="+mn-lt"/>
+        <a:ea typeface="+mn-ea"/>
+        <a:cs typeface="+mn-cs"/>
+      </a:defRPr>
+    </a:lvl4pPr>
+    <a:lvl5pPr marL="1828800" algn="l" defTabSz="914400" rtl="0" eaLnBrk="1" latinLnBrk="0" hangingPunct="1">
+      <a:defRPr sz="1200" kern="1200">
+        <a:solidFill>
+          <a:schemeClr val="tx1"/>
+        </a:solidFill>
+        <a:latin typeface="+mn-lt"/>
+        <a:ea typeface="+mn-ea"/>
+        <a:cs typeface="+mn-cs"/>
+      </a:defRPr>
+    </a:lvl5pPr>
+    <a:lvl6pPr marL="2286000" algn="l" defTabSz="914400" rtl="0" eaLnBrk="1" latinLnBrk="0" hangingPunct="1">
+      <a:defRPr sz="1200" kern="1200">
+        <a:solidFill>
+          <a:schemeClr val="tx1"/>
+        </a:solidFill>
+        <a:latin typeface="+mn-lt"/>
+        <a:ea typeface="+mn-ea"/>
+        <a:cs typeface="+mn-cs"/>
+      </a:defRPr>
+    </a:lvl6pPr>
+    <a:lvl7pPr marL="2743200" algn="l" defTabSz="914400" rtl="0" eaLnBrk="1" latinLnBrk="0" hangingPunct="1">
+      <a:defRPr sz="1200" kern="1200">
+        <a:solidFill>
+          <a:schemeClr val="tx1"/>
+        </a:solidFill>
+        <a:latin typeface="+mn-lt"/>
+        <a:ea typeface="+mn-ea"/>
+        <a:cs typeface="+mn-cs"/>
+      </a:defRPr>
+    </a:lvl7pPr>
+    <a:lvl8pPr marL="3200400" algn="l" defTabSz="914400" rtl="0" eaLnBrk="1" latinLnBrk="0" hangingPunct="1">
+      <a:defRPr sz="1200" kern="1200">
+        <a:solidFill>
+          <a:schemeClr val="tx1"/>
+        </a:solidFill>
+        <a:latin typeface="+mn-lt"/>
+        <a:ea typeface="+mn-ea"/>
+        <a:cs typeface="+mn-cs"/>
+      </a:defRPr>
+    </a:lvl8pPr>
+    <a:lvl9pPr marL="3657600" algn="l" defTabSz="914400" rtl="0" eaLnBrk="1" latinLnBrk="0" hangingPunct="1">
+      <a:defRPr sz="1200" kern="1200">
+        <a:solidFill>
+          <a:schemeClr val="tx1"/>
+        </a:solidFill>
+        <a:latin typeface="+mn-lt"/>
+        <a:ea typeface="+mn-ea"/>
+        <a:cs typeface="+mn-cs"/>
+      </a:defRPr>
+    </a:lvl9pPr>
+  </p:notesStyle>
+</p:notesMaster>
+</file>
+
+<file path=ppt/notesSlides/notesSlide1.xml><?xml version="1.0" encoding="utf-8"?>
+<p:notes xmlns:a="http://schemas.openxmlformats.org/drawingml/2006/main" xmlns:r="http://schemas.openxmlformats.org/officeDocument/2006/relationships" xmlns:p="http://schemas.openxmlformats.org/presentationml/2006/main">
+  <p:cSld>
+    <p:spTree>
+      <p:nvGrpSpPr>
+        <p:cNvPr id="1" name=""/>
+        <p:cNvGrpSpPr/>
+        <p:nvPr/>
+      </p:nvGrpSpPr>
+      <p:grpSpPr>
+        <a:xfrm>
+          <a:off x="0" y="0"/>
+          <a:ext cx="0" cy="0"/>
+          <a:chOff x="0" y="0"/>
+          <a:chExt cx="0" cy="0"/>
+        </a:xfrm>
+      </p:grpSpPr>
+      <p:sp>
+        <p:nvSpPr>
+          <p:cNvPr id="2" name="Folienbildplatzhalter 1"/>
+          <p:cNvSpPr>
+            <a:spLocks noGrp="1" noRot="1" noChangeAspect="1"/>
+          </p:cNvSpPr>
+          <p:nvPr>
+            <p:ph type="sldImg"/>
+          </p:nvPr>
+        </p:nvSpPr>
+        <p:spPr/>
+      </p:sp>
+      <p:sp>
+        <p:nvSpPr>
+          <p:cNvPr id="3" name="Notizenplatzhalter 2"/>
+          <p:cNvSpPr>
+            <a:spLocks noGrp="1"/>
+          </p:cNvSpPr>
+          <p:nvPr>
+            <p:ph type="body" idx="1"/>
+          </p:nvPr>
+        </p:nvSpPr>
+        <p:spPr/>
+        <p:txBody>
+          <a:bodyPr/>
+          <a:lstStyle/>
+          <a:p>
+            <a:r>
+              <a:rPr lang="de-DE" dirty="0" smtClean="0"/>
+              <a:t>https://www.vcnewsnetwork.com/wp-content/uploads/2017/09/16656-thumb.png</a:t>
+            </a:r>
+            <a:endParaRPr lang="de-DE" dirty="0"/>
+          </a:p>
+        </p:txBody>
+      </p:sp>
+      <p:sp>
+        <p:nvSpPr>
+          <p:cNvPr id="4" name="Foliennummernplatzhalter 3"/>
+          <p:cNvSpPr>
+            <a:spLocks noGrp="1"/>
+          </p:cNvSpPr>
+          <p:nvPr>
+            <p:ph type="sldNum" sz="quarter" idx="10"/>
+          </p:nvPr>
+        </p:nvSpPr>
+        <p:spPr/>
+        <p:txBody>
+          <a:bodyPr/>
+          <a:lstStyle/>
+          <a:p>
+            <a:fld id="{C49BF084-0F4D-4C6D-A3FE-9640EDFACDD4}" type="slidenum">
+              <a:rPr lang="de-DE" smtClean="0"/>
+              <a:t>4</a:t>
+            </a:fld>
+            <a:endParaRPr lang="de-DE"/>
+          </a:p>
+        </p:txBody>
+      </p:sp>
+    </p:spTree>
+    <p:extLst>
+      <p:ext uri="{BB962C8B-B14F-4D97-AF65-F5344CB8AC3E}">
+        <p14:creationId xmlns:p14="http://schemas.microsoft.com/office/powerpoint/2010/main" val="195966801"/>
+      </p:ext>
+    </p:extLst>
+  </p:cSld>
+  <p:clrMapOvr>
+    <a:masterClrMapping/>
+  </p:clrMapOvr>
+</p:notes>
+</file>
+
+<file path=ppt/notesSlides/notesSlide2.xml><?xml version="1.0" encoding="utf-8"?>
+<p:notes xmlns:a="http://schemas.openxmlformats.org/drawingml/2006/main" xmlns:r="http://schemas.openxmlformats.org/officeDocument/2006/relationships" xmlns:p="http://schemas.openxmlformats.org/presentationml/2006/main">
+  <p:cSld>
+    <p:spTree>
+      <p:nvGrpSpPr>
+        <p:cNvPr id="1" name=""/>
+        <p:cNvGrpSpPr/>
+        <p:nvPr/>
+      </p:nvGrpSpPr>
+      <p:grpSpPr>
+        <a:xfrm>
+          <a:off x="0" y="0"/>
+          <a:ext cx="0" cy="0"/>
+          <a:chOff x="0" y="0"/>
+          <a:chExt cx="0" cy="0"/>
+        </a:xfrm>
+      </p:grpSpPr>
+      <p:sp>
+        <p:nvSpPr>
+          <p:cNvPr id="2" name="Folienbildplatzhalter 1"/>
+          <p:cNvSpPr>
+            <a:spLocks noGrp="1" noRot="1" noChangeAspect="1"/>
+          </p:cNvSpPr>
+          <p:nvPr>
+            <p:ph type="sldImg"/>
+          </p:nvPr>
+        </p:nvSpPr>
+        <p:spPr/>
+      </p:sp>
+      <p:sp>
+        <p:nvSpPr>
+          <p:cNvPr id="3" name="Notizenplatzhalter 2"/>
+          <p:cNvSpPr>
+            <a:spLocks noGrp="1"/>
+          </p:cNvSpPr>
+          <p:nvPr>
+            <p:ph type="body" idx="1"/>
+          </p:nvPr>
+        </p:nvSpPr>
+        <p:spPr/>
+        <p:txBody>
+          <a:bodyPr/>
+          <a:lstStyle/>
+          <a:p>
+            <a:pPr marL="0" marR="0" lvl="0" indent="0" algn="l" defTabSz="914400" rtl="0" eaLnBrk="1" fontAlgn="auto" latinLnBrk="0" hangingPunct="1">
+              <a:lnSpc>
+                <a:spcPct val="100000"/>
+              </a:lnSpc>
+              <a:spcBef>
+                <a:spcPts val="0"/>
+              </a:spcBef>
+              <a:spcAft>
+                <a:spcPts val="0"/>
+              </a:spcAft>
+              <a:buClrTx/>
+              <a:buSzTx/>
+              <a:buFontTx/>
+              <a:buNone/>
+              <a:tabLst/>
+              <a:defRPr/>
+            </a:pPr>
+            <a:r>
+              <a:rPr lang="de-DE" dirty="0" smtClean="0"/>
+              <a:t>http://www.xangati.com/wp-content/uploads/2016/09/PaaS.png</a:t>
+            </a:r>
+          </a:p>
+          <a:p>
+            <a:endParaRPr lang="de-DE" dirty="0"/>
+          </a:p>
+        </p:txBody>
+      </p:sp>
+      <p:sp>
+        <p:nvSpPr>
+          <p:cNvPr id="4" name="Foliennummernplatzhalter 3"/>
+          <p:cNvSpPr>
+            <a:spLocks noGrp="1"/>
+          </p:cNvSpPr>
+          <p:nvPr>
+            <p:ph type="sldNum" sz="quarter" idx="10"/>
+          </p:nvPr>
+        </p:nvSpPr>
+        <p:spPr/>
+        <p:txBody>
+          <a:bodyPr/>
+          <a:lstStyle/>
+          <a:p>
+            <a:fld id="{C49BF084-0F4D-4C6D-A3FE-9640EDFACDD4}" type="slidenum">
+              <a:rPr lang="de-DE" smtClean="0"/>
+              <a:t>5</a:t>
+            </a:fld>
+            <a:endParaRPr lang="de-DE"/>
+          </a:p>
+        </p:txBody>
+      </p:sp>
+    </p:spTree>
+    <p:extLst>
+      <p:ext uri="{BB962C8B-B14F-4D97-AF65-F5344CB8AC3E}">
+        <p14:creationId xmlns:p14="http://schemas.microsoft.com/office/powerpoint/2010/main" val="3131496332"/>
+      </p:ext>
+    </p:extLst>
+  </p:cSld>
+  <p:clrMapOvr>
+    <a:masterClrMapping/>
+  </p:clrMapOvr>
+</p:notes>
+</file>
+
+<file path=ppt/notesSlides/notesSlide3.xml><?xml version="1.0" encoding="utf-8"?>
+<p:notes xmlns:a="http://schemas.openxmlformats.org/drawingml/2006/main" xmlns:r="http://schemas.openxmlformats.org/officeDocument/2006/relationships" xmlns:p="http://schemas.openxmlformats.org/presentationml/2006/main">
+  <p:cSld>
+    <p:spTree>
+      <p:nvGrpSpPr>
+        <p:cNvPr id="1" name=""/>
+        <p:cNvGrpSpPr/>
+        <p:nvPr/>
+      </p:nvGrpSpPr>
+      <p:grpSpPr>
+        <a:xfrm>
+          <a:off x="0" y="0"/>
+          <a:ext cx="0" cy="0"/>
+          <a:chOff x="0" y="0"/>
+          <a:chExt cx="0" cy="0"/>
+        </a:xfrm>
+      </p:grpSpPr>
+      <p:sp>
+        <p:nvSpPr>
+          <p:cNvPr id="2" name="Folienbildplatzhalter 1"/>
+          <p:cNvSpPr>
+            <a:spLocks noGrp="1" noRot="1" noChangeAspect="1"/>
+          </p:cNvSpPr>
+          <p:nvPr>
+            <p:ph type="sldImg"/>
+          </p:nvPr>
+        </p:nvSpPr>
+        <p:spPr/>
+      </p:sp>
+      <p:sp>
+        <p:nvSpPr>
+          <p:cNvPr id="3" name="Notizenplatzhalter 2"/>
+          <p:cNvSpPr>
+            <a:spLocks noGrp="1"/>
+          </p:cNvSpPr>
+          <p:nvPr>
+            <p:ph type="body" idx="1"/>
+          </p:nvPr>
+        </p:nvSpPr>
+        <p:spPr/>
+        <p:txBody>
+          <a:bodyPr/>
+          <a:lstStyle/>
+          <a:p>
+            <a:r>
+              <a:rPr lang="de-DE" dirty="0" smtClean="0"/>
+              <a:t>https://131707-379326-1-raikfcquaxqncofqfm.stackpathdns.com/wp-content/uploads/2017/09/gapp_587de1fda58b4.jpg</a:t>
+            </a:r>
+          </a:p>
+          <a:p>
+            <a:r>
+              <a:rPr lang="de-DE" dirty="0" smtClean="0"/>
+              <a:t>https://images.techhive.com/images/article/2013/05/windowsazure-100038816-large.jpg</a:t>
+            </a:r>
+          </a:p>
+          <a:p>
+            <a:r>
+              <a:rPr lang="de-DE" dirty="0" smtClean="0"/>
+              <a:t>https://colintoh.com/content/blog/14-aws-elastic-beanstalk-survival-guide-introduction/elastic_beanstalk_logo.png</a:t>
+            </a:r>
+          </a:p>
+          <a:p>
+            <a:endParaRPr lang="de-DE" dirty="0"/>
+          </a:p>
+        </p:txBody>
+      </p:sp>
+      <p:sp>
+        <p:nvSpPr>
+          <p:cNvPr id="4" name="Foliennummernplatzhalter 3"/>
+          <p:cNvSpPr>
+            <a:spLocks noGrp="1"/>
+          </p:cNvSpPr>
+          <p:nvPr>
+            <p:ph type="sldNum" sz="quarter" idx="10"/>
+          </p:nvPr>
+        </p:nvSpPr>
+        <p:spPr/>
+        <p:txBody>
+          <a:bodyPr/>
+          <a:lstStyle/>
+          <a:p>
+            <a:fld id="{C49BF084-0F4D-4C6D-A3FE-9640EDFACDD4}" type="slidenum">
+              <a:rPr lang="de-DE" smtClean="0"/>
+              <a:t>8</a:t>
+            </a:fld>
+            <a:endParaRPr lang="de-DE"/>
+          </a:p>
+        </p:txBody>
+      </p:sp>
+    </p:spTree>
+    <p:extLst>
+      <p:ext uri="{BB962C8B-B14F-4D97-AF65-F5344CB8AC3E}">
+        <p14:creationId xmlns:p14="http://schemas.microsoft.com/office/powerpoint/2010/main" val="1351796061"/>
+      </p:ext>
+    </p:extLst>
+  </p:cSld>
+  <p:clrMapOvr>
+    <a:masterClrMapping/>
+  </p:clrMapOvr>
+</p:notes>
 </file>
 
 <file path=ppt/slideLayouts/slideLayout1.xml><?xml version="1.0" encoding="utf-8"?>
@@ -245,7 +908,7 @@
           <a:p>
             <a:fld id="{7EE558D9-09CA-4D3E-AA20-E16D3D150C12}" type="datetimeFigureOut">
               <a:rPr lang="de-DE" smtClean="0"/>
-              <a:t>13.12.2017</a:t>
+              <a:t>04.01.2018</a:t>
             </a:fld>
             <a:endParaRPr lang="de-DE"/>
           </a:p>
@@ -415,7 +1078,7 @@
           <a:p>
             <a:fld id="{7EE558D9-09CA-4D3E-AA20-E16D3D150C12}" type="datetimeFigureOut">
               <a:rPr lang="de-DE" smtClean="0"/>
-              <a:t>13.12.2017</a:t>
+              <a:t>04.01.2018</a:t>
             </a:fld>
             <a:endParaRPr lang="de-DE"/>
           </a:p>
@@ -595,7 +1258,7 @@
           <a:p>
             <a:fld id="{7EE558D9-09CA-4D3E-AA20-E16D3D150C12}" type="datetimeFigureOut">
               <a:rPr lang="de-DE" smtClean="0"/>
-              <a:t>13.12.2017</a:t>
+              <a:t>04.01.2018</a:t>
             </a:fld>
             <a:endParaRPr lang="de-DE"/>
           </a:p>
@@ -765,7 +1428,7 @@
           <a:p>
             <a:fld id="{7EE558D9-09CA-4D3E-AA20-E16D3D150C12}" type="datetimeFigureOut">
               <a:rPr lang="de-DE" smtClean="0"/>
-              <a:t>13.12.2017</a:t>
+              <a:t>04.01.2018</a:t>
             </a:fld>
             <a:endParaRPr lang="de-DE"/>
           </a:p>
@@ -1011,7 +1674,7 @@
           <a:p>
             <a:fld id="{7EE558D9-09CA-4D3E-AA20-E16D3D150C12}" type="datetimeFigureOut">
               <a:rPr lang="de-DE" smtClean="0"/>
-              <a:t>13.12.2017</a:t>
+              <a:t>04.01.2018</a:t>
             </a:fld>
             <a:endParaRPr lang="de-DE"/>
           </a:p>
@@ -1243,7 +1906,7 @@
           <a:p>
             <a:fld id="{7EE558D9-09CA-4D3E-AA20-E16D3D150C12}" type="datetimeFigureOut">
               <a:rPr lang="de-DE" smtClean="0"/>
-              <a:t>13.12.2017</a:t>
+              <a:t>04.01.2018</a:t>
             </a:fld>
             <a:endParaRPr lang="de-DE"/>
           </a:p>
@@ -1610,7 +2273,7 @@
           <a:p>
             <a:fld id="{7EE558D9-09CA-4D3E-AA20-E16D3D150C12}" type="datetimeFigureOut">
               <a:rPr lang="de-DE" smtClean="0"/>
-              <a:t>13.12.2017</a:t>
+              <a:t>04.01.2018</a:t>
             </a:fld>
             <a:endParaRPr lang="de-DE"/>
           </a:p>
@@ -1728,7 +2391,7 @@
           <a:p>
             <a:fld id="{7EE558D9-09CA-4D3E-AA20-E16D3D150C12}" type="datetimeFigureOut">
               <a:rPr lang="de-DE" smtClean="0"/>
-              <a:t>13.12.2017</a:t>
+              <a:t>04.01.2018</a:t>
             </a:fld>
             <a:endParaRPr lang="de-DE"/>
           </a:p>
@@ -1823,7 +2486,7 @@
           <a:p>
             <a:fld id="{7EE558D9-09CA-4D3E-AA20-E16D3D150C12}" type="datetimeFigureOut">
               <a:rPr lang="de-DE" smtClean="0"/>
-              <a:t>13.12.2017</a:t>
+              <a:t>04.01.2018</a:t>
             </a:fld>
             <a:endParaRPr lang="de-DE"/>
           </a:p>
@@ -2100,7 +2763,7 @@
           <a:p>
             <a:fld id="{7EE558D9-09CA-4D3E-AA20-E16D3D150C12}" type="datetimeFigureOut">
               <a:rPr lang="de-DE" smtClean="0"/>
-              <a:t>13.12.2017</a:t>
+              <a:t>04.01.2018</a:t>
             </a:fld>
             <a:endParaRPr lang="de-DE"/>
           </a:p>
@@ -2353,7 +3016,7 @@
           <a:p>
             <a:fld id="{7EE558D9-09CA-4D3E-AA20-E16D3D150C12}" type="datetimeFigureOut">
               <a:rPr lang="de-DE" smtClean="0"/>
-              <a:t>13.12.2017</a:t>
+              <a:t>04.01.2018</a:t>
             </a:fld>
             <a:endParaRPr lang="de-DE"/>
           </a:p>
@@ -2566,7 +3229,7 @@
           <a:p>
             <a:fld id="{7EE558D9-09CA-4D3E-AA20-E16D3D150C12}" type="datetimeFigureOut">
               <a:rPr lang="de-DE" smtClean="0"/>
-              <a:t>13.12.2017</a:t>
+              <a:t>04.01.2018</a:t>
             </a:fld>
             <a:endParaRPr lang="de-DE"/>
           </a:p>
@@ -3026,7 +3689,7 @@
 </p:sld>
 </file>
 
-<file path=ppt/slides/slide2.xml><?xml version="1.0" encoding="utf-8"?>
+<file path=ppt/slides/slide10.xml><?xml version="1.0" encoding="utf-8"?>
 <p:sld xmlns:a="http://schemas.openxmlformats.org/drawingml/2006/main" xmlns:r="http://schemas.openxmlformats.org/officeDocument/2006/relationships" xmlns:p="http://schemas.openxmlformats.org/presentationml/2006/main">
   <p:cSld>
     <p:spTree>
@@ -3060,7 +3723,7 @@
           <a:p>
             <a:r>
               <a:rPr lang="de-DE" dirty="0" smtClean="0"/>
-              <a:t>Aktualität</a:t>
+              <a:t>Bisherige Lösungen</a:t>
             </a:r>
             <a:endParaRPr lang="de-DE" dirty="0"/>
           </a:p>
@@ -3081,50 +3744,14 @@
           <a:bodyPr/>
           <a:lstStyle/>
           <a:p>
-            <a:r>
-              <a:rPr lang="de-DE" dirty="0" smtClean="0"/>
-              <a:t>AWS Lambda 2014</a:t>
-            </a:r>
-          </a:p>
-          <a:p>
-            <a:r>
-              <a:rPr lang="de-DE" dirty="0" smtClean="0"/>
-              <a:t>Google </a:t>
-            </a:r>
-            <a:r>
-              <a:rPr lang="de-DE" dirty="0" err="1" smtClean="0"/>
-              <a:t>Functions</a:t>
-            </a:r>
-            <a:r>
-              <a:rPr lang="de-DE" dirty="0" smtClean="0"/>
-              <a:t> 2016</a:t>
-            </a:r>
-          </a:p>
-          <a:p>
-            <a:r>
-              <a:rPr lang="de-DE" dirty="0" err="1" smtClean="0"/>
-              <a:t>Azure</a:t>
-            </a:r>
-            <a:r>
-              <a:rPr lang="de-DE" dirty="0" smtClean="0"/>
-              <a:t> </a:t>
-            </a:r>
-            <a:r>
-              <a:rPr lang="de-DE" dirty="0" err="1" smtClean="0"/>
-              <a:t>Functions</a:t>
-            </a:r>
-            <a:r>
-              <a:rPr lang="de-DE" dirty="0" smtClean="0"/>
-              <a:t> (Microsoft) 2016</a:t>
-            </a:r>
-            <a:endParaRPr lang="de-DE" dirty="0"/>
+            <a:endParaRPr lang="de-DE"/>
           </a:p>
         </p:txBody>
       </p:sp>
     </p:spTree>
     <p:extLst>
       <p:ext uri="{BB962C8B-B14F-4D97-AF65-F5344CB8AC3E}">
-        <p14:creationId xmlns:p14="http://schemas.microsoft.com/office/powerpoint/2010/main" val="61043964"/>
+        <p14:creationId xmlns:p14="http://schemas.microsoft.com/office/powerpoint/2010/main" val="2707855809"/>
       </p:ext>
     </p:extLst>
   </p:cSld>
@@ -3134,7 +3761,7 @@
 </p:sld>
 </file>
 
-<file path=ppt/slides/slide3.xml><?xml version="1.0" encoding="utf-8"?>
+<file path=ppt/slides/slide11.xml><?xml version="1.0" encoding="utf-8"?>
 <p:sld xmlns:a="http://schemas.openxmlformats.org/drawingml/2006/main" xmlns:r="http://schemas.openxmlformats.org/officeDocument/2006/relationships" xmlns:p="http://schemas.openxmlformats.org/presentationml/2006/main">
   <p:cSld>
     <p:spTree>
@@ -3168,86 +3795,8 @@
           <a:p>
             <a:r>
               <a:rPr lang="de-DE" dirty="0" smtClean="0"/>
-              <a:t>Grundkonzept</a:t>
-            </a:r>
-            <a:endParaRPr lang="de-DE" dirty="0"/>
-          </a:p>
-        </p:txBody>
-      </p:sp>
-      <p:pic>
-        <p:nvPicPr>
-          <p:cNvPr id="4" name="Inhaltsplatzhalter 3"/>
-          <p:cNvPicPr>
-            <a:picLocks noGrp="1" noChangeAspect="1"/>
-          </p:cNvPicPr>
-          <p:nvPr>
-            <p:ph idx="1"/>
-          </p:nvPr>
-        </p:nvPicPr>
-        <p:blipFill>
-          <a:blip r:embed="rId2" cstate="print">
-            <a:extLst>
-              <a:ext uri="{28A0092B-C50C-407E-A947-70E740481C1C}">
-                <a14:useLocalDpi xmlns:a14="http://schemas.microsoft.com/office/drawing/2010/main" val="0"/>
-              </a:ext>
-            </a:extLst>
-          </a:blip>
-          <a:stretch>
-            <a:fillRect/>
-          </a:stretch>
-        </p:blipFill>
-        <p:spPr>
-          <a:xfrm>
-            <a:off x="1197763" y="1825625"/>
-            <a:ext cx="9796473" cy="4351338"/>
-          </a:xfrm>
-        </p:spPr>
-      </p:pic>
-    </p:spTree>
-    <p:extLst>
-      <p:ext uri="{BB962C8B-B14F-4D97-AF65-F5344CB8AC3E}">
-        <p14:creationId xmlns:p14="http://schemas.microsoft.com/office/powerpoint/2010/main" val="1268460424"/>
-      </p:ext>
-    </p:extLst>
-  </p:cSld>
-  <p:clrMapOvr>
-    <a:masterClrMapping/>
-  </p:clrMapOvr>
-</p:sld>
-</file>
-
-<file path=ppt/slides/slide4.xml><?xml version="1.0" encoding="utf-8"?>
-<p:sld xmlns:a="http://schemas.openxmlformats.org/drawingml/2006/main" xmlns:r="http://schemas.openxmlformats.org/officeDocument/2006/relationships" xmlns:p="http://schemas.openxmlformats.org/presentationml/2006/main">
-  <p:cSld>
-    <p:spTree>
-      <p:nvGrpSpPr>
-        <p:cNvPr id="1" name=""/>
-        <p:cNvGrpSpPr/>
-        <p:nvPr/>
-      </p:nvGrpSpPr>
-      <p:grpSpPr>
-        <a:xfrm>
-          <a:off x="0" y="0"/>
-          <a:ext cx="0" cy="0"/>
-          <a:chOff x="0" y="0"/>
-          <a:chExt cx="0" cy="0"/>
-        </a:xfrm>
-      </p:grpSpPr>
-      <p:sp>
-        <p:nvSpPr>
-          <p:cNvPr id="2" name="Titel 1"/>
-          <p:cNvSpPr>
-            <a:spLocks noGrp="1"/>
-          </p:cNvSpPr>
-          <p:nvPr>
-            <p:ph type="title"/>
-          </p:nvPr>
-        </p:nvSpPr>
-        <p:spPr/>
-        <p:txBody>
-          <a:bodyPr/>
-          <a:lstStyle/>
-          <a:p>
+              <a:t>Vorteile und Nachteile</a:t>
+            </a:r>
             <a:endParaRPr lang="de-DE" dirty="0"/>
           </a:p>
         </p:txBody>
@@ -3284,7 +3833,7 @@
 </p:sld>
 </file>
 
-<file path=ppt/slides/slide5.xml><?xml version="1.0" encoding="utf-8"?>
+<file path=ppt/slides/slide12.xml><?xml version="1.0" encoding="utf-8"?>
 <p:sld xmlns:a="http://schemas.openxmlformats.org/drawingml/2006/main" xmlns:r="http://schemas.openxmlformats.org/officeDocument/2006/relationships" xmlns:p="http://schemas.openxmlformats.org/presentationml/2006/main">
   <p:cSld>
     <p:spTree>
@@ -3366,6 +3915,891 @@
 </p:sld>
 </file>
 
+<file path=ppt/slides/slide13.xml><?xml version="1.0" encoding="utf-8"?>
+<p:sld xmlns:a="http://schemas.openxmlformats.org/drawingml/2006/main" xmlns:r="http://schemas.openxmlformats.org/officeDocument/2006/relationships" xmlns:p="http://schemas.openxmlformats.org/presentationml/2006/main">
+  <p:cSld>
+    <p:spTree>
+      <p:nvGrpSpPr>
+        <p:cNvPr id="1" name=""/>
+        <p:cNvGrpSpPr/>
+        <p:nvPr/>
+      </p:nvGrpSpPr>
+      <p:grpSpPr>
+        <a:xfrm>
+          <a:off x="0" y="0"/>
+          <a:ext cx="0" cy="0"/>
+          <a:chOff x="0" y="0"/>
+          <a:chExt cx="0" cy="0"/>
+        </a:xfrm>
+      </p:grpSpPr>
+      <p:sp>
+        <p:nvSpPr>
+          <p:cNvPr id="2" name="Titel 1"/>
+          <p:cNvSpPr>
+            <a:spLocks noGrp="1"/>
+          </p:cNvSpPr>
+          <p:nvPr>
+            <p:ph type="title"/>
+          </p:nvPr>
+        </p:nvSpPr>
+        <p:spPr/>
+        <p:txBody>
+          <a:bodyPr/>
+          <a:lstStyle/>
+          <a:p>
+            <a:r>
+              <a:rPr lang="de-DE" dirty="0" smtClean="0"/>
+              <a:t>Vorteile</a:t>
+            </a:r>
+            <a:endParaRPr lang="de-DE" dirty="0"/>
+          </a:p>
+        </p:txBody>
+      </p:sp>
+      <p:sp>
+        <p:nvSpPr>
+          <p:cNvPr id="3" name="Inhaltsplatzhalter 2"/>
+          <p:cNvSpPr>
+            <a:spLocks noGrp="1"/>
+          </p:cNvSpPr>
+          <p:nvPr>
+            <p:ph idx="1"/>
+          </p:nvPr>
+        </p:nvSpPr>
+        <p:spPr/>
+        <p:txBody>
+          <a:bodyPr/>
+          <a:lstStyle/>
+          <a:p>
+            <a:r>
+              <a:rPr lang="de-DE" dirty="0" smtClean="0"/>
+              <a:t>Leistung Variabel</a:t>
+            </a:r>
+          </a:p>
+          <a:p>
+            <a:r>
+              <a:rPr lang="de-DE" dirty="0" smtClean="0"/>
+              <a:t>Keine Kosten für nicht genutzte Server</a:t>
+            </a:r>
+          </a:p>
+          <a:p>
+            <a:r>
+              <a:rPr lang="de-DE" dirty="0" smtClean="0"/>
+              <a:t>Einfacheres Programmieren</a:t>
+            </a:r>
+          </a:p>
+          <a:p>
+            <a:r>
+              <a:rPr lang="de-DE" dirty="0" smtClean="0"/>
+              <a:t>Bessere Nutzung der </a:t>
+            </a:r>
+            <a:r>
+              <a:rPr lang="de-DE" dirty="0" err="1" smtClean="0"/>
+              <a:t>Resourcen</a:t>
+            </a:r>
+            <a:endParaRPr lang="de-DE" dirty="0" smtClean="0"/>
+          </a:p>
+          <a:p>
+            <a:endParaRPr lang="de-DE" dirty="0"/>
+          </a:p>
+        </p:txBody>
+      </p:sp>
+    </p:spTree>
+    <p:extLst>
+      <p:ext uri="{BB962C8B-B14F-4D97-AF65-F5344CB8AC3E}">
+        <p14:creationId xmlns:p14="http://schemas.microsoft.com/office/powerpoint/2010/main" val="1027739593"/>
+      </p:ext>
+    </p:extLst>
+  </p:cSld>
+  <p:clrMapOvr>
+    <a:masterClrMapping/>
+  </p:clrMapOvr>
+</p:sld>
+</file>
+
+<file path=ppt/slides/slide14.xml><?xml version="1.0" encoding="utf-8"?>
+<p:sld xmlns:a="http://schemas.openxmlformats.org/drawingml/2006/main" xmlns:r="http://schemas.openxmlformats.org/officeDocument/2006/relationships" xmlns:p="http://schemas.openxmlformats.org/presentationml/2006/main">
+  <p:cSld>
+    <p:spTree>
+      <p:nvGrpSpPr>
+        <p:cNvPr id="1" name=""/>
+        <p:cNvGrpSpPr/>
+        <p:nvPr/>
+      </p:nvGrpSpPr>
+      <p:grpSpPr>
+        <a:xfrm>
+          <a:off x="0" y="0"/>
+          <a:ext cx="0" cy="0"/>
+          <a:chOff x="0" y="0"/>
+          <a:chExt cx="0" cy="0"/>
+        </a:xfrm>
+      </p:grpSpPr>
+      <p:sp>
+        <p:nvSpPr>
+          <p:cNvPr id="2" name="Titel 1"/>
+          <p:cNvSpPr>
+            <a:spLocks noGrp="1"/>
+          </p:cNvSpPr>
+          <p:nvPr>
+            <p:ph type="title"/>
+          </p:nvPr>
+        </p:nvSpPr>
+        <p:spPr/>
+        <p:txBody>
+          <a:bodyPr/>
+          <a:lstStyle/>
+          <a:p>
+            <a:r>
+              <a:rPr lang="de-DE" dirty="0" smtClean="0"/>
+              <a:t>Anwendungsbeispiele</a:t>
+            </a:r>
+            <a:endParaRPr lang="de-DE" dirty="0"/>
+          </a:p>
+        </p:txBody>
+      </p:sp>
+      <p:sp>
+        <p:nvSpPr>
+          <p:cNvPr id="3" name="Inhaltsplatzhalter 2"/>
+          <p:cNvSpPr>
+            <a:spLocks noGrp="1"/>
+          </p:cNvSpPr>
+          <p:nvPr>
+            <p:ph idx="1"/>
+          </p:nvPr>
+        </p:nvSpPr>
+        <p:spPr/>
+        <p:txBody>
+          <a:bodyPr/>
+          <a:lstStyle/>
+          <a:p>
+            <a:r>
+              <a:rPr lang="de-DE" dirty="0" smtClean="0"/>
+              <a:t>AWS Lambda 2014</a:t>
+            </a:r>
+          </a:p>
+          <a:p>
+            <a:r>
+              <a:rPr lang="de-DE" dirty="0" smtClean="0"/>
+              <a:t>Google </a:t>
+            </a:r>
+            <a:r>
+              <a:rPr lang="de-DE" dirty="0" err="1" smtClean="0"/>
+              <a:t>Functions</a:t>
+            </a:r>
+            <a:r>
+              <a:rPr lang="de-DE" dirty="0" smtClean="0"/>
+              <a:t> 2016</a:t>
+            </a:r>
+          </a:p>
+          <a:p>
+            <a:r>
+              <a:rPr lang="de-DE" dirty="0" err="1" smtClean="0"/>
+              <a:t>Azure</a:t>
+            </a:r>
+            <a:r>
+              <a:rPr lang="de-DE" dirty="0" smtClean="0"/>
+              <a:t> </a:t>
+            </a:r>
+            <a:r>
+              <a:rPr lang="de-DE" dirty="0" err="1" smtClean="0"/>
+              <a:t>Functions</a:t>
+            </a:r>
+            <a:r>
+              <a:rPr lang="de-DE" dirty="0" smtClean="0"/>
+              <a:t> (Microsoft) 2016</a:t>
+            </a:r>
+            <a:endParaRPr lang="de-DE" dirty="0"/>
+          </a:p>
+        </p:txBody>
+      </p:sp>
+    </p:spTree>
+    <p:extLst>
+      <p:ext uri="{BB962C8B-B14F-4D97-AF65-F5344CB8AC3E}">
+        <p14:creationId xmlns:p14="http://schemas.microsoft.com/office/powerpoint/2010/main" val="61043964"/>
+      </p:ext>
+    </p:extLst>
+  </p:cSld>
+  <p:clrMapOvr>
+    <a:masterClrMapping/>
+  </p:clrMapOvr>
+</p:sld>
+</file>
+
+<file path=ppt/slides/slide15.xml><?xml version="1.0" encoding="utf-8"?>
+<p:sld xmlns:a="http://schemas.openxmlformats.org/drawingml/2006/main" xmlns:r="http://schemas.openxmlformats.org/officeDocument/2006/relationships" xmlns:p="http://schemas.openxmlformats.org/presentationml/2006/main">
+  <p:cSld>
+    <p:spTree>
+      <p:nvGrpSpPr>
+        <p:cNvPr id="1" name=""/>
+        <p:cNvGrpSpPr/>
+        <p:nvPr/>
+      </p:nvGrpSpPr>
+      <p:grpSpPr>
+        <a:xfrm>
+          <a:off x="0" y="0"/>
+          <a:ext cx="0" cy="0"/>
+          <a:chOff x="0" y="0"/>
+          <a:chExt cx="0" cy="0"/>
+        </a:xfrm>
+      </p:grpSpPr>
+      <p:sp>
+        <p:nvSpPr>
+          <p:cNvPr id="2" name="Titel 1"/>
+          <p:cNvSpPr>
+            <a:spLocks noGrp="1"/>
+          </p:cNvSpPr>
+          <p:nvPr>
+            <p:ph type="title"/>
+          </p:nvPr>
+        </p:nvSpPr>
+        <p:spPr/>
+        <p:txBody>
+          <a:bodyPr/>
+          <a:lstStyle/>
+          <a:p>
+            <a:r>
+              <a:rPr lang="de-DE" dirty="0" smtClean="0"/>
+              <a:t>Beispielcode</a:t>
+            </a:r>
+            <a:endParaRPr lang="de-DE" dirty="0"/>
+          </a:p>
+        </p:txBody>
+      </p:sp>
+      <p:pic>
+        <p:nvPicPr>
+          <p:cNvPr id="4" name="Inhaltsplatzhalter 3"/>
+          <p:cNvPicPr>
+            <a:picLocks noGrp="1" noChangeAspect="1"/>
+          </p:cNvPicPr>
+          <p:nvPr>
+            <p:ph idx="1"/>
+          </p:nvPr>
+        </p:nvPicPr>
+        <p:blipFill>
+          <a:blip r:embed="rId2">
+            <a:extLst>
+              <a:ext uri="{28A0092B-C50C-407E-A947-70E740481C1C}">
+                <a14:useLocalDpi xmlns:a14="http://schemas.microsoft.com/office/drawing/2010/main" val="0"/>
+              </a:ext>
+            </a:extLst>
+          </a:blip>
+          <a:stretch>
+            <a:fillRect/>
+          </a:stretch>
+        </p:blipFill>
+        <p:spPr>
+          <a:xfrm>
+            <a:off x="1822989" y="1690688"/>
+            <a:ext cx="7840169" cy="2333951"/>
+          </a:xfrm>
+        </p:spPr>
+      </p:pic>
+      <p:sp>
+        <p:nvSpPr>
+          <p:cNvPr id="5" name="Textfeld 4"/>
+          <p:cNvSpPr txBox="1"/>
+          <p:nvPr/>
+        </p:nvSpPr>
+        <p:spPr>
+          <a:xfrm>
+            <a:off x="1989221" y="4716379"/>
+            <a:ext cx="7443537" cy="369332"/>
+          </a:xfrm>
+          <a:prstGeom prst="rect">
+            <a:avLst/>
+          </a:prstGeom>
+          <a:noFill/>
+        </p:spPr>
+        <p:txBody>
+          <a:bodyPr wrap="square" rtlCol="0">
+            <a:spAutoFit/>
+          </a:bodyPr>
+          <a:lstStyle/>
+          <a:p>
+            <a:r>
+              <a:rPr lang="de-DE" dirty="0" smtClean="0"/>
+              <a:t>Einfaches Beispiel für ein Request (</a:t>
+            </a:r>
+            <a:r>
+              <a:rPr lang="de-DE" dirty="0" err="1" smtClean="0"/>
+              <a:t>Azure</a:t>
+            </a:r>
+            <a:r>
+              <a:rPr lang="de-DE" dirty="0" smtClean="0"/>
+              <a:t> </a:t>
+            </a:r>
+            <a:r>
+              <a:rPr lang="de-DE" dirty="0" err="1" smtClean="0"/>
+              <a:t>Functions</a:t>
+            </a:r>
+            <a:r>
+              <a:rPr lang="de-DE" dirty="0" smtClean="0"/>
+              <a:t>)</a:t>
+            </a:r>
+            <a:endParaRPr lang="de-DE" dirty="0"/>
+          </a:p>
+        </p:txBody>
+      </p:sp>
+    </p:spTree>
+    <p:extLst>
+      <p:ext uri="{BB962C8B-B14F-4D97-AF65-F5344CB8AC3E}">
+        <p14:creationId xmlns:p14="http://schemas.microsoft.com/office/powerpoint/2010/main" val="1802792043"/>
+      </p:ext>
+    </p:extLst>
+  </p:cSld>
+  <p:clrMapOvr>
+    <a:masterClrMapping/>
+  </p:clrMapOvr>
+</p:sld>
+</file>
+
+<file path=ppt/slides/slide16.xml><?xml version="1.0" encoding="utf-8"?>
+<p:sld xmlns:a="http://schemas.openxmlformats.org/drawingml/2006/main" xmlns:r="http://schemas.openxmlformats.org/officeDocument/2006/relationships" xmlns:p="http://schemas.openxmlformats.org/presentationml/2006/main">
+  <p:cSld>
+    <p:spTree>
+      <p:nvGrpSpPr>
+        <p:cNvPr id="1" name=""/>
+        <p:cNvGrpSpPr/>
+        <p:nvPr/>
+      </p:nvGrpSpPr>
+      <p:grpSpPr>
+        <a:xfrm>
+          <a:off x="0" y="0"/>
+          <a:ext cx="0" cy="0"/>
+          <a:chOff x="0" y="0"/>
+          <a:chExt cx="0" cy="0"/>
+        </a:xfrm>
+      </p:grpSpPr>
+      <p:sp>
+        <p:nvSpPr>
+          <p:cNvPr id="2" name="Titel 1"/>
+          <p:cNvSpPr>
+            <a:spLocks noGrp="1"/>
+          </p:cNvSpPr>
+          <p:nvPr>
+            <p:ph type="title"/>
+          </p:nvPr>
+        </p:nvSpPr>
+        <p:spPr/>
+        <p:txBody>
+          <a:bodyPr/>
+          <a:lstStyle/>
+          <a:p>
+            <a:r>
+              <a:rPr lang="de-DE" dirty="0" smtClean="0"/>
+              <a:t>Quellen</a:t>
+            </a:r>
+            <a:endParaRPr lang="de-DE" dirty="0"/>
+          </a:p>
+        </p:txBody>
+      </p:sp>
+      <p:sp>
+        <p:nvSpPr>
+          <p:cNvPr id="3" name="Inhaltsplatzhalter 2"/>
+          <p:cNvSpPr>
+            <a:spLocks noGrp="1"/>
+          </p:cNvSpPr>
+          <p:nvPr>
+            <p:ph idx="1"/>
+          </p:nvPr>
+        </p:nvSpPr>
+        <p:spPr/>
+        <p:txBody>
+          <a:bodyPr/>
+          <a:lstStyle/>
+          <a:p>
+            <a:r>
+              <a:rPr lang="de-DE" dirty="0" smtClean="0">
+                <a:hlinkClick r:id="rId2"/>
+              </a:rPr>
+              <a:t>1: https://stackify.com/function-as-a-service-serverless-architecture/</a:t>
+            </a:r>
+            <a:endParaRPr lang="de-DE" dirty="0" smtClean="0"/>
+          </a:p>
+          <a:p>
+            <a:r>
+              <a:rPr lang="de-DE" dirty="0" smtClean="0">
+                <a:hlinkClick r:id="rId3"/>
+              </a:rPr>
+              <a:t>2: https://www.computerwoche.de/a/ein-ausflug-in-die-welt-der-serverless-architekturen,3331496</a:t>
+            </a:r>
+            <a:endParaRPr lang="de-DE" dirty="0" smtClean="0"/>
+          </a:p>
+          <a:p>
+            <a:r>
+              <a:rPr lang="de-DE" dirty="0" smtClean="0">
+                <a:hlinkClick r:id="rId4"/>
+              </a:rPr>
+              <a:t>3: http://t3n.de/news/serverless-computing-server-code-849986/</a:t>
+            </a:r>
+            <a:endParaRPr lang="de-DE" dirty="0" smtClean="0"/>
+          </a:p>
+          <a:p>
+            <a:r>
+              <a:rPr lang="de-DE" dirty="0" smtClean="0"/>
+              <a:t>4: https://www.youtube.com/watch?v=nzOE6pIg6Pw</a:t>
+            </a:r>
+          </a:p>
+          <a:p>
+            <a:endParaRPr lang="de-DE" dirty="0"/>
+          </a:p>
+        </p:txBody>
+      </p:sp>
+    </p:spTree>
+    <p:extLst>
+      <p:ext uri="{BB962C8B-B14F-4D97-AF65-F5344CB8AC3E}">
+        <p14:creationId xmlns:p14="http://schemas.microsoft.com/office/powerpoint/2010/main" val="47548112"/>
+      </p:ext>
+    </p:extLst>
+  </p:cSld>
+  <p:clrMapOvr>
+    <a:masterClrMapping/>
+  </p:clrMapOvr>
+</p:sld>
+</file>
+
+<file path=ppt/slides/slide2.xml><?xml version="1.0" encoding="utf-8"?>
+<p:sld xmlns:a="http://schemas.openxmlformats.org/drawingml/2006/main" xmlns:r="http://schemas.openxmlformats.org/officeDocument/2006/relationships" xmlns:p="http://schemas.openxmlformats.org/presentationml/2006/main">
+  <p:cSld>
+    <p:spTree>
+      <p:nvGrpSpPr>
+        <p:cNvPr id="1" name=""/>
+        <p:cNvGrpSpPr/>
+        <p:nvPr/>
+      </p:nvGrpSpPr>
+      <p:grpSpPr>
+        <a:xfrm>
+          <a:off x="0" y="0"/>
+          <a:ext cx="0" cy="0"/>
+          <a:chOff x="0" y="0"/>
+          <a:chExt cx="0" cy="0"/>
+        </a:xfrm>
+      </p:grpSpPr>
+      <p:sp>
+        <p:nvSpPr>
+          <p:cNvPr id="2" name="Titel 1"/>
+          <p:cNvSpPr>
+            <a:spLocks noGrp="1"/>
+          </p:cNvSpPr>
+          <p:nvPr>
+            <p:ph type="title"/>
+          </p:nvPr>
+        </p:nvSpPr>
+        <p:spPr/>
+        <p:txBody>
+          <a:bodyPr/>
+          <a:lstStyle/>
+          <a:p>
+            <a:r>
+              <a:rPr lang="de-DE" dirty="0" smtClean="0"/>
+              <a:t>Vorstellung von </a:t>
+            </a:r>
+            <a:r>
+              <a:rPr lang="de-DE" dirty="0" err="1" smtClean="0"/>
+              <a:t>FaaS</a:t>
+            </a:r>
+            <a:endParaRPr lang="de-DE" dirty="0"/>
+          </a:p>
+        </p:txBody>
+      </p:sp>
+      <p:sp>
+        <p:nvSpPr>
+          <p:cNvPr id="3" name="Inhaltsplatzhalter 2"/>
+          <p:cNvSpPr>
+            <a:spLocks noGrp="1"/>
+          </p:cNvSpPr>
+          <p:nvPr>
+            <p:ph idx="1"/>
+          </p:nvPr>
+        </p:nvSpPr>
+        <p:spPr/>
+        <p:txBody>
+          <a:bodyPr/>
+          <a:lstStyle/>
+          <a:p>
+            <a:endParaRPr lang="de-DE"/>
+          </a:p>
+        </p:txBody>
+      </p:sp>
+    </p:spTree>
+    <p:extLst>
+      <p:ext uri="{BB962C8B-B14F-4D97-AF65-F5344CB8AC3E}">
+        <p14:creationId xmlns:p14="http://schemas.microsoft.com/office/powerpoint/2010/main" val="3579012696"/>
+      </p:ext>
+    </p:extLst>
+  </p:cSld>
+  <p:clrMapOvr>
+    <a:masterClrMapping/>
+  </p:clrMapOvr>
+</p:sld>
+</file>
+
+<file path=ppt/slides/slide3.xml><?xml version="1.0" encoding="utf-8"?>
+<p:sld xmlns:a="http://schemas.openxmlformats.org/drawingml/2006/main" xmlns:r="http://schemas.openxmlformats.org/officeDocument/2006/relationships" xmlns:p="http://schemas.openxmlformats.org/presentationml/2006/main">
+  <p:cSld>
+    <p:spTree>
+      <p:nvGrpSpPr>
+        <p:cNvPr id="1" name=""/>
+        <p:cNvGrpSpPr/>
+        <p:nvPr/>
+      </p:nvGrpSpPr>
+      <p:grpSpPr>
+        <a:xfrm>
+          <a:off x="0" y="0"/>
+          <a:ext cx="0" cy="0"/>
+          <a:chOff x="0" y="0"/>
+          <a:chExt cx="0" cy="0"/>
+        </a:xfrm>
+      </p:grpSpPr>
+      <p:sp>
+        <p:nvSpPr>
+          <p:cNvPr id="2" name="Titel 1"/>
+          <p:cNvSpPr>
+            <a:spLocks noGrp="1"/>
+          </p:cNvSpPr>
+          <p:nvPr>
+            <p:ph type="title"/>
+          </p:nvPr>
+        </p:nvSpPr>
+        <p:spPr/>
+        <p:txBody>
+          <a:bodyPr/>
+          <a:lstStyle/>
+          <a:p>
+            <a:r>
+              <a:rPr lang="de-DE" dirty="0" smtClean="0"/>
+              <a:t>Vorstellung </a:t>
+            </a:r>
+            <a:r>
+              <a:rPr lang="de-DE" dirty="0" err="1" smtClean="0"/>
+              <a:t>PaaS</a:t>
+            </a:r>
+            <a:endParaRPr lang="de-DE" dirty="0"/>
+          </a:p>
+        </p:txBody>
+      </p:sp>
+      <p:sp>
+        <p:nvSpPr>
+          <p:cNvPr id="3" name="Inhaltsplatzhalter 2"/>
+          <p:cNvSpPr>
+            <a:spLocks noGrp="1"/>
+          </p:cNvSpPr>
+          <p:nvPr>
+            <p:ph idx="1"/>
+          </p:nvPr>
+        </p:nvSpPr>
+        <p:spPr/>
+        <p:txBody>
+          <a:bodyPr/>
+          <a:lstStyle/>
+          <a:p>
+            <a:pPr marL="0" indent="0">
+              <a:buNone/>
+            </a:pPr>
+            <a:endParaRPr lang="de-DE" dirty="0"/>
+          </a:p>
+        </p:txBody>
+      </p:sp>
+    </p:spTree>
+    <p:extLst>
+      <p:ext uri="{BB962C8B-B14F-4D97-AF65-F5344CB8AC3E}">
+        <p14:creationId xmlns:p14="http://schemas.microsoft.com/office/powerpoint/2010/main" val="3442773307"/>
+      </p:ext>
+    </p:extLst>
+  </p:cSld>
+  <p:clrMapOvr>
+    <a:masterClrMapping/>
+  </p:clrMapOvr>
+</p:sld>
+</file>
+
+<file path=ppt/slides/slide4.xml><?xml version="1.0" encoding="utf-8"?>
+<p:sld xmlns:a="http://schemas.openxmlformats.org/drawingml/2006/main" xmlns:r="http://schemas.openxmlformats.org/officeDocument/2006/relationships" xmlns:p="http://schemas.openxmlformats.org/presentationml/2006/main">
+  <p:cSld>
+    <p:spTree>
+      <p:nvGrpSpPr>
+        <p:cNvPr id="1" name=""/>
+        <p:cNvGrpSpPr/>
+        <p:nvPr/>
+      </p:nvGrpSpPr>
+      <p:grpSpPr>
+        <a:xfrm>
+          <a:off x="0" y="0"/>
+          <a:ext cx="0" cy="0"/>
+          <a:chOff x="0" y="0"/>
+          <a:chExt cx="0" cy="0"/>
+        </a:xfrm>
+      </p:grpSpPr>
+      <p:sp>
+        <p:nvSpPr>
+          <p:cNvPr id="2" name="Titel 1"/>
+          <p:cNvSpPr>
+            <a:spLocks noGrp="1"/>
+          </p:cNvSpPr>
+          <p:nvPr>
+            <p:ph type="title"/>
+          </p:nvPr>
+        </p:nvSpPr>
+        <p:spPr/>
+        <p:txBody>
+          <a:bodyPr/>
+          <a:lstStyle/>
+          <a:p>
+            <a:r>
+              <a:rPr lang="de-DE" dirty="0" smtClean="0"/>
+              <a:t>Was ist </a:t>
+            </a:r>
+            <a:r>
+              <a:rPr lang="de-DE" dirty="0" err="1" smtClean="0"/>
+              <a:t>PaaS</a:t>
+            </a:r>
+            <a:r>
+              <a:rPr lang="de-DE" dirty="0" smtClean="0"/>
+              <a:t>?</a:t>
+            </a:r>
+            <a:endParaRPr lang="de-DE" dirty="0"/>
+          </a:p>
+        </p:txBody>
+      </p:sp>
+      <p:sp>
+        <p:nvSpPr>
+          <p:cNvPr id="3" name="Inhaltsplatzhalter 2"/>
+          <p:cNvSpPr>
+            <a:spLocks noGrp="1"/>
+          </p:cNvSpPr>
+          <p:nvPr>
+            <p:ph idx="1"/>
+          </p:nvPr>
+        </p:nvSpPr>
+        <p:spPr/>
+        <p:txBody>
+          <a:bodyPr/>
+          <a:lstStyle/>
+          <a:p>
+            <a:r>
+              <a:rPr lang="de-DE" dirty="0" smtClean="0"/>
+              <a:t>ist </a:t>
+            </a:r>
+            <a:r>
+              <a:rPr lang="de-DE" dirty="0"/>
+              <a:t>ein Typ von Service der ein </a:t>
+            </a:r>
+            <a:r>
+              <a:rPr lang="de-DE" dirty="0" smtClean="0"/>
+              <a:t>Programmiermodell und Entwicklerwerkzeuge </a:t>
+            </a:r>
+            <a:r>
+              <a:rPr lang="de-DE" dirty="0"/>
+              <a:t>bereitstellt</a:t>
+            </a:r>
+          </a:p>
+          <a:p>
+            <a:r>
+              <a:rPr lang="de-DE" dirty="0"/>
+              <a:t>dient dazu Cloud-basierte Anwendungen zu erstellen, auszuführen</a:t>
+            </a:r>
+            <a:endParaRPr lang="de-DE" dirty="0"/>
+          </a:p>
+        </p:txBody>
+      </p:sp>
+      <p:pic>
+        <p:nvPicPr>
+          <p:cNvPr id="5" name="Grafik 4"/>
+          <p:cNvPicPr>
+            <a:picLocks noChangeAspect="1"/>
+          </p:cNvPicPr>
+          <p:nvPr/>
+        </p:nvPicPr>
+        <p:blipFill>
+          <a:blip r:embed="rId3">
+            <a:extLst>
+              <a:ext uri="{28A0092B-C50C-407E-A947-70E740481C1C}">
+                <a14:useLocalDpi xmlns:a14="http://schemas.microsoft.com/office/drawing/2010/main" val="0"/>
+              </a:ext>
+            </a:extLst>
+          </a:blip>
+          <a:stretch>
+            <a:fillRect/>
+          </a:stretch>
+        </p:blipFill>
+        <p:spPr>
+          <a:xfrm>
+            <a:off x="4581478" y="3581258"/>
+            <a:ext cx="2847975" cy="2809875"/>
+          </a:xfrm>
+          <a:prstGeom prst="rect">
+            <a:avLst/>
+          </a:prstGeom>
+        </p:spPr>
+      </p:pic>
+    </p:spTree>
+    <p:extLst>
+      <p:ext uri="{BB962C8B-B14F-4D97-AF65-F5344CB8AC3E}">
+        <p14:creationId xmlns:p14="http://schemas.microsoft.com/office/powerpoint/2010/main" val="2869709897"/>
+      </p:ext>
+    </p:extLst>
+  </p:cSld>
+  <p:clrMapOvr>
+    <a:masterClrMapping/>
+  </p:clrMapOvr>
+</p:sld>
+</file>
+
+<file path=ppt/slides/slide5.xml><?xml version="1.0" encoding="utf-8"?>
+<p:sld xmlns:a="http://schemas.openxmlformats.org/drawingml/2006/main" xmlns:r="http://schemas.openxmlformats.org/officeDocument/2006/relationships" xmlns:p="http://schemas.openxmlformats.org/presentationml/2006/main">
+  <p:cSld>
+    <p:spTree>
+      <p:nvGrpSpPr>
+        <p:cNvPr id="1" name=""/>
+        <p:cNvGrpSpPr/>
+        <p:nvPr/>
+      </p:nvGrpSpPr>
+      <p:grpSpPr>
+        <a:xfrm>
+          <a:off x="0" y="0"/>
+          <a:ext cx="0" cy="0"/>
+          <a:chOff x="0" y="0"/>
+          <a:chExt cx="0" cy="0"/>
+        </a:xfrm>
+      </p:grpSpPr>
+      <p:sp>
+        <p:nvSpPr>
+          <p:cNvPr id="2" name="Titel 1"/>
+          <p:cNvSpPr>
+            <a:spLocks noGrp="1"/>
+          </p:cNvSpPr>
+          <p:nvPr>
+            <p:ph type="title"/>
+          </p:nvPr>
+        </p:nvSpPr>
+        <p:spPr/>
+        <p:txBody>
+          <a:bodyPr/>
+          <a:lstStyle/>
+          <a:p>
+            <a:r>
+              <a:rPr lang="de-DE" dirty="0" smtClean="0"/>
+              <a:t>Welche </a:t>
+            </a:r>
+            <a:r>
+              <a:rPr lang="de-DE" dirty="0" err="1" smtClean="0"/>
+              <a:t>Recourcen</a:t>
+            </a:r>
+            <a:r>
+              <a:rPr lang="de-DE" dirty="0" smtClean="0"/>
+              <a:t> werden bereitgestellt?</a:t>
+            </a:r>
+            <a:endParaRPr lang="de-DE" dirty="0"/>
+          </a:p>
+        </p:txBody>
+      </p:sp>
+      <p:sp>
+        <p:nvSpPr>
+          <p:cNvPr id="3" name="Inhaltsplatzhalter 2"/>
+          <p:cNvSpPr>
+            <a:spLocks noGrp="1"/>
+          </p:cNvSpPr>
+          <p:nvPr>
+            <p:ph idx="1"/>
+          </p:nvPr>
+        </p:nvSpPr>
+        <p:spPr/>
+        <p:txBody>
+          <a:bodyPr/>
+          <a:lstStyle/>
+          <a:p>
+            <a:r>
+              <a:rPr lang="de-DE" dirty="0" smtClean="0"/>
+              <a:t>Rechenleistung</a:t>
+            </a:r>
+            <a:endParaRPr lang="de-DE" dirty="0"/>
+          </a:p>
+          <a:p>
+            <a:r>
+              <a:rPr lang="de-DE" dirty="0" smtClean="0"/>
+              <a:t>Speicher</a:t>
+            </a:r>
+            <a:endParaRPr lang="de-DE" dirty="0"/>
+          </a:p>
+          <a:p>
+            <a:r>
+              <a:rPr lang="de-DE" dirty="0" smtClean="0"/>
+              <a:t>Netzwerk</a:t>
+            </a:r>
+            <a:endParaRPr lang="de-DE" dirty="0"/>
+          </a:p>
+          <a:p>
+            <a:r>
+              <a:rPr lang="de-DE" dirty="0" smtClean="0"/>
+              <a:t>Middleware </a:t>
+            </a:r>
+            <a:r>
+              <a:rPr lang="de-DE" dirty="0"/>
+              <a:t>(Message Queuing, Load </a:t>
+            </a:r>
+            <a:r>
+              <a:rPr lang="de-DE" dirty="0" err="1"/>
+              <a:t>Balancing</a:t>
+            </a:r>
+            <a:r>
+              <a:rPr lang="de-DE" dirty="0"/>
+              <a:t>)</a:t>
+            </a:r>
+          </a:p>
+          <a:p>
+            <a:r>
+              <a:rPr lang="de-DE" dirty="0" smtClean="0"/>
+              <a:t>Datenbanken</a:t>
+            </a:r>
+            <a:endParaRPr lang="de-DE" dirty="0"/>
+          </a:p>
+          <a:p>
+            <a:endParaRPr lang="de-DE" dirty="0"/>
+          </a:p>
+        </p:txBody>
+      </p:sp>
+      <p:pic>
+        <p:nvPicPr>
+          <p:cNvPr id="4" name="Grafik 3"/>
+          <p:cNvPicPr>
+            <a:picLocks noChangeAspect="1"/>
+          </p:cNvPicPr>
+          <p:nvPr/>
+        </p:nvPicPr>
+        <p:blipFill>
+          <a:blip r:embed="rId3">
+            <a:extLst>
+              <a:ext uri="{28A0092B-C50C-407E-A947-70E740481C1C}">
+                <a14:useLocalDpi xmlns:a14="http://schemas.microsoft.com/office/drawing/2010/main" val="0"/>
+              </a:ext>
+            </a:extLst>
+          </a:blip>
+          <a:stretch>
+            <a:fillRect/>
+          </a:stretch>
+        </p:blipFill>
+        <p:spPr>
+          <a:xfrm>
+            <a:off x="7578246" y="3132499"/>
+            <a:ext cx="3575625" cy="2888259"/>
+          </a:xfrm>
+          <a:prstGeom prst="rect">
+            <a:avLst/>
+          </a:prstGeom>
+        </p:spPr>
+      </p:pic>
+    </p:spTree>
+    <p:extLst>
+      <p:ext uri="{BB962C8B-B14F-4D97-AF65-F5344CB8AC3E}">
+        <p14:creationId xmlns:p14="http://schemas.microsoft.com/office/powerpoint/2010/main" val="3345692893"/>
+      </p:ext>
+    </p:extLst>
+  </p:cSld>
+  <p:clrMapOvr>
+    <a:masterClrMapping/>
+  </p:clrMapOvr>
+</p:sld>
+</file>
+
 <file path=ppt/slides/slide6.xml><?xml version="1.0" encoding="utf-8"?>
 <p:sld xmlns:a="http://schemas.openxmlformats.org/drawingml/2006/main" xmlns:r="http://schemas.openxmlformats.org/officeDocument/2006/relationships" xmlns:p="http://schemas.openxmlformats.org/presentationml/2006/main">
   <p:cSld>
@@ -3400,7 +4834,7 @@
           <a:p>
             <a:r>
               <a:rPr lang="de-DE" dirty="0" smtClean="0"/>
-              <a:t>Vorteile</a:t>
+              <a:t>Wie werden die Ressourcen bereit gestellt?</a:t>
             </a:r>
             <a:endParaRPr lang="de-DE" dirty="0"/>
           </a:p>
@@ -3423,33 +4857,30 @@
           <a:p>
             <a:r>
               <a:rPr lang="de-DE" dirty="0" smtClean="0"/>
-              <a:t>Leistung Variabel</a:t>
+              <a:t>Ressourcen </a:t>
+            </a:r>
+            <a:r>
+              <a:rPr lang="de-DE" dirty="0"/>
+              <a:t>werden automatisch beim erstellen der Applikation zur Verfügung  gestellt</a:t>
             </a:r>
           </a:p>
           <a:p>
             <a:r>
               <a:rPr lang="de-DE" dirty="0" smtClean="0"/>
-              <a:t>Keine Kosten für nicht genutzte Server</a:t>
-            </a:r>
-          </a:p>
-          <a:p>
-            <a:r>
-              <a:rPr lang="de-DE" dirty="0" smtClean="0"/>
-              <a:t>Einfacheres Programmieren</a:t>
-            </a:r>
-          </a:p>
-          <a:p>
-            <a:r>
-              <a:rPr lang="de-DE" dirty="0" smtClean="0"/>
-              <a:t>Bessere Nutzung der </a:t>
-            </a:r>
-            <a:r>
-              <a:rPr lang="de-DE" dirty="0" err="1" smtClean="0"/>
-              <a:t>Resourcen</a:t>
-            </a:r>
-            <a:endParaRPr lang="de-DE" dirty="0" smtClean="0"/>
-          </a:p>
-          <a:p>
+              <a:t>sie </a:t>
+            </a:r>
+            <a:r>
+              <a:rPr lang="de-DE" dirty="0"/>
+              <a:t>werden abhängig von den Anforderungen skaliert ("</a:t>
+            </a:r>
+            <a:r>
+              <a:rPr lang="de-DE" dirty="0" err="1"/>
+              <a:t>fabric</a:t>
+            </a:r>
+            <a:r>
+              <a:rPr lang="de-DE" dirty="0"/>
+              <a:t>")</a:t>
+            </a:r>
             <a:endParaRPr lang="de-DE" dirty="0"/>
           </a:p>
         </p:txBody>
@@ -3457,7 +4888,7 @@
     </p:spTree>
     <p:extLst>
       <p:ext uri="{BB962C8B-B14F-4D97-AF65-F5344CB8AC3E}">
-        <p14:creationId xmlns:p14="http://schemas.microsoft.com/office/powerpoint/2010/main" val="1027739593"/>
+        <p14:creationId xmlns:p14="http://schemas.microsoft.com/office/powerpoint/2010/main" val="1267479835"/>
       </p:ext>
     </p:extLst>
   </p:cSld>
@@ -3501,83 +4932,91 @@
           <a:p>
             <a:r>
               <a:rPr lang="de-DE" dirty="0" smtClean="0"/>
-              <a:t>Beispielcode</a:t>
+              <a:t>Vorteile?</a:t>
             </a:r>
             <a:endParaRPr lang="de-DE" dirty="0"/>
           </a:p>
         </p:txBody>
       </p:sp>
-      <p:pic>
-        <p:nvPicPr>
-          <p:cNvPr id="4" name="Inhaltsplatzhalter 3"/>
-          <p:cNvPicPr>
-            <a:picLocks noGrp="1" noChangeAspect="1"/>
-          </p:cNvPicPr>
+      <p:sp>
+        <p:nvSpPr>
+          <p:cNvPr id="3" name="Inhaltsplatzhalter 2"/>
+          <p:cNvSpPr>
+            <a:spLocks noGrp="1"/>
+          </p:cNvSpPr>
           <p:nvPr>
             <p:ph idx="1"/>
           </p:nvPr>
-        </p:nvPicPr>
-        <p:blipFill>
-          <a:blip r:embed="rId2">
-            <a:extLst>
-              <a:ext uri="{28A0092B-C50C-407E-A947-70E740481C1C}">
-                <a14:useLocalDpi xmlns:a14="http://schemas.microsoft.com/office/drawing/2010/main" val="0"/>
-              </a:ext>
-            </a:extLst>
-          </a:blip>
-          <a:stretch>
-            <a:fillRect/>
-          </a:stretch>
-        </p:blipFill>
-        <p:spPr>
-          <a:xfrm>
-            <a:off x="1822989" y="1690688"/>
-            <a:ext cx="7840169" cy="2333951"/>
-          </a:xfrm>
-        </p:spPr>
-      </p:pic>
-      <p:sp>
-        <p:nvSpPr>
-          <p:cNvPr id="5" name="Textfeld 4"/>
-          <p:cNvSpPr txBox="1"/>
-          <p:nvPr/>
-        </p:nvSpPr>
-        <p:spPr>
-          <a:xfrm>
-            <a:off x="1989221" y="4716379"/>
-            <a:ext cx="7443537" cy="369332"/>
-          </a:xfrm>
-          <a:prstGeom prst="rect">
-            <a:avLst/>
-          </a:prstGeom>
-          <a:noFill/>
-        </p:spPr>
-        <p:txBody>
-          <a:bodyPr wrap="square" rtlCol="0">
-            <a:spAutoFit/>
+        </p:nvSpPr>
+        <p:spPr/>
+        <p:txBody>
+          <a:bodyPr>
+            <a:normAutofit lnSpcReduction="10000"/>
           </a:bodyPr>
           <a:lstStyle/>
           <a:p>
             <a:r>
               <a:rPr lang="de-DE" dirty="0" smtClean="0"/>
-              <a:t>Einfaches Beispiel für ein Request (</a:t>
-            </a:r>
-            <a:r>
-              <a:rPr lang="de-DE" dirty="0" err="1" smtClean="0"/>
-              <a:t>Azure</a:t>
-            </a:r>
+              <a:t>Monitoring-Funktionen ( </a:t>
+            </a:r>
+            <a:r>
+              <a:rPr lang="de-DE" dirty="0"/>
+              <a:t>Laufzeitverhalten der Anwendungen kann überwacht werden)</a:t>
+            </a:r>
+          </a:p>
+          <a:p>
             <a:r>
               <a:rPr lang="de-DE" dirty="0" smtClean="0"/>
-              <a:t> </a:t>
-            </a:r>
-            <a:r>
-              <a:rPr lang="de-DE" dirty="0" err="1" smtClean="0"/>
-              <a:t>Functions</a:t>
-            </a:r>
-            <a:r>
-              <a:rPr lang="de-DE" dirty="0" smtClean="0"/>
-              <a:t>)</a:t>
-            </a:r>
+              <a:t>punktet </a:t>
+            </a:r>
+            <a:r>
+              <a:rPr lang="de-DE" dirty="0"/>
+              <a:t>mit flexiblen und transparenten Kosten</a:t>
+            </a:r>
+          </a:p>
+          <a:p>
+            <a:r>
+              <a:rPr lang="de-DE" dirty="0"/>
+              <a:t>leistungsstarke </a:t>
+            </a:r>
+            <a:r>
+              <a:rPr lang="de-DE" dirty="0" err="1"/>
+              <a:t>Deployment</a:t>
+            </a:r>
+            <a:r>
+              <a:rPr lang="de-DE" dirty="0"/>
+              <a:t>- und </a:t>
+            </a:r>
+            <a:r>
+              <a:rPr lang="de-DE" dirty="0" err="1"/>
+              <a:t>Managment</a:t>
+            </a:r>
+            <a:r>
+              <a:rPr lang="de-DE" dirty="0"/>
+              <a:t>-Tools.</a:t>
+            </a:r>
+          </a:p>
+          <a:p>
+            <a:r>
+              <a:rPr lang="de-DE" dirty="0"/>
+              <a:t>Entwickler können sich mehr auf ihre individuelle Business-Logik konzentrieren.</a:t>
+            </a:r>
+          </a:p>
+          <a:p>
+            <a:r>
+              <a:rPr lang="de-DE" dirty="0"/>
+              <a:t>komplexe Aufgaben die mit dem Betrieb einer sicheren, hochverfügbaren und leicht skalierbaren Anwendungsinfrastruktur zusammenhängen, liegen im Verantwortungsbereich des </a:t>
+            </a:r>
+            <a:r>
+              <a:rPr lang="de-DE" dirty="0" err="1"/>
+              <a:t>PaaS</a:t>
+            </a:r>
+            <a:r>
+              <a:rPr lang="de-DE" dirty="0"/>
+              <a:t>-Anbieters.</a:t>
+            </a:r>
+          </a:p>
+          <a:p>
             <a:endParaRPr lang="de-DE" dirty="0"/>
           </a:p>
         </p:txBody>
@@ -3585,7 +5024,7 @@
     </p:spTree>
     <p:extLst>
       <p:ext uri="{BB962C8B-B14F-4D97-AF65-F5344CB8AC3E}">
-        <p14:creationId xmlns:p14="http://schemas.microsoft.com/office/powerpoint/2010/main" val="1802792043"/>
+        <p14:creationId xmlns:p14="http://schemas.microsoft.com/office/powerpoint/2010/main" val="3344529334"/>
       </p:ext>
     </p:extLst>
   </p:cSld>
@@ -3629,7 +5068,7 @@
           <a:p>
             <a:r>
               <a:rPr lang="de-DE" dirty="0" smtClean="0"/>
-              <a:t>Quellen</a:t>
+              <a:t>Anbieter</a:t>
             </a:r>
             <a:endParaRPr lang="de-DE" dirty="0"/>
           </a:p>
@@ -3647,50 +5086,264 @@
         </p:nvSpPr>
         <p:spPr/>
         <p:txBody>
-          <a:bodyPr/>
-          <a:lstStyle/>
-          <a:p>
-            <a:r>
-              <a:rPr lang="de-DE" dirty="0" smtClean="0">
-                <a:hlinkClick r:id="rId2"/>
-              </a:rPr>
-              <a:t>1: https://stackify.com/function-as-a-service-serverless-architecture/</a:t>
-            </a:r>
+          <a:bodyPr>
+            <a:normAutofit lnSpcReduction="10000"/>
+          </a:bodyPr>
+          <a:lstStyle/>
+          <a:p>
+            <a:r>
+              <a:rPr lang="de-DE" dirty="0" smtClean="0"/>
+              <a:t>Google </a:t>
+            </a:r>
+            <a:r>
+              <a:rPr lang="de-DE" dirty="0"/>
+              <a:t>(Google App Engine</a:t>
+            </a:r>
+            <a:r>
+              <a:rPr lang="de-DE" dirty="0" smtClean="0"/>
+              <a:t>)</a:t>
+            </a:r>
+          </a:p>
+          <a:p>
             <a:endParaRPr lang="de-DE" dirty="0" smtClean="0"/>
           </a:p>
           <a:p>
-            <a:r>
-              <a:rPr lang="de-DE" dirty="0" smtClean="0">
-                <a:hlinkClick r:id="rId3"/>
-              </a:rPr>
-              <a:t>2: https://www.computerwoche.de/a/ein-ausflug-in-die-welt-der-serverless-architekturen,3331496</a:t>
-            </a:r>
             <a:endParaRPr lang="de-DE" dirty="0" smtClean="0"/>
           </a:p>
           <a:p>
-            <a:r>
-              <a:rPr lang="de-DE" dirty="0" smtClean="0">
-                <a:hlinkClick r:id="rId4"/>
-              </a:rPr>
-              <a:t>3: http://t3n.de/news/serverless-computing-server-code-849986/</a:t>
-            </a:r>
+            <a:endParaRPr lang="de-DE" dirty="0"/>
+          </a:p>
+          <a:p>
+            <a:r>
+              <a:rPr lang="de-DE" dirty="0" smtClean="0"/>
+              <a:t>Microsoft </a:t>
+            </a:r>
+            <a:r>
+              <a:rPr lang="de-DE" dirty="0"/>
+              <a:t>(Windows </a:t>
+            </a:r>
+            <a:r>
+              <a:rPr lang="de-DE" dirty="0" err="1"/>
+              <a:t>Azure</a:t>
+            </a:r>
+            <a:r>
+              <a:rPr lang="de-DE" dirty="0" smtClean="0"/>
+              <a:t>)</a:t>
+            </a:r>
+          </a:p>
+          <a:p>
             <a:endParaRPr lang="de-DE" dirty="0" smtClean="0"/>
           </a:p>
           <a:p>
+            <a:endParaRPr lang="de-DE" dirty="0" smtClean="0"/>
+          </a:p>
+          <a:p>
+            <a:endParaRPr lang="de-DE" dirty="0" smtClean="0"/>
+          </a:p>
+          <a:p>
             <a:r>
               <a:rPr lang="de-DE" dirty="0" smtClean="0"/>
-              <a:t>4: https://www.youtube.com/watch?v=nzOE6pIg6Pw</a:t>
-            </a:r>
-          </a:p>
-          <a:p>
-            <a:endParaRPr lang="de-DE" dirty="0"/>
-          </a:p>
-        </p:txBody>
-      </p:sp>
+              <a:t>Amazon </a:t>
+            </a:r>
+            <a:r>
+              <a:rPr lang="de-DE" dirty="0"/>
+              <a:t>(Amazon </a:t>
+            </a:r>
+            <a:r>
+              <a:rPr lang="de-DE" dirty="0" err="1"/>
+              <a:t>Elastic</a:t>
+            </a:r>
+            <a:r>
+              <a:rPr lang="de-DE" dirty="0"/>
+              <a:t> </a:t>
+            </a:r>
+            <a:r>
+              <a:rPr lang="de-DE" dirty="0" err="1"/>
+              <a:t>Beanstalk</a:t>
+            </a:r>
+            <a:r>
+              <a:rPr lang="de-DE" dirty="0"/>
+              <a:t>)</a:t>
+            </a:r>
+          </a:p>
+        </p:txBody>
+      </p:sp>
+      <p:pic>
+        <p:nvPicPr>
+          <p:cNvPr id="4" name="Grafik 3"/>
+          <p:cNvPicPr>
+            <a:picLocks noChangeAspect="1"/>
+          </p:cNvPicPr>
+          <p:nvPr/>
+        </p:nvPicPr>
+        <p:blipFill>
+          <a:blip r:embed="rId3">
+            <a:extLst>
+              <a:ext uri="{28A0092B-C50C-407E-A947-70E740481C1C}">
+                <a14:useLocalDpi xmlns:a14="http://schemas.microsoft.com/office/drawing/2010/main" val="0"/>
+              </a:ext>
+            </a:extLst>
+          </a:blip>
+          <a:stretch>
+            <a:fillRect/>
+          </a:stretch>
+        </p:blipFill>
+        <p:spPr>
+          <a:xfrm>
+            <a:off x="6802108" y="4734220"/>
+            <a:ext cx="1949512" cy="1949512"/>
+          </a:xfrm>
+          <a:prstGeom prst="rect">
+            <a:avLst/>
+          </a:prstGeom>
+        </p:spPr>
+      </p:pic>
+      <p:pic>
+        <p:nvPicPr>
+          <p:cNvPr id="5" name="Grafik 4"/>
+          <p:cNvPicPr>
+            <a:picLocks noChangeAspect="1"/>
+          </p:cNvPicPr>
+          <p:nvPr/>
+        </p:nvPicPr>
+        <p:blipFill>
+          <a:blip r:embed="rId4">
+            <a:extLst>
+              <a:ext uri="{28A0092B-C50C-407E-A947-70E740481C1C}">
+                <a14:useLocalDpi xmlns:a14="http://schemas.microsoft.com/office/drawing/2010/main" val="0"/>
+              </a:ext>
+            </a:extLst>
+          </a:blip>
+          <a:stretch>
+            <a:fillRect/>
+          </a:stretch>
+        </p:blipFill>
+        <p:spPr>
+          <a:xfrm>
+            <a:off x="6077872" y="2675939"/>
+            <a:ext cx="2709962" cy="1812871"/>
+          </a:xfrm>
+          <a:prstGeom prst="rect">
+            <a:avLst/>
+          </a:prstGeom>
+        </p:spPr>
+      </p:pic>
+      <p:pic>
+        <p:nvPicPr>
+          <p:cNvPr id="6" name="Grafik 5"/>
+          <p:cNvPicPr>
+            <a:picLocks noChangeAspect="1"/>
+          </p:cNvPicPr>
+          <p:nvPr/>
+        </p:nvPicPr>
+        <p:blipFill>
+          <a:blip r:embed="rId5">
+            <a:extLst>
+              <a:ext uri="{28A0092B-C50C-407E-A947-70E740481C1C}">
+                <a14:useLocalDpi xmlns:a14="http://schemas.microsoft.com/office/drawing/2010/main" val="0"/>
+              </a:ext>
+            </a:extLst>
+          </a:blip>
+          <a:stretch>
+            <a:fillRect/>
+          </a:stretch>
+        </p:blipFill>
+        <p:spPr>
+          <a:xfrm>
+            <a:off x="5808532" y="479337"/>
+            <a:ext cx="3154399" cy="2184421"/>
+          </a:xfrm>
+          <a:prstGeom prst="rect">
+            <a:avLst/>
+          </a:prstGeom>
+        </p:spPr>
+      </p:pic>
     </p:spTree>
     <p:extLst>
       <p:ext uri="{BB962C8B-B14F-4D97-AF65-F5344CB8AC3E}">
-        <p14:creationId xmlns:p14="http://schemas.microsoft.com/office/powerpoint/2010/main" val="47548112"/>
+        <p14:creationId xmlns:p14="http://schemas.microsoft.com/office/powerpoint/2010/main" val="2844539051"/>
+      </p:ext>
+    </p:extLst>
+  </p:cSld>
+  <p:clrMapOvr>
+    <a:masterClrMapping/>
+  </p:clrMapOvr>
+</p:sld>
+</file>
+
+<file path=ppt/slides/slide9.xml><?xml version="1.0" encoding="utf-8"?>
+<p:sld xmlns:a="http://schemas.openxmlformats.org/drawingml/2006/main" xmlns:r="http://schemas.openxmlformats.org/officeDocument/2006/relationships" xmlns:p="http://schemas.openxmlformats.org/presentationml/2006/main">
+  <p:cSld>
+    <p:spTree>
+      <p:nvGrpSpPr>
+        <p:cNvPr id="1" name=""/>
+        <p:cNvGrpSpPr/>
+        <p:nvPr/>
+      </p:nvGrpSpPr>
+      <p:grpSpPr>
+        <a:xfrm>
+          <a:off x="0" y="0"/>
+          <a:ext cx="0" cy="0"/>
+          <a:chOff x="0" y="0"/>
+          <a:chExt cx="0" cy="0"/>
+        </a:xfrm>
+      </p:grpSpPr>
+      <p:sp>
+        <p:nvSpPr>
+          <p:cNvPr id="2" name="Titel 1"/>
+          <p:cNvSpPr>
+            <a:spLocks noGrp="1"/>
+          </p:cNvSpPr>
+          <p:nvPr>
+            <p:ph type="title"/>
+          </p:nvPr>
+        </p:nvSpPr>
+        <p:spPr/>
+        <p:txBody>
+          <a:bodyPr/>
+          <a:lstStyle/>
+          <a:p>
+            <a:r>
+              <a:rPr lang="de-DE" dirty="0" smtClean="0"/>
+              <a:t>Grundkonzept</a:t>
+            </a:r>
+            <a:endParaRPr lang="de-DE" dirty="0"/>
+          </a:p>
+        </p:txBody>
+      </p:sp>
+      <p:pic>
+        <p:nvPicPr>
+          <p:cNvPr id="4" name="Inhaltsplatzhalter 3"/>
+          <p:cNvPicPr>
+            <a:picLocks noGrp="1" noChangeAspect="1"/>
+          </p:cNvPicPr>
+          <p:nvPr>
+            <p:ph idx="1"/>
+          </p:nvPr>
+        </p:nvPicPr>
+        <p:blipFill>
+          <a:blip r:embed="rId2" cstate="print">
+            <a:extLst>
+              <a:ext uri="{28A0092B-C50C-407E-A947-70E740481C1C}">
+                <a14:useLocalDpi xmlns:a14="http://schemas.microsoft.com/office/drawing/2010/main" val="0"/>
+              </a:ext>
+            </a:extLst>
+          </a:blip>
+          <a:stretch>
+            <a:fillRect/>
+          </a:stretch>
+        </p:blipFill>
+        <p:spPr>
+          <a:xfrm>
+            <a:off x="1197763" y="1825625"/>
+            <a:ext cx="9796473" cy="4351338"/>
+          </a:xfrm>
+        </p:spPr>
+      </p:pic>
+    </p:spTree>
+    <p:extLst>
+      <p:ext uri="{BB962C8B-B14F-4D97-AF65-F5344CB8AC3E}">
+        <p14:creationId xmlns:p14="http://schemas.microsoft.com/office/powerpoint/2010/main" val="1268460424"/>
       </p:ext>
     </p:extLst>
   </p:cSld>
@@ -3959,4 +5612,265 @@
     </a:ext>
   </a:extLst>
 </a:theme>
+</file>
+
+<file path=ppt/theme/theme2.xml><?xml version="1.0" encoding="utf-8"?>
+<a:theme xmlns:a="http://schemas.openxmlformats.org/drawingml/2006/main" name="Office Theme">
+  <a:themeElements>
+    <a:clrScheme name="Office">
+      <a:dk1>
+        <a:sysClr val="windowText" lastClr="000000"/>
+      </a:dk1>
+      <a:lt1>
+        <a:sysClr val="window" lastClr="FFFFFF"/>
+      </a:lt1>
+      <a:dk2>
+        <a:srgbClr val="44546A"/>
+      </a:dk2>
+      <a:lt2>
+        <a:srgbClr val="E7E6E6"/>
+      </a:lt2>
+      <a:accent1>
+        <a:srgbClr val="5B9BD5"/>
+      </a:accent1>
+      <a:accent2>
+        <a:srgbClr val="ED7D31"/>
+      </a:accent2>
+      <a:accent3>
+        <a:srgbClr val="A5A5A5"/>
+      </a:accent3>
+      <a:accent4>
+        <a:srgbClr val="FFC000"/>
+      </a:accent4>
+      <a:accent5>
+        <a:srgbClr val="4472C4"/>
+      </a:accent5>
+      <a:accent6>
+        <a:srgbClr val="70AD47"/>
+      </a:accent6>
+      <a:hlink>
+        <a:srgbClr val="0563C1"/>
+      </a:hlink>
+      <a:folHlink>
+        <a:srgbClr val="954F72"/>
+      </a:folHlink>
+    </a:clrScheme>
+    <a:fontScheme name="Office">
+      <a:majorFont>
+        <a:latin typeface="Calibri Light" panose="020F0302020204030204"/>
+        <a:ea typeface=""/>
+        <a:cs typeface=""/>
+        <a:font script="Jpan" typeface="ＭＳ Ｐゴシック"/>
+        <a:font script="Hang" typeface="맑은 고딕"/>
+        <a:font script="Hans" typeface="宋体"/>
+        <a:font script="Hant" typeface="新細明體"/>
+        <a:font script="Arab" typeface="Times New Roman"/>
+        <a:font script="Hebr" typeface="Times New Roman"/>
+        <a:font script="Thai" typeface="Angsana New"/>
+        <a:font script="Ethi" typeface="Nyala"/>
+        <a:font script="Beng" typeface="Vrinda"/>
+        <a:font script="Gujr" typeface="Shruti"/>
+        <a:font script="Khmr" typeface="MoolBoran"/>
+        <a:font script="Knda" typeface="Tunga"/>
+        <a:font script="Guru" typeface="Raavi"/>
+        <a:font script="Cans" typeface="Euphemia"/>
+        <a:font script="Cher" typeface="Plantagenet Cherokee"/>
+        <a:font script="Yiii" typeface="Microsoft Yi Baiti"/>
+        <a:font script="Tibt" typeface="Microsoft Himalaya"/>
+        <a:font script="Thaa" typeface="MV Boli"/>
+        <a:font script="Deva" typeface="Mangal"/>
+        <a:font script="Telu" typeface="Gautami"/>
+        <a:font script="Taml" typeface="Latha"/>
+        <a:font script="Syrc" typeface="Estrangelo Edessa"/>
+        <a:font script="Orya" typeface="Kalinga"/>
+        <a:font script="Mlym" typeface="Kartika"/>
+        <a:font script="Laoo" typeface="DokChampa"/>
+        <a:font script="Sinh" typeface="Iskoola Pota"/>
+        <a:font script="Mong" typeface="Mongolian Baiti"/>
+        <a:font script="Viet" typeface="Times New Roman"/>
+        <a:font script="Uigh" typeface="Microsoft Uighur"/>
+        <a:font script="Geor" typeface="Sylfaen"/>
+      </a:majorFont>
+      <a:minorFont>
+        <a:latin typeface="Calibri" panose="020F0502020204030204"/>
+        <a:ea typeface=""/>
+        <a:cs typeface=""/>
+        <a:font script="Jpan" typeface="ＭＳ Ｐゴシック"/>
+        <a:font script="Hang" typeface="맑은 고딕"/>
+        <a:font script="Hans" typeface="宋体"/>
+        <a:font script="Hant" typeface="新細明體"/>
+        <a:font script="Arab" typeface="Arial"/>
+        <a:font script="Hebr" typeface="Arial"/>
+        <a:font script="Thai" typeface="Cordia New"/>
+        <a:font script="Ethi" typeface="Nyala"/>
+        <a:font script="Beng" typeface="Vrinda"/>
+        <a:font script="Gujr" typeface="Shruti"/>
+        <a:font script="Khmr" typeface="DaunPenh"/>
+        <a:font script="Knda" typeface="Tunga"/>
+        <a:font script="Guru" typeface="Raavi"/>
+        <a:font script="Cans" typeface="Euphemia"/>
+        <a:font script="Cher" typeface="Plantagenet Cherokee"/>
+        <a:font script="Yiii" typeface="Microsoft Yi Baiti"/>
+        <a:font script="Tibt" typeface="Microsoft Himalaya"/>
+        <a:font script="Thaa" typeface="MV Boli"/>
+        <a:font script="Deva" typeface="Mangal"/>
+        <a:font script="Telu" typeface="Gautami"/>
+        <a:font script="Taml" typeface="Latha"/>
+        <a:font script="Syrc" typeface="Estrangelo Edessa"/>
+        <a:font script="Orya" typeface="Kalinga"/>
+        <a:font script="Mlym" typeface="Kartika"/>
+        <a:font script="Laoo" typeface="DokChampa"/>
+        <a:font script="Sinh" typeface="Iskoola Pota"/>
+        <a:font script="Mong" typeface="Mongolian Baiti"/>
+        <a:font script="Viet" typeface="Arial"/>
+        <a:font script="Uigh" typeface="Microsoft Uighur"/>
+        <a:font script="Geor" typeface="Sylfaen"/>
+      </a:minorFont>
+    </a:fontScheme>
+    <a:fmtScheme name="Office">
+      <a:fillStyleLst>
+        <a:solidFill>
+          <a:schemeClr val="phClr"/>
+        </a:solidFill>
+        <a:gradFill rotWithShape="1">
+          <a:gsLst>
+            <a:gs pos="0">
+              <a:schemeClr val="phClr">
+                <a:lumMod val="110000"/>
+                <a:satMod val="105000"/>
+                <a:tint val="67000"/>
+              </a:schemeClr>
+            </a:gs>
+            <a:gs pos="50000">
+              <a:schemeClr val="phClr">
+                <a:lumMod val="105000"/>
+                <a:satMod val="103000"/>
+                <a:tint val="73000"/>
+              </a:schemeClr>
+            </a:gs>
+            <a:gs pos="100000">
+              <a:schemeClr val="phClr">
+                <a:lumMod val="105000"/>
+                <a:satMod val="109000"/>
+                <a:tint val="81000"/>
+              </a:schemeClr>
+            </a:gs>
+          </a:gsLst>
+          <a:lin ang="5400000" scaled="0"/>
+        </a:gradFill>
+        <a:gradFill rotWithShape="1">
+          <a:gsLst>
+            <a:gs pos="0">
+              <a:schemeClr val="phClr">
+                <a:satMod val="103000"/>
+                <a:lumMod val="102000"/>
+                <a:tint val="94000"/>
+              </a:schemeClr>
+            </a:gs>
+            <a:gs pos="50000">
+              <a:schemeClr val="phClr">
+                <a:satMod val="110000"/>
+                <a:lumMod val="100000"/>
+                <a:shade val="100000"/>
+              </a:schemeClr>
+            </a:gs>
+            <a:gs pos="100000">
+              <a:schemeClr val="phClr">
+                <a:lumMod val="99000"/>
+                <a:satMod val="120000"/>
+                <a:shade val="78000"/>
+              </a:schemeClr>
+            </a:gs>
+          </a:gsLst>
+          <a:lin ang="5400000" scaled="0"/>
+        </a:gradFill>
+      </a:fillStyleLst>
+      <a:lnStyleLst>
+        <a:ln w="6350" cap="flat" cmpd="sng" algn="ctr">
+          <a:solidFill>
+            <a:schemeClr val="phClr"/>
+          </a:solidFill>
+          <a:prstDash val="solid"/>
+          <a:miter lim="800000"/>
+        </a:ln>
+        <a:ln w="12700" cap="flat" cmpd="sng" algn="ctr">
+          <a:solidFill>
+            <a:schemeClr val="phClr"/>
+          </a:solidFill>
+          <a:prstDash val="solid"/>
+          <a:miter lim="800000"/>
+        </a:ln>
+        <a:ln w="19050" cap="flat" cmpd="sng" algn="ctr">
+          <a:solidFill>
+            <a:schemeClr val="phClr"/>
+          </a:solidFill>
+          <a:prstDash val="solid"/>
+          <a:miter lim="800000"/>
+        </a:ln>
+      </a:lnStyleLst>
+      <a:effectStyleLst>
+        <a:effectStyle>
+          <a:effectLst/>
+        </a:effectStyle>
+        <a:effectStyle>
+          <a:effectLst/>
+        </a:effectStyle>
+        <a:effectStyle>
+          <a:effectLst>
+            <a:outerShdw blurRad="57150" dist="19050" dir="5400000" algn="ctr" rotWithShape="0">
+              <a:srgbClr val="000000">
+                <a:alpha val="63000"/>
+              </a:srgbClr>
+            </a:outerShdw>
+          </a:effectLst>
+        </a:effectStyle>
+      </a:effectStyleLst>
+      <a:bgFillStyleLst>
+        <a:solidFill>
+          <a:schemeClr val="phClr"/>
+        </a:solidFill>
+        <a:solidFill>
+          <a:schemeClr val="phClr">
+            <a:tint val="95000"/>
+            <a:satMod val="170000"/>
+          </a:schemeClr>
+        </a:solidFill>
+        <a:gradFill rotWithShape="1">
+          <a:gsLst>
+            <a:gs pos="0">
+              <a:schemeClr val="phClr">
+                <a:tint val="93000"/>
+                <a:satMod val="150000"/>
+                <a:shade val="98000"/>
+                <a:lumMod val="102000"/>
+              </a:schemeClr>
+            </a:gs>
+            <a:gs pos="50000">
+              <a:schemeClr val="phClr">
+                <a:tint val="98000"/>
+                <a:satMod val="130000"/>
+                <a:shade val="90000"/>
+                <a:lumMod val="103000"/>
+              </a:schemeClr>
+            </a:gs>
+            <a:gs pos="100000">
+              <a:schemeClr val="phClr">
+                <a:shade val="63000"/>
+                <a:satMod val="120000"/>
+              </a:schemeClr>
+            </a:gs>
+          </a:gsLst>
+          <a:lin ang="5400000" scaled="0"/>
+        </a:gradFill>
+      </a:bgFillStyleLst>
+    </a:fmtScheme>
+  </a:themeElements>
+  <a:objectDefaults/>
+  <a:extraClrSchemeLst/>
+  <a:extLst>
+    <a:ext uri="{05A4C25C-085E-4340-85A3-A5531E510DB2}">
+      <thm15:themeFamily xmlns:thm15="http://schemas.microsoft.com/office/thememl/2012/main" name="Office Theme" id="{62F939B6-93AF-4DB8-9C6B-D6C7DFDC589F}" vid="{4A3C46E8-61CC-4603-A589-7422A47A8E4A}"/>
+    </a:ext>
+  </a:extLst>
+</a:theme>
 </file>
--- a/FaaS.pptx
+++ b/FaaS.pptx
@@ -5,7 +5,7 @@
     <p:sldMasterId id="2147483648" r:id="rId1"/>
   </p:sldMasterIdLst>
   <p:notesMasterIdLst>
-    <p:notesMasterId r:id="rId18"/>
+    <p:notesMasterId r:id="rId19"/>
   </p:notesMasterIdLst>
   <p:sldIdLst>
     <p:sldId id="256" r:id="rId2"/>
@@ -16,14 +16,15 @@
     <p:sldId id="269" r:id="rId7"/>
     <p:sldId id="270" r:id="rId8"/>
     <p:sldId id="271" r:id="rId9"/>
-    <p:sldId id="259" r:id="rId10"/>
-    <p:sldId id="265" r:id="rId11"/>
-    <p:sldId id="262" r:id="rId12"/>
-    <p:sldId id="258" r:id="rId13"/>
-    <p:sldId id="261" r:id="rId14"/>
-    <p:sldId id="257" r:id="rId15"/>
-    <p:sldId id="260" r:id="rId16"/>
-    <p:sldId id="263" r:id="rId17"/>
+    <p:sldId id="272" r:id="rId10"/>
+    <p:sldId id="259" r:id="rId11"/>
+    <p:sldId id="265" r:id="rId12"/>
+    <p:sldId id="262" r:id="rId13"/>
+    <p:sldId id="258" r:id="rId14"/>
+    <p:sldId id="261" r:id="rId15"/>
+    <p:sldId id="257" r:id="rId16"/>
+    <p:sldId id="260" r:id="rId17"/>
+    <p:sldId id="263" r:id="rId18"/>
   </p:sldIdLst>
   <p:sldSz cx="12192000" cy="6858000"/>
   <p:notesSz cx="6858000" cy="9144000"/>
@@ -768,6 +769,94 @@
     <p:extLst>
       <p:ext uri="{BB962C8B-B14F-4D97-AF65-F5344CB8AC3E}">
         <p14:creationId xmlns:p14="http://schemas.microsoft.com/office/powerpoint/2010/main" val="1351796061"/>
+      </p:ext>
+    </p:extLst>
+  </p:cSld>
+  <p:clrMapOvr>
+    <a:masterClrMapping/>
+  </p:clrMapOvr>
+</p:notes>
+</file>
+
+<file path=ppt/notesSlides/notesSlide4.xml><?xml version="1.0" encoding="utf-8"?>
+<p:notes xmlns:a="http://schemas.openxmlformats.org/drawingml/2006/main" xmlns:r="http://schemas.openxmlformats.org/officeDocument/2006/relationships" xmlns:p="http://schemas.openxmlformats.org/presentationml/2006/main">
+  <p:cSld>
+    <p:spTree>
+      <p:nvGrpSpPr>
+        <p:cNvPr id="1" name=""/>
+        <p:cNvGrpSpPr/>
+        <p:nvPr/>
+      </p:nvGrpSpPr>
+      <p:grpSpPr>
+        <a:xfrm>
+          <a:off x="0" y="0"/>
+          <a:ext cx="0" cy="0"/>
+          <a:chOff x="0" y="0"/>
+          <a:chExt cx="0" cy="0"/>
+        </a:xfrm>
+      </p:grpSpPr>
+      <p:sp>
+        <p:nvSpPr>
+          <p:cNvPr id="2" name="Folienbildplatzhalter 1"/>
+          <p:cNvSpPr>
+            <a:spLocks noGrp="1" noRot="1" noChangeAspect="1"/>
+          </p:cNvSpPr>
+          <p:nvPr>
+            <p:ph type="sldImg"/>
+          </p:nvPr>
+        </p:nvSpPr>
+        <p:spPr/>
+      </p:sp>
+      <p:sp>
+        <p:nvSpPr>
+          <p:cNvPr id="3" name="Notizenplatzhalter 2"/>
+          <p:cNvSpPr>
+            <a:spLocks noGrp="1"/>
+          </p:cNvSpPr>
+          <p:nvPr>
+            <p:ph type="body" idx="1"/>
+          </p:nvPr>
+        </p:nvSpPr>
+        <p:spPr/>
+        <p:txBody>
+          <a:bodyPr/>
+          <a:lstStyle/>
+          <a:p>
+            <a:r>
+              <a:rPr lang="de-DE" smtClean="0"/>
+              <a:t>https://azurecomcdn.azureedge.net/cvt-071850e1df650cde2e7fe4385df571432d9e22d6c33ea29d25c5ca260c03940a/images/page/overview/what-is-paas/what-is-paas.png</a:t>
+            </a:r>
+            <a:endParaRPr lang="de-DE"/>
+          </a:p>
+        </p:txBody>
+      </p:sp>
+      <p:sp>
+        <p:nvSpPr>
+          <p:cNvPr id="4" name="Foliennummernplatzhalter 3"/>
+          <p:cNvSpPr>
+            <a:spLocks noGrp="1"/>
+          </p:cNvSpPr>
+          <p:nvPr>
+            <p:ph type="sldNum" sz="quarter" idx="10"/>
+          </p:nvPr>
+        </p:nvSpPr>
+        <p:spPr/>
+        <p:txBody>
+          <a:bodyPr/>
+          <a:lstStyle/>
+          <a:p>
+            <a:fld id="{C49BF084-0F4D-4C6D-A3FE-9640EDFACDD4}" type="slidenum">
+              <a:rPr lang="de-DE" smtClean="0"/>
+              <a:t>9</a:t>
+            </a:fld>
+            <a:endParaRPr lang="de-DE"/>
+          </a:p>
+        </p:txBody>
+      </p:sp>
+    </p:spTree>
+    <p:extLst>
+      <p:ext uri="{BB962C8B-B14F-4D97-AF65-F5344CB8AC3E}">
+        <p14:creationId xmlns:p14="http://schemas.microsoft.com/office/powerpoint/2010/main" val="1431910795"/>
       </p:ext>
     </p:extLst>
   </p:cSld>
@@ -3723,35 +3812,45 @@
           <a:p>
             <a:r>
               <a:rPr lang="de-DE" dirty="0" smtClean="0"/>
-              <a:t>Bisherige Lösungen</a:t>
+              <a:t>Grundkonzept</a:t>
             </a:r>
             <a:endParaRPr lang="de-DE" dirty="0"/>
           </a:p>
         </p:txBody>
       </p:sp>
-      <p:sp>
-        <p:nvSpPr>
-          <p:cNvPr id="3" name="Inhaltsplatzhalter 2"/>
-          <p:cNvSpPr>
-            <a:spLocks noGrp="1"/>
-          </p:cNvSpPr>
+      <p:pic>
+        <p:nvPicPr>
+          <p:cNvPr id="4" name="Inhaltsplatzhalter 3"/>
+          <p:cNvPicPr>
+            <a:picLocks noGrp="1" noChangeAspect="1"/>
+          </p:cNvPicPr>
           <p:nvPr>
             <p:ph idx="1"/>
           </p:nvPr>
-        </p:nvSpPr>
-        <p:spPr/>
-        <p:txBody>
-          <a:bodyPr/>
-          <a:lstStyle/>
-          <a:p>
-            <a:endParaRPr lang="de-DE"/>
-          </a:p>
-        </p:txBody>
-      </p:sp>
+        </p:nvPicPr>
+        <p:blipFill>
+          <a:blip r:embed="rId2" cstate="print">
+            <a:extLst>
+              <a:ext uri="{28A0092B-C50C-407E-A947-70E740481C1C}">
+                <a14:useLocalDpi xmlns:a14="http://schemas.microsoft.com/office/drawing/2010/main" val="0"/>
+              </a:ext>
+            </a:extLst>
+          </a:blip>
+          <a:stretch>
+            <a:fillRect/>
+          </a:stretch>
+        </p:blipFill>
+        <p:spPr>
+          <a:xfrm>
+            <a:off x="1197763" y="1825625"/>
+            <a:ext cx="9796473" cy="4351338"/>
+          </a:xfrm>
+        </p:spPr>
+      </p:pic>
     </p:spTree>
     <p:extLst>
       <p:ext uri="{BB962C8B-B14F-4D97-AF65-F5344CB8AC3E}">
-        <p14:creationId xmlns:p14="http://schemas.microsoft.com/office/powerpoint/2010/main" val="2707855809"/>
+        <p14:creationId xmlns:p14="http://schemas.microsoft.com/office/powerpoint/2010/main" val="1268460424"/>
       </p:ext>
     </p:extLst>
   </p:cSld>
@@ -3795,6 +3894,78 @@
           <a:p>
             <a:r>
               <a:rPr lang="de-DE" dirty="0" smtClean="0"/>
+              <a:t>Bisherige Lösungen</a:t>
+            </a:r>
+            <a:endParaRPr lang="de-DE" dirty="0"/>
+          </a:p>
+        </p:txBody>
+      </p:sp>
+      <p:sp>
+        <p:nvSpPr>
+          <p:cNvPr id="3" name="Inhaltsplatzhalter 2"/>
+          <p:cNvSpPr>
+            <a:spLocks noGrp="1"/>
+          </p:cNvSpPr>
+          <p:nvPr>
+            <p:ph idx="1"/>
+          </p:nvPr>
+        </p:nvSpPr>
+        <p:spPr/>
+        <p:txBody>
+          <a:bodyPr/>
+          <a:lstStyle/>
+          <a:p>
+            <a:endParaRPr lang="de-DE"/>
+          </a:p>
+        </p:txBody>
+      </p:sp>
+    </p:spTree>
+    <p:extLst>
+      <p:ext uri="{BB962C8B-B14F-4D97-AF65-F5344CB8AC3E}">
+        <p14:creationId xmlns:p14="http://schemas.microsoft.com/office/powerpoint/2010/main" val="2707855809"/>
+      </p:ext>
+    </p:extLst>
+  </p:cSld>
+  <p:clrMapOvr>
+    <a:masterClrMapping/>
+  </p:clrMapOvr>
+</p:sld>
+</file>
+
+<file path=ppt/slides/slide12.xml><?xml version="1.0" encoding="utf-8"?>
+<p:sld xmlns:a="http://schemas.openxmlformats.org/drawingml/2006/main" xmlns:r="http://schemas.openxmlformats.org/officeDocument/2006/relationships" xmlns:p="http://schemas.openxmlformats.org/presentationml/2006/main">
+  <p:cSld>
+    <p:spTree>
+      <p:nvGrpSpPr>
+        <p:cNvPr id="1" name=""/>
+        <p:cNvGrpSpPr/>
+        <p:nvPr/>
+      </p:nvGrpSpPr>
+      <p:grpSpPr>
+        <a:xfrm>
+          <a:off x="0" y="0"/>
+          <a:ext cx="0" cy="0"/>
+          <a:chOff x="0" y="0"/>
+          <a:chExt cx="0" cy="0"/>
+        </a:xfrm>
+      </p:grpSpPr>
+      <p:sp>
+        <p:nvSpPr>
+          <p:cNvPr id="2" name="Titel 1"/>
+          <p:cNvSpPr>
+            <a:spLocks noGrp="1"/>
+          </p:cNvSpPr>
+          <p:nvPr>
+            <p:ph type="title"/>
+          </p:nvPr>
+        </p:nvSpPr>
+        <p:spPr/>
+        <p:txBody>
+          <a:bodyPr/>
+          <a:lstStyle/>
+          <a:p>
+            <a:r>
+              <a:rPr lang="de-DE" dirty="0" smtClean="0"/>
               <a:t>Vorteile und Nachteile</a:t>
             </a:r>
             <a:endParaRPr lang="de-DE" dirty="0"/>
@@ -3833,7 +4004,7 @@
 </p:sld>
 </file>
 
-<file path=ppt/slides/slide12.xml><?xml version="1.0" encoding="utf-8"?>
+<file path=ppt/slides/slide13.xml><?xml version="1.0" encoding="utf-8"?>
 <p:sld xmlns:a="http://schemas.openxmlformats.org/drawingml/2006/main" xmlns:r="http://schemas.openxmlformats.org/officeDocument/2006/relationships" xmlns:p="http://schemas.openxmlformats.org/presentationml/2006/main">
   <p:cSld>
     <p:spTree>
@@ -3915,107 +4086,6 @@
 </p:sld>
 </file>
 
-<file path=ppt/slides/slide13.xml><?xml version="1.0" encoding="utf-8"?>
-<p:sld xmlns:a="http://schemas.openxmlformats.org/drawingml/2006/main" xmlns:r="http://schemas.openxmlformats.org/officeDocument/2006/relationships" xmlns:p="http://schemas.openxmlformats.org/presentationml/2006/main">
-  <p:cSld>
-    <p:spTree>
-      <p:nvGrpSpPr>
-        <p:cNvPr id="1" name=""/>
-        <p:cNvGrpSpPr/>
-        <p:nvPr/>
-      </p:nvGrpSpPr>
-      <p:grpSpPr>
-        <a:xfrm>
-          <a:off x="0" y="0"/>
-          <a:ext cx="0" cy="0"/>
-          <a:chOff x="0" y="0"/>
-          <a:chExt cx="0" cy="0"/>
-        </a:xfrm>
-      </p:grpSpPr>
-      <p:sp>
-        <p:nvSpPr>
-          <p:cNvPr id="2" name="Titel 1"/>
-          <p:cNvSpPr>
-            <a:spLocks noGrp="1"/>
-          </p:cNvSpPr>
-          <p:nvPr>
-            <p:ph type="title"/>
-          </p:nvPr>
-        </p:nvSpPr>
-        <p:spPr/>
-        <p:txBody>
-          <a:bodyPr/>
-          <a:lstStyle/>
-          <a:p>
-            <a:r>
-              <a:rPr lang="de-DE" dirty="0" smtClean="0"/>
-              <a:t>Vorteile</a:t>
-            </a:r>
-            <a:endParaRPr lang="de-DE" dirty="0"/>
-          </a:p>
-        </p:txBody>
-      </p:sp>
-      <p:sp>
-        <p:nvSpPr>
-          <p:cNvPr id="3" name="Inhaltsplatzhalter 2"/>
-          <p:cNvSpPr>
-            <a:spLocks noGrp="1"/>
-          </p:cNvSpPr>
-          <p:nvPr>
-            <p:ph idx="1"/>
-          </p:nvPr>
-        </p:nvSpPr>
-        <p:spPr/>
-        <p:txBody>
-          <a:bodyPr/>
-          <a:lstStyle/>
-          <a:p>
-            <a:r>
-              <a:rPr lang="de-DE" dirty="0" smtClean="0"/>
-              <a:t>Leistung Variabel</a:t>
-            </a:r>
-          </a:p>
-          <a:p>
-            <a:r>
-              <a:rPr lang="de-DE" dirty="0" smtClean="0"/>
-              <a:t>Keine Kosten für nicht genutzte Server</a:t>
-            </a:r>
-          </a:p>
-          <a:p>
-            <a:r>
-              <a:rPr lang="de-DE" dirty="0" smtClean="0"/>
-              <a:t>Einfacheres Programmieren</a:t>
-            </a:r>
-          </a:p>
-          <a:p>
-            <a:r>
-              <a:rPr lang="de-DE" dirty="0" smtClean="0"/>
-              <a:t>Bessere Nutzung der </a:t>
-            </a:r>
-            <a:r>
-              <a:rPr lang="de-DE" dirty="0" err="1" smtClean="0"/>
-              <a:t>Resourcen</a:t>
-            </a:r>
-            <a:endParaRPr lang="de-DE" dirty="0" smtClean="0"/>
-          </a:p>
-          <a:p>
-            <a:endParaRPr lang="de-DE" dirty="0"/>
-          </a:p>
-        </p:txBody>
-      </p:sp>
-    </p:spTree>
-    <p:extLst>
-      <p:ext uri="{BB962C8B-B14F-4D97-AF65-F5344CB8AC3E}">
-        <p14:creationId xmlns:p14="http://schemas.microsoft.com/office/powerpoint/2010/main" val="1027739593"/>
-      </p:ext>
-    </p:extLst>
-  </p:cSld>
-  <p:clrMapOvr>
-    <a:masterClrMapping/>
-  </p:clrMapOvr>
-</p:sld>
-</file>
-
 <file path=ppt/slides/slide14.xml><?xml version="1.0" encoding="utf-8"?>
 <p:sld xmlns:a="http://schemas.openxmlformats.org/drawingml/2006/main" xmlns:r="http://schemas.openxmlformats.org/officeDocument/2006/relationships" xmlns:p="http://schemas.openxmlformats.org/presentationml/2006/main">
   <p:cSld>
@@ -4050,7 +4120,7 @@
           <a:p>
             <a:r>
               <a:rPr lang="de-DE" dirty="0" smtClean="0"/>
-              <a:t>Anwendungsbeispiele</a:t>
+              <a:t>Vorteile</a:t>
             </a:r>
             <a:endParaRPr lang="de-DE" dirty="0"/>
           </a:p>
@@ -4073,40 +4143,33 @@
           <a:p>
             <a:r>
               <a:rPr lang="de-DE" dirty="0" smtClean="0"/>
-              <a:t>AWS Lambda 2014</a:t>
+              <a:t>Leistung Variabel</a:t>
             </a:r>
           </a:p>
           <a:p>
             <a:r>
               <a:rPr lang="de-DE" dirty="0" smtClean="0"/>
-              <a:t>Google </a:t>
+              <a:t>Keine Kosten für nicht genutzte Server</a:t>
+            </a:r>
+          </a:p>
+          <a:p>
+            <a:r>
+              <a:rPr lang="de-DE" dirty="0" smtClean="0"/>
+              <a:t>Einfacheres Programmieren</a:t>
+            </a:r>
+          </a:p>
+          <a:p>
+            <a:r>
+              <a:rPr lang="de-DE" dirty="0" smtClean="0"/>
+              <a:t>Bessere Nutzung der </a:t>
             </a:r>
             <a:r>
               <a:rPr lang="de-DE" dirty="0" err="1" smtClean="0"/>
-              <a:t>Functions</a:t>
-            </a:r>
-            <a:r>
-              <a:rPr lang="de-DE" dirty="0" smtClean="0"/>
-              <a:t> 2016</a:t>
-            </a:r>
-          </a:p>
-          <a:p>
-            <a:r>
-              <a:rPr lang="de-DE" dirty="0" err="1" smtClean="0"/>
-              <a:t>Azure</a:t>
-            </a:r>
-            <a:r>
-              <a:rPr lang="de-DE" dirty="0" smtClean="0"/>
-              <a:t> </a:t>
-            </a:r>
-            <a:r>
-              <a:rPr lang="de-DE" dirty="0" err="1" smtClean="0"/>
-              <a:t>Functions</a:t>
-            </a:r>
-            <a:r>
-              <a:rPr lang="de-DE" dirty="0" smtClean="0"/>
-              <a:t> (Microsoft) 2016</a:t>
-            </a:r>
+              <a:t>Resourcen</a:t>
+            </a:r>
+            <a:endParaRPr lang="de-DE" dirty="0" smtClean="0"/>
+          </a:p>
+          <a:p>
             <a:endParaRPr lang="de-DE" dirty="0"/>
           </a:p>
         </p:txBody>
@@ -4114,7 +4177,7 @@
     </p:spTree>
     <p:extLst>
       <p:ext uri="{BB962C8B-B14F-4D97-AF65-F5344CB8AC3E}">
-        <p14:creationId xmlns:p14="http://schemas.microsoft.com/office/powerpoint/2010/main" val="61043964"/>
+        <p14:creationId xmlns:p14="http://schemas.microsoft.com/office/powerpoint/2010/main" val="1027739593"/>
       </p:ext>
     </p:extLst>
   </p:cSld>
@@ -4158,6 +4221,114 @@
           <a:p>
             <a:r>
               <a:rPr lang="de-DE" dirty="0" smtClean="0"/>
+              <a:t>Anwendungsbeispiele</a:t>
+            </a:r>
+            <a:endParaRPr lang="de-DE" dirty="0"/>
+          </a:p>
+        </p:txBody>
+      </p:sp>
+      <p:sp>
+        <p:nvSpPr>
+          <p:cNvPr id="3" name="Inhaltsplatzhalter 2"/>
+          <p:cNvSpPr>
+            <a:spLocks noGrp="1"/>
+          </p:cNvSpPr>
+          <p:nvPr>
+            <p:ph idx="1"/>
+          </p:nvPr>
+        </p:nvSpPr>
+        <p:spPr/>
+        <p:txBody>
+          <a:bodyPr/>
+          <a:lstStyle/>
+          <a:p>
+            <a:r>
+              <a:rPr lang="de-DE" dirty="0" smtClean="0"/>
+              <a:t>AWS Lambda 2014</a:t>
+            </a:r>
+          </a:p>
+          <a:p>
+            <a:r>
+              <a:rPr lang="de-DE" dirty="0" smtClean="0"/>
+              <a:t>Google </a:t>
+            </a:r>
+            <a:r>
+              <a:rPr lang="de-DE" dirty="0" err="1" smtClean="0"/>
+              <a:t>Functions</a:t>
+            </a:r>
+            <a:r>
+              <a:rPr lang="de-DE" dirty="0" smtClean="0"/>
+              <a:t> 2016</a:t>
+            </a:r>
+          </a:p>
+          <a:p>
+            <a:r>
+              <a:rPr lang="de-DE" dirty="0" err="1" smtClean="0"/>
+              <a:t>Azure</a:t>
+            </a:r>
+            <a:r>
+              <a:rPr lang="de-DE" dirty="0" smtClean="0"/>
+              <a:t> </a:t>
+            </a:r>
+            <a:r>
+              <a:rPr lang="de-DE" dirty="0" err="1" smtClean="0"/>
+              <a:t>Functions</a:t>
+            </a:r>
+            <a:r>
+              <a:rPr lang="de-DE" dirty="0" smtClean="0"/>
+              <a:t> (Microsoft) 2016</a:t>
+            </a:r>
+            <a:endParaRPr lang="de-DE" dirty="0"/>
+          </a:p>
+        </p:txBody>
+      </p:sp>
+    </p:spTree>
+    <p:extLst>
+      <p:ext uri="{BB962C8B-B14F-4D97-AF65-F5344CB8AC3E}">
+        <p14:creationId xmlns:p14="http://schemas.microsoft.com/office/powerpoint/2010/main" val="61043964"/>
+      </p:ext>
+    </p:extLst>
+  </p:cSld>
+  <p:clrMapOvr>
+    <a:masterClrMapping/>
+  </p:clrMapOvr>
+</p:sld>
+</file>
+
+<file path=ppt/slides/slide16.xml><?xml version="1.0" encoding="utf-8"?>
+<p:sld xmlns:a="http://schemas.openxmlformats.org/drawingml/2006/main" xmlns:r="http://schemas.openxmlformats.org/officeDocument/2006/relationships" xmlns:p="http://schemas.openxmlformats.org/presentationml/2006/main">
+  <p:cSld>
+    <p:spTree>
+      <p:nvGrpSpPr>
+        <p:cNvPr id="1" name=""/>
+        <p:cNvGrpSpPr/>
+        <p:nvPr/>
+      </p:nvGrpSpPr>
+      <p:grpSpPr>
+        <a:xfrm>
+          <a:off x="0" y="0"/>
+          <a:ext cx="0" cy="0"/>
+          <a:chOff x="0" y="0"/>
+          <a:chExt cx="0" cy="0"/>
+        </a:xfrm>
+      </p:grpSpPr>
+      <p:sp>
+        <p:nvSpPr>
+          <p:cNvPr id="2" name="Titel 1"/>
+          <p:cNvSpPr>
+            <a:spLocks noGrp="1"/>
+          </p:cNvSpPr>
+          <p:nvPr>
+            <p:ph type="title"/>
+          </p:nvPr>
+        </p:nvSpPr>
+        <p:spPr/>
+        <p:txBody>
+          <a:bodyPr/>
+          <a:lstStyle/>
+          <a:p>
+            <a:r>
+              <a:rPr lang="de-DE" dirty="0" smtClean="0"/>
               <a:t>Beispielcode</a:t>
             </a:r>
             <a:endParaRPr lang="de-DE" dirty="0"/>
@@ -4252,7 +4423,7 @@
 </p:sld>
 </file>
 
-<file path=ppt/slides/slide16.xml><?xml version="1.0" encoding="utf-8"?>
+<file path=ppt/slides/slide17.xml><?xml version="1.0" encoding="utf-8"?>
 <p:sld xmlns:a="http://schemas.openxmlformats.org/drawingml/2006/main" xmlns:r="http://schemas.openxmlformats.org/officeDocument/2006/relationships" xmlns:p="http://schemas.openxmlformats.org/presentationml/2006/main">
   <p:cSld>
     <p:spTree>
@@ -4577,20 +4748,9 @@
           <a:p>
             <a:r>
               <a:rPr lang="de-DE" dirty="0" smtClean="0"/>
-              <a:t>ist </a:t>
-            </a:r>
-            <a:r>
-              <a:rPr lang="de-DE" dirty="0"/>
-              <a:t>ein Typ von Service der ein </a:t>
-            </a:r>
-            <a:r>
-              <a:rPr lang="de-DE" dirty="0" smtClean="0"/>
-              <a:t>Programmiermodell und Entwicklerwerkzeuge </a:t>
-            </a:r>
-            <a:r>
-              <a:rPr lang="de-DE" dirty="0"/>
-              <a:t>bereitstellt</a:t>
-            </a:r>
+              <a:t>Stellt ein Programmiermodell und Entwicklerwerkzeuge bereit</a:t>
+            </a:r>
+            <a:endParaRPr lang="de-DE" dirty="0"/>
           </a:p>
           <a:p>
             <a:r>
@@ -5303,11 +5463,7 @@
           <a:bodyPr/>
           <a:lstStyle/>
           <a:p>
-            <a:r>
-              <a:rPr lang="de-DE" dirty="0" smtClean="0"/>
-              <a:t>Grundkonzept</a:t>
-            </a:r>
-            <a:endParaRPr lang="de-DE" dirty="0"/>
+            <a:endParaRPr lang="de-DE"/>
           </a:p>
         </p:txBody>
       </p:sp>
@@ -5322,7 +5478,7 @@
           </p:nvPr>
         </p:nvPicPr>
         <p:blipFill>
-          <a:blip r:embed="rId2" cstate="print">
+          <a:blip r:embed="rId3">
             <a:extLst>
               <a:ext uri="{28A0092B-C50C-407E-A947-70E740481C1C}">
                 <a14:useLocalDpi xmlns:a14="http://schemas.microsoft.com/office/drawing/2010/main" val="0"/>
@@ -5335,15 +5491,15 @@
         </p:blipFill>
         <p:spPr>
           <a:xfrm>
-            <a:off x="1197763" y="1825625"/>
-            <a:ext cx="9796473" cy="4351338"/>
+            <a:off x="1423987" y="2834481"/>
+            <a:ext cx="9344025" cy="2333625"/>
           </a:xfrm>
         </p:spPr>
       </p:pic>
     </p:spTree>
     <p:extLst>
       <p:ext uri="{BB962C8B-B14F-4D97-AF65-F5344CB8AC3E}">
-        <p14:creationId xmlns:p14="http://schemas.microsoft.com/office/powerpoint/2010/main" val="1268460424"/>
+        <p14:creationId xmlns:p14="http://schemas.microsoft.com/office/powerpoint/2010/main" val="1613914704"/>
       </p:ext>
     </p:extLst>
   </p:cSld>

--- a/FaaS.pptx
+++ b/FaaS.pptx
@@ -5,26 +5,51 @@
     <p:sldMasterId id="2147483648" r:id="rId1"/>
   </p:sldMasterIdLst>
   <p:notesMasterIdLst>
-    <p:notesMasterId r:id="rId19"/>
+    <p:notesMasterId r:id="rId44"/>
   </p:notesMasterIdLst>
   <p:sldIdLst>
     <p:sldId id="256" r:id="rId2"/>
-    <p:sldId id="264" r:id="rId3"/>
-    <p:sldId id="266" r:id="rId4"/>
-    <p:sldId id="267" r:id="rId5"/>
-    <p:sldId id="268" r:id="rId6"/>
-    <p:sldId id="269" r:id="rId7"/>
-    <p:sldId id="270" r:id="rId8"/>
-    <p:sldId id="271" r:id="rId9"/>
-    <p:sldId id="272" r:id="rId10"/>
-    <p:sldId id="259" r:id="rId11"/>
-    <p:sldId id="265" r:id="rId12"/>
-    <p:sldId id="262" r:id="rId13"/>
-    <p:sldId id="258" r:id="rId14"/>
-    <p:sldId id="261" r:id="rId15"/>
-    <p:sldId id="257" r:id="rId16"/>
-    <p:sldId id="260" r:id="rId17"/>
-    <p:sldId id="263" r:id="rId18"/>
+    <p:sldId id="273" r:id="rId3"/>
+    <p:sldId id="272" r:id="rId4"/>
+    <p:sldId id="279" r:id="rId5"/>
+    <p:sldId id="278" r:id="rId6"/>
+    <p:sldId id="280" r:id="rId7"/>
+    <p:sldId id="281" r:id="rId8"/>
+    <p:sldId id="282" r:id="rId9"/>
+    <p:sldId id="283" r:id="rId10"/>
+    <p:sldId id="284" r:id="rId11"/>
+    <p:sldId id="290" r:id="rId12"/>
+    <p:sldId id="305" r:id="rId13"/>
+    <p:sldId id="267" r:id="rId14"/>
+    <p:sldId id="268" r:id="rId15"/>
+    <p:sldId id="269" r:id="rId16"/>
+    <p:sldId id="270" r:id="rId17"/>
+    <p:sldId id="306" r:id="rId18"/>
+    <p:sldId id="300" r:id="rId19"/>
+    <p:sldId id="259" r:id="rId20"/>
+    <p:sldId id="295" r:id="rId21"/>
+    <p:sldId id="296" r:id="rId22"/>
+    <p:sldId id="260" r:id="rId23"/>
+    <p:sldId id="297" r:id="rId24"/>
+    <p:sldId id="277" r:id="rId25"/>
+    <p:sldId id="298" r:id="rId26"/>
+    <p:sldId id="299" r:id="rId27"/>
+    <p:sldId id="275" r:id="rId28"/>
+    <p:sldId id="307" r:id="rId29"/>
+    <p:sldId id="274" r:id="rId30"/>
+    <p:sldId id="261" r:id="rId31"/>
+    <p:sldId id="308" r:id="rId32"/>
+    <p:sldId id="289" r:id="rId33"/>
+    <p:sldId id="304" r:id="rId34"/>
+    <p:sldId id="309" r:id="rId35"/>
+    <p:sldId id="302" r:id="rId36"/>
+    <p:sldId id="271" r:id="rId37"/>
+    <p:sldId id="276" r:id="rId38"/>
+    <p:sldId id="303" r:id="rId39"/>
+    <p:sldId id="310" r:id="rId40"/>
+    <p:sldId id="301" r:id="rId41"/>
+    <p:sldId id="292" r:id="rId42"/>
+    <p:sldId id="263" r:id="rId43"/>
   </p:sldIdLst>
   <p:sldSz cx="12192000" cy="6858000"/>
   <p:notesSz cx="6858000" cy="9144000"/>
@@ -213,7 +238,7 @@
           <a:p>
             <a:fld id="{B5BBDD20-6B24-4C91-9FAE-2E9FAB68FB77}" type="datetimeFigureOut">
               <a:rPr lang="de-DE" smtClean="0"/>
-              <a:t>04.01.2018</a:t>
+              <a:t>06.01.2018</a:t>
             </a:fld>
             <a:endParaRPr lang="de-DE"/>
           </a:p>
@@ -526,10 +551,10 @@
           <a:lstStyle/>
           <a:p>
             <a:r>
-              <a:rPr lang="de-DE" dirty="0" smtClean="0"/>
-              <a:t>https://www.vcnewsnetwork.com/wp-content/uploads/2017/09/16656-thumb.png</a:t>
-            </a:r>
-            <a:endParaRPr lang="de-DE" dirty="0"/>
+              <a:rPr lang="de-DE" smtClean="0"/>
+              <a:t>https://azurecomcdn.azureedge.net/cvt-071850e1df650cde2e7fe4385df571432d9e22d6c33ea29d25c5ca260c03940a/images/page/overview/what-is-paas/what-is-paas.png</a:t>
+            </a:r>
+            <a:endParaRPr lang="de-DE"/>
           </a:p>
         </p:txBody>
       </p:sp>
@@ -550,7 +575,7 @@
           <a:p>
             <a:fld id="{C49BF084-0F4D-4C6D-A3FE-9640EDFACDD4}" type="slidenum">
               <a:rPr lang="de-DE" smtClean="0"/>
-              <a:t>4</a:t>
+              <a:t>3</a:t>
             </a:fld>
             <a:endParaRPr lang="de-DE"/>
           </a:p>
@@ -559,7 +584,7 @@
     </p:spTree>
     <p:extLst>
       <p:ext uri="{BB962C8B-B14F-4D97-AF65-F5344CB8AC3E}">
-        <p14:creationId xmlns:p14="http://schemas.microsoft.com/office/powerpoint/2010/main" val="195966801"/>
+        <p14:creationId xmlns:p14="http://schemas.microsoft.com/office/powerpoint/2010/main" val="1431910795"/>
       </p:ext>
     </p:extLst>
   </p:cSld>
@@ -613,29 +638,10 @@
           <a:bodyPr/>
           <a:lstStyle/>
           <a:p>
-            <a:pPr marL="0" marR="0" lvl="0" indent="0" algn="l" defTabSz="914400" rtl="0" eaLnBrk="1" fontAlgn="auto" latinLnBrk="0" hangingPunct="1">
-              <a:lnSpc>
-                <a:spcPct val="100000"/>
-              </a:lnSpc>
-              <a:spcBef>
-                <a:spcPts val="0"/>
-              </a:spcBef>
-              <a:spcAft>
-                <a:spcPts val="0"/>
-              </a:spcAft>
-              <a:buClrTx/>
-              <a:buSzTx/>
-              <a:buFontTx/>
-              <a:buNone/>
-              <a:tabLst/>
-              <a:defRPr/>
-            </a:pPr>
-            <a:r>
-              <a:rPr lang="de-DE" dirty="0" smtClean="0"/>
-              <a:t>http://www.xangati.com/wp-content/uploads/2016/09/PaaS.png</a:t>
-            </a:r>
-          </a:p>
-          <a:p>
+            <a:r>
+              <a:rPr lang="de-DE" dirty="0" smtClean="0"/>
+              <a:t>https://www.vcnewsnetwork.com/wp-content/uploads/2017/09/16656-thumb.png</a:t>
+            </a:r>
             <a:endParaRPr lang="de-DE" dirty="0"/>
           </a:p>
         </p:txBody>
@@ -657,7 +663,7 @@
           <a:p>
             <a:fld id="{C49BF084-0F4D-4C6D-A3FE-9640EDFACDD4}" type="slidenum">
               <a:rPr lang="de-DE" smtClean="0"/>
-              <a:t>5</a:t>
+              <a:t>13</a:t>
             </a:fld>
             <a:endParaRPr lang="de-DE"/>
           </a:p>
@@ -666,7 +672,7 @@
     </p:spTree>
     <p:extLst>
       <p:ext uri="{BB962C8B-B14F-4D97-AF65-F5344CB8AC3E}">
-        <p14:creationId xmlns:p14="http://schemas.microsoft.com/office/powerpoint/2010/main" val="3131496332"/>
+        <p14:creationId xmlns:p14="http://schemas.microsoft.com/office/powerpoint/2010/main" val="195966801"/>
       </p:ext>
     </p:extLst>
   </p:cSld>
@@ -720,21 +726,26 @@
           <a:bodyPr/>
           <a:lstStyle/>
           <a:p>
-            <a:r>
-              <a:rPr lang="de-DE" dirty="0" smtClean="0"/>
-              <a:t>https://131707-379326-1-raikfcquaxqncofqfm.stackpathdns.com/wp-content/uploads/2017/09/gapp_587de1fda58b4.jpg</a:t>
-            </a:r>
-          </a:p>
-          <a:p>
-            <a:r>
-              <a:rPr lang="de-DE" dirty="0" smtClean="0"/>
-              <a:t>https://images.techhive.com/images/article/2013/05/windowsazure-100038816-large.jpg</a:t>
-            </a:r>
-          </a:p>
-          <a:p>
-            <a:r>
-              <a:rPr lang="de-DE" dirty="0" smtClean="0"/>
-              <a:t>https://colintoh.com/content/blog/14-aws-elastic-beanstalk-survival-guide-introduction/elastic_beanstalk_logo.png</a:t>
+            <a:pPr marL="0" marR="0" lvl="0" indent="0" algn="l" defTabSz="914400" rtl="0" eaLnBrk="1" fontAlgn="auto" latinLnBrk="0" hangingPunct="1">
+              <a:lnSpc>
+                <a:spcPct val="100000"/>
+              </a:lnSpc>
+              <a:spcBef>
+                <a:spcPts val="0"/>
+              </a:spcBef>
+              <a:spcAft>
+                <a:spcPts val="0"/>
+              </a:spcAft>
+              <a:buClrTx/>
+              <a:buSzTx/>
+              <a:buFontTx/>
+              <a:buNone/>
+              <a:tabLst/>
+              <a:defRPr/>
+            </a:pPr>
+            <a:r>
+              <a:rPr lang="de-DE" dirty="0" smtClean="0"/>
+              <a:t>http://www.xangati.com/wp-content/uploads/2016/09/PaaS.png</a:t>
             </a:r>
           </a:p>
           <a:p>
@@ -759,7 +770,7 @@
           <a:p>
             <a:fld id="{C49BF084-0F4D-4C6D-A3FE-9640EDFACDD4}" type="slidenum">
               <a:rPr lang="de-DE" smtClean="0"/>
-              <a:t>8</a:t>
+              <a:t>14</a:t>
             </a:fld>
             <a:endParaRPr lang="de-DE"/>
           </a:p>
@@ -768,7 +779,7 @@
     </p:spTree>
     <p:extLst>
       <p:ext uri="{BB962C8B-B14F-4D97-AF65-F5344CB8AC3E}">
-        <p14:creationId xmlns:p14="http://schemas.microsoft.com/office/powerpoint/2010/main" val="1351796061"/>
+        <p14:creationId xmlns:p14="http://schemas.microsoft.com/office/powerpoint/2010/main" val="3131496332"/>
       </p:ext>
     </p:extLst>
   </p:cSld>
@@ -823,31 +834,31 @@
           <a:lstStyle/>
           <a:p>
             <a:r>
+              <a:rPr lang="de-DE" dirty="0" smtClean="0"/>
+              <a:t>https://de.slideshare.net/bennybauer1/serverless-when-to-faas</a:t>
+            </a:r>
+            <a:endParaRPr lang="de-DE" dirty="0"/>
+          </a:p>
+        </p:txBody>
+      </p:sp>
+      <p:sp>
+        <p:nvSpPr>
+          <p:cNvPr id="4" name="Foliennummernplatzhalter 3"/>
+          <p:cNvSpPr>
+            <a:spLocks noGrp="1"/>
+          </p:cNvSpPr>
+          <p:nvPr>
+            <p:ph type="sldNum" sz="quarter" idx="10"/>
+          </p:nvPr>
+        </p:nvSpPr>
+        <p:spPr/>
+        <p:txBody>
+          <a:bodyPr/>
+          <a:lstStyle/>
+          <a:p>
+            <a:fld id="{F1341C31-C64A-4066-B95F-748DFDB3F6F6}" type="slidenum">
               <a:rPr lang="de-DE" smtClean="0"/>
-              <a:t>https://azurecomcdn.azureedge.net/cvt-071850e1df650cde2e7fe4385df571432d9e22d6c33ea29d25c5ca260c03940a/images/page/overview/what-is-paas/what-is-paas.png</a:t>
-            </a:r>
-            <a:endParaRPr lang="de-DE"/>
-          </a:p>
-        </p:txBody>
-      </p:sp>
-      <p:sp>
-        <p:nvSpPr>
-          <p:cNvPr id="4" name="Foliennummernplatzhalter 3"/>
-          <p:cNvSpPr>
-            <a:spLocks noGrp="1"/>
-          </p:cNvSpPr>
-          <p:nvPr>
-            <p:ph type="sldNum" sz="quarter" idx="10"/>
-          </p:nvPr>
-        </p:nvSpPr>
-        <p:spPr/>
-        <p:txBody>
-          <a:bodyPr/>
-          <a:lstStyle/>
-          <a:p>
-            <a:fld id="{C49BF084-0F4D-4C6D-A3FE-9640EDFACDD4}" type="slidenum">
-              <a:rPr lang="de-DE" smtClean="0"/>
-              <a:t>9</a:t>
+              <a:t>18</a:t>
             </a:fld>
             <a:endParaRPr lang="de-DE"/>
           </a:p>
@@ -856,7 +867,193 @@
     </p:spTree>
     <p:extLst>
       <p:ext uri="{BB962C8B-B14F-4D97-AF65-F5344CB8AC3E}">
-        <p14:creationId xmlns:p14="http://schemas.microsoft.com/office/powerpoint/2010/main" val="1431910795"/>
+        <p14:creationId xmlns:p14="http://schemas.microsoft.com/office/powerpoint/2010/main" val="3201659045"/>
+      </p:ext>
+    </p:extLst>
+  </p:cSld>
+  <p:clrMapOvr>
+    <a:masterClrMapping/>
+  </p:clrMapOvr>
+</p:notes>
+</file>
+
+<file path=ppt/notesSlides/notesSlide5.xml><?xml version="1.0" encoding="utf-8"?>
+<p:notes xmlns:a="http://schemas.openxmlformats.org/drawingml/2006/main" xmlns:r="http://schemas.openxmlformats.org/officeDocument/2006/relationships" xmlns:p="http://schemas.openxmlformats.org/presentationml/2006/main">
+  <p:cSld>
+    <p:spTree>
+      <p:nvGrpSpPr>
+        <p:cNvPr id="1" name=""/>
+        <p:cNvGrpSpPr/>
+        <p:nvPr/>
+      </p:nvGrpSpPr>
+      <p:grpSpPr>
+        <a:xfrm>
+          <a:off x="0" y="0"/>
+          <a:ext cx="0" cy="0"/>
+          <a:chOff x="0" y="0"/>
+          <a:chExt cx="0" cy="0"/>
+        </a:xfrm>
+      </p:grpSpPr>
+      <p:sp>
+        <p:nvSpPr>
+          <p:cNvPr id="2" name="Folienbildplatzhalter 1"/>
+          <p:cNvSpPr>
+            <a:spLocks noGrp="1" noRot="1" noChangeAspect="1"/>
+          </p:cNvSpPr>
+          <p:nvPr>
+            <p:ph type="sldImg"/>
+          </p:nvPr>
+        </p:nvSpPr>
+        <p:spPr/>
+      </p:sp>
+      <p:sp>
+        <p:nvSpPr>
+          <p:cNvPr id="3" name="Notizenplatzhalter 2"/>
+          <p:cNvSpPr>
+            <a:spLocks noGrp="1"/>
+          </p:cNvSpPr>
+          <p:nvPr>
+            <p:ph type="body" idx="1"/>
+          </p:nvPr>
+        </p:nvSpPr>
+        <p:spPr/>
+        <p:txBody>
+          <a:bodyPr/>
+          <a:lstStyle/>
+          <a:p>
+            <a:endParaRPr lang="de-DE" dirty="0"/>
+          </a:p>
+        </p:txBody>
+      </p:sp>
+      <p:sp>
+        <p:nvSpPr>
+          <p:cNvPr id="4" name="Foliennummernplatzhalter 3"/>
+          <p:cNvSpPr>
+            <a:spLocks noGrp="1"/>
+          </p:cNvSpPr>
+          <p:nvPr>
+            <p:ph type="sldNum" sz="quarter" idx="10"/>
+          </p:nvPr>
+        </p:nvSpPr>
+        <p:spPr/>
+        <p:txBody>
+          <a:bodyPr/>
+          <a:lstStyle/>
+          <a:p>
+            <a:fld id="{A016C8F4-1037-4098-92C2-C469CDB212C4}" type="slidenum">
+              <a:rPr lang="de-DE" smtClean="0"/>
+              <a:t>27</a:t>
+            </a:fld>
+            <a:endParaRPr lang="de-DE"/>
+          </a:p>
+        </p:txBody>
+      </p:sp>
+    </p:spTree>
+    <p:extLst>
+      <p:ext uri="{BB962C8B-B14F-4D97-AF65-F5344CB8AC3E}">
+        <p14:creationId xmlns:p14="http://schemas.microsoft.com/office/powerpoint/2010/main" val="2293080234"/>
+      </p:ext>
+    </p:extLst>
+  </p:cSld>
+  <p:clrMapOvr>
+    <a:masterClrMapping/>
+  </p:clrMapOvr>
+</p:notes>
+</file>
+
+<file path=ppt/notesSlides/notesSlide6.xml><?xml version="1.0" encoding="utf-8"?>
+<p:notes xmlns:a="http://schemas.openxmlformats.org/drawingml/2006/main" xmlns:r="http://schemas.openxmlformats.org/officeDocument/2006/relationships" xmlns:p="http://schemas.openxmlformats.org/presentationml/2006/main">
+  <p:cSld>
+    <p:spTree>
+      <p:nvGrpSpPr>
+        <p:cNvPr id="1" name=""/>
+        <p:cNvGrpSpPr/>
+        <p:nvPr/>
+      </p:nvGrpSpPr>
+      <p:grpSpPr>
+        <a:xfrm>
+          <a:off x="0" y="0"/>
+          <a:ext cx="0" cy="0"/>
+          <a:chOff x="0" y="0"/>
+          <a:chExt cx="0" cy="0"/>
+        </a:xfrm>
+      </p:grpSpPr>
+      <p:sp>
+        <p:nvSpPr>
+          <p:cNvPr id="2" name="Folienbildplatzhalter 1"/>
+          <p:cNvSpPr>
+            <a:spLocks noGrp="1" noRot="1" noChangeAspect="1"/>
+          </p:cNvSpPr>
+          <p:nvPr>
+            <p:ph type="sldImg"/>
+          </p:nvPr>
+        </p:nvSpPr>
+        <p:spPr/>
+      </p:sp>
+      <p:sp>
+        <p:nvSpPr>
+          <p:cNvPr id="3" name="Notizenplatzhalter 2"/>
+          <p:cNvSpPr>
+            <a:spLocks noGrp="1"/>
+          </p:cNvSpPr>
+          <p:nvPr>
+            <p:ph type="body" idx="1"/>
+          </p:nvPr>
+        </p:nvSpPr>
+        <p:spPr/>
+        <p:txBody>
+          <a:bodyPr/>
+          <a:lstStyle/>
+          <a:p>
+            <a:r>
+              <a:rPr lang="de-DE" dirty="0" smtClean="0"/>
+              <a:t>https://131707-379326-1-raikfcquaxqncofqfm.stackpathdns.com/wp-content/uploads/2017/09/gapp_587de1fda58b4.jpg</a:t>
+            </a:r>
+          </a:p>
+          <a:p>
+            <a:r>
+              <a:rPr lang="de-DE" dirty="0" smtClean="0"/>
+              <a:t>https://images.techhive.com/images/article/2013/05/windowsazure-100038816-large.jpg</a:t>
+            </a:r>
+          </a:p>
+          <a:p>
+            <a:r>
+              <a:rPr lang="de-DE" dirty="0" smtClean="0"/>
+              <a:t>https://colintoh.com/content/blog/14-aws-elastic-beanstalk-survival-guide-introduction/elastic_beanstalk_logo.png</a:t>
+            </a:r>
+          </a:p>
+          <a:p>
+            <a:endParaRPr lang="de-DE" dirty="0"/>
+          </a:p>
+        </p:txBody>
+      </p:sp>
+      <p:sp>
+        <p:nvSpPr>
+          <p:cNvPr id="4" name="Foliennummernplatzhalter 3"/>
+          <p:cNvSpPr>
+            <a:spLocks noGrp="1"/>
+          </p:cNvSpPr>
+          <p:nvPr>
+            <p:ph type="sldNum" sz="quarter" idx="10"/>
+          </p:nvPr>
+        </p:nvSpPr>
+        <p:spPr/>
+        <p:txBody>
+          <a:bodyPr/>
+          <a:lstStyle/>
+          <a:p>
+            <a:fld id="{C49BF084-0F4D-4C6D-A3FE-9640EDFACDD4}" type="slidenum">
+              <a:rPr lang="de-DE" smtClean="0"/>
+              <a:t>36</a:t>
+            </a:fld>
+            <a:endParaRPr lang="de-DE"/>
+          </a:p>
+        </p:txBody>
+      </p:sp>
+    </p:spTree>
+    <p:extLst>
+      <p:ext uri="{BB962C8B-B14F-4D97-AF65-F5344CB8AC3E}">
+        <p14:creationId xmlns:p14="http://schemas.microsoft.com/office/powerpoint/2010/main" val="1351796061"/>
       </p:ext>
     </p:extLst>
   </p:cSld>
@@ -997,7 +1194,7 @@
           <a:p>
             <a:fld id="{7EE558D9-09CA-4D3E-AA20-E16D3D150C12}" type="datetimeFigureOut">
               <a:rPr lang="de-DE" smtClean="0"/>
-              <a:t>04.01.2018</a:t>
+              <a:t>06.01.2018</a:t>
             </a:fld>
             <a:endParaRPr lang="de-DE"/>
           </a:p>
@@ -1167,7 +1364,7 @@
           <a:p>
             <a:fld id="{7EE558D9-09CA-4D3E-AA20-E16D3D150C12}" type="datetimeFigureOut">
               <a:rPr lang="de-DE" smtClean="0"/>
-              <a:t>04.01.2018</a:t>
+              <a:t>06.01.2018</a:t>
             </a:fld>
             <a:endParaRPr lang="de-DE"/>
           </a:p>
@@ -1347,7 +1544,7 @@
           <a:p>
             <a:fld id="{7EE558D9-09CA-4D3E-AA20-E16D3D150C12}" type="datetimeFigureOut">
               <a:rPr lang="de-DE" smtClean="0"/>
-              <a:t>04.01.2018</a:t>
+              <a:t>06.01.2018</a:t>
             </a:fld>
             <a:endParaRPr lang="de-DE"/>
           </a:p>
@@ -1517,7 +1714,7 @@
           <a:p>
             <a:fld id="{7EE558D9-09CA-4D3E-AA20-E16D3D150C12}" type="datetimeFigureOut">
               <a:rPr lang="de-DE" smtClean="0"/>
-              <a:t>04.01.2018</a:t>
+              <a:t>06.01.2018</a:t>
             </a:fld>
             <a:endParaRPr lang="de-DE"/>
           </a:p>
@@ -1763,7 +1960,7 @@
           <a:p>
             <a:fld id="{7EE558D9-09CA-4D3E-AA20-E16D3D150C12}" type="datetimeFigureOut">
               <a:rPr lang="de-DE" smtClean="0"/>
-              <a:t>04.01.2018</a:t>
+              <a:t>06.01.2018</a:t>
             </a:fld>
             <a:endParaRPr lang="de-DE"/>
           </a:p>
@@ -1995,7 +2192,7 @@
           <a:p>
             <a:fld id="{7EE558D9-09CA-4D3E-AA20-E16D3D150C12}" type="datetimeFigureOut">
               <a:rPr lang="de-DE" smtClean="0"/>
-              <a:t>04.01.2018</a:t>
+              <a:t>06.01.2018</a:t>
             </a:fld>
             <a:endParaRPr lang="de-DE"/>
           </a:p>
@@ -2362,7 +2559,7 @@
           <a:p>
             <a:fld id="{7EE558D9-09CA-4D3E-AA20-E16D3D150C12}" type="datetimeFigureOut">
               <a:rPr lang="de-DE" smtClean="0"/>
-              <a:t>04.01.2018</a:t>
+              <a:t>06.01.2018</a:t>
             </a:fld>
             <a:endParaRPr lang="de-DE"/>
           </a:p>
@@ -2480,7 +2677,7 @@
           <a:p>
             <a:fld id="{7EE558D9-09CA-4D3E-AA20-E16D3D150C12}" type="datetimeFigureOut">
               <a:rPr lang="de-DE" smtClean="0"/>
-              <a:t>04.01.2018</a:t>
+              <a:t>06.01.2018</a:t>
             </a:fld>
             <a:endParaRPr lang="de-DE"/>
           </a:p>
@@ -2575,7 +2772,7 @@
           <a:p>
             <a:fld id="{7EE558D9-09CA-4D3E-AA20-E16D3D150C12}" type="datetimeFigureOut">
               <a:rPr lang="de-DE" smtClean="0"/>
-              <a:t>04.01.2018</a:t>
+              <a:t>06.01.2018</a:t>
             </a:fld>
             <a:endParaRPr lang="de-DE"/>
           </a:p>
@@ -2852,7 +3049,7 @@
           <a:p>
             <a:fld id="{7EE558D9-09CA-4D3E-AA20-E16D3D150C12}" type="datetimeFigureOut">
               <a:rPr lang="de-DE" smtClean="0"/>
-              <a:t>04.01.2018</a:t>
+              <a:t>06.01.2018</a:t>
             </a:fld>
             <a:endParaRPr lang="de-DE"/>
           </a:p>
@@ -3105,7 +3302,7 @@
           <a:p>
             <a:fld id="{7EE558D9-09CA-4D3E-AA20-E16D3D150C12}" type="datetimeFigureOut">
               <a:rPr lang="de-DE" smtClean="0"/>
-              <a:t>04.01.2018</a:t>
+              <a:t>06.01.2018</a:t>
             </a:fld>
             <a:endParaRPr lang="de-DE"/>
           </a:p>
@@ -3318,7 +3515,7 @@
           <a:p>
             <a:fld id="{7EE558D9-09CA-4D3E-AA20-E16D3D150C12}" type="datetimeFigureOut">
               <a:rPr lang="de-DE" smtClean="0"/>
-              <a:t>04.01.2018</a:t>
+              <a:t>06.01.2018</a:t>
             </a:fld>
             <a:endParaRPr lang="de-DE"/>
           </a:p>
@@ -3775,6 +3972,13 @@
   <p:clrMapOvr>
     <a:masterClrMapping/>
   </p:clrMapOvr>
+  <p:timing>
+    <p:tnLst>
+      <p:par>
+        <p:cTn id="1" dur="indefinite" restart="never" nodeType="tmRoot"/>
+      </p:par>
+    </p:tnLst>
+  </p:timing>
 </p:sld>
 </file>
 
@@ -3812,51 +4016,116 @@
           <a:p>
             <a:r>
               <a:rPr lang="de-DE" dirty="0" smtClean="0"/>
-              <a:t>Grundkonzept</a:t>
+              <a:t>Vorteile </a:t>
             </a:r>
             <a:endParaRPr lang="de-DE" dirty="0"/>
           </a:p>
         </p:txBody>
       </p:sp>
-      <p:pic>
-        <p:nvPicPr>
-          <p:cNvPr id="4" name="Inhaltsplatzhalter 3"/>
-          <p:cNvPicPr>
-            <a:picLocks noGrp="1" noChangeAspect="1"/>
-          </p:cNvPicPr>
+      <p:sp>
+        <p:nvSpPr>
+          <p:cNvPr id="3" name="Inhaltsplatzhalter 2"/>
+          <p:cNvSpPr>
+            <a:spLocks noGrp="1"/>
+          </p:cNvSpPr>
           <p:nvPr>
             <p:ph idx="1"/>
           </p:nvPr>
-        </p:nvPicPr>
-        <p:blipFill>
-          <a:blip r:embed="rId2" cstate="print">
-            <a:extLst>
-              <a:ext uri="{28A0092B-C50C-407E-A947-70E740481C1C}">
-                <a14:useLocalDpi xmlns:a14="http://schemas.microsoft.com/office/drawing/2010/main" val="0"/>
-              </a:ext>
-            </a:extLst>
-          </a:blip>
-          <a:stretch>
-            <a:fillRect/>
-          </a:stretch>
-        </p:blipFill>
-        <p:spPr>
-          <a:xfrm>
-            <a:off x="1197763" y="1825625"/>
-            <a:ext cx="9796473" cy="4351338"/>
-          </a:xfrm>
-        </p:spPr>
-      </p:pic>
+        </p:nvSpPr>
+        <p:spPr/>
+        <p:txBody>
+          <a:bodyPr/>
+          <a:lstStyle/>
+          <a:p>
+            <a:r>
+              <a:rPr lang="de-DE" dirty="0" smtClean="0"/>
+              <a:t>nutzungsbezogene </a:t>
+            </a:r>
+            <a:r>
+              <a:rPr lang="de-DE" dirty="0"/>
+              <a:t>Abrechnung </a:t>
+            </a:r>
+            <a:r>
+              <a:rPr lang="de-DE" dirty="0" smtClean="0"/>
+              <a:t>und </a:t>
+            </a:r>
+            <a:r>
+              <a:rPr lang="de-DE" dirty="0"/>
+              <a:t>keine Investitionen für die Anschaffung der Hardware </a:t>
+            </a:r>
+            <a:r>
+              <a:rPr lang="de-DE" dirty="0" smtClean="0"/>
+              <a:t>erforderlich</a:t>
+            </a:r>
+          </a:p>
+          <a:p>
+            <a:r>
+              <a:rPr lang="de-DE" dirty="0" smtClean="0"/>
+              <a:t>Zugriff auf Anwendungen und Daten während einer Notfallsituation weiterhin möglich</a:t>
+            </a:r>
+          </a:p>
+          <a:p>
+            <a:r>
+              <a:rPr lang="de-DE" dirty="0" smtClean="0"/>
+              <a:t>eine für ein neues Produkt erforderliche </a:t>
+            </a:r>
+            <a:r>
+              <a:rPr lang="de-DE" dirty="0" err="1" smtClean="0"/>
+              <a:t>Computinginfrastruktur</a:t>
+            </a:r>
+            <a:r>
+              <a:rPr lang="de-DE" dirty="0" smtClean="0"/>
+              <a:t> kann innerhalb weniger Minuten oder Stunden verfügbar sein</a:t>
+            </a:r>
+          </a:p>
+          <a:p>
+            <a:r>
+              <a:rPr lang="de-DE" dirty="0" smtClean="0"/>
+              <a:t>schnellere </a:t>
+            </a:r>
+            <a:r>
+              <a:rPr lang="de-DE" dirty="0"/>
+              <a:t>Reaktion auf sich ändernde </a:t>
+            </a:r>
+            <a:r>
+              <a:rPr lang="de-DE" dirty="0" smtClean="0"/>
+              <a:t>Geschäftsbedingungen</a:t>
+            </a:r>
+          </a:p>
+          <a:p>
+            <a:r>
+              <a:rPr lang="de-DE" dirty="0" smtClean="0"/>
+              <a:t>höhere Sicherheit</a:t>
+            </a:r>
+          </a:p>
+          <a:p>
+            <a:r>
+              <a:rPr lang="de-DE" dirty="0"/>
+              <a:t>Schnellere Bereitstellung neuer Apps für Benutzer</a:t>
+            </a:r>
+          </a:p>
+          <a:p>
+            <a:endParaRPr lang="de-DE" dirty="0"/>
+          </a:p>
+        </p:txBody>
+      </p:sp>
     </p:spTree>
     <p:extLst>
       <p:ext uri="{BB962C8B-B14F-4D97-AF65-F5344CB8AC3E}">
-        <p14:creationId xmlns:p14="http://schemas.microsoft.com/office/powerpoint/2010/main" val="1268460424"/>
+        <p14:creationId xmlns:p14="http://schemas.microsoft.com/office/powerpoint/2010/main" val="2353662783"/>
       </p:ext>
     </p:extLst>
   </p:cSld>
   <p:clrMapOvr>
     <a:masterClrMapping/>
   </p:clrMapOvr>
+  <p:timing>
+    <p:tnLst>
+      <p:par>
+        <p:cTn id="1" dur="indefinite" restart="never" nodeType="tmRoot"/>
+      </p:par>
+    </p:tnLst>
+  </p:timing>
 </p:sld>
 </file>
 
@@ -3894,7 +4163,7 @@
           <a:p>
             <a:r>
               <a:rPr lang="de-DE" dirty="0" smtClean="0"/>
-              <a:t>Bisherige Lösungen</a:t>
+              <a:t>Nachteile</a:t>
             </a:r>
             <a:endParaRPr lang="de-DE" dirty="0"/>
           </a:p>
@@ -3915,20 +4184,44 @@
           <a:bodyPr/>
           <a:lstStyle/>
           <a:p>
-            <a:endParaRPr lang="de-DE"/>
+            <a:r>
+              <a:rPr lang="de-DE" dirty="0"/>
+              <a:t>Der Nutzer muss sich um seine </a:t>
+            </a:r>
+            <a:r>
+              <a:rPr lang="de-DE" dirty="0" smtClean="0"/>
+              <a:t>Plattform, </a:t>
+            </a:r>
+            <a:r>
+              <a:rPr lang="de-DE" dirty="0"/>
+              <a:t>die Anwendungen und die Wartung der Softwareumgebung selbst kümmern.</a:t>
+            </a:r>
+          </a:p>
+          <a:p>
+            <a:pPr marL="0" indent="0">
+              <a:buNone/>
+            </a:pPr>
+            <a:endParaRPr lang="de-DE" dirty="0"/>
           </a:p>
         </p:txBody>
       </p:sp>
     </p:spTree>
     <p:extLst>
       <p:ext uri="{BB962C8B-B14F-4D97-AF65-F5344CB8AC3E}">
-        <p14:creationId xmlns:p14="http://schemas.microsoft.com/office/powerpoint/2010/main" val="2707855809"/>
+        <p14:creationId xmlns:p14="http://schemas.microsoft.com/office/powerpoint/2010/main" val="107707311"/>
       </p:ext>
     </p:extLst>
   </p:cSld>
   <p:clrMapOvr>
     <a:masterClrMapping/>
   </p:clrMapOvr>
+  <p:timing>
+    <p:tnLst>
+      <p:par>
+        <p:cTn id="1" dur="indefinite" restart="never" nodeType="tmRoot"/>
+      </p:par>
+    </p:tnLst>
+  </p:timing>
 </p:sld>
 </file>
 
@@ -3956,17 +4249,17 @@
             <a:spLocks noGrp="1"/>
           </p:cNvSpPr>
           <p:nvPr>
-            <p:ph type="title"/>
-          </p:nvPr>
-        </p:nvSpPr>
-        <p:spPr/>
-        <p:txBody>
-          <a:bodyPr/>
-          <a:lstStyle/>
-          <a:p>
-            <a:r>
-              <a:rPr lang="de-DE" dirty="0" smtClean="0"/>
-              <a:t>Vorteile und Nachteile</a:t>
+            <p:ph type="ctrTitle"/>
+          </p:nvPr>
+        </p:nvSpPr>
+        <p:spPr/>
+        <p:txBody>
+          <a:bodyPr/>
+          <a:lstStyle/>
+          <a:p>
+            <a:r>
+              <a:rPr lang="de-DE" dirty="0" err="1"/>
+              <a:t>PaaS</a:t>
             </a:r>
             <a:endParaRPr lang="de-DE" dirty="0"/>
           </a:p>
@@ -3974,19 +4267,35 @@
       </p:sp>
       <p:sp>
         <p:nvSpPr>
-          <p:cNvPr id="3" name="Inhaltsplatzhalter 2"/>
-          <p:cNvSpPr>
-            <a:spLocks noGrp="1"/>
-          </p:cNvSpPr>
-          <p:nvPr>
-            <p:ph idx="1"/>
-          </p:nvPr>
-        </p:nvSpPr>
-        <p:spPr/>
-        <p:txBody>
-          <a:bodyPr/>
-          <a:lstStyle/>
-          <a:p>
+          <p:cNvPr id="3" name="Untertitel 2"/>
+          <p:cNvSpPr>
+            <a:spLocks noGrp="1"/>
+          </p:cNvSpPr>
+          <p:nvPr>
+            <p:ph type="subTitle" idx="1"/>
+          </p:nvPr>
+        </p:nvSpPr>
+        <p:spPr/>
+        <p:txBody>
+          <a:bodyPr/>
+          <a:lstStyle/>
+          <a:p>
+            <a:r>
+              <a:rPr lang="de-DE" dirty="0" err="1" smtClean="0"/>
+              <a:t>Platform</a:t>
+            </a:r>
+            <a:r>
+              <a:rPr lang="de-DE" dirty="0" smtClean="0"/>
+              <a:t> </a:t>
+            </a:r>
+            <a:r>
+              <a:rPr lang="de-DE" dirty="0" err="1" smtClean="0"/>
+              <a:t>as</a:t>
+            </a:r>
+            <a:r>
+              <a:rPr lang="de-DE" dirty="0" smtClean="0"/>
+              <a:t> a Service</a:t>
+            </a:r>
             <a:endParaRPr lang="de-DE" dirty="0"/>
           </a:p>
         </p:txBody>
@@ -3994,13 +4303,20 @@
     </p:spTree>
     <p:extLst>
       <p:ext uri="{BB962C8B-B14F-4D97-AF65-F5344CB8AC3E}">
-        <p14:creationId xmlns:p14="http://schemas.microsoft.com/office/powerpoint/2010/main" val="3403962431"/>
+        <p14:creationId xmlns:p14="http://schemas.microsoft.com/office/powerpoint/2010/main" val="2997580267"/>
       </p:ext>
     </p:extLst>
   </p:cSld>
   <p:clrMapOvr>
     <a:masterClrMapping/>
   </p:clrMapOvr>
+  <p:timing>
+    <p:tnLst>
+      <p:par>
+        <p:cTn id="1" dur="indefinite" restart="never" nodeType="tmRoot"/>
+      </p:par>
+    </p:tnLst>
+  </p:timing>
 </p:sld>
 </file>
 
@@ -4038,691 +4354,12 @@
           <a:p>
             <a:r>
               <a:rPr lang="de-DE" dirty="0" smtClean="0"/>
-              <a:t>Vorteile</a:t>
-            </a:r>
-            <a:endParaRPr lang="de-DE" dirty="0"/>
-          </a:p>
-        </p:txBody>
-      </p:sp>
-      <p:pic>
-        <p:nvPicPr>
-          <p:cNvPr id="5" name="Inhaltsplatzhalter 4"/>
-          <p:cNvPicPr>
-            <a:picLocks noGrp="1" noChangeAspect="1"/>
-          </p:cNvPicPr>
-          <p:nvPr>
-            <p:ph idx="1"/>
-          </p:nvPr>
-        </p:nvPicPr>
-        <p:blipFill>
-          <a:blip r:embed="rId2" cstate="print">
-            <a:extLst>
-              <a:ext uri="{28A0092B-C50C-407E-A947-70E740481C1C}">
-                <a14:useLocalDpi xmlns:a14="http://schemas.microsoft.com/office/drawing/2010/main" val="0"/>
-              </a:ext>
-            </a:extLst>
-          </a:blip>
-          <a:stretch>
-            <a:fillRect/>
-          </a:stretch>
-        </p:blipFill>
-        <p:spPr>
-          <a:xfrm>
-            <a:off x="1219384" y="1825625"/>
-            <a:ext cx="9753232" cy="4351338"/>
-          </a:xfrm>
-        </p:spPr>
-      </p:pic>
-    </p:spTree>
-    <p:extLst>
-      <p:ext uri="{BB962C8B-B14F-4D97-AF65-F5344CB8AC3E}">
-        <p14:creationId xmlns:p14="http://schemas.microsoft.com/office/powerpoint/2010/main" val="3961874913"/>
-      </p:ext>
-    </p:extLst>
-  </p:cSld>
-  <p:clrMapOvr>
-    <a:masterClrMapping/>
-  </p:clrMapOvr>
-</p:sld>
-</file>
-
-<file path=ppt/slides/slide14.xml><?xml version="1.0" encoding="utf-8"?>
-<p:sld xmlns:a="http://schemas.openxmlformats.org/drawingml/2006/main" xmlns:r="http://schemas.openxmlformats.org/officeDocument/2006/relationships" xmlns:p="http://schemas.openxmlformats.org/presentationml/2006/main">
-  <p:cSld>
-    <p:spTree>
-      <p:nvGrpSpPr>
-        <p:cNvPr id="1" name=""/>
-        <p:cNvGrpSpPr/>
-        <p:nvPr/>
-      </p:nvGrpSpPr>
-      <p:grpSpPr>
-        <a:xfrm>
-          <a:off x="0" y="0"/>
-          <a:ext cx="0" cy="0"/>
-          <a:chOff x="0" y="0"/>
-          <a:chExt cx="0" cy="0"/>
-        </a:xfrm>
-      </p:grpSpPr>
-      <p:sp>
-        <p:nvSpPr>
-          <p:cNvPr id="2" name="Titel 1"/>
-          <p:cNvSpPr>
-            <a:spLocks noGrp="1"/>
-          </p:cNvSpPr>
-          <p:nvPr>
-            <p:ph type="title"/>
-          </p:nvPr>
-        </p:nvSpPr>
-        <p:spPr/>
-        <p:txBody>
-          <a:bodyPr/>
-          <a:lstStyle/>
-          <a:p>
-            <a:r>
-              <a:rPr lang="de-DE" dirty="0" smtClean="0"/>
-              <a:t>Vorteile</a:t>
-            </a:r>
-            <a:endParaRPr lang="de-DE" dirty="0"/>
-          </a:p>
-        </p:txBody>
-      </p:sp>
-      <p:sp>
-        <p:nvSpPr>
-          <p:cNvPr id="3" name="Inhaltsplatzhalter 2"/>
-          <p:cNvSpPr>
-            <a:spLocks noGrp="1"/>
-          </p:cNvSpPr>
-          <p:nvPr>
-            <p:ph idx="1"/>
-          </p:nvPr>
-        </p:nvSpPr>
-        <p:spPr/>
-        <p:txBody>
-          <a:bodyPr/>
-          <a:lstStyle/>
-          <a:p>
-            <a:r>
-              <a:rPr lang="de-DE" dirty="0" smtClean="0"/>
-              <a:t>Leistung Variabel</a:t>
-            </a:r>
-          </a:p>
-          <a:p>
-            <a:r>
-              <a:rPr lang="de-DE" dirty="0" smtClean="0"/>
-              <a:t>Keine Kosten für nicht genutzte Server</a:t>
-            </a:r>
-          </a:p>
-          <a:p>
-            <a:r>
-              <a:rPr lang="de-DE" dirty="0" smtClean="0"/>
-              <a:t>Einfacheres Programmieren</a:t>
-            </a:r>
-          </a:p>
-          <a:p>
-            <a:r>
-              <a:rPr lang="de-DE" dirty="0" smtClean="0"/>
-              <a:t>Bessere Nutzung der </a:t>
-            </a:r>
-            <a:r>
-              <a:rPr lang="de-DE" dirty="0" err="1" smtClean="0"/>
-              <a:t>Resourcen</a:t>
-            </a:r>
-            <a:endParaRPr lang="de-DE" dirty="0" smtClean="0"/>
-          </a:p>
-          <a:p>
-            <a:endParaRPr lang="de-DE" dirty="0"/>
-          </a:p>
-        </p:txBody>
-      </p:sp>
-    </p:spTree>
-    <p:extLst>
-      <p:ext uri="{BB962C8B-B14F-4D97-AF65-F5344CB8AC3E}">
-        <p14:creationId xmlns:p14="http://schemas.microsoft.com/office/powerpoint/2010/main" val="1027739593"/>
-      </p:ext>
-    </p:extLst>
-  </p:cSld>
-  <p:clrMapOvr>
-    <a:masterClrMapping/>
-  </p:clrMapOvr>
-</p:sld>
-</file>
-
-<file path=ppt/slides/slide15.xml><?xml version="1.0" encoding="utf-8"?>
-<p:sld xmlns:a="http://schemas.openxmlformats.org/drawingml/2006/main" xmlns:r="http://schemas.openxmlformats.org/officeDocument/2006/relationships" xmlns:p="http://schemas.openxmlformats.org/presentationml/2006/main">
-  <p:cSld>
-    <p:spTree>
-      <p:nvGrpSpPr>
-        <p:cNvPr id="1" name=""/>
-        <p:cNvGrpSpPr/>
-        <p:nvPr/>
-      </p:nvGrpSpPr>
-      <p:grpSpPr>
-        <a:xfrm>
-          <a:off x="0" y="0"/>
-          <a:ext cx="0" cy="0"/>
-          <a:chOff x="0" y="0"/>
-          <a:chExt cx="0" cy="0"/>
-        </a:xfrm>
-      </p:grpSpPr>
-      <p:sp>
-        <p:nvSpPr>
-          <p:cNvPr id="2" name="Titel 1"/>
-          <p:cNvSpPr>
-            <a:spLocks noGrp="1"/>
-          </p:cNvSpPr>
-          <p:nvPr>
-            <p:ph type="title"/>
-          </p:nvPr>
-        </p:nvSpPr>
-        <p:spPr/>
-        <p:txBody>
-          <a:bodyPr/>
-          <a:lstStyle/>
-          <a:p>
-            <a:r>
-              <a:rPr lang="de-DE" dirty="0" smtClean="0"/>
-              <a:t>Anwendungsbeispiele</a:t>
-            </a:r>
-            <a:endParaRPr lang="de-DE" dirty="0"/>
-          </a:p>
-        </p:txBody>
-      </p:sp>
-      <p:sp>
-        <p:nvSpPr>
-          <p:cNvPr id="3" name="Inhaltsplatzhalter 2"/>
-          <p:cNvSpPr>
-            <a:spLocks noGrp="1"/>
-          </p:cNvSpPr>
-          <p:nvPr>
-            <p:ph idx="1"/>
-          </p:nvPr>
-        </p:nvSpPr>
-        <p:spPr/>
-        <p:txBody>
-          <a:bodyPr/>
-          <a:lstStyle/>
-          <a:p>
-            <a:r>
-              <a:rPr lang="de-DE" dirty="0" smtClean="0"/>
-              <a:t>AWS Lambda 2014</a:t>
-            </a:r>
-          </a:p>
-          <a:p>
-            <a:r>
-              <a:rPr lang="de-DE" dirty="0" smtClean="0"/>
-              <a:t>Google </a:t>
-            </a:r>
-            <a:r>
-              <a:rPr lang="de-DE" dirty="0" err="1" smtClean="0"/>
-              <a:t>Functions</a:t>
-            </a:r>
-            <a:r>
-              <a:rPr lang="de-DE" dirty="0" smtClean="0"/>
-              <a:t> 2016</a:t>
-            </a:r>
-          </a:p>
-          <a:p>
-            <a:r>
-              <a:rPr lang="de-DE" dirty="0" err="1" smtClean="0"/>
-              <a:t>Azure</a:t>
-            </a:r>
-            <a:r>
-              <a:rPr lang="de-DE" dirty="0" smtClean="0"/>
-              <a:t> </a:t>
-            </a:r>
-            <a:r>
-              <a:rPr lang="de-DE" dirty="0" err="1" smtClean="0"/>
-              <a:t>Functions</a:t>
-            </a:r>
-            <a:r>
-              <a:rPr lang="de-DE" dirty="0" smtClean="0"/>
-              <a:t> (Microsoft) 2016</a:t>
-            </a:r>
-            <a:endParaRPr lang="de-DE" dirty="0"/>
-          </a:p>
-        </p:txBody>
-      </p:sp>
-    </p:spTree>
-    <p:extLst>
-      <p:ext uri="{BB962C8B-B14F-4D97-AF65-F5344CB8AC3E}">
-        <p14:creationId xmlns:p14="http://schemas.microsoft.com/office/powerpoint/2010/main" val="61043964"/>
-      </p:ext>
-    </p:extLst>
-  </p:cSld>
-  <p:clrMapOvr>
-    <a:masterClrMapping/>
-  </p:clrMapOvr>
-</p:sld>
-</file>
-
-<file path=ppt/slides/slide16.xml><?xml version="1.0" encoding="utf-8"?>
-<p:sld xmlns:a="http://schemas.openxmlformats.org/drawingml/2006/main" xmlns:r="http://schemas.openxmlformats.org/officeDocument/2006/relationships" xmlns:p="http://schemas.openxmlformats.org/presentationml/2006/main">
-  <p:cSld>
-    <p:spTree>
-      <p:nvGrpSpPr>
-        <p:cNvPr id="1" name=""/>
-        <p:cNvGrpSpPr/>
-        <p:nvPr/>
-      </p:nvGrpSpPr>
-      <p:grpSpPr>
-        <a:xfrm>
-          <a:off x="0" y="0"/>
-          <a:ext cx="0" cy="0"/>
-          <a:chOff x="0" y="0"/>
-          <a:chExt cx="0" cy="0"/>
-        </a:xfrm>
-      </p:grpSpPr>
-      <p:sp>
-        <p:nvSpPr>
-          <p:cNvPr id="2" name="Titel 1"/>
-          <p:cNvSpPr>
-            <a:spLocks noGrp="1"/>
-          </p:cNvSpPr>
-          <p:nvPr>
-            <p:ph type="title"/>
-          </p:nvPr>
-        </p:nvSpPr>
-        <p:spPr/>
-        <p:txBody>
-          <a:bodyPr/>
-          <a:lstStyle/>
-          <a:p>
-            <a:r>
-              <a:rPr lang="de-DE" dirty="0" smtClean="0"/>
-              <a:t>Beispielcode</a:t>
-            </a:r>
-            <a:endParaRPr lang="de-DE" dirty="0"/>
-          </a:p>
-        </p:txBody>
-      </p:sp>
-      <p:pic>
-        <p:nvPicPr>
-          <p:cNvPr id="4" name="Inhaltsplatzhalter 3"/>
-          <p:cNvPicPr>
-            <a:picLocks noGrp="1" noChangeAspect="1"/>
-          </p:cNvPicPr>
-          <p:nvPr>
-            <p:ph idx="1"/>
-          </p:nvPr>
-        </p:nvPicPr>
-        <p:blipFill>
-          <a:blip r:embed="rId2">
-            <a:extLst>
-              <a:ext uri="{28A0092B-C50C-407E-A947-70E740481C1C}">
-                <a14:useLocalDpi xmlns:a14="http://schemas.microsoft.com/office/drawing/2010/main" val="0"/>
-              </a:ext>
-            </a:extLst>
-          </a:blip>
-          <a:stretch>
-            <a:fillRect/>
-          </a:stretch>
-        </p:blipFill>
-        <p:spPr>
-          <a:xfrm>
-            <a:off x="1822989" y="1690688"/>
-            <a:ext cx="7840169" cy="2333951"/>
-          </a:xfrm>
-        </p:spPr>
-      </p:pic>
-      <p:sp>
-        <p:nvSpPr>
-          <p:cNvPr id="5" name="Textfeld 4"/>
-          <p:cNvSpPr txBox="1"/>
-          <p:nvPr/>
-        </p:nvSpPr>
-        <p:spPr>
-          <a:xfrm>
-            <a:off x="1989221" y="4716379"/>
-            <a:ext cx="7443537" cy="369332"/>
-          </a:xfrm>
-          <a:prstGeom prst="rect">
-            <a:avLst/>
-          </a:prstGeom>
-          <a:noFill/>
-        </p:spPr>
-        <p:txBody>
-          <a:bodyPr wrap="square" rtlCol="0">
-            <a:spAutoFit/>
-          </a:bodyPr>
-          <a:lstStyle/>
-          <a:p>
-            <a:r>
-              <a:rPr lang="de-DE" dirty="0" smtClean="0"/>
-              <a:t>Einfaches Beispiel für ein Request (</a:t>
-            </a:r>
-            <a:r>
-              <a:rPr lang="de-DE" dirty="0" err="1" smtClean="0"/>
-              <a:t>Azure</a:t>
-            </a:r>
-            <a:r>
-              <a:rPr lang="de-DE" dirty="0" smtClean="0"/>
-              <a:t> </a:t>
-            </a:r>
-            <a:r>
-              <a:rPr lang="de-DE" dirty="0" err="1" smtClean="0"/>
-              <a:t>Functions</a:t>
-            </a:r>
-            <a:r>
-              <a:rPr lang="de-DE" dirty="0" smtClean="0"/>
-              <a:t>)</a:t>
-            </a:r>
-            <a:endParaRPr lang="de-DE" dirty="0"/>
-          </a:p>
-        </p:txBody>
-      </p:sp>
-    </p:spTree>
-    <p:extLst>
-      <p:ext uri="{BB962C8B-B14F-4D97-AF65-F5344CB8AC3E}">
-        <p14:creationId xmlns:p14="http://schemas.microsoft.com/office/powerpoint/2010/main" val="1802792043"/>
-      </p:ext>
-    </p:extLst>
-  </p:cSld>
-  <p:clrMapOvr>
-    <a:masterClrMapping/>
-  </p:clrMapOvr>
-</p:sld>
-</file>
-
-<file path=ppt/slides/slide17.xml><?xml version="1.0" encoding="utf-8"?>
-<p:sld xmlns:a="http://schemas.openxmlformats.org/drawingml/2006/main" xmlns:r="http://schemas.openxmlformats.org/officeDocument/2006/relationships" xmlns:p="http://schemas.openxmlformats.org/presentationml/2006/main">
-  <p:cSld>
-    <p:spTree>
-      <p:nvGrpSpPr>
-        <p:cNvPr id="1" name=""/>
-        <p:cNvGrpSpPr/>
-        <p:nvPr/>
-      </p:nvGrpSpPr>
-      <p:grpSpPr>
-        <a:xfrm>
-          <a:off x="0" y="0"/>
-          <a:ext cx="0" cy="0"/>
-          <a:chOff x="0" y="0"/>
-          <a:chExt cx="0" cy="0"/>
-        </a:xfrm>
-      </p:grpSpPr>
-      <p:sp>
-        <p:nvSpPr>
-          <p:cNvPr id="2" name="Titel 1"/>
-          <p:cNvSpPr>
-            <a:spLocks noGrp="1"/>
-          </p:cNvSpPr>
-          <p:nvPr>
-            <p:ph type="title"/>
-          </p:nvPr>
-        </p:nvSpPr>
-        <p:spPr/>
-        <p:txBody>
-          <a:bodyPr/>
-          <a:lstStyle/>
-          <a:p>
-            <a:r>
-              <a:rPr lang="de-DE" dirty="0" smtClean="0"/>
-              <a:t>Quellen</a:t>
-            </a:r>
-            <a:endParaRPr lang="de-DE" dirty="0"/>
-          </a:p>
-        </p:txBody>
-      </p:sp>
-      <p:sp>
-        <p:nvSpPr>
-          <p:cNvPr id="3" name="Inhaltsplatzhalter 2"/>
-          <p:cNvSpPr>
-            <a:spLocks noGrp="1"/>
-          </p:cNvSpPr>
-          <p:nvPr>
-            <p:ph idx="1"/>
-          </p:nvPr>
-        </p:nvSpPr>
-        <p:spPr/>
-        <p:txBody>
-          <a:bodyPr/>
-          <a:lstStyle/>
-          <a:p>
-            <a:r>
-              <a:rPr lang="de-DE" dirty="0" smtClean="0">
-                <a:hlinkClick r:id="rId2"/>
-              </a:rPr>
-              <a:t>1: https://stackify.com/function-as-a-service-serverless-architecture/</a:t>
-            </a:r>
-            <a:endParaRPr lang="de-DE" dirty="0" smtClean="0"/>
-          </a:p>
-          <a:p>
-            <a:r>
-              <a:rPr lang="de-DE" dirty="0" smtClean="0">
-                <a:hlinkClick r:id="rId3"/>
-              </a:rPr>
-              <a:t>2: https://www.computerwoche.de/a/ein-ausflug-in-die-welt-der-serverless-architekturen,3331496</a:t>
-            </a:r>
-            <a:endParaRPr lang="de-DE" dirty="0" smtClean="0"/>
-          </a:p>
-          <a:p>
-            <a:r>
-              <a:rPr lang="de-DE" dirty="0" smtClean="0">
-                <a:hlinkClick r:id="rId4"/>
-              </a:rPr>
-              <a:t>3: http://t3n.de/news/serverless-computing-server-code-849986/</a:t>
-            </a:r>
-            <a:endParaRPr lang="de-DE" dirty="0" smtClean="0"/>
-          </a:p>
-          <a:p>
-            <a:r>
-              <a:rPr lang="de-DE" dirty="0" smtClean="0"/>
-              <a:t>4: https://www.youtube.com/watch?v=nzOE6pIg6Pw</a:t>
-            </a:r>
-          </a:p>
-          <a:p>
-            <a:endParaRPr lang="de-DE" dirty="0"/>
-          </a:p>
-        </p:txBody>
-      </p:sp>
-    </p:spTree>
-    <p:extLst>
-      <p:ext uri="{BB962C8B-B14F-4D97-AF65-F5344CB8AC3E}">
-        <p14:creationId xmlns:p14="http://schemas.microsoft.com/office/powerpoint/2010/main" val="47548112"/>
-      </p:ext>
-    </p:extLst>
-  </p:cSld>
-  <p:clrMapOvr>
-    <a:masterClrMapping/>
-  </p:clrMapOvr>
-</p:sld>
-</file>
-
-<file path=ppt/slides/slide2.xml><?xml version="1.0" encoding="utf-8"?>
-<p:sld xmlns:a="http://schemas.openxmlformats.org/drawingml/2006/main" xmlns:r="http://schemas.openxmlformats.org/officeDocument/2006/relationships" xmlns:p="http://schemas.openxmlformats.org/presentationml/2006/main">
-  <p:cSld>
-    <p:spTree>
-      <p:nvGrpSpPr>
-        <p:cNvPr id="1" name=""/>
-        <p:cNvGrpSpPr/>
-        <p:nvPr/>
-      </p:nvGrpSpPr>
-      <p:grpSpPr>
-        <a:xfrm>
-          <a:off x="0" y="0"/>
-          <a:ext cx="0" cy="0"/>
-          <a:chOff x="0" y="0"/>
-          <a:chExt cx="0" cy="0"/>
-        </a:xfrm>
-      </p:grpSpPr>
-      <p:sp>
-        <p:nvSpPr>
-          <p:cNvPr id="2" name="Titel 1"/>
-          <p:cNvSpPr>
-            <a:spLocks noGrp="1"/>
-          </p:cNvSpPr>
-          <p:nvPr>
-            <p:ph type="title"/>
-          </p:nvPr>
-        </p:nvSpPr>
-        <p:spPr/>
-        <p:txBody>
-          <a:bodyPr/>
-          <a:lstStyle/>
-          <a:p>
-            <a:r>
-              <a:rPr lang="de-DE" dirty="0" smtClean="0"/>
-              <a:t>Vorstellung von </a:t>
-            </a:r>
-            <a:r>
-              <a:rPr lang="de-DE" dirty="0" err="1" smtClean="0"/>
-              <a:t>FaaS</a:t>
-            </a:r>
-            <a:endParaRPr lang="de-DE" dirty="0"/>
-          </a:p>
-        </p:txBody>
-      </p:sp>
-      <p:sp>
-        <p:nvSpPr>
-          <p:cNvPr id="3" name="Inhaltsplatzhalter 2"/>
-          <p:cNvSpPr>
-            <a:spLocks noGrp="1"/>
-          </p:cNvSpPr>
-          <p:nvPr>
-            <p:ph idx="1"/>
-          </p:nvPr>
-        </p:nvSpPr>
-        <p:spPr/>
-        <p:txBody>
-          <a:bodyPr/>
-          <a:lstStyle/>
-          <a:p>
-            <a:endParaRPr lang="de-DE"/>
-          </a:p>
-        </p:txBody>
-      </p:sp>
-    </p:spTree>
-    <p:extLst>
-      <p:ext uri="{BB962C8B-B14F-4D97-AF65-F5344CB8AC3E}">
-        <p14:creationId xmlns:p14="http://schemas.microsoft.com/office/powerpoint/2010/main" val="3579012696"/>
-      </p:ext>
-    </p:extLst>
-  </p:cSld>
-  <p:clrMapOvr>
-    <a:masterClrMapping/>
-  </p:clrMapOvr>
-</p:sld>
-</file>
-
-<file path=ppt/slides/slide3.xml><?xml version="1.0" encoding="utf-8"?>
-<p:sld xmlns:a="http://schemas.openxmlformats.org/drawingml/2006/main" xmlns:r="http://schemas.openxmlformats.org/officeDocument/2006/relationships" xmlns:p="http://schemas.openxmlformats.org/presentationml/2006/main">
-  <p:cSld>
-    <p:spTree>
-      <p:nvGrpSpPr>
-        <p:cNvPr id="1" name=""/>
-        <p:cNvGrpSpPr/>
-        <p:nvPr/>
-      </p:nvGrpSpPr>
-      <p:grpSpPr>
-        <a:xfrm>
-          <a:off x="0" y="0"/>
-          <a:ext cx="0" cy="0"/>
-          <a:chOff x="0" y="0"/>
-          <a:chExt cx="0" cy="0"/>
-        </a:xfrm>
-      </p:grpSpPr>
-      <p:sp>
-        <p:nvSpPr>
-          <p:cNvPr id="2" name="Titel 1"/>
-          <p:cNvSpPr>
-            <a:spLocks noGrp="1"/>
-          </p:cNvSpPr>
-          <p:nvPr>
-            <p:ph type="title"/>
-          </p:nvPr>
-        </p:nvSpPr>
-        <p:spPr/>
-        <p:txBody>
-          <a:bodyPr/>
-          <a:lstStyle/>
-          <a:p>
-            <a:r>
-              <a:rPr lang="de-DE" dirty="0" smtClean="0"/>
-              <a:t>Vorstellung </a:t>
+              <a:t>Was ist </a:t>
             </a:r>
             <a:r>
               <a:rPr lang="de-DE" dirty="0" err="1" smtClean="0"/>
               <a:t>PaaS</a:t>
             </a:r>
-            <a:endParaRPr lang="de-DE" dirty="0"/>
-          </a:p>
-        </p:txBody>
-      </p:sp>
-      <p:sp>
-        <p:nvSpPr>
-          <p:cNvPr id="3" name="Inhaltsplatzhalter 2"/>
-          <p:cNvSpPr>
-            <a:spLocks noGrp="1"/>
-          </p:cNvSpPr>
-          <p:nvPr>
-            <p:ph idx="1"/>
-          </p:nvPr>
-        </p:nvSpPr>
-        <p:spPr/>
-        <p:txBody>
-          <a:bodyPr/>
-          <a:lstStyle/>
-          <a:p>
-            <a:pPr marL="0" indent="0">
-              <a:buNone/>
-            </a:pPr>
-            <a:endParaRPr lang="de-DE" dirty="0"/>
-          </a:p>
-        </p:txBody>
-      </p:sp>
-    </p:spTree>
-    <p:extLst>
-      <p:ext uri="{BB962C8B-B14F-4D97-AF65-F5344CB8AC3E}">
-        <p14:creationId xmlns:p14="http://schemas.microsoft.com/office/powerpoint/2010/main" val="3442773307"/>
-      </p:ext>
-    </p:extLst>
-  </p:cSld>
-  <p:clrMapOvr>
-    <a:masterClrMapping/>
-  </p:clrMapOvr>
-</p:sld>
-</file>
-
-<file path=ppt/slides/slide4.xml><?xml version="1.0" encoding="utf-8"?>
-<p:sld xmlns:a="http://schemas.openxmlformats.org/drawingml/2006/main" xmlns:r="http://schemas.openxmlformats.org/officeDocument/2006/relationships" xmlns:p="http://schemas.openxmlformats.org/presentationml/2006/main">
-  <p:cSld>
-    <p:spTree>
-      <p:nvGrpSpPr>
-        <p:cNvPr id="1" name=""/>
-        <p:cNvGrpSpPr/>
-        <p:nvPr/>
-      </p:nvGrpSpPr>
-      <p:grpSpPr>
-        <a:xfrm>
-          <a:off x="0" y="0"/>
-          <a:ext cx="0" cy="0"/>
-          <a:chOff x="0" y="0"/>
-          <a:chExt cx="0" cy="0"/>
-        </a:xfrm>
-      </p:grpSpPr>
-      <p:sp>
-        <p:nvSpPr>
-          <p:cNvPr id="2" name="Titel 1"/>
-          <p:cNvSpPr>
-            <a:spLocks noGrp="1"/>
-          </p:cNvSpPr>
-          <p:nvPr>
-            <p:ph type="title"/>
-          </p:nvPr>
-        </p:nvSpPr>
-        <p:spPr/>
-        <p:txBody>
-          <a:bodyPr/>
-          <a:lstStyle/>
-          <a:p>
-            <a:r>
-              <a:rPr lang="de-DE" dirty="0" smtClean="0"/>
-              <a:t>Was ist </a:t>
-            </a:r>
-            <a:r>
-              <a:rPr lang="de-DE" dirty="0" err="1" smtClean="0"/>
-              <a:t>PaaS</a:t>
-            </a:r>
             <a:r>
               <a:rPr lang="de-DE" dirty="0" smtClean="0"/>
               <a:t>?</a:t>
@@ -4757,7 +4394,6 @@
               <a:rPr lang="de-DE" dirty="0"/>
               <a:t>dient dazu Cloud-basierte Anwendungen zu erstellen, auszuführen</a:t>
             </a:r>
-            <a:endParaRPr lang="de-DE" dirty="0"/>
           </a:p>
         </p:txBody>
       </p:sp>
@@ -4801,10 +4437,17 @@
   <p:clrMapOvr>
     <a:masterClrMapping/>
   </p:clrMapOvr>
+  <p:timing>
+    <p:tnLst>
+      <p:par>
+        <p:cTn id="1" dur="indefinite" restart="never" nodeType="tmRoot"/>
+      </p:par>
+    </p:tnLst>
+  </p:timing>
 </p:sld>
 </file>
 
-<file path=ppt/slides/slide5.xml><?xml version="1.0" encoding="utf-8"?>
+<file path=ppt/slides/slide14.xml><?xml version="1.0" encoding="utf-8"?>
 <p:sld xmlns:a="http://schemas.openxmlformats.org/drawingml/2006/main" xmlns:r="http://schemas.openxmlformats.org/officeDocument/2006/relationships" xmlns:p="http://schemas.openxmlformats.org/presentationml/2006/main">
   <p:cSld>
     <p:spTree>
@@ -4957,10 +4600,17 @@
   <p:clrMapOvr>
     <a:masterClrMapping/>
   </p:clrMapOvr>
+  <p:timing>
+    <p:tnLst>
+      <p:par>
+        <p:cTn id="1" dur="indefinite" restart="never" nodeType="tmRoot"/>
+      </p:par>
+    </p:tnLst>
+  </p:timing>
 </p:sld>
 </file>
 
-<file path=ppt/slides/slide6.xml><?xml version="1.0" encoding="utf-8"?>
+<file path=ppt/slides/slide15.xml><?xml version="1.0" encoding="utf-8"?>
 <p:sld xmlns:a="http://schemas.openxmlformats.org/drawingml/2006/main" xmlns:r="http://schemas.openxmlformats.org/officeDocument/2006/relationships" xmlns:p="http://schemas.openxmlformats.org/presentationml/2006/main">
   <p:cSld>
     <p:spTree>
@@ -5041,7 +4691,6 @@
               <a:rPr lang="de-DE" dirty="0"/>
               <a:t>")</a:t>
             </a:r>
-            <a:endParaRPr lang="de-DE" dirty="0"/>
           </a:p>
         </p:txBody>
       </p:sp>
@@ -5055,10 +4704,17 @@
   <p:clrMapOvr>
     <a:masterClrMapping/>
   </p:clrMapOvr>
+  <p:timing>
+    <p:tnLst>
+      <p:par>
+        <p:cTn id="1" dur="indefinite" restart="never" nodeType="tmRoot"/>
+      </p:par>
+    </p:tnLst>
+  </p:timing>
 </p:sld>
 </file>
 
-<file path=ppt/slides/slide7.xml><?xml version="1.0" encoding="utf-8"?>
+<file path=ppt/slides/slide16.xml><?xml version="1.0" encoding="utf-8"?>
 <p:sld xmlns:a="http://schemas.openxmlformats.org/drawingml/2006/main" xmlns:r="http://schemas.openxmlformats.org/officeDocument/2006/relationships" xmlns:p="http://schemas.openxmlformats.org/presentationml/2006/main">
   <p:cSld>
     <p:spTree>
@@ -5092,7 +4748,7 @@
           <a:p>
             <a:r>
               <a:rPr lang="de-DE" dirty="0" smtClean="0"/>
-              <a:t>Vorteile?</a:t>
+              <a:t>Vorteile</a:t>
             </a:r>
             <a:endParaRPr lang="de-DE" dirty="0"/>
           </a:p>
@@ -5117,11 +4773,15 @@
           <a:p>
             <a:r>
               <a:rPr lang="de-DE" dirty="0" smtClean="0"/>
-              <a:t>Monitoring-Funktionen ( </a:t>
+              <a:t>Monitoring-Funktionen </a:t>
+            </a:r>
+            <a:r>
+              <a:rPr lang="de-DE" dirty="0" smtClean="0"/>
+              <a:t>(Laufzeitverhalten </a:t>
             </a:r>
             <a:r>
               <a:rPr lang="de-DE" dirty="0"/>
-              <a:t>Laufzeitverhalten der Anwendungen kann überwacht werden)</a:t>
+              <a:t>der Anwendungen kann überwacht werden)</a:t>
             </a:r>
           </a:p>
           <a:p>
@@ -5191,10 +4851,17 @@
   <p:clrMapOvr>
     <a:masterClrMapping/>
   </p:clrMapOvr>
+  <p:timing>
+    <p:tnLst>
+      <p:par>
+        <p:cTn id="1" dur="indefinite" restart="never" nodeType="tmRoot"/>
+      </p:par>
+    </p:tnLst>
+  </p:timing>
 </p:sld>
 </file>
 
-<file path=ppt/slides/slide8.xml><?xml version="1.0" encoding="utf-8"?>
+<file path=ppt/slides/slide17.xml><?xml version="1.0" encoding="utf-8"?>
 <p:sld xmlns:a="http://schemas.openxmlformats.org/drawingml/2006/main" xmlns:r="http://schemas.openxmlformats.org/officeDocument/2006/relationships" xmlns:p="http://schemas.openxmlformats.org/presentationml/2006/main">
   <p:cSld>
     <p:spTree>
@@ -5218,6 +4885,101 @@
             <a:spLocks noGrp="1"/>
           </p:cNvSpPr>
           <p:nvPr>
+            <p:ph type="ctrTitle"/>
+          </p:nvPr>
+        </p:nvSpPr>
+        <p:spPr/>
+        <p:txBody>
+          <a:bodyPr/>
+          <a:lstStyle/>
+          <a:p>
+            <a:r>
+              <a:rPr lang="de-DE" dirty="0" err="1"/>
+              <a:t>FaaS</a:t>
+            </a:r>
+            <a:endParaRPr lang="de-DE" dirty="0"/>
+          </a:p>
+        </p:txBody>
+      </p:sp>
+      <p:sp>
+        <p:nvSpPr>
+          <p:cNvPr id="3" name="Untertitel 2"/>
+          <p:cNvSpPr>
+            <a:spLocks noGrp="1"/>
+          </p:cNvSpPr>
+          <p:nvPr>
+            <p:ph type="subTitle" idx="1"/>
+          </p:nvPr>
+        </p:nvSpPr>
+        <p:spPr/>
+        <p:txBody>
+          <a:bodyPr/>
+          <a:lstStyle/>
+          <a:p>
+            <a:r>
+              <a:rPr lang="de-DE" dirty="0" err="1" smtClean="0"/>
+              <a:t>Function</a:t>
+            </a:r>
+            <a:r>
+              <a:rPr lang="de-DE" dirty="0" smtClean="0"/>
+              <a:t> </a:t>
+            </a:r>
+            <a:r>
+              <a:rPr lang="de-DE" dirty="0" err="1" smtClean="0"/>
+              <a:t>as</a:t>
+            </a:r>
+            <a:r>
+              <a:rPr lang="de-DE" dirty="0" smtClean="0"/>
+              <a:t> a Service</a:t>
+            </a:r>
+            <a:endParaRPr lang="de-DE" dirty="0"/>
+          </a:p>
+        </p:txBody>
+      </p:sp>
+    </p:spTree>
+    <p:extLst>
+      <p:ext uri="{BB962C8B-B14F-4D97-AF65-F5344CB8AC3E}">
+        <p14:creationId xmlns:p14="http://schemas.microsoft.com/office/powerpoint/2010/main" val="1796274741"/>
+      </p:ext>
+    </p:extLst>
+  </p:cSld>
+  <p:clrMapOvr>
+    <a:masterClrMapping/>
+  </p:clrMapOvr>
+  <p:timing>
+    <p:tnLst>
+      <p:par>
+        <p:cTn id="1" dur="indefinite" restart="never" nodeType="tmRoot"/>
+      </p:par>
+    </p:tnLst>
+  </p:timing>
+</p:sld>
+</file>
+
+<file path=ppt/slides/slide18.xml><?xml version="1.0" encoding="utf-8"?>
+<p:sld xmlns:a="http://schemas.openxmlformats.org/drawingml/2006/main" xmlns:r="http://schemas.openxmlformats.org/officeDocument/2006/relationships" xmlns:p="http://schemas.openxmlformats.org/presentationml/2006/main">
+  <p:cSld>
+    <p:spTree>
+      <p:nvGrpSpPr>
+        <p:cNvPr id="1" name=""/>
+        <p:cNvGrpSpPr/>
+        <p:nvPr/>
+      </p:nvGrpSpPr>
+      <p:grpSpPr>
+        <a:xfrm>
+          <a:off x="0" y="0"/>
+          <a:ext cx="0" cy="0"/>
+          <a:chOff x="0" y="0"/>
+          <a:chExt cx="0" cy="0"/>
+        </a:xfrm>
+      </p:grpSpPr>
+      <p:sp>
+        <p:nvSpPr>
+          <p:cNvPr id="2" name="Titel 1"/>
+          <p:cNvSpPr>
+            <a:spLocks noGrp="1"/>
+          </p:cNvSpPr>
+          <p:nvPr>
             <p:ph type="title"/>
           </p:nvPr>
         </p:nvSpPr>
@@ -5228,113 +4990,21 @@
           <a:p>
             <a:r>
               <a:rPr lang="de-DE" dirty="0" smtClean="0"/>
-              <a:t>Anbieter</a:t>
+              <a:t>Verteilte Architekturen im Überblick </a:t>
             </a:r>
             <a:endParaRPr lang="de-DE" dirty="0"/>
-          </a:p>
-        </p:txBody>
-      </p:sp>
-      <p:sp>
-        <p:nvSpPr>
-          <p:cNvPr id="3" name="Inhaltsplatzhalter 2"/>
-          <p:cNvSpPr>
-            <a:spLocks noGrp="1"/>
-          </p:cNvSpPr>
-          <p:nvPr>
-            <p:ph idx="1"/>
-          </p:nvPr>
-        </p:nvSpPr>
-        <p:spPr/>
-        <p:txBody>
-          <a:bodyPr>
-            <a:normAutofit lnSpcReduction="10000"/>
-          </a:bodyPr>
-          <a:lstStyle/>
-          <a:p>
-            <a:r>
-              <a:rPr lang="de-DE" dirty="0" smtClean="0"/>
-              <a:t>Google </a:t>
-            </a:r>
-            <a:r>
-              <a:rPr lang="de-DE" dirty="0"/>
-              <a:t>(Google App Engine</a:t>
-            </a:r>
-            <a:r>
-              <a:rPr lang="de-DE" dirty="0" smtClean="0"/>
-              <a:t>)</a:t>
-            </a:r>
-          </a:p>
-          <a:p>
-            <a:endParaRPr lang="de-DE" dirty="0" smtClean="0"/>
-          </a:p>
-          <a:p>
-            <a:endParaRPr lang="de-DE" dirty="0" smtClean="0"/>
-          </a:p>
-          <a:p>
-            <a:endParaRPr lang="de-DE" dirty="0"/>
-          </a:p>
-          <a:p>
-            <a:r>
-              <a:rPr lang="de-DE" dirty="0" smtClean="0"/>
-              <a:t>Microsoft </a:t>
-            </a:r>
-            <a:r>
-              <a:rPr lang="de-DE" dirty="0"/>
-              <a:t>(Windows </a:t>
-            </a:r>
-            <a:r>
-              <a:rPr lang="de-DE" dirty="0" err="1"/>
-              <a:t>Azure</a:t>
-            </a:r>
-            <a:r>
-              <a:rPr lang="de-DE" dirty="0" smtClean="0"/>
-              <a:t>)</a:t>
-            </a:r>
-          </a:p>
-          <a:p>
-            <a:endParaRPr lang="de-DE" dirty="0" smtClean="0"/>
-          </a:p>
-          <a:p>
-            <a:endParaRPr lang="de-DE" dirty="0" smtClean="0"/>
-          </a:p>
-          <a:p>
-            <a:endParaRPr lang="de-DE" dirty="0" smtClean="0"/>
-          </a:p>
-          <a:p>
-            <a:r>
-              <a:rPr lang="de-DE" dirty="0" smtClean="0"/>
-              <a:t>Amazon </a:t>
-            </a:r>
-            <a:r>
-              <a:rPr lang="de-DE" dirty="0"/>
-              <a:t>(Amazon </a:t>
-            </a:r>
-            <a:r>
-              <a:rPr lang="de-DE" dirty="0" err="1"/>
-              <a:t>Elastic</a:t>
-            </a:r>
-            <a:r>
-              <a:rPr lang="de-DE" dirty="0"/>
-              <a:t> </a:t>
-            </a:r>
-            <a:r>
-              <a:rPr lang="de-DE" dirty="0" err="1"/>
-              <a:t>Beanstalk</a:t>
-            </a:r>
-            <a:r>
-              <a:rPr lang="de-DE" dirty="0"/>
-              <a:t>)</a:t>
-            </a:r>
           </a:p>
         </p:txBody>
       </p:sp>
       <p:pic>
         <p:nvPicPr>
-          <p:cNvPr id="4" name="Grafik 3"/>
+          <p:cNvPr id="4" name="Inhaltsplatzhalter 3" descr="Bildschirmausschnitt"/>
           <p:cNvPicPr>
-            <a:picLocks noChangeAspect="1"/>
+            <a:picLocks noGrp="1" noChangeAspect="1"/>
           </p:cNvPicPr>
-          <p:nvPr/>
+          <p:nvPr>
+            <p:ph idx="1"/>
+          </p:nvPr>
         </p:nvPicPr>
         <p:blipFill>
           <a:blip r:embed="rId3">
@@ -5350,24 +5020,173 @@
         </p:blipFill>
         <p:spPr>
           <a:xfrm>
-            <a:off x="6802108" y="4734220"/>
-            <a:ext cx="1949512" cy="1949512"/>
+            <a:off x="838200" y="2302493"/>
+            <a:ext cx="10515600" cy="2497717"/>
+          </a:xfrm>
+        </p:spPr>
+      </p:pic>
+      <p:sp>
+        <p:nvSpPr>
+          <p:cNvPr id="5" name="Textfeld 4"/>
+          <p:cNvSpPr txBox="1"/>
+          <p:nvPr/>
+        </p:nvSpPr>
+        <p:spPr>
+          <a:xfrm>
+            <a:off x="1059544" y="4800210"/>
+            <a:ext cx="2171557" cy="461665"/>
           </a:xfrm>
           <a:prstGeom prst="rect">
             <a:avLst/>
           </a:prstGeom>
+          <a:noFill/>
         </p:spPr>
-      </p:pic>
+        <p:txBody>
+          <a:bodyPr wrap="none" rtlCol="0">
+            <a:spAutoFit/>
+          </a:bodyPr>
+          <a:lstStyle/>
+          <a:p>
+            <a:r>
+              <a:rPr lang="de-DE" sz="2400" dirty="0" smtClean="0"/>
+              <a:t>Monolith (starr)</a:t>
+            </a:r>
+            <a:endParaRPr lang="de-DE" sz="2400" dirty="0"/>
+          </a:p>
+        </p:txBody>
+      </p:sp>
+      <p:sp>
+        <p:nvSpPr>
+          <p:cNvPr id="6" name="Textfeld 5"/>
+          <p:cNvSpPr txBox="1"/>
+          <p:nvPr/>
+        </p:nvSpPr>
+        <p:spPr>
+          <a:xfrm>
+            <a:off x="4542971" y="4800210"/>
+            <a:ext cx="1910651" cy="461665"/>
+          </a:xfrm>
+          <a:prstGeom prst="rect">
+            <a:avLst/>
+          </a:prstGeom>
+          <a:noFill/>
+        </p:spPr>
+        <p:txBody>
+          <a:bodyPr wrap="none" rtlCol="0">
+            <a:spAutoFit/>
+          </a:bodyPr>
+          <a:lstStyle/>
+          <a:p>
+            <a:r>
+              <a:rPr lang="de-DE" sz="2400" dirty="0" err="1" smtClean="0"/>
+              <a:t>Microservices</a:t>
+            </a:r>
+            <a:endParaRPr lang="de-DE" dirty="0"/>
+          </a:p>
+        </p:txBody>
+      </p:sp>
+      <p:sp>
+        <p:nvSpPr>
+          <p:cNvPr id="7" name="Textfeld 6"/>
+          <p:cNvSpPr txBox="1"/>
+          <p:nvPr/>
+        </p:nvSpPr>
+        <p:spPr>
+          <a:xfrm>
+            <a:off x="8476343" y="4823823"/>
+            <a:ext cx="1452514" cy="461665"/>
+          </a:xfrm>
+          <a:prstGeom prst="rect">
+            <a:avLst/>
+          </a:prstGeom>
+          <a:noFill/>
+        </p:spPr>
+        <p:txBody>
+          <a:bodyPr wrap="none" rtlCol="0">
+            <a:spAutoFit/>
+          </a:bodyPr>
+          <a:lstStyle/>
+          <a:p>
+            <a:r>
+              <a:rPr lang="de-DE" sz="2400" dirty="0" err="1" smtClean="0"/>
+              <a:t>Serverless</a:t>
+            </a:r>
+            <a:endParaRPr lang="de-DE" sz="2800" dirty="0"/>
+          </a:p>
+        </p:txBody>
+      </p:sp>
+    </p:spTree>
+    <p:extLst>
+      <p:ext uri="{BB962C8B-B14F-4D97-AF65-F5344CB8AC3E}">
+        <p14:creationId xmlns:p14="http://schemas.microsoft.com/office/powerpoint/2010/main" val="1758557191"/>
+      </p:ext>
+    </p:extLst>
+  </p:cSld>
+  <p:clrMapOvr>
+    <a:masterClrMapping/>
+  </p:clrMapOvr>
+  <p:timing>
+    <p:tnLst>
+      <p:par>
+        <p:cTn id="1" dur="indefinite" restart="never" nodeType="tmRoot"/>
+      </p:par>
+    </p:tnLst>
+  </p:timing>
+</p:sld>
+</file>
+
+<file path=ppt/slides/slide19.xml><?xml version="1.0" encoding="utf-8"?>
+<p:sld xmlns:a="http://schemas.openxmlformats.org/drawingml/2006/main" xmlns:r="http://schemas.openxmlformats.org/officeDocument/2006/relationships" xmlns:p="http://schemas.openxmlformats.org/presentationml/2006/main">
+  <p:cSld>
+    <p:spTree>
+      <p:nvGrpSpPr>
+        <p:cNvPr id="1" name=""/>
+        <p:cNvGrpSpPr/>
+        <p:nvPr/>
+      </p:nvGrpSpPr>
+      <p:grpSpPr>
+        <a:xfrm>
+          <a:off x="0" y="0"/>
+          <a:ext cx="0" cy="0"/>
+          <a:chOff x="0" y="0"/>
+          <a:chExt cx="0" cy="0"/>
+        </a:xfrm>
+      </p:grpSpPr>
+      <p:sp>
+        <p:nvSpPr>
+          <p:cNvPr id="2" name="Titel 1"/>
+          <p:cNvSpPr>
+            <a:spLocks noGrp="1"/>
+          </p:cNvSpPr>
+          <p:nvPr>
+            <p:ph type="title"/>
+          </p:nvPr>
+        </p:nvSpPr>
+        <p:spPr/>
+        <p:txBody>
+          <a:bodyPr/>
+          <a:lstStyle/>
+          <a:p>
+            <a:r>
+              <a:rPr lang="de-DE" dirty="0" smtClean="0"/>
+              <a:t>Grundkonzept</a:t>
+            </a:r>
+            <a:endParaRPr lang="de-DE" dirty="0"/>
+          </a:p>
+        </p:txBody>
+      </p:sp>
       <p:pic>
         <p:nvPicPr>
-          <p:cNvPr id="5" name="Grafik 4"/>
+          <p:cNvPr id="4" name="Inhaltsplatzhalter 3"/>
           <p:cNvPicPr>
-            <a:picLocks noChangeAspect="1"/>
+            <a:picLocks noGrp="1" noChangeAspect="1"/>
           </p:cNvPicPr>
-          <p:nvPr/>
+          <p:nvPr>
+            <p:ph idx="1"/>
+          </p:nvPr>
         </p:nvPicPr>
         <p:blipFill>
-          <a:blip r:embed="rId4">
+          <a:blip r:embed="rId2" cstate="print">
             <a:extLst>
               <a:ext uri="{28A0092B-C50C-407E-A947-70E740481C1C}">
                 <a14:useLocalDpi xmlns:a14="http://schemas.microsoft.com/office/drawing/2010/main" val="0"/>
@@ -5380,24 +5199,83 @@
         </p:blipFill>
         <p:spPr>
           <a:xfrm>
-            <a:off x="6077872" y="2675939"/>
-            <a:ext cx="2709962" cy="1812871"/>
+            <a:off x="1197763" y="1825625"/>
+            <a:ext cx="9796473" cy="4351338"/>
           </a:xfrm>
-          <a:prstGeom prst="rect">
-            <a:avLst/>
-          </a:prstGeom>
         </p:spPr>
       </p:pic>
+    </p:spTree>
+    <p:extLst>
+      <p:ext uri="{BB962C8B-B14F-4D97-AF65-F5344CB8AC3E}">
+        <p14:creationId xmlns:p14="http://schemas.microsoft.com/office/powerpoint/2010/main" val="1268460424"/>
+      </p:ext>
+    </p:extLst>
+  </p:cSld>
+  <p:clrMapOvr>
+    <a:masterClrMapping/>
+  </p:clrMapOvr>
+  <p:timing>
+    <p:tnLst>
+      <p:par>
+        <p:cTn id="1" dur="indefinite" restart="never" nodeType="tmRoot"/>
+      </p:par>
+    </p:tnLst>
+  </p:timing>
+</p:sld>
+</file>
+
+<file path=ppt/slides/slide2.xml><?xml version="1.0" encoding="utf-8"?>
+<p:sld xmlns:a="http://schemas.openxmlformats.org/drawingml/2006/main" xmlns:r="http://schemas.openxmlformats.org/officeDocument/2006/relationships" xmlns:p="http://schemas.openxmlformats.org/presentationml/2006/main">
+  <p:cSld>
+    <p:spTree>
+      <p:nvGrpSpPr>
+        <p:cNvPr id="1" name=""/>
+        <p:cNvGrpSpPr/>
+        <p:nvPr/>
+      </p:nvGrpSpPr>
+      <p:grpSpPr>
+        <a:xfrm>
+          <a:off x="0" y="0"/>
+          <a:ext cx="0" cy="0"/>
+          <a:chOff x="0" y="0"/>
+          <a:chExt cx="0" cy="0"/>
+        </a:xfrm>
+      </p:grpSpPr>
+      <p:sp>
+        <p:nvSpPr>
+          <p:cNvPr id="2" name="Titel 1"/>
+          <p:cNvSpPr>
+            <a:spLocks noGrp="1"/>
+          </p:cNvSpPr>
+          <p:nvPr>
+            <p:ph type="title"/>
+          </p:nvPr>
+        </p:nvSpPr>
+        <p:spPr/>
+        <p:txBody>
+          <a:bodyPr/>
+          <a:lstStyle/>
+          <a:p>
+            <a:r>
+              <a:rPr lang="de-DE" dirty="0" smtClean="0"/>
+              <a:t>Plattform Spektrum</a:t>
+            </a:r>
+            <a:endParaRPr lang="de-DE" dirty="0"/>
+          </a:p>
+        </p:txBody>
+      </p:sp>
       <p:pic>
         <p:nvPicPr>
-          <p:cNvPr id="6" name="Grafik 5"/>
+          <p:cNvPr id="4" name="Inhaltsplatzhalter 3"/>
           <p:cNvPicPr>
-            <a:picLocks noChangeAspect="1"/>
+            <a:picLocks noGrp="1" noChangeAspect="1"/>
           </p:cNvPicPr>
-          <p:nvPr/>
+          <p:nvPr>
+            <p:ph idx="1"/>
+          </p:nvPr>
         </p:nvPicPr>
         <p:blipFill>
-          <a:blip r:embed="rId5">
+          <a:blip r:embed="rId2">
             <a:extLst>
               <a:ext uri="{28A0092B-C50C-407E-A947-70E740481C1C}">
                 <a14:useLocalDpi xmlns:a14="http://schemas.microsoft.com/office/drawing/2010/main" val="0"/>
@@ -5410,8 +5288,1524 @@
         </p:blipFill>
         <p:spPr>
           <a:xfrm>
-            <a:off x="5808532" y="479337"/>
-            <a:ext cx="3154399" cy="2184421"/>
+            <a:off x="862510" y="1825625"/>
+            <a:ext cx="10466979" cy="4351338"/>
+          </a:xfrm>
+        </p:spPr>
+      </p:pic>
+    </p:spTree>
+    <p:extLst>
+      <p:ext uri="{BB962C8B-B14F-4D97-AF65-F5344CB8AC3E}">
+        <p14:creationId xmlns:p14="http://schemas.microsoft.com/office/powerpoint/2010/main" val="3035409648"/>
+      </p:ext>
+    </p:extLst>
+  </p:cSld>
+  <p:clrMapOvr>
+    <a:masterClrMapping/>
+  </p:clrMapOvr>
+  <p:timing>
+    <p:tnLst>
+      <p:par>
+        <p:cTn id="1" dur="indefinite" restart="never" nodeType="tmRoot"/>
+      </p:par>
+    </p:tnLst>
+  </p:timing>
+</p:sld>
+</file>
+
+<file path=ppt/slides/slide20.xml><?xml version="1.0" encoding="utf-8"?>
+<p:sld xmlns:a="http://schemas.openxmlformats.org/drawingml/2006/main" xmlns:r="http://schemas.openxmlformats.org/officeDocument/2006/relationships" xmlns:p="http://schemas.openxmlformats.org/presentationml/2006/main">
+  <p:cSld>
+    <p:spTree>
+      <p:nvGrpSpPr>
+        <p:cNvPr id="1" name=""/>
+        <p:cNvGrpSpPr/>
+        <p:nvPr/>
+      </p:nvGrpSpPr>
+      <p:grpSpPr>
+        <a:xfrm>
+          <a:off x="0" y="0"/>
+          <a:ext cx="0" cy="0"/>
+          <a:chOff x="0" y="0"/>
+          <a:chExt cx="0" cy="0"/>
+        </a:xfrm>
+      </p:grpSpPr>
+      <p:sp>
+        <p:nvSpPr>
+          <p:cNvPr id="2" name="Titel 1"/>
+          <p:cNvSpPr>
+            <a:spLocks noGrp="1"/>
+          </p:cNvSpPr>
+          <p:nvPr>
+            <p:ph type="title"/>
+          </p:nvPr>
+        </p:nvSpPr>
+        <p:spPr/>
+        <p:txBody>
+          <a:bodyPr/>
+          <a:lstStyle/>
+          <a:p>
+            <a:r>
+              <a:rPr lang="de-DE" dirty="0" smtClean="0"/>
+              <a:t>Was ist </a:t>
+            </a:r>
+            <a:r>
+              <a:rPr lang="de-DE" dirty="0" err="1" smtClean="0"/>
+              <a:t>FaaS</a:t>
+            </a:r>
+            <a:r>
+              <a:rPr lang="de-DE" dirty="0" smtClean="0"/>
+              <a:t> – </a:t>
+            </a:r>
+            <a:r>
+              <a:rPr lang="de-DE" dirty="0" err="1" smtClean="0"/>
+              <a:t>Function</a:t>
+            </a:r>
+            <a:r>
+              <a:rPr lang="de-DE" dirty="0" smtClean="0"/>
+              <a:t> </a:t>
+            </a:r>
+            <a:r>
+              <a:rPr lang="de-DE" dirty="0" err="1" smtClean="0"/>
+              <a:t>as</a:t>
+            </a:r>
+            <a:r>
+              <a:rPr lang="de-DE" dirty="0" smtClean="0"/>
+              <a:t> a Service?</a:t>
+            </a:r>
+            <a:endParaRPr lang="de-DE" dirty="0"/>
+          </a:p>
+        </p:txBody>
+      </p:sp>
+      <p:graphicFrame>
+        <p:nvGraphicFramePr>
+          <p:cNvPr id="4" name="Inhaltsplatzhalter 3"/>
+          <p:cNvGraphicFramePr>
+            <a:graphicFrameLocks noGrp="1"/>
+          </p:cNvGraphicFramePr>
+          <p:nvPr>
+            <p:ph idx="1"/>
+            <p:extLst/>
+          </p:nvPr>
+        </p:nvGraphicFramePr>
+        <p:xfrm>
+          <a:off x="633984" y="1825625"/>
+          <a:ext cx="10887456" cy="2108200"/>
+        </p:xfrm>
+        <a:graphic>
+          <a:graphicData uri="http://schemas.openxmlformats.org/drawingml/2006/table">
+            <a:tbl>
+              <a:tblPr firstRow="1" bandRow="1">
+                <a:tableStyleId>{5C22544A-7EE6-4342-B048-85BDC9FD1C3A}</a:tableStyleId>
+              </a:tblPr>
+              <a:tblGrid>
+                <a:gridCol w="3629152"/>
+                <a:gridCol w="3629152"/>
+                <a:gridCol w="3629152"/>
+              </a:tblGrid>
+              <a:tr h="370840">
+                <a:tc>
+                  <a:txBody>
+                    <a:bodyPr/>
+                    <a:lstStyle/>
+                    <a:p>
+                      <a:r>
+                        <a:rPr lang="de-DE" dirty="0" smtClean="0"/>
+                        <a:t>Vollständig verwaltete </a:t>
+                      </a:r>
+                      <a:r>
+                        <a:rPr lang="de-DE" baseline="0" dirty="0" smtClean="0"/>
+                        <a:t>Berechnung</a:t>
+                      </a:r>
+                      <a:endParaRPr lang="de-DE" dirty="0"/>
+                    </a:p>
+                  </a:txBody>
+                  <a:tcPr/>
+                </a:tc>
+                <a:tc>
+                  <a:txBody>
+                    <a:bodyPr/>
+                    <a:lstStyle/>
+                    <a:p>
+                      <a:r>
+                        <a:rPr lang="de-DE" dirty="0" smtClean="0"/>
+                        <a:t>Entwickle deinen Code</a:t>
+                      </a:r>
+                      <a:endParaRPr lang="de-DE" dirty="0"/>
+                    </a:p>
+                  </a:txBody>
+                  <a:tcPr/>
+                </a:tc>
+                <a:tc>
+                  <a:txBody>
+                    <a:bodyPr/>
+                    <a:lstStyle/>
+                    <a:p>
+                      <a:r>
+                        <a:rPr lang="de-DE" dirty="0" smtClean="0"/>
+                        <a:t>Bezahle für die tatsächliche Nutzung</a:t>
+                      </a:r>
+                      <a:endParaRPr lang="de-DE" dirty="0"/>
+                    </a:p>
+                  </a:txBody>
+                  <a:tcPr/>
+                </a:tc>
+              </a:tr>
+              <a:tr h="370840">
+                <a:tc>
+                  <a:txBody>
+                    <a:bodyPr/>
+                    <a:lstStyle/>
+                    <a:p>
+                      <a:r>
+                        <a:rPr lang="de-DE" dirty="0" smtClean="0"/>
+                        <a:t>Bereitstellung,</a:t>
+                      </a:r>
+                      <a:r>
+                        <a:rPr lang="de-DE" baseline="0" dirty="0" smtClean="0"/>
+                        <a:t> </a:t>
+                      </a:r>
+                      <a:r>
+                        <a:rPr lang="de-DE" baseline="0" dirty="0" err="1" smtClean="0"/>
+                        <a:t>Patching</a:t>
+                      </a:r>
+                      <a:r>
+                        <a:rPr lang="de-DE" baseline="0" dirty="0" smtClean="0"/>
+                        <a:t>, Skalierung, Überwachung, Protokollierung sind out-</a:t>
+                      </a:r>
+                      <a:r>
+                        <a:rPr lang="de-DE" baseline="0" dirty="0" err="1" smtClean="0"/>
+                        <a:t>of</a:t>
+                      </a:r>
+                      <a:r>
+                        <a:rPr lang="de-DE" baseline="0" dirty="0" smtClean="0"/>
+                        <a:t>-</a:t>
+                      </a:r>
+                      <a:r>
+                        <a:rPr lang="de-DE" baseline="0" dirty="0" err="1" smtClean="0"/>
+                        <a:t>the</a:t>
+                      </a:r>
+                      <a:r>
+                        <a:rPr lang="de-DE" baseline="0" dirty="0" smtClean="0"/>
+                        <a:t>-box zur Verfügung gestellt</a:t>
+                      </a:r>
+                    </a:p>
+                    <a:p>
+                      <a:endParaRPr lang="de-DE" baseline="0" dirty="0" smtClean="0"/>
+                    </a:p>
+                    <a:p>
+                      <a:pPr marL="285750" indent="-285750">
+                        <a:buFont typeface="Wingdings" panose="05000000000000000000" pitchFamily="2" charset="2"/>
+                        <a:buChar char="Ø"/>
+                      </a:pPr>
+                      <a:r>
+                        <a:rPr lang="de-DE" dirty="0" smtClean="0"/>
+                        <a:t>LESS OPS</a:t>
+                      </a:r>
+                      <a:endParaRPr lang="de-DE" dirty="0"/>
+                    </a:p>
+                  </a:txBody>
+                  <a:tcPr/>
+                </a:tc>
+                <a:tc>
+                  <a:txBody>
+                    <a:bodyPr/>
+                    <a:lstStyle/>
+                    <a:p>
+                      <a:r>
+                        <a:rPr lang="de-DE" dirty="0" smtClean="0"/>
+                        <a:t>Nimm deinen Code und lade ihn hoch</a:t>
+                      </a:r>
+                      <a:endParaRPr lang="de-DE" dirty="0"/>
+                    </a:p>
+                  </a:txBody>
+                  <a:tcPr/>
+                </a:tc>
+                <a:tc>
+                  <a:txBody>
+                    <a:bodyPr/>
+                    <a:lstStyle/>
+                    <a:p>
+                      <a:r>
+                        <a:rPr lang="de-DE" dirty="0" smtClean="0"/>
+                        <a:t>Nur bei Ausführung des Codes wird eine Gebühr erhoben.</a:t>
+                      </a:r>
+                    </a:p>
+                    <a:p>
+                      <a:r>
+                        <a:rPr lang="de-DE" dirty="0" smtClean="0"/>
+                        <a:t>pro 100ms</a:t>
+                      </a:r>
+                    </a:p>
+                    <a:p>
+                      <a:endParaRPr lang="de-DE" dirty="0" smtClean="0"/>
+                    </a:p>
+                    <a:p>
+                      <a:endParaRPr lang="de-DE" dirty="0" smtClean="0"/>
+                    </a:p>
+                    <a:p>
+                      <a:pPr marL="285750" indent="-285750">
+                        <a:buFont typeface="Wingdings" panose="05000000000000000000" pitchFamily="2" charset="2"/>
+                        <a:buChar char="Ø"/>
+                      </a:pPr>
+                      <a:r>
+                        <a:rPr lang="de-DE" dirty="0" smtClean="0"/>
+                        <a:t>100%</a:t>
+                      </a:r>
+                      <a:r>
+                        <a:rPr lang="de-DE" baseline="0" dirty="0" smtClean="0"/>
+                        <a:t> Nutzung</a:t>
+                      </a:r>
+                      <a:endParaRPr lang="de-DE" dirty="0"/>
+                    </a:p>
+                  </a:txBody>
+                  <a:tcPr/>
+                </a:tc>
+              </a:tr>
+            </a:tbl>
+          </a:graphicData>
+        </a:graphic>
+      </p:graphicFrame>
+    </p:spTree>
+    <p:extLst>
+      <p:ext uri="{BB962C8B-B14F-4D97-AF65-F5344CB8AC3E}">
+        <p14:creationId xmlns:p14="http://schemas.microsoft.com/office/powerpoint/2010/main" val="1561706086"/>
+      </p:ext>
+    </p:extLst>
+  </p:cSld>
+  <p:clrMapOvr>
+    <a:masterClrMapping/>
+  </p:clrMapOvr>
+  <p:timing>
+    <p:tnLst>
+      <p:par>
+        <p:cTn id="1" dur="indefinite" restart="never" nodeType="tmRoot"/>
+      </p:par>
+    </p:tnLst>
+  </p:timing>
+</p:sld>
+</file>
+
+<file path=ppt/slides/slide21.xml><?xml version="1.0" encoding="utf-8"?>
+<p:sld xmlns:a="http://schemas.openxmlformats.org/drawingml/2006/main" xmlns:r="http://schemas.openxmlformats.org/officeDocument/2006/relationships" xmlns:p="http://schemas.openxmlformats.org/presentationml/2006/main">
+  <p:cSld>
+    <p:spTree>
+      <p:nvGrpSpPr>
+        <p:cNvPr id="1" name=""/>
+        <p:cNvGrpSpPr/>
+        <p:nvPr/>
+      </p:nvGrpSpPr>
+      <p:grpSpPr>
+        <a:xfrm>
+          <a:off x="0" y="0"/>
+          <a:ext cx="0" cy="0"/>
+          <a:chOff x="0" y="0"/>
+          <a:chExt cx="0" cy="0"/>
+        </a:xfrm>
+      </p:grpSpPr>
+      <p:sp>
+        <p:nvSpPr>
+          <p:cNvPr id="2" name="Titel 1"/>
+          <p:cNvSpPr>
+            <a:spLocks noGrp="1"/>
+          </p:cNvSpPr>
+          <p:nvPr>
+            <p:ph type="title"/>
+          </p:nvPr>
+        </p:nvSpPr>
+        <p:spPr/>
+        <p:txBody>
+          <a:bodyPr/>
+          <a:lstStyle/>
+          <a:p>
+            <a:r>
+              <a:rPr lang="de-DE" dirty="0" smtClean="0"/>
+              <a:t>Wie funktioniert </a:t>
+            </a:r>
+            <a:r>
+              <a:rPr lang="de-DE" dirty="0" err="1" smtClean="0"/>
+              <a:t>FaaS</a:t>
+            </a:r>
+            <a:r>
+              <a:rPr lang="de-DE" dirty="0" smtClean="0"/>
+              <a:t>?</a:t>
+            </a:r>
+            <a:endParaRPr lang="de-DE" dirty="0"/>
+          </a:p>
+        </p:txBody>
+      </p:sp>
+      <p:sp>
+        <p:nvSpPr>
+          <p:cNvPr id="3" name="Inhaltsplatzhalter 2"/>
+          <p:cNvSpPr>
+            <a:spLocks noGrp="1"/>
+          </p:cNvSpPr>
+          <p:nvPr>
+            <p:ph idx="1"/>
+          </p:nvPr>
+        </p:nvSpPr>
+        <p:spPr/>
+        <p:txBody>
+          <a:bodyPr/>
+          <a:lstStyle/>
+          <a:p>
+            <a:endParaRPr lang="de-DE" dirty="0"/>
+          </a:p>
+        </p:txBody>
+      </p:sp>
+      <p:sp>
+        <p:nvSpPr>
+          <p:cNvPr id="4" name="Ellipse 3"/>
+          <p:cNvSpPr/>
+          <p:nvPr/>
+        </p:nvSpPr>
+        <p:spPr>
+          <a:xfrm>
+            <a:off x="1487424" y="3011424"/>
+            <a:ext cx="2048256" cy="1901952"/>
+          </a:xfrm>
+          <a:prstGeom prst="ellipse">
+            <a:avLst/>
+          </a:prstGeom>
+        </p:spPr>
+        <p:style>
+          <a:lnRef idx="2">
+            <a:schemeClr val="accent6"/>
+          </a:lnRef>
+          <a:fillRef idx="1">
+            <a:schemeClr val="lt1"/>
+          </a:fillRef>
+          <a:effectRef idx="0">
+            <a:schemeClr val="accent6"/>
+          </a:effectRef>
+          <a:fontRef idx="minor">
+            <a:schemeClr val="dk1"/>
+          </a:fontRef>
+        </p:style>
+        <p:txBody>
+          <a:bodyPr rtlCol="0" anchor="ctr"/>
+          <a:lstStyle/>
+          <a:p>
+            <a:pPr algn="ctr"/>
+            <a:r>
+              <a:rPr lang="de-DE" dirty="0" smtClean="0"/>
+              <a:t>Entwickle deinen Code</a:t>
+            </a:r>
+            <a:endParaRPr lang="de-DE" dirty="0"/>
+          </a:p>
+        </p:txBody>
+      </p:sp>
+      <p:sp>
+        <p:nvSpPr>
+          <p:cNvPr id="7" name="Ellipse 6"/>
+          <p:cNvSpPr/>
+          <p:nvPr/>
+        </p:nvSpPr>
+        <p:spPr>
+          <a:xfrm>
+            <a:off x="4852416" y="3011424"/>
+            <a:ext cx="2048256" cy="1901952"/>
+          </a:xfrm>
+          <a:prstGeom prst="ellipse">
+            <a:avLst/>
+          </a:prstGeom>
+        </p:spPr>
+        <p:style>
+          <a:lnRef idx="2">
+            <a:schemeClr val="accent6"/>
+          </a:lnRef>
+          <a:fillRef idx="1">
+            <a:schemeClr val="lt1"/>
+          </a:fillRef>
+          <a:effectRef idx="0">
+            <a:schemeClr val="accent6"/>
+          </a:effectRef>
+          <a:fontRef idx="minor">
+            <a:schemeClr val="dk1"/>
+          </a:fontRef>
+        </p:style>
+        <p:txBody>
+          <a:bodyPr rtlCol="0" anchor="ctr"/>
+          <a:lstStyle/>
+          <a:p>
+            <a:pPr algn="ctr"/>
+            <a:r>
+              <a:rPr lang="de-DE" dirty="0" smtClean="0"/>
+              <a:t>Bestimme Trigger</a:t>
+            </a:r>
+            <a:endParaRPr lang="de-DE" dirty="0"/>
+          </a:p>
+        </p:txBody>
+      </p:sp>
+      <p:sp>
+        <p:nvSpPr>
+          <p:cNvPr id="8" name="Ellipse 7"/>
+          <p:cNvSpPr/>
+          <p:nvPr/>
+        </p:nvSpPr>
+        <p:spPr>
+          <a:xfrm>
+            <a:off x="8217408" y="3011424"/>
+            <a:ext cx="2048256" cy="1901952"/>
+          </a:xfrm>
+          <a:prstGeom prst="ellipse">
+            <a:avLst/>
+          </a:prstGeom>
+        </p:spPr>
+        <p:style>
+          <a:lnRef idx="2">
+            <a:schemeClr val="accent6"/>
+          </a:lnRef>
+          <a:fillRef idx="1">
+            <a:schemeClr val="lt1"/>
+          </a:fillRef>
+          <a:effectRef idx="0">
+            <a:schemeClr val="accent6"/>
+          </a:effectRef>
+          <a:fontRef idx="minor">
+            <a:schemeClr val="dk1"/>
+          </a:fontRef>
+        </p:style>
+        <p:txBody>
+          <a:bodyPr rtlCol="0" anchor="ctr"/>
+          <a:lstStyle/>
+          <a:p>
+            <a:pPr algn="ctr"/>
+            <a:r>
+              <a:rPr lang="de-DE" dirty="0" smtClean="0"/>
+              <a:t>Code-ausführung</a:t>
+            </a:r>
+            <a:endParaRPr lang="de-DE" dirty="0"/>
+          </a:p>
+        </p:txBody>
+      </p:sp>
+      <p:cxnSp>
+        <p:nvCxnSpPr>
+          <p:cNvPr id="10" name="Gerade Verbindung mit Pfeil 9"/>
+          <p:cNvCxnSpPr>
+            <a:endCxn id="7" idx="2"/>
+          </p:cNvCxnSpPr>
+          <p:nvPr/>
+        </p:nvCxnSpPr>
+        <p:spPr>
+          <a:xfrm>
+            <a:off x="3535680" y="3962400"/>
+            <a:ext cx="1316736" cy="0"/>
+          </a:xfrm>
+          <a:prstGeom prst="straightConnector1">
+            <a:avLst/>
+          </a:prstGeom>
+          <a:ln>
+            <a:tailEnd type="triangle"/>
+          </a:ln>
+        </p:spPr>
+        <p:style>
+          <a:lnRef idx="1">
+            <a:schemeClr val="accent6"/>
+          </a:lnRef>
+          <a:fillRef idx="0">
+            <a:schemeClr val="accent6"/>
+          </a:fillRef>
+          <a:effectRef idx="0">
+            <a:schemeClr val="accent6"/>
+          </a:effectRef>
+          <a:fontRef idx="minor">
+            <a:schemeClr val="tx1"/>
+          </a:fontRef>
+        </p:style>
+      </p:cxnSp>
+      <p:cxnSp>
+        <p:nvCxnSpPr>
+          <p:cNvPr id="13" name="Gerade Verbindung mit Pfeil 12"/>
+          <p:cNvCxnSpPr>
+            <a:stCxn id="7" idx="6"/>
+          </p:cNvCxnSpPr>
+          <p:nvPr/>
+        </p:nvCxnSpPr>
+        <p:spPr>
+          <a:xfrm>
+            <a:off x="6900672" y="3962400"/>
+            <a:ext cx="1316736" cy="0"/>
+          </a:xfrm>
+          <a:prstGeom prst="straightConnector1">
+            <a:avLst/>
+          </a:prstGeom>
+          <a:ln>
+            <a:tailEnd type="triangle"/>
+          </a:ln>
+        </p:spPr>
+        <p:style>
+          <a:lnRef idx="1">
+            <a:schemeClr val="accent6"/>
+          </a:lnRef>
+          <a:fillRef idx="0">
+            <a:schemeClr val="accent6"/>
+          </a:fillRef>
+          <a:effectRef idx="0">
+            <a:schemeClr val="accent6"/>
+          </a:effectRef>
+          <a:fontRef idx="minor">
+            <a:schemeClr val="tx1"/>
+          </a:fontRef>
+        </p:style>
+      </p:cxnSp>
+      <p:sp>
+        <p:nvSpPr>
+          <p:cNvPr id="15" name="Rechteck 14"/>
+          <p:cNvSpPr/>
+          <p:nvPr/>
+        </p:nvSpPr>
+        <p:spPr>
+          <a:xfrm rot="20482929">
+            <a:off x="4102608" y="2613597"/>
+            <a:ext cx="1645920" cy="682752"/>
+          </a:xfrm>
+          <a:prstGeom prst="rect">
+            <a:avLst/>
+          </a:prstGeom>
+          <a:noFill/>
+          <a:ln w="57150"/>
+        </p:spPr>
+        <p:style>
+          <a:lnRef idx="1">
+            <a:schemeClr val="accent4"/>
+          </a:lnRef>
+          <a:fillRef idx="2">
+            <a:schemeClr val="accent4"/>
+          </a:fillRef>
+          <a:effectRef idx="1">
+            <a:schemeClr val="accent4"/>
+          </a:effectRef>
+          <a:fontRef idx="minor">
+            <a:schemeClr val="dk1"/>
+          </a:fontRef>
+        </p:style>
+        <p:txBody>
+          <a:bodyPr rtlCol="0" anchor="ctr"/>
+          <a:lstStyle/>
+          <a:p>
+            <a:pPr algn="ctr"/>
+            <a:r>
+              <a:rPr lang="de-DE" dirty="0" smtClean="0">
+                <a:solidFill>
+                  <a:schemeClr val="accent4">
+                    <a:lumMod val="50000"/>
+                  </a:schemeClr>
+                </a:solidFill>
+              </a:rPr>
+              <a:t>Event-gesteuert</a:t>
+            </a:r>
+            <a:endParaRPr lang="de-DE" dirty="0">
+              <a:solidFill>
+                <a:schemeClr val="accent4">
+                  <a:lumMod val="50000"/>
+                </a:schemeClr>
+              </a:solidFill>
+            </a:endParaRPr>
+          </a:p>
+        </p:txBody>
+      </p:sp>
+      <p:sp>
+        <p:nvSpPr>
+          <p:cNvPr id="17" name="Rechteck 16"/>
+          <p:cNvSpPr/>
+          <p:nvPr/>
+        </p:nvSpPr>
+        <p:spPr>
+          <a:xfrm rot="20460000">
+            <a:off x="7761889" y="2084673"/>
+            <a:ext cx="1645920" cy="1113981"/>
+          </a:xfrm>
+          <a:prstGeom prst="rect">
+            <a:avLst/>
+          </a:prstGeom>
+          <a:noFill/>
+          <a:ln w="57150"/>
+        </p:spPr>
+        <p:style>
+          <a:lnRef idx="1">
+            <a:schemeClr val="accent4"/>
+          </a:lnRef>
+          <a:fillRef idx="2">
+            <a:schemeClr val="accent4"/>
+          </a:fillRef>
+          <a:effectRef idx="1">
+            <a:schemeClr val="accent4"/>
+          </a:effectRef>
+          <a:fontRef idx="minor">
+            <a:schemeClr val="dk1"/>
+          </a:fontRef>
+        </p:style>
+        <p:txBody>
+          <a:bodyPr rtlCol="0" anchor="ctr"/>
+          <a:lstStyle/>
+          <a:p>
+            <a:pPr algn="ctr"/>
+            <a:r>
+              <a:rPr lang="de-DE" dirty="0" smtClean="0">
+                <a:solidFill>
+                  <a:schemeClr val="accent4">
+                    <a:lumMod val="50000"/>
+                  </a:schemeClr>
+                </a:solidFill>
+              </a:rPr>
+              <a:t>Auto-Skalierung </a:t>
+            </a:r>
+          </a:p>
+          <a:p>
+            <a:pPr algn="ctr"/>
+            <a:r>
+              <a:rPr lang="de-DE" dirty="0" smtClean="0">
+                <a:solidFill>
+                  <a:schemeClr val="accent4">
+                    <a:lumMod val="50000"/>
+                  </a:schemeClr>
+                </a:solidFill>
+              </a:rPr>
+              <a:t>+</a:t>
+            </a:r>
+          </a:p>
+          <a:p>
+            <a:pPr algn="ctr"/>
+            <a:r>
+              <a:rPr lang="de-DE" dirty="0" smtClean="0">
+                <a:solidFill>
+                  <a:schemeClr val="accent4">
+                    <a:lumMod val="50000"/>
+                  </a:schemeClr>
+                </a:solidFill>
+              </a:rPr>
+              <a:t>Erreichbarkeit</a:t>
+            </a:r>
+            <a:endParaRPr lang="de-DE" dirty="0">
+              <a:solidFill>
+                <a:schemeClr val="accent4">
+                  <a:lumMod val="50000"/>
+                </a:schemeClr>
+              </a:solidFill>
+            </a:endParaRPr>
+          </a:p>
+        </p:txBody>
+      </p:sp>
+    </p:spTree>
+    <p:extLst>
+      <p:ext uri="{BB962C8B-B14F-4D97-AF65-F5344CB8AC3E}">
+        <p14:creationId xmlns:p14="http://schemas.microsoft.com/office/powerpoint/2010/main" val="3245527741"/>
+      </p:ext>
+    </p:extLst>
+  </p:cSld>
+  <p:clrMapOvr>
+    <a:masterClrMapping/>
+  </p:clrMapOvr>
+  <p:timing>
+    <p:tnLst>
+      <p:par>
+        <p:cTn id="1" dur="indefinite" restart="never" nodeType="tmRoot"/>
+      </p:par>
+    </p:tnLst>
+  </p:timing>
+</p:sld>
+</file>
+
+<file path=ppt/slides/slide22.xml><?xml version="1.0" encoding="utf-8"?>
+<p:sld xmlns:a="http://schemas.openxmlformats.org/drawingml/2006/main" xmlns:r="http://schemas.openxmlformats.org/officeDocument/2006/relationships" xmlns:p="http://schemas.openxmlformats.org/presentationml/2006/main">
+  <p:cSld>
+    <p:spTree>
+      <p:nvGrpSpPr>
+        <p:cNvPr id="1" name=""/>
+        <p:cNvGrpSpPr/>
+        <p:nvPr/>
+      </p:nvGrpSpPr>
+      <p:grpSpPr>
+        <a:xfrm>
+          <a:off x="0" y="0"/>
+          <a:ext cx="0" cy="0"/>
+          <a:chOff x="0" y="0"/>
+          <a:chExt cx="0" cy="0"/>
+        </a:xfrm>
+      </p:grpSpPr>
+      <p:sp>
+        <p:nvSpPr>
+          <p:cNvPr id="2" name="Titel 1"/>
+          <p:cNvSpPr>
+            <a:spLocks noGrp="1"/>
+          </p:cNvSpPr>
+          <p:nvPr>
+            <p:ph type="title"/>
+          </p:nvPr>
+        </p:nvSpPr>
+        <p:spPr/>
+        <p:txBody>
+          <a:bodyPr/>
+          <a:lstStyle/>
+          <a:p>
+            <a:r>
+              <a:rPr lang="de-DE" dirty="0" smtClean="0"/>
+              <a:t>Beispielcode</a:t>
+            </a:r>
+            <a:endParaRPr lang="de-DE" dirty="0"/>
+          </a:p>
+        </p:txBody>
+      </p:sp>
+      <p:pic>
+        <p:nvPicPr>
+          <p:cNvPr id="4" name="Inhaltsplatzhalter 3"/>
+          <p:cNvPicPr>
+            <a:picLocks noGrp="1" noChangeAspect="1"/>
+          </p:cNvPicPr>
+          <p:nvPr>
+            <p:ph idx="1"/>
+          </p:nvPr>
+        </p:nvPicPr>
+        <p:blipFill>
+          <a:blip r:embed="rId2">
+            <a:extLst>
+              <a:ext uri="{28A0092B-C50C-407E-A947-70E740481C1C}">
+                <a14:useLocalDpi xmlns:a14="http://schemas.microsoft.com/office/drawing/2010/main" val="0"/>
+              </a:ext>
+            </a:extLst>
+          </a:blip>
+          <a:stretch>
+            <a:fillRect/>
+          </a:stretch>
+        </p:blipFill>
+        <p:spPr>
+          <a:xfrm>
+            <a:off x="1822989" y="1690688"/>
+            <a:ext cx="7840169" cy="2333951"/>
+          </a:xfrm>
+        </p:spPr>
+      </p:pic>
+      <p:sp>
+        <p:nvSpPr>
+          <p:cNvPr id="5" name="Textfeld 4"/>
+          <p:cNvSpPr txBox="1"/>
+          <p:nvPr/>
+        </p:nvSpPr>
+        <p:spPr>
+          <a:xfrm>
+            <a:off x="1989221" y="4716379"/>
+            <a:ext cx="7443537" cy="369332"/>
+          </a:xfrm>
+          <a:prstGeom prst="rect">
+            <a:avLst/>
+          </a:prstGeom>
+          <a:noFill/>
+        </p:spPr>
+        <p:txBody>
+          <a:bodyPr wrap="square" rtlCol="0">
+            <a:spAutoFit/>
+          </a:bodyPr>
+          <a:lstStyle/>
+          <a:p>
+            <a:r>
+              <a:rPr lang="de-DE" dirty="0" smtClean="0"/>
+              <a:t>Einfaches Beispiel für ein Request (</a:t>
+            </a:r>
+            <a:r>
+              <a:rPr lang="de-DE" dirty="0" err="1" smtClean="0"/>
+              <a:t>Azure</a:t>
+            </a:r>
+            <a:r>
+              <a:rPr lang="de-DE" dirty="0" smtClean="0"/>
+              <a:t> </a:t>
+            </a:r>
+            <a:r>
+              <a:rPr lang="de-DE" dirty="0" err="1" smtClean="0"/>
+              <a:t>Functions</a:t>
+            </a:r>
+            <a:r>
+              <a:rPr lang="de-DE" dirty="0" smtClean="0"/>
+              <a:t>)</a:t>
+            </a:r>
+            <a:endParaRPr lang="de-DE" dirty="0"/>
+          </a:p>
+        </p:txBody>
+      </p:sp>
+    </p:spTree>
+    <p:extLst>
+      <p:ext uri="{BB962C8B-B14F-4D97-AF65-F5344CB8AC3E}">
+        <p14:creationId xmlns:p14="http://schemas.microsoft.com/office/powerpoint/2010/main" val="1802792043"/>
+      </p:ext>
+    </p:extLst>
+  </p:cSld>
+  <p:clrMapOvr>
+    <a:masterClrMapping/>
+  </p:clrMapOvr>
+  <p:timing>
+    <p:tnLst>
+      <p:par>
+        <p:cTn id="1" dur="indefinite" restart="never" nodeType="tmRoot"/>
+      </p:par>
+    </p:tnLst>
+  </p:timing>
+</p:sld>
+</file>
+
+<file path=ppt/slides/slide23.xml><?xml version="1.0" encoding="utf-8"?>
+<p:sld xmlns:a="http://schemas.openxmlformats.org/drawingml/2006/main" xmlns:r="http://schemas.openxmlformats.org/officeDocument/2006/relationships" xmlns:p="http://schemas.openxmlformats.org/presentationml/2006/main">
+  <p:cSld>
+    <p:spTree>
+      <p:nvGrpSpPr>
+        <p:cNvPr id="1" name=""/>
+        <p:cNvGrpSpPr/>
+        <p:nvPr/>
+      </p:nvGrpSpPr>
+      <p:grpSpPr>
+        <a:xfrm>
+          <a:off x="0" y="0"/>
+          <a:ext cx="0" cy="0"/>
+          <a:chOff x="0" y="0"/>
+          <a:chExt cx="0" cy="0"/>
+        </a:xfrm>
+      </p:grpSpPr>
+      <p:sp>
+        <p:nvSpPr>
+          <p:cNvPr id="2" name="Titel 1"/>
+          <p:cNvSpPr>
+            <a:spLocks noGrp="1"/>
+          </p:cNvSpPr>
+          <p:nvPr>
+            <p:ph type="title"/>
+          </p:nvPr>
+        </p:nvSpPr>
+        <p:spPr/>
+        <p:txBody>
+          <a:bodyPr/>
+          <a:lstStyle/>
+          <a:p>
+            <a:r>
+              <a:rPr lang="de-DE" dirty="0" smtClean="0"/>
+              <a:t>Sehr schnelle eventgesteuerte Ausführung</a:t>
+            </a:r>
+            <a:endParaRPr lang="de-DE" dirty="0"/>
+          </a:p>
+        </p:txBody>
+      </p:sp>
+      <p:graphicFrame>
+        <p:nvGraphicFramePr>
+          <p:cNvPr id="4" name="Inhaltsplatzhalter 3"/>
+          <p:cNvGraphicFramePr>
+            <a:graphicFrameLocks noGrp="1"/>
+          </p:cNvGraphicFramePr>
+          <p:nvPr>
+            <p:ph idx="1"/>
+            <p:extLst/>
+          </p:nvPr>
+        </p:nvGraphicFramePr>
+        <p:xfrm>
+          <a:off x="838200" y="2551339"/>
+          <a:ext cx="10515600" cy="1463040"/>
+        </p:xfrm>
+        <a:graphic>
+          <a:graphicData uri="http://schemas.openxmlformats.org/drawingml/2006/table">
+            <a:tbl>
+              <a:tblPr bandRow="1">
+                <a:tableStyleId>{00A15C55-8517-42AA-B614-E9B94910E393}</a:tableStyleId>
+              </a:tblPr>
+              <a:tblGrid>
+                <a:gridCol w="5257800"/>
+                <a:gridCol w="5257800"/>
+              </a:tblGrid>
+              <a:tr h="370840">
+                <a:tc>
+                  <a:txBody>
+                    <a:bodyPr/>
+                    <a:lstStyle/>
+                    <a:p>
+                      <a:pPr marL="285750" indent="-285750">
+                        <a:buFont typeface="Arial" panose="020B0604020202020204" pitchFamily="34" charset="0"/>
+                        <a:buChar char="•"/>
+                      </a:pPr>
+                      <a:r>
+                        <a:rPr lang="de-DE" dirty="0" smtClean="0"/>
+                        <a:t>HTTP </a:t>
+                      </a:r>
+                      <a:r>
+                        <a:rPr lang="de-DE" dirty="0" err="1" smtClean="0"/>
+                        <a:t>requests</a:t>
+                      </a:r>
+                      <a:endParaRPr lang="de-DE" dirty="0" smtClean="0"/>
+                    </a:p>
+                    <a:p>
+                      <a:pPr marL="285750" indent="-285750">
+                        <a:buFont typeface="Arial" panose="020B0604020202020204" pitchFamily="34" charset="0"/>
+                        <a:buChar char="•"/>
+                      </a:pPr>
+                      <a:r>
+                        <a:rPr lang="de-DE" dirty="0" smtClean="0"/>
+                        <a:t>Speicherung</a:t>
+                      </a:r>
+                      <a:r>
+                        <a:rPr lang="de-DE" baseline="0" dirty="0" smtClean="0"/>
+                        <a:t> (z.B. bei File-Upload)</a:t>
+                      </a:r>
+                    </a:p>
+                    <a:p>
+                      <a:pPr marL="285750" indent="-285750">
+                        <a:buFont typeface="Arial" panose="020B0604020202020204" pitchFamily="34" charset="0"/>
+                        <a:buChar char="•"/>
+                      </a:pPr>
+                      <a:r>
+                        <a:rPr lang="de-DE" baseline="0" dirty="0" smtClean="0"/>
+                        <a:t>Datenbank (z.B. bei Zeilen-Insert)</a:t>
+                      </a:r>
+                    </a:p>
+                    <a:p>
+                      <a:pPr marL="285750" indent="-285750">
+                        <a:buFont typeface="Arial" panose="020B0604020202020204" pitchFamily="34" charset="0"/>
+                        <a:buChar char="•"/>
+                      </a:pPr>
+                      <a:r>
+                        <a:rPr lang="de-DE" baseline="0" dirty="0" smtClean="0"/>
+                        <a:t>Events </a:t>
+                      </a:r>
+                      <a:r>
+                        <a:rPr lang="de-DE" baseline="0" dirty="0" err="1" smtClean="0"/>
+                        <a:t>stream</a:t>
+                      </a:r>
+                      <a:endParaRPr lang="de-DE" baseline="0" dirty="0" smtClean="0"/>
+                    </a:p>
+                    <a:p>
+                      <a:pPr marL="285750" indent="-285750">
+                        <a:buFont typeface="Arial" panose="020B0604020202020204" pitchFamily="34" charset="0"/>
+                        <a:buChar char="•"/>
+                      </a:pPr>
+                      <a:r>
+                        <a:rPr lang="de-DE" baseline="0" dirty="0" smtClean="0"/>
+                        <a:t>Warteschlangen/Nachrichten</a:t>
+                      </a:r>
+                      <a:endParaRPr lang="de-DE" dirty="0"/>
+                    </a:p>
+                  </a:txBody>
+                  <a:tcPr/>
+                </a:tc>
+                <a:tc>
+                  <a:txBody>
+                    <a:bodyPr/>
+                    <a:lstStyle/>
+                    <a:p>
+                      <a:pPr marL="285750" indent="-285750">
+                        <a:buFont typeface="Arial" panose="020B0604020202020204" pitchFamily="34" charset="0"/>
+                        <a:buChar char="•"/>
+                      </a:pPr>
+                      <a:r>
+                        <a:rPr lang="de-DE" dirty="0" smtClean="0"/>
+                        <a:t>Geplante Ausführungen/Jobs</a:t>
+                      </a:r>
+                    </a:p>
+                    <a:p>
+                      <a:pPr marL="285750" indent="-285750">
+                        <a:buFont typeface="Arial" panose="020B0604020202020204" pitchFamily="34" charset="0"/>
+                        <a:buChar char="•"/>
+                      </a:pPr>
+                      <a:r>
+                        <a:rPr lang="de-DE" dirty="0" smtClean="0"/>
+                        <a:t>Überwachung</a:t>
+                      </a:r>
+                    </a:p>
+                    <a:p>
+                      <a:pPr marL="285750" indent="-285750">
+                        <a:buFont typeface="Arial" panose="020B0604020202020204" pitchFamily="34" charset="0"/>
+                        <a:buChar char="•"/>
+                      </a:pPr>
+                      <a:r>
+                        <a:rPr lang="de-DE" dirty="0" smtClean="0"/>
+                        <a:t>Infrastruktur </a:t>
+                      </a:r>
+                      <a:r>
+                        <a:rPr lang="de-DE" dirty="0" err="1" smtClean="0"/>
+                        <a:t>stream</a:t>
+                      </a:r>
+                      <a:endParaRPr lang="de-DE" dirty="0" smtClean="0"/>
+                    </a:p>
+                    <a:p>
+                      <a:pPr marL="285750" indent="-285750">
+                        <a:buFont typeface="Arial" panose="020B0604020202020204" pitchFamily="34" charset="0"/>
+                        <a:buChar char="•"/>
+                      </a:pPr>
+                      <a:r>
+                        <a:rPr lang="de-DE" dirty="0" smtClean="0"/>
+                        <a:t>…</a:t>
+                      </a:r>
+                      <a:endParaRPr lang="de-DE" dirty="0"/>
+                    </a:p>
+                  </a:txBody>
+                  <a:tcPr/>
+                </a:tc>
+              </a:tr>
+            </a:tbl>
+          </a:graphicData>
+        </a:graphic>
+      </p:graphicFrame>
+    </p:spTree>
+    <p:extLst>
+      <p:ext uri="{BB962C8B-B14F-4D97-AF65-F5344CB8AC3E}">
+        <p14:creationId xmlns:p14="http://schemas.microsoft.com/office/powerpoint/2010/main" val="3259548393"/>
+      </p:ext>
+    </p:extLst>
+  </p:cSld>
+  <p:clrMapOvr>
+    <a:masterClrMapping/>
+  </p:clrMapOvr>
+  <p:timing>
+    <p:tnLst>
+      <p:par>
+        <p:cTn id="1" dur="indefinite" restart="never" nodeType="tmRoot"/>
+      </p:par>
+    </p:tnLst>
+  </p:timing>
+</p:sld>
+</file>
+
+<file path=ppt/slides/slide24.xml><?xml version="1.0" encoding="utf-8"?>
+<p:sld xmlns:a="http://schemas.openxmlformats.org/drawingml/2006/main" xmlns:r="http://schemas.openxmlformats.org/officeDocument/2006/relationships" xmlns:p="http://schemas.openxmlformats.org/presentationml/2006/main">
+  <p:cSld>
+    <p:spTree>
+      <p:nvGrpSpPr>
+        <p:cNvPr id="1" name=""/>
+        <p:cNvGrpSpPr/>
+        <p:nvPr/>
+      </p:nvGrpSpPr>
+      <p:grpSpPr>
+        <a:xfrm>
+          <a:off x="0" y="0"/>
+          <a:ext cx="0" cy="0"/>
+          <a:chOff x="0" y="0"/>
+          <a:chExt cx="0" cy="0"/>
+        </a:xfrm>
+      </p:grpSpPr>
+      <p:sp>
+        <p:nvSpPr>
+          <p:cNvPr id="2" name="Titel 1"/>
+          <p:cNvSpPr>
+            <a:spLocks noGrp="1"/>
+          </p:cNvSpPr>
+          <p:nvPr>
+            <p:ph type="title"/>
+          </p:nvPr>
+        </p:nvSpPr>
+        <p:spPr/>
+        <p:txBody>
+          <a:bodyPr/>
+          <a:lstStyle/>
+          <a:p>
+            <a:r>
+              <a:rPr lang="de-DE" dirty="0" err="1" smtClean="0"/>
+              <a:t>FaaS</a:t>
+            </a:r>
+            <a:r>
+              <a:rPr lang="de-DE" dirty="0" smtClean="0"/>
+              <a:t> Vorteile/Nachteile</a:t>
+            </a:r>
+            <a:endParaRPr lang="de-DE" dirty="0"/>
+          </a:p>
+        </p:txBody>
+      </p:sp>
+      <p:sp>
+        <p:nvSpPr>
+          <p:cNvPr id="3" name="Inhaltsplatzhalter 2"/>
+          <p:cNvSpPr>
+            <a:spLocks noGrp="1"/>
+          </p:cNvSpPr>
+          <p:nvPr>
+            <p:ph idx="1"/>
+          </p:nvPr>
+        </p:nvSpPr>
+        <p:spPr>
+          <a:xfrm>
+            <a:off x="838200" y="1825625"/>
+            <a:ext cx="4872789" cy="4351338"/>
+          </a:xfrm>
+        </p:spPr>
+        <p:txBody>
+          <a:bodyPr>
+            <a:normAutofit lnSpcReduction="10000"/>
+          </a:bodyPr>
+          <a:lstStyle/>
+          <a:p>
+            <a:pPr marL="0" indent="0">
+              <a:buNone/>
+            </a:pPr>
+            <a:r>
+              <a:rPr lang="de-DE" dirty="0" smtClean="0"/>
+              <a:t>Vorteile:</a:t>
+            </a:r>
+          </a:p>
+          <a:p>
+            <a:r>
+              <a:rPr lang="de-DE" dirty="0" smtClean="0"/>
+              <a:t>Beste Kosten/Nutzen Bilanz</a:t>
+            </a:r>
+          </a:p>
+          <a:p>
+            <a:r>
+              <a:rPr lang="de-DE" dirty="0" smtClean="0"/>
+              <a:t>Ökologischere Umgang mit den Ressourcen</a:t>
+            </a:r>
+          </a:p>
+          <a:p>
+            <a:r>
+              <a:rPr lang="de-DE" dirty="0" smtClean="0"/>
+              <a:t>Sehr einfach zu bedienen</a:t>
+            </a:r>
+          </a:p>
+          <a:p>
+            <a:r>
+              <a:rPr lang="de-DE" dirty="0" smtClean="0"/>
+              <a:t>Automatisches Kapazitätsmanagement</a:t>
+            </a:r>
+          </a:p>
+          <a:p>
+            <a:r>
+              <a:rPr lang="de-DE" dirty="0" smtClean="0"/>
+              <a:t>Flexible Ressourcenverwaltung</a:t>
+            </a:r>
+          </a:p>
+          <a:p>
+            <a:r>
+              <a:rPr lang="de-DE" dirty="0" smtClean="0"/>
+              <a:t>Automatische Skalierung und Fehlertoleranz</a:t>
+            </a:r>
+          </a:p>
+          <a:p>
+            <a:endParaRPr lang="de-DE" dirty="0" smtClean="0"/>
+          </a:p>
+          <a:p>
+            <a:endParaRPr lang="de-DE" dirty="0"/>
+          </a:p>
+        </p:txBody>
+      </p:sp>
+      <p:sp>
+        <p:nvSpPr>
+          <p:cNvPr id="5" name="Inhaltsplatzhalter 2"/>
+          <p:cNvSpPr txBox="1">
+            <a:spLocks/>
+          </p:cNvSpPr>
+          <p:nvPr/>
+        </p:nvSpPr>
+        <p:spPr>
+          <a:xfrm>
+            <a:off x="5594683" y="1960562"/>
+            <a:ext cx="4872789" cy="4351338"/>
+          </a:xfrm>
+          <a:prstGeom prst="rect">
+            <a:avLst/>
+          </a:prstGeom>
+        </p:spPr>
+        <p:txBody>
+          <a:bodyPr vert="horz" lIns="91440" tIns="45720" rIns="91440" bIns="45720" rtlCol="0">
+            <a:normAutofit/>
+          </a:bodyPr>
+          <a:lstStyle>
+            <a:lvl1pPr marL="228600" indent="-228600" algn="l" defTabSz="914400" rtl="0" eaLnBrk="1" latinLnBrk="0" hangingPunct="1">
+              <a:lnSpc>
+                <a:spcPct val="90000"/>
+              </a:lnSpc>
+              <a:spcBef>
+                <a:spcPts val="1000"/>
+              </a:spcBef>
+              <a:buFont typeface="Arial" panose="020B0604020202020204" pitchFamily="34" charset="0"/>
+              <a:buChar char="•"/>
+              <a:defRPr sz="2800" kern="1200">
+                <a:solidFill>
+                  <a:schemeClr val="tx1"/>
+                </a:solidFill>
+                <a:latin typeface="+mn-lt"/>
+                <a:ea typeface="+mn-ea"/>
+                <a:cs typeface="+mn-cs"/>
+              </a:defRPr>
+            </a:lvl1pPr>
+            <a:lvl2pPr marL="685800" indent="-228600" algn="l" defTabSz="914400" rtl="0" eaLnBrk="1" latinLnBrk="0" hangingPunct="1">
+              <a:lnSpc>
+                <a:spcPct val="90000"/>
+              </a:lnSpc>
+              <a:spcBef>
+                <a:spcPts val="500"/>
+              </a:spcBef>
+              <a:buFont typeface="Arial" panose="020B0604020202020204" pitchFamily="34" charset="0"/>
+              <a:buChar char="•"/>
+              <a:defRPr sz="2400" kern="1200">
+                <a:solidFill>
+                  <a:schemeClr val="tx1"/>
+                </a:solidFill>
+                <a:latin typeface="+mn-lt"/>
+                <a:ea typeface="+mn-ea"/>
+                <a:cs typeface="+mn-cs"/>
+              </a:defRPr>
+            </a:lvl2pPr>
+            <a:lvl3pPr marL="1143000" indent="-228600" algn="l" defTabSz="914400" rtl="0" eaLnBrk="1" latinLnBrk="0" hangingPunct="1">
+              <a:lnSpc>
+                <a:spcPct val="90000"/>
+              </a:lnSpc>
+              <a:spcBef>
+                <a:spcPts val="500"/>
+              </a:spcBef>
+              <a:buFont typeface="Arial" panose="020B0604020202020204" pitchFamily="34" charset="0"/>
+              <a:buChar char="•"/>
+              <a:defRPr sz="2000" kern="1200">
+                <a:solidFill>
+                  <a:schemeClr val="tx1"/>
+                </a:solidFill>
+                <a:latin typeface="+mn-lt"/>
+                <a:ea typeface="+mn-ea"/>
+                <a:cs typeface="+mn-cs"/>
+              </a:defRPr>
+            </a:lvl3pPr>
+            <a:lvl4pPr marL="1600200" indent="-228600" algn="l" defTabSz="914400" rtl="0" eaLnBrk="1" latinLnBrk="0" hangingPunct="1">
+              <a:lnSpc>
+                <a:spcPct val="90000"/>
+              </a:lnSpc>
+              <a:spcBef>
+                <a:spcPts val="500"/>
+              </a:spcBef>
+              <a:buFont typeface="Arial" panose="020B0604020202020204" pitchFamily="34" charset="0"/>
+              <a:buChar char="•"/>
+              <a:defRPr sz="1800" kern="1200">
+                <a:solidFill>
+                  <a:schemeClr val="tx1"/>
+                </a:solidFill>
+                <a:latin typeface="+mn-lt"/>
+                <a:ea typeface="+mn-ea"/>
+                <a:cs typeface="+mn-cs"/>
+              </a:defRPr>
+            </a:lvl4pPr>
+            <a:lvl5pPr marL="2057400" indent="-228600" algn="l" defTabSz="914400" rtl="0" eaLnBrk="1" latinLnBrk="0" hangingPunct="1">
+              <a:lnSpc>
+                <a:spcPct val="90000"/>
+              </a:lnSpc>
+              <a:spcBef>
+                <a:spcPts val="500"/>
+              </a:spcBef>
+              <a:buFont typeface="Arial" panose="020B0604020202020204" pitchFamily="34" charset="0"/>
+              <a:buChar char="•"/>
+              <a:defRPr sz="1800" kern="1200">
+                <a:solidFill>
+                  <a:schemeClr val="tx1"/>
+                </a:solidFill>
+                <a:latin typeface="+mn-lt"/>
+                <a:ea typeface="+mn-ea"/>
+                <a:cs typeface="+mn-cs"/>
+              </a:defRPr>
+            </a:lvl5pPr>
+            <a:lvl6pPr marL="2514600" indent="-228600" algn="l" defTabSz="914400" rtl="0" eaLnBrk="1" latinLnBrk="0" hangingPunct="1">
+              <a:lnSpc>
+                <a:spcPct val="90000"/>
+              </a:lnSpc>
+              <a:spcBef>
+                <a:spcPts val="500"/>
+              </a:spcBef>
+              <a:buFont typeface="Arial" panose="020B0604020202020204" pitchFamily="34" charset="0"/>
+              <a:buChar char="•"/>
+              <a:defRPr sz="1800" kern="1200">
+                <a:solidFill>
+                  <a:schemeClr val="tx1"/>
+                </a:solidFill>
+                <a:latin typeface="+mn-lt"/>
+                <a:ea typeface="+mn-ea"/>
+                <a:cs typeface="+mn-cs"/>
+              </a:defRPr>
+            </a:lvl6pPr>
+            <a:lvl7pPr marL="2971800" indent="-228600" algn="l" defTabSz="914400" rtl="0" eaLnBrk="1" latinLnBrk="0" hangingPunct="1">
+              <a:lnSpc>
+                <a:spcPct val="90000"/>
+              </a:lnSpc>
+              <a:spcBef>
+                <a:spcPts val="500"/>
+              </a:spcBef>
+              <a:buFont typeface="Arial" panose="020B0604020202020204" pitchFamily="34" charset="0"/>
+              <a:buChar char="•"/>
+              <a:defRPr sz="1800" kern="1200">
+                <a:solidFill>
+                  <a:schemeClr val="tx1"/>
+                </a:solidFill>
+                <a:latin typeface="+mn-lt"/>
+                <a:ea typeface="+mn-ea"/>
+                <a:cs typeface="+mn-cs"/>
+              </a:defRPr>
+            </a:lvl7pPr>
+            <a:lvl8pPr marL="3429000" indent="-228600" algn="l" defTabSz="914400" rtl="0" eaLnBrk="1" latinLnBrk="0" hangingPunct="1">
+              <a:lnSpc>
+                <a:spcPct val="90000"/>
+              </a:lnSpc>
+              <a:spcBef>
+                <a:spcPts val="500"/>
+              </a:spcBef>
+              <a:buFont typeface="Arial" panose="020B0604020202020204" pitchFamily="34" charset="0"/>
+              <a:buChar char="•"/>
+              <a:defRPr sz="1800" kern="1200">
+                <a:solidFill>
+                  <a:schemeClr val="tx1"/>
+                </a:solidFill>
+                <a:latin typeface="+mn-lt"/>
+                <a:ea typeface="+mn-ea"/>
+                <a:cs typeface="+mn-cs"/>
+              </a:defRPr>
+            </a:lvl8pPr>
+            <a:lvl9pPr marL="3886200" indent="-228600" algn="l" defTabSz="914400" rtl="0" eaLnBrk="1" latinLnBrk="0" hangingPunct="1">
+              <a:lnSpc>
+                <a:spcPct val="90000"/>
+              </a:lnSpc>
+              <a:spcBef>
+                <a:spcPts val="500"/>
+              </a:spcBef>
+              <a:buFont typeface="Arial" panose="020B0604020202020204" pitchFamily="34" charset="0"/>
+              <a:buChar char="•"/>
+              <a:defRPr sz="1800" kern="1200">
+                <a:solidFill>
+                  <a:schemeClr val="tx1"/>
+                </a:solidFill>
+                <a:latin typeface="+mn-lt"/>
+                <a:ea typeface="+mn-ea"/>
+                <a:cs typeface="+mn-cs"/>
+              </a:defRPr>
+            </a:lvl9pPr>
+          </a:lstStyle>
+          <a:p>
+            <a:pPr marL="0" indent="0">
+              <a:buFont typeface="Arial" panose="020B0604020202020204" pitchFamily="34" charset="0"/>
+              <a:buNone/>
+            </a:pPr>
+            <a:r>
+              <a:rPr lang="de-DE" dirty="0" smtClean="0"/>
+              <a:t>Nachteile:</a:t>
+            </a:r>
+          </a:p>
+          <a:p>
+            <a:r>
+              <a:rPr lang="de-DE" dirty="0" smtClean="0"/>
+              <a:t>Vergleichsweise wenig Kontrolle (Freiheitsgrad)</a:t>
+            </a:r>
+          </a:p>
+          <a:p>
+            <a:r>
+              <a:rPr lang="de-DE" dirty="0" smtClean="0"/>
+              <a:t>Erhöhtes Lock-in Risiko</a:t>
+            </a:r>
+          </a:p>
+          <a:p>
+            <a:pPr marL="0" indent="0">
+              <a:buNone/>
+            </a:pPr>
+            <a:endParaRPr lang="de-DE" dirty="0" smtClean="0"/>
+          </a:p>
+          <a:p>
+            <a:endParaRPr lang="de-DE" dirty="0"/>
+          </a:p>
+        </p:txBody>
+      </p:sp>
+    </p:spTree>
+    <p:extLst>
+      <p:ext uri="{BB962C8B-B14F-4D97-AF65-F5344CB8AC3E}">
+        <p14:creationId xmlns:p14="http://schemas.microsoft.com/office/powerpoint/2010/main" val="2543205711"/>
+      </p:ext>
+    </p:extLst>
+  </p:cSld>
+  <p:clrMapOvr>
+    <a:masterClrMapping/>
+  </p:clrMapOvr>
+  <p:timing>
+    <p:tnLst>
+      <p:par>
+        <p:cTn id="1" dur="indefinite" restart="never" nodeType="tmRoot"/>
+      </p:par>
+    </p:tnLst>
+  </p:timing>
+</p:sld>
+</file>
+
+<file path=ppt/slides/slide25.xml><?xml version="1.0" encoding="utf-8"?>
+<p:sld xmlns:a="http://schemas.openxmlformats.org/drawingml/2006/main" xmlns:r="http://schemas.openxmlformats.org/officeDocument/2006/relationships" xmlns:p="http://schemas.openxmlformats.org/presentationml/2006/main">
+  <p:cSld>
+    <p:spTree>
+      <p:nvGrpSpPr>
+        <p:cNvPr id="1" name=""/>
+        <p:cNvGrpSpPr/>
+        <p:nvPr/>
+      </p:nvGrpSpPr>
+      <p:grpSpPr>
+        <a:xfrm>
+          <a:off x="0" y="0"/>
+          <a:ext cx="0" cy="0"/>
+          <a:chOff x="0" y="0"/>
+          <a:chExt cx="0" cy="0"/>
+        </a:xfrm>
+      </p:grpSpPr>
+      <p:sp>
+        <p:nvSpPr>
+          <p:cNvPr id="2" name="Titel 1"/>
+          <p:cNvSpPr>
+            <a:spLocks noGrp="1"/>
+          </p:cNvSpPr>
+          <p:nvPr>
+            <p:ph type="title"/>
+          </p:nvPr>
+        </p:nvSpPr>
+        <p:spPr/>
+        <p:txBody>
+          <a:bodyPr/>
+          <a:lstStyle/>
+          <a:p>
+            <a:r>
+              <a:rPr lang="de-DE" dirty="0" smtClean="0"/>
+              <a:t>Anwendungsfälle</a:t>
+            </a:r>
+            <a:endParaRPr lang="de-DE" dirty="0"/>
+          </a:p>
+        </p:txBody>
+      </p:sp>
+      <p:sp>
+        <p:nvSpPr>
+          <p:cNvPr id="3" name="Inhaltsplatzhalter 2"/>
+          <p:cNvSpPr>
+            <a:spLocks noGrp="1"/>
+          </p:cNvSpPr>
+          <p:nvPr>
+            <p:ph idx="1"/>
+          </p:nvPr>
+        </p:nvSpPr>
+        <p:spPr/>
+        <p:txBody>
+          <a:bodyPr/>
+          <a:lstStyle/>
+          <a:p>
+            <a:r>
+              <a:rPr lang="de-DE" dirty="0" smtClean="0"/>
+              <a:t>Web backend</a:t>
+            </a:r>
+          </a:p>
+          <a:p>
+            <a:pPr marL="0" indent="0">
+              <a:buNone/>
+            </a:pPr>
+            <a:endParaRPr lang="de-DE" dirty="0"/>
+          </a:p>
+        </p:txBody>
+      </p:sp>
+      <p:pic>
+        <p:nvPicPr>
+          <p:cNvPr id="4" name="Grafik 3" descr="Bildschirmausschnitt"/>
+          <p:cNvPicPr>
+            <a:picLocks noChangeAspect="1"/>
+          </p:cNvPicPr>
+          <p:nvPr/>
+        </p:nvPicPr>
+        <p:blipFill>
+          <a:blip r:embed="rId2">
+            <a:extLst>
+              <a:ext uri="{28A0092B-C50C-407E-A947-70E740481C1C}">
+                <a14:useLocalDpi xmlns:a14="http://schemas.microsoft.com/office/drawing/2010/main" val="0"/>
+              </a:ext>
+            </a:extLst>
+          </a:blip>
+          <a:stretch>
+            <a:fillRect/>
+          </a:stretch>
+        </p:blipFill>
+        <p:spPr>
+          <a:xfrm>
+            <a:off x="2767701" y="2673617"/>
+            <a:ext cx="5941734" cy="3503346"/>
           </a:xfrm>
           <a:prstGeom prst="rect">
             <a:avLst/>
@@ -5421,17 +6815,395 @@
     </p:spTree>
     <p:extLst>
       <p:ext uri="{BB962C8B-B14F-4D97-AF65-F5344CB8AC3E}">
-        <p14:creationId xmlns:p14="http://schemas.microsoft.com/office/powerpoint/2010/main" val="2844539051"/>
+        <p14:creationId xmlns:p14="http://schemas.microsoft.com/office/powerpoint/2010/main" val="279755331"/>
       </p:ext>
     </p:extLst>
   </p:cSld>
   <p:clrMapOvr>
     <a:masterClrMapping/>
   </p:clrMapOvr>
+  <p:timing>
+    <p:tnLst>
+      <p:par>
+        <p:cTn id="1" dur="indefinite" restart="never" nodeType="tmRoot"/>
+      </p:par>
+    </p:tnLst>
+  </p:timing>
 </p:sld>
 </file>
 
-<file path=ppt/slides/slide9.xml><?xml version="1.0" encoding="utf-8"?>
+<file path=ppt/slides/slide26.xml><?xml version="1.0" encoding="utf-8"?>
+<p:sld xmlns:a="http://schemas.openxmlformats.org/drawingml/2006/main" xmlns:r="http://schemas.openxmlformats.org/officeDocument/2006/relationships" xmlns:p="http://schemas.openxmlformats.org/presentationml/2006/main">
+  <p:cSld>
+    <p:spTree>
+      <p:nvGrpSpPr>
+        <p:cNvPr id="1" name=""/>
+        <p:cNvGrpSpPr/>
+        <p:nvPr/>
+      </p:nvGrpSpPr>
+      <p:grpSpPr>
+        <a:xfrm>
+          <a:off x="0" y="0"/>
+          <a:ext cx="0" cy="0"/>
+          <a:chOff x="0" y="0"/>
+          <a:chExt cx="0" cy="0"/>
+        </a:xfrm>
+      </p:grpSpPr>
+      <p:sp>
+        <p:nvSpPr>
+          <p:cNvPr id="2" name="Titel 1"/>
+          <p:cNvSpPr>
+            <a:spLocks noGrp="1"/>
+          </p:cNvSpPr>
+          <p:nvPr>
+            <p:ph type="title"/>
+          </p:nvPr>
+        </p:nvSpPr>
+        <p:spPr/>
+        <p:txBody>
+          <a:bodyPr/>
+          <a:lstStyle/>
+          <a:p>
+            <a:endParaRPr lang="de-DE"/>
+          </a:p>
+        </p:txBody>
+      </p:sp>
+      <p:pic>
+        <p:nvPicPr>
+          <p:cNvPr id="1026" name="Picture 2" descr="Use case: Bot&#10; "/>
+          <p:cNvPicPr>
+            <a:picLocks noGrp="1" noChangeAspect="1" noChangeArrowheads="1"/>
+          </p:cNvPicPr>
+          <p:nvPr>
+            <p:ph idx="1"/>
+          </p:nvPr>
+        </p:nvPicPr>
+        <p:blipFill rotWithShape="1">
+          <a:blip r:embed="rId2">
+            <a:extLst>
+              <a:ext uri="{28A0092B-C50C-407E-A947-70E740481C1C}">
+                <a14:useLocalDpi xmlns:a14="http://schemas.microsoft.com/office/drawing/2010/main" val="0"/>
+              </a:ext>
+            </a:extLst>
+          </a:blip>
+          <a:srcRect t="26497"/>
+          <a:stretch/>
+        </p:blipFill>
+        <p:spPr bwMode="auto">
+          <a:xfrm>
+            <a:off x="2228144" y="2978589"/>
+            <a:ext cx="7735712" cy="3198373"/>
+          </a:xfrm>
+          <a:prstGeom prst="rect">
+            <a:avLst/>
+          </a:prstGeom>
+          <a:noFill/>
+          <a:extLst>
+            <a:ext uri="{909E8E84-426E-40DD-AFC4-6F175D3DCCD1}">
+              <a14:hiddenFill xmlns:a14="http://schemas.microsoft.com/office/drawing/2010/main">
+                <a:solidFill>
+                  <a:srgbClr val="FFFFFF"/>
+                </a:solidFill>
+              </a14:hiddenFill>
+            </a:ext>
+          </a:extLst>
+        </p:spPr>
+      </p:pic>
+    </p:spTree>
+    <p:extLst>
+      <p:ext uri="{BB962C8B-B14F-4D97-AF65-F5344CB8AC3E}">
+        <p14:creationId xmlns:p14="http://schemas.microsoft.com/office/powerpoint/2010/main" val="533736154"/>
+      </p:ext>
+    </p:extLst>
+  </p:cSld>
+  <p:clrMapOvr>
+    <a:masterClrMapping/>
+  </p:clrMapOvr>
+  <p:timing>
+    <p:tnLst>
+      <p:par>
+        <p:cTn id="1" dur="indefinite" restart="never" nodeType="tmRoot"/>
+      </p:par>
+    </p:tnLst>
+  </p:timing>
+</p:sld>
+</file>
+
+<file path=ppt/slides/slide27.xml><?xml version="1.0" encoding="utf-8"?>
+<p:sld xmlns:a="http://schemas.openxmlformats.org/drawingml/2006/main" xmlns:r="http://schemas.openxmlformats.org/officeDocument/2006/relationships" xmlns:p="http://schemas.openxmlformats.org/presentationml/2006/main">
+  <p:cSld>
+    <p:spTree>
+      <p:nvGrpSpPr>
+        <p:cNvPr id="1" name=""/>
+        <p:cNvGrpSpPr/>
+        <p:nvPr/>
+      </p:nvGrpSpPr>
+      <p:grpSpPr>
+        <a:xfrm>
+          <a:off x="0" y="0"/>
+          <a:ext cx="0" cy="0"/>
+          <a:chOff x="0" y="0"/>
+          <a:chExt cx="0" cy="0"/>
+        </a:xfrm>
+      </p:grpSpPr>
+      <p:sp>
+        <p:nvSpPr>
+          <p:cNvPr id="2" name="Titel 1"/>
+          <p:cNvSpPr>
+            <a:spLocks noGrp="1"/>
+          </p:cNvSpPr>
+          <p:nvPr>
+            <p:ph type="title"/>
+          </p:nvPr>
+        </p:nvSpPr>
+        <p:spPr/>
+        <p:txBody>
+          <a:bodyPr/>
+          <a:lstStyle/>
+          <a:p>
+            <a:r>
+              <a:rPr lang="de-DE" dirty="0" smtClean="0"/>
+              <a:t>Anwendungsfälle</a:t>
+            </a:r>
+            <a:endParaRPr lang="de-DE" dirty="0"/>
+          </a:p>
+        </p:txBody>
+      </p:sp>
+      <p:sp>
+        <p:nvSpPr>
+          <p:cNvPr id="3" name="Inhaltsplatzhalter 2"/>
+          <p:cNvSpPr>
+            <a:spLocks noGrp="1"/>
+          </p:cNvSpPr>
+          <p:nvPr>
+            <p:ph idx="1"/>
+          </p:nvPr>
+        </p:nvSpPr>
+        <p:spPr/>
+        <p:txBody>
+          <a:bodyPr/>
+          <a:lstStyle/>
+          <a:p>
+            <a:r>
+              <a:rPr lang="de-DE" dirty="0" smtClean="0"/>
+              <a:t>Ausführung von Funktionen oder </a:t>
+            </a:r>
+            <a:r>
+              <a:rPr lang="de-DE" dirty="0" err="1" smtClean="0"/>
+              <a:t>Cronjobs</a:t>
+            </a:r>
+            <a:r>
+              <a:rPr lang="de-DE" dirty="0" smtClean="0"/>
+              <a:t> als </a:t>
+            </a:r>
+            <a:r>
+              <a:rPr lang="de-DE" dirty="0" smtClean="0"/>
+              <a:t>Reaktion auf bestimmte Trigger (Miniaturbilder werden automatisch </a:t>
+            </a:r>
+            <a:r>
+              <a:rPr lang="de-DE" dirty="0" smtClean="0"/>
+              <a:t>erstellt, </a:t>
+            </a:r>
+            <a:r>
+              <a:rPr lang="de-DE" dirty="0" smtClean="0"/>
+              <a:t>nachdem eine Bilddatei hochgeladen wurde)</a:t>
+            </a:r>
+          </a:p>
+          <a:p>
+            <a:endParaRPr lang="de-DE" dirty="0" smtClean="0"/>
+          </a:p>
+          <a:p>
+            <a:endParaRPr lang="de-DE" dirty="0" smtClean="0"/>
+          </a:p>
+          <a:p>
+            <a:endParaRPr lang="de-DE" dirty="0"/>
+          </a:p>
+        </p:txBody>
+      </p:sp>
+    </p:spTree>
+    <p:extLst>
+      <p:ext uri="{BB962C8B-B14F-4D97-AF65-F5344CB8AC3E}">
+        <p14:creationId xmlns:p14="http://schemas.microsoft.com/office/powerpoint/2010/main" val="3362015007"/>
+      </p:ext>
+    </p:extLst>
+  </p:cSld>
+  <p:clrMapOvr>
+    <a:masterClrMapping/>
+  </p:clrMapOvr>
+  <p:timing>
+    <p:tnLst>
+      <p:par>
+        <p:cTn id="1" dur="indefinite" restart="never" nodeType="tmRoot"/>
+      </p:par>
+    </p:tnLst>
+  </p:timing>
+</p:sld>
+</file>
+
+<file path=ppt/slides/slide28.xml><?xml version="1.0" encoding="utf-8"?>
+<p:sld xmlns:a="http://schemas.openxmlformats.org/drawingml/2006/main" xmlns:r="http://schemas.openxmlformats.org/officeDocument/2006/relationships" xmlns:p="http://schemas.openxmlformats.org/presentationml/2006/main">
+  <p:cSld>
+    <p:spTree>
+      <p:nvGrpSpPr>
+        <p:cNvPr id="1" name=""/>
+        <p:cNvGrpSpPr/>
+        <p:nvPr/>
+      </p:nvGrpSpPr>
+      <p:grpSpPr>
+        <a:xfrm>
+          <a:off x="0" y="0"/>
+          <a:ext cx="0" cy="0"/>
+          <a:chOff x="0" y="0"/>
+          <a:chExt cx="0" cy="0"/>
+        </a:xfrm>
+      </p:grpSpPr>
+      <p:sp>
+        <p:nvSpPr>
+          <p:cNvPr id="2" name="Titel 1"/>
+          <p:cNvSpPr>
+            <a:spLocks noGrp="1"/>
+          </p:cNvSpPr>
+          <p:nvPr>
+            <p:ph type="ctrTitle"/>
+          </p:nvPr>
+        </p:nvSpPr>
+        <p:spPr/>
+        <p:txBody>
+          <a:bodyPr/>
+          <a:lstStyle/>
+          <a:p>
+            <a:r>
+              <a:rPr lang="de-DE" dirty="0"/>
+              <a:t>Vorteile/Nachteile</a:t>
+            </a:r>
+          </a:p>
+        </p:txBody>
+      </p:sp>
+      <p:sp>
+        <p:nvSpPr>
+          <p:cNvPr id="3" name="Untertitel 2"/>
+          <p:cNvSpPr>
+            <a:spLocks noGrp="1"/>
+          </p:cNvSpPr>
+          <p:nvPr>
+            <p:ph type="subTitle" idx="1"/>
+          </p:nvPr>
+        </p:nvSpPr>
+        <p:spPr/>
+        <p:txBody>
+          <a:bodyPr/>
+          <a:lstStyle/>
+          <a:p>
+            <a:endParaRPr lang="de-DE"/>
+          </a:p>
+        </p:txBody>
+      </p:sp>
+    </p:spTree>
+    <p:extLst>
+      <p:ext uri="{BB962C8B-B14F-4D97-AF65-F5344CB8AC3E}">
+        <p14:creationId xmlns:p14="http://schemas.microsoft.com/office/powerpoint/2010/main" val="1005519045"/>
+      </p:ext>
+    </p:extLst>
+  </p:cSld>
+  <p:clrMapOvr>
+    <a:masterClrMapping/>
+  </p:clrMapOvr>
+  <p:timing>
+    <p:tnLst>
+      <p:par>
+        <p:cTn id="1" dur="indefinite" restart="never" nodeType="tmRoot"/>
+      </p:par>
+    </p:tnLst>
+  </p:timing>
+</p:sld>
+</file>
+
+<file path=ppt/slides/slide29.xml><?xml version="1.0" encoding="utf-8"?>
+<p:sld xmlns:a="http://schemas.openxmlformats.org/drawingml/2006/main" xmlns:r="http://schemas.openxmlformats.org/officeDocument/2006/relationships" xmlns:p="http://schemas.openxmlformats.org/presentationml/2006/main">
+  <p:cSld>
+    <p:spTree>
+      <p:nvGrpSpPr>
+        <p:cNvPr id="1" name=""/>
+        <p:cNvGrpSpPr/>
+        <p:nvPr/>
+      </p:nvGrpSpPr>
+      <p:grpSpPr>
+        <a:xfrm>
+          <a:off x="0" y="0"/>
+          <a:ext cx="0" cy="0"/>
+          <a:chOff x="0" y="0"/>
+          <a:chExt cx="0" cy="0"/>
+        </a:xfrm>
+      </p:grpSpPr>
+      <p:sp>
+        <p:nvSpPr>
+          <p:cNvPr id="2" name="Titel 1"/>
+          <p:cNvSpPr>
+            <a:spLocks noGrp="1"/>
+          </p:cNvSpPr>
+          <p:nvPr>
+            <p:ph type="title"/>
+          </p:nvPr>
+        </p:nvSpPr>
+        <p:spPr/>
+        <p:txBody>
+          <a:bodyPr/>
+          <a:lstStyle/>
+          <a:p>
+            <a:endParaRPr lang="de-DE" dirty="0"/>
+          </a:p>
+        </p:txBody>
+      </p:sp>
+      <p:pic>
+        <p:nvPicPr>
+          <p:cNvPr id="4" name="Inhaltsplatzhalter 3"/>
+          <p:cNvPicPr>
+            <a:picLocks noGrp="1" noChangeAspect="1"/>
+          </p:cNvPicPr>
+          <p:nvPr>
+            <p:ph idx="1"/>
+          </p:nvPr>
+        </p:nvPicPr>
+        <p:blipFill>
+          <a:blip r:embed="rId2" cstate="print">
+            <a:extLst>
+              <a:ext uri="{28A0092B-C50C-407E-A947-70E740481C1C}">
+                <a14:useLocalDpi xmlns:a14="http://schemas.microsoft.com/office/drawing/2010/main" val="0"/>
+              </a:ext>
+            </a:extLst>
+          </a:blip>
+          <a:stretch>
+            <a:fillRect/>
+          </a:stretch>
+        </p:blipFill>
+        <p:spPr>
+          <a:xfrm>
+            <a:off x="2228144" y="1825625"/>
+            <a:ext cx="7735712" cy="4351338"/>
+          </a:xfrm>
+        </p:spPr>
+      </p:pic>
+    </p:spTree>
+    <p:extLst>
+      <p:ext uri="{BB962C8B-B14F-4D97-AF65-F5344CB8AC3E}">
+        <p14:creationId xmlns:p14="http://schemas.microsoft.com/office/powerpoint/2010/main" val="53190582"/>
+      </p:ext>
+    </p:extLst>
+  </p:cSld>
+  <p:clrMapOvr>
+    <a:masterClrMapping/>
+  </p:clrMapOvr>
+  <p:timing>
+    <p:tnLst>
+      <p:par>
+        <p:cTn id="1" dur="indefinite" restart="never" nodeType="tmRoot"/>
+      </p:par>
+    </p:tnLst>
+  </p:timing>
+</p:sld>
+</file>
+
+<file path=ppt/slides/slide3.xml><?xml version="1.0" encoding="utf-8"?>
 <p:sld xmlns:a="http://schemas.openxmlformats.org/drawingml/2006/main" xmlns:r="http://schemas.openxmlformats.org/officeDocument/2006/relationships" xmlns:p="http://schemas.openxmlformats.org/presentationml/2006/main">
   <p:cSld>
     <p:spTree>
@@ -5506,6 +7278,3330 @@
   <p:clrMapOvr>
     <a:masterClrMapping/>
   </p:clrMapOvr>
+  <p:timing>
+    <p:tnLst>
+      <p:par>
+        <p:cTn id="1" dur="indefinite" restart="never" nodeType="tmRoot"/>
+      </p:par>
+    </p:tnLst>
+  </p:timing>
+</p:sld>
+</file>
+
+<file path=ppt/slides/slide30.xml><?xml version="1.0" encoding="utf-8"?>
+<p:sld xmlns:a="http://schemas.openxmlformats.org/drawingml/2006/main" xmlns:r="http://schemas.openxmlformats.org/officeDocument/2006/relationships" xmlns:p="http://schemas.openxmlformats.org/presentationml/2006/main">
+  <p:cSld>
+    <p:spTree>
+      <p:nvGrpSpPr>
+        <p:cNvPr id="1" name=""/>
+        <p:cNvGrpSpPr/>
+        <p:nvPr/>
+      </p:nvGrpSpPr>
+      <p:grpSpPr>
+        <a:xfrm>
+          <a:off x="0" y="0"/>
+          <a:ext cx="0" cy="0"/>
+          <a:chOff x="0" y="0"/>
+          <a:chExt cx="0" cy="0"/>
+        </a:xfrm>
+      </p:grpSpPr>
+      <p:graphicFrame>
+        <p:nvGraphicFramePr>
+          <p:cNvPr id="4" name="Inhaltsplatzhalter 3"/>
+          <p:cNvGraphicFramePr>
+            <a:graphicFrameLocks noGrp="1"/>
+          </p:cNvGraphicFramePr>
+          <p:nvPr>
+            <p:ph idx="1"/>
+            <p:extLst>
+              <p:ext uri="{D42A27DB-BD31-4B8C-83A1-F6EECF244321}">
+                <p14:modId xmlns:p14="http://schemas.microsoft.com/office/powerpoint/2010/main" val="1065716746"/>
+              </p:ext>
+            </p:extLst>
+          </p:nvPr>
+        </p:nvGraphicFramePr>
+        <p:xfrm>
+          <a:off x="2" y="0"/>
+          <a:ext cx="12192000" cy="7209138"/>
+        </p:xfrm>
+        <a:graphic>
+          <a:graphicData uri="http://schemas.openxmlformats.org/drawingml/2006/table">
+            <a:tbl>
+              <a:tblPr firstRow="1" bandRow="1">
+                <a:tableStyleId>{5C22544A-7EE6-4342-B048-85BDC9FD1C3A}</a:tableStyleId>
+              </a:tblPr>
+              <a:tblGrid>
+                <a:gridCol w="3048000"/>
+                <a:gridCol w="3048000"/>
+                <a:gridCol w="3048000"/>
+                <a:gridCol w="3048000"/>
+              </a:tblGrid>
+              <a:tr h="784306">
+                <a:tc>
+                  <a:txBody>
+                    <a:bodyPr/>
+                    <a:lstStyle/>
+                    <a:p>
+                      <a:pPr algn="ctr"/>
+                      <a:r>
+                        <a:rPr lang="de-DE" sz="2400" dirty="0" smtClean="0"/>
+                        <a:t>Vergleich</a:t>
+                      </a:r>
+                      <a:endParaRPr lang="de-DE" sz="2400" dirty="0"/>
+                    </a:p>
+                  </a:txBody>
+                  <a:tcPr/>
+                </a:tc>
+                <a:tc>
+                  <a:txBody>
+                    <a:bodyPr/>
+                    <a:lstStyle/>
+                    <a:p>
+                      <a:pPr algn="ctr"/>
+                      <a:r>
+                        <a:rPr lang="de-DE" sz="1800" dirty="0" err="1" smtClean="0"/>
+                        <a:t>IaaS</a:t>
+                      </a:r>
+                      <a:endParaRPr lang="de-DE" sz="1800" dirty="0"/>
+                    </a:p>
+                  </a:txBody>
+                  <a:tcPr/>
+                </a:tc>
+                <a:tc>
+                  <a:txBody>
+                    <a:bodyPr/>
+                    <a:lstStyle/>
+                    <a:p>
+                      <a:pPr algn="ctr"/>
+                      <a:r>
+                        <a:rPr lang="de-DE" dirty="0" err="1" smtClean="0"/>
+                        <a:t>PaaS</a:t>
+                      </a:r>
+                      <a:endParaRPr lang="de-DE" dirty="0"/>
+                    </a:p>
+                  </a:txBody>
+                  <a:tcPr/>
+                </a:tc>
+                <a:tc>
+                  <a:txBody>
+                    <a:bodyPr/>
+                    <a:lstStyle/>
+                    <a:p>
+                      <a:pPr algn="ctr"/>
+                      <a:r>
+                        <a:rPr lang="de-DE" dirty="0" err="1" smtClean="0"/>
+                        <a:t>FaaS</a:t>
+                      </a:r>
+                      <a:endParaRPr lang="de-DE" dirty="0"/>
+                    </a:p>
+                  </a:txBody>
+                  <a:tcPr/>
+                </a:tc>
+              </a:tr>
+              <a:tr h="3611262">
+                <a:tc>
+                  <a:txBody>
+                    <a:bodyPr/>
+                    <a:lstStyle/>
+                    <a:p>
+                      <a:pPr algn="ctr"/>
+                      <a:r>
+                        <a:rPr lang="de-DE" dirty="0" smtClean="0"/>
+                        <a:t>Vorteile</a:t>
+                      </a:r>
+                      <a:endParaRPr lang="de-DE" dirty="0"/>
+                    </a:p>
+                  </a:txBody>
+                  <a:tcPr anchor="ctr"/>
+                </a:tc>
+                <a:tc>
+                  <a:txBody>
+                    <a:bodyPr/>
+                    <a:lstStyle/>
+                    <a:p>
+                      <a:pPr marL="285750" marR="0" lvl="0" indent="-285750" algn="l" defTabSz="914400" rtl="0" eaLnBrk="1" fontAlgn="auto" latinLnBrk="0" hangingPunct="1">
+                        <a:lnSpc>
+                          <a:spcPct val="100000"/>
+                        </a:lnSpc>
+                        <a:spcBef>
+                          <a:spcPts val="0"/>
+                        </a:spcBef>
+                        <a:spcAft>
+                          <a:spcPts val="0"/>
+                        </a:spcAft>
+                        <a:buClrTx/>
+                        <a:buSzTx/>
+                        <a:buFont typeface="Arial" panose="020B0604020202020204" pitchFamily="34" charset="0"/>
+                        <a:buChar char="•"/>
+                        <a:tabLst/>
+                        <a:defRPr/>
+                      </a:pPr>
+                      <a:r>
+                        <a:rPr lang="de-DE" sz="1800" kern="1200" noProof="0" dirty="0" smtClean="0">
+                          <a:solidFill>
+                            <a:schemeClr val="dk1"/>
+                          </a:solidFill>
+                          <a:latin typeface="+mn-lt"/>
+                          <a:ea typeface="+mn-ea"/>
+                          <a:cs typeface="+mn-cs"/>
+                        </a:rPr>
+                        <a:t>nutzungsbezogene Abrechnung</a:t>
+                      </a:r>
+                    </a:p>
+                    <a:p>
+                      <a:pPr marL="285750" marR="0" lvl="0" indent="-285750" algn="l" defTabSz="914400" rtl="0" eaLnBrk="1" fontAlgn="auto" latinLnBrk="0" hangingPunct="1">
+                        <a:lnSpc>
+                          <a:spcPct val="100000"/>
+                        </a:lnSpc>
+                        <a:spcBef>
+                          <a:spcPts val="0"/>
+                        </a:spcBef>
+                        <a:spcAft>
+                          <a:spcPts val="0"/>
+                        </a:spcAft>
+                        <a:buClrTx/>
+                        <a:buSzTx/>
+                        <a:buFont typeface="Arial" panose="020B0604020202020204" pitchFamily="34" charset="0"/>
+                        <a:buChar char="•"/>
+                        <a:tabLst/>
+                        <a:defRPr/>
+                      </a:pPr>
+                      <a:r>
+                        <a:rPr lang="de-DE" sz="1800" kern="1200" noProof="0" dirty="0" smtClean="0">
+                          <a:solidFill>
+                            <a:schemeClr val="dk1"/>
+                          </a:solidFill>
+                          <a:latin typeface="+mn-lt"/>
+                          <a:ea typeface="+mn-ea"/>
+                          <a:cs typeface="+mn-cs"/>
+                        </a:rPr>
+                        <a:t>keine Investitionen für Hardware erforderlich</a:t>
+                      </a:r>
+                    </a:p>
+                    <a:p>
+                      <a:pPr marL="285750" marR="0" lvl="0" indent="-285750" algn="l" defTabSz="914400" rtl="0" eaLnBrk="1" fontAlgn="auto" latinLnBrk="0" hangingPunct="1">
+                        <a:lnSpc>
+                          <a:spcPct val="100000"/>
+                        </a:lnSpc>
+                        <a:spcBef>
+                          <a:spcPts val="0"/>
+                        </a:spcBef>
+                        <a:spcAft>
+                          <a:spcPts val="0"/>
+                        </a:spcAft>
+                        <a:buClrTx/>
+                        <a:buSzTx/>
+                        <a:buFont typeface="Arial" panose="020B0604020202020204" pitchFamily="34" charset="0"/>
+                        <a:buChar char="•"/>
+                        <a:tabLst/>
+                        <a:defRPr/>
+                      </a:pPr>
+                      <a:r>
+                        <a:rPr lang="de-DE" sz="1800" kern="1200" noProof="0" dirty="0" smtClean="0">
+                          <a:solidFill>
+                            <a:schemeClr val="dk1"/>
+                          </a:solidFill>
+                          <a:latin typeface="+mn-lt"/>
+                          <a:ea typeface="+mn-ea"/>
+                          <a:cs typeface="+mn-cs"/>
+                        </a:rPr>
+                        <a:t>Zugriff auch während einer Notfallsituation möglich</a:t>
+                      </a:r>
+                    </a:p>
+                    <a:p>
+                      <a:pPr marL="285750" marR="0" lvl="0" indent="-285750" algn="l" defTabSz="914400" rtl="0" eaLnBrk="1" fontAlgn="auto" latinLnBrk="0" hangingPunct="1">
+                        <a:lnSpc>
+                          <a:spcPct val="100000"/>
+                        </a:lnSpc>
+                        <a:spcBef>
+                          <a:spcPts val="0"/>
+                        </a:spcBef>
+                        <a:spcAft>
+                          <a:spcPts val="0"/>
+                        </a:spcAft>
+                        <a:buClrTx/>
+                        <a:buSzTx/>
+                        <a:buFont typeface="Arial" panose="020B0604020202020204" pitchFamily="34" charset="0"/>
+                        <a:buChar char="•"/>
+                        <a:tabLst/>
+                        <a:defRPr/>
+                      </a:pPr>
+                      <a:r>
+                        <a:rPr lang="de-DE" sz="1800" kern="1200" noProof="0" dirty="0" smtClean="0">
+                          <a:solidFill>
+                            <a:schemeClr val="dk1"/>
+                          </a:solidFill>
+                          <a:latin typeface="+mn-lt"/>
+                          <a:ea typeface="+mn-ea"/>
+                          <a:cs typeface="+mn-cs"/>
+                        </a:rPr>
+                        <a:t>Schnelle Verfügbarkeit</a:t>
+                      </a:r>
+                    </a:p>
+                    <a:p>
+                      <a:pPr marL="285750" marR="0" lvl="0" indent="-285750" algn="l" defTabSz="914400" rtl="0" eaLnBrk="1" fontAlgn="auto" latinLnBrk="0" hangingPunct="1">
+                        <a:lnSpc>
+                          <a:spcPct val="100000"/>
+                        </a:lnSpc>
+                        <a:spcBef>
+                          <a:spcPts val="0"/>
+                        </a:spcBef>
+                        <a:spcAft>
+                          <a:spcPts val="0"/>
+                        </a:spcAft>
+                        <a:buClrTx/>
+                        <a:buSzTx/>
+                        <a:buFont typeface="Arial" panose="020B0604020202020204" pitchFamily="34" charset="0"/>
+                        <a:buChar char="•"/>
+                        <a:tabLst/>
+                        <a:defRPr/>
+                      </a:pPr>
+                      <a:r>
+                        <a:rPr lang="de-DE" sz="1800" kern="1200" noProof="0" dirty="0" smtClean="0">
+                          <a:solidFill>
+                            <a:schemeClr val="dk1"/>
+                          </a:solidFill>
+                          <a:latin typeface="+mn-lt"/>
+                          <a:ea typeface="+mn-ea"/>
+                          <a:cs typeface="+mn-cs"/>
+                        </a:rPr>
+                        <a:t>schnellere Reaktion auf sich ändernde Geschäftsbedingungen</a:t>
+                      </a:r>
+                    </a:p>
+                    <a:p>
+                      <a:pPr marL="285750" marR="0" lvl="0" indent="-285750" algn="l" defTabSz="914400" rtl="0" eaLnBrk="1" fontAlgn="auto" latinLnBrk="0" hangingPunct="1">
+                        <a:lnSpc>
+                          <a:spcPct val="100000"/>
+                        </a:lnSpc>
+                        <a:spcBef>
+                          <a:spcPts val="0"/>
+                        </a:spcBef>
+                        <a:spcAft>
+                          <a:spcPts val="0"/>
+                        </a:spcAft>
+                        <a:buClrTx/>
+                        <a:buSzTx/>
+                        <a:buFont typeface="Arial" panose="020B0604020202020204" pitchFamily="34" charset="0"/>
+                        <a:buChar char="•"/>
+                        <a:tabLst/>
+                        <a:defRPr/>
+                      </a:pPr>
+                      <a:r>
+                        <a:rPr lang="de-DE" sz="1800" kern="1200" noProof="0" dirty="0" smtClean="0">
+                          <a:solidFill>
+                            <a:schemeClr val="dk1"/>
+                          </a:solidFill>
+                          <a:latin typeface="+mn-lt"/>
+                          <a:ea typeface="+mn-ea"/>
+                          <a:cs typeface="+mn-cs"/>
+                        </a:rPr>
+                        <a:t>höhere Sicherheit</a:t>
+                      </a:r>
+                    </a:p>
+                    <a:p>
+                      <a:pPr marL="285750" marR="0" lvl="0" indent="-285750" algn="l" defTabSz="914400" rtl="0" eaLnBrk="1" fontAlgn="auto" latinLnBrk="0" hangingPunct="1">
+                        <a:lnSpc>
+                          <a:spcPct val="100000"/>
+                        </a:lnSpc>
+                        <a:spcBef>
+                          <a:spcPts val="0"/>
+                        </a:spcBef>
+                        <a:spcAft>
+                          <a:spcPts val="0"/>
+                        </a:spcAft>
+                        <a:buClrTx/>
+                        <a:buSzTx/>
+                        <a:buFont typeface="Arial" panose="020B0604020202020204" pitchFamily="34" charset="0"/>
+                        <a:buChar char="•"/>
+                        <a:tabLst/>
+                        <a:defRPr/>
+                      </a:pPr>
+                      <a:r>
+                        <a:rPr lang="de-DE" sz="1800" kern="1200" noProof="0" dirty="0" smtClean="0">
+                          <a:solidFill>
+                            <a:schemeClr val="dk1"/>
+                          </a:solidFill>
+                          <a:latin typeface="+mn-lt"/>
+                          <a:ea typeface="+mn-ea"/>
+                          <a:cs typeface="+mn-cs"/>
+                        </a:rPr>
+                        <a:t>Schnellere Bereitstellung neuer Apps für Benutzer</a:t>
+                      </a:r>
+                    </a:p>
+                    <a:p>
+                      <a:pPr marL="228600" marR="0" lvl="0" indent="-228600" algn="l" defTabSz="914400" rtl="0" eaLnBrk="1" fontAlgn="auto" latinLnBrk="0" hangingPunct="1">
+                        <a:lnSpc>
+                          <a:spcPct val="100000"/>
+                        </a:lnSpc>
+                        <a:spcBef>
+                          <a:spcPts val="0"/>
+                        </a:spcBef>
+                        <a:spcAft>
+                          <a:spcPts val="0"/>
+                        </a:spcAft>
+                        <a:buClrTx/>
+                        <a:buSzTx/>
+                        <a:buFont typeface="Arial" panose="020B0604020202020204" pitchFamily="34" charset="0"/>
+                        <a:buChar char="•"/>
+                        <a:tabLst/>
+                        <a:defRPr/>
+                      </a:pPr>
+                      <a:endParaRPr kumimoji="0" lang="de-DE" sz="1000" b="0" i="0" u="none" strike="noStrike" kern="1200" cap="none" spc="0" normalizeH="0" baseline="0" noProof="0" dirty="0" smtClean="0">
+                        <a:ln>
+                          <a:noFill/>
+                        </a:ln>
+                        <a:solidFill>
+                          <a:prstClr val="black"/>
+                        </a:solidFill>
+                        <a:effectLst/>
+                        <a:uLnTx/>
+                        <a:uFillTx/>
+                        <a:latin typeface="+mn-lt"/>
+                        <a:ea typeface="+mn-ea"/>
+                        <a:cs typeface="+mn-cs"/>
+                      </a:endParaRPr>
+                    </a:p>
+                    <a:p>
+                      <a:pPr marL="285750" indent="-285750">
+                        <a:buFont typeface="Arial" panose="020B0604020202020204" pitchFamily="34" charset="0"/>
+                        <a:buChar char="•"/>
+                      </a:pPr>
+                      <a:endParaRPr lang="de-DE" sz="1000" dirty="0"/>
+                    </a:p>
+                  </a:txBody>
+                  <a:tcPr/>
+                </a:tc>
+                <a:tc>
+                  <a:txBody>
+                    <a:bodyPr/>
+                    <a:lstStyle/>
+                    <a:p>
+                      <a:pPr marL="285750" marR="0" lvl="0" indent="-285750" algn="l" defTabSz="914400" rtl="0" eaLnBrk="1" fontAlgn="auto" latinLnBrk="0" hangingPunct="1">
+                        <a:lnSpc>
+                          <a:spcPct val="100000"/>
+                        </a:lnSpc>
+                        <a:spcBef>
+                          <a:spcPts val="0"/>
+                        </a:spcBef>
+                        <a:spcAft>
+                          <a:spcPts val="0"/>
+                        </a:spcAft>
+                        <a:buClrTx/>
+                        <a:buSzTx/>
+                        <a:buFont typeface="Arial" panose="020B0604020202020204" pitchFamily="34" charset="0"/>
+                        <a:buChar char="•"/>
+                        <a:tabLst/>
+                        <a:defRPr/>
+                      </a:pPr>
+                      <a:r>
+                        <a:rPr lang="de-DE" dirty="0" smtClean="0"/>
+                        <a:t>Punktet mit flexiblen und transparenten Kosten</a:t>
+                      </a:r>
+                    </a:p>
+                    <a:p>
+                      <a:pPr marL="285750" indent="-285750">
+                        <a:buFont typeface="Arial" panose="020B0604020202020204" pitchFamily="34" charset="0"/>
+                        <a:buChar char="•"/>
+                      </a:pPr>
+                      <a:r>
+                        <a:rPr lang="de-DE" dirty="0" smtClean="0"/>
+                        <a:t>Monitoring-Funktionen </a:t>
+                      </a:r>
+                    </a:p>
+                    <a:p>
+                      <a:pPr marL="285750" indent="-285750">
+                        <a:buFont typeface="Arial" panose="020B0604020202020204" pitchFamily="34" charset="0"/>
+                        <a:buChar char="•"/>
+                      </a:pPr>
+                      <a:r>
+                        <a:rPr lang="de-DE" dirty="0" smtClean="0"/>
+                        <a:t>Leistungsstarke</a:t>
+                      </a:r>
+                      <a:r>
+                        <a:rPr lang="de-DE" baseline="0" dirty="0" smtClean="0"/>
+                        <a:t> </a:t>
+                      </a:r>
+                      <a:r>
+                        <a:rPr lang="de-DE" dirty="0" err="1" smtClean="0"/>
+                        <a:t>Deployment</a:t>
+                      </a:r>
+                      <a:r>
+                        <a:rPr lang="de-DE" dirty="0" smtClean="0"/>
+                        <a:t>- und Management-Tools</a:t>
+                      </a:r>
+                    </a:p>
+                    <a:p>
+                      <a:pPr marL="285750" indent="-285750">
+                        <a:buFont typeface="Arial" panose="020B0604020202020204" pitchFamily="34" charset="0"/>
+                        <a:buChar char="•"/>
+                      </a:pPr>
+                      <a:r>
+                        <a:rPr lang="de-DE" dirty="0" smtClean="0"/>
+                        <a:t>Konzentration auf individuelle Business-Logik </a:t>
+                      </a:r>
+                    </a:p>
+                    <a:p>
+                      <a:pPr marL="285750" indent="-285750">
+                        <a:buFont typeface="Arial" panose="020B0604020202020204" pitchFamily="34" charset="0"/>
+                        <a:buChar char="•"/>
+                      </a:pPr>
+                      <a:r>
+                        <a:rPr lang="de-DE" dirty="0" smtClean="0"/>
+                        <a:t>Verantwortung</a:t>
+                      </a:r>
+                      <a:r>
+                        <a:rPr lang="de-DE" baseline="0" dirty="0" smtClean="0"/>
+                        <a:t> der Infrastruktur liegt beim </a:t>
+                      </a:r>
+                      <a:r>
+                        <a:rPr lang="de-DE" baseline="0" dirty="0" err="1" smtClean="0"/>
+                        <a:t>PaaS</a:t>
+                      </a:r>
+                      <a:r>
+                        <a:rPr lang="de-DE" baseline="0" dirty="0" smtClean="0"/>
+                        <a:t>-Anbieter </a:t>
+                      </a:r>
+                      <a:endParaRPr lang="de-DE" dirty="0"/>
+                    </a:p>
+                  </a:txBody>
+                  <a:tcPr/>
+                </a:tc>
+                <a:tc>
+                  <a:txBody>
+                    <a:bodyPr/>
+                    <a:lstStyle/>
+                    <a:p>
+                      <a:pPr marL="285750" indent="-285750">
+                        <a:buFont typeface="Arial" panose="020B0604020202020204" pitchFamily="34" charset="0"/>
+                        <a:buChar char="•"/>
+                      </a:pPr>
+                      <a:r>
+                        <a:rPr lang="de-DE" dirty="0" smtClean="0"/>
+                        <a:t>Leistung Variabel</a:t>
+                      </a:r>
+                    </a:p>
+                    <a:p>
+                      <a:pPr marL="285750" indent="-285750">
+                        <a:buFont typeface="Arial" panose="020B0604020202020204" pitchFamily="34" charset="0"/>
+                        <a:buChar char="•"/>
+                      </a:pPr>
+                      <a:r>
+                        <a:rPr lang="de-DE" dirty="0" smtClean="0"/>
+                        <a:t>Beste Kosten/Nutzen Bilanz</a:t>
+                      </a:r>
+                    </a:p>
+                    <a:p>
+                      <a:pPr marL="285750" indent="-285750">
+                        <a:buFont typeface="Arial" panose="020B0604020202020204" pitchFamily="34" charset="0"/>
+                        <a:buChar char="•"/>
+                      </a:pPr>
+                      <a:r>
+                        <a:rPr lang="de-DE" dirty="0" smtClean="0"/>
+                        <a:t>Einfacheres Programmieren</a:t>
+                      </a:r>
+                    </a:p>
+                    <a:p>
+                      <a:pPr marL="285750" indent="-285750">
+                        <a:buFont typeface="Arial" panose="020B0604020202020204" pitchFamily="34" charset="0"/>
+                        <a:buChar char="•"/>
+                      </a:pPr>
+                      <a:r>
+                        <a:rPr lang="de-DE" dirty="0" smtClean="0"/>
+                        <a:t>Bessere Nutzung der Ressourcen</a:t>
+                      </a:r>
+                    </a:p>
+                    <a:p>
+                      <a:pPr marL="285750" marR="0" lvl="0" indent="-285750" algn="l" defTabSz="914400" rtl="0" eaLnBrk="1" fontAlgn="auto" latinLnBrk="0" hangingPunct="1">
+                        <a:lnSpc>
+                          <a:spcPct val="100000"/>
+                        </a:lnSpc>
+                        <a:spcBef>
+                          <a:spcPts val="0"/>
+                        </a:spcBef>
+                        <a:spcAft>
+                          <a:spcPts val="0"/>
+                        </a:spcAft>
+                        <a:buClrTx/>
+                        <a:buSzTx/>
+                        <a:buFont typeface="Arial" panose="020B0604020202020204" pitchFamily="34" charset="0"/>
+                        <a:buChar char="•"/>
+                        <a:tabLst/>
+                        <a:defRPr/>
+                      </a:pPr>
+                      <a:r>
+                        <a:rPr lang="de-DE" dirty="0" smtClean="0"/>
+                        <a:t>Automatisches Kapazitätsmanagement</a:t>
+                      </a:r>
+                    </a:p>
+                    <a:p>
+                      <a:pPr marL="285750" marR="0" lvl="0" indent="-285750" algn="l" defTabSz="914400" rtl="0" eaLnBrk="1" fontAlgn="auto" latinLnBrk="0" hangingPunct="1">
+                        <a:lnSpc>
+                          <a:spcPct val="100000"/>
+                        </a:lnSpc>
+                        <a:spcBef>
+                          <a:spcPts val="0"/>
+                        </a:spcBef>
+                        <a:spcAft>
+                          <a:spcPts val="0"/>
+                        </a:spcAft>
+                        <a:buClrTx/>
+                        <a:buSzTx/>
+                        <a:buFont typeface="Arial" panose="020B0604020202020204" pitchFamily="34" charset="0"/>
+                        <a:buChar char="•"/>
+                        <a:tabLst/>
+                        <a:defRPr/>
+                      </a:pPr>
+                      <a:r>
+                        <a:rPr lang="de-DE" dirty="0" smtClean="0"/>
+                        <a:t>Ökologischere Umgang mit den Ressourcen</a:t>
+                      </a:r>
+                    </a:p>
+                    <a:p>
+                      <a:pPr marL="285750" marR="0" lvl="0" indent="-285750" algn="l" defTabSz="914400" rtl="0" eaLnBrk="1" fontAlgn="auto" latinLnBrk="0" hangingPunct="1">
+                        <a:lnSpc>
+                          <a:spcPct val="100000"/>
+                        </a:lnSpc>
+                        <a:spcBef>
+                          <a:spcPts val="0"/>
+                        </a:spcBef>
+                        <a:spcAft>
+                          <a:spcPts val="0"/>
+                        </a:spcAft>
+                        <a:buClrTx/>
+                        <a:buSzTx/>
+                        <a:buFont typeface="Arial" panose="020B0604020202020204" pitchFamily="34" charset="0"/>
+                        <a:buChar char="•"/>
+                        <a:tabLst/>
+                        <a:defRPr/>
+                      </a:pPr>
+                      <a:r>
+                        <a:rPr lang="de-DE" dirty="0" smtClean="0"/>
+                        <a:t>Automatische Skalierung </a:t>
+                      </a:r>
+                    </a:p>
+                    <a:p>
+                      <a:pPr marL="285750" marR="0" lvl="0" indent="-285750" algn="l" defTabSz="914400" rtl="0" eaLnBrk="1" fontAlgn="auto" latinLnBrk="0" hangingPunct="1">
+                        <a:lnSpc>
+                          <a:spcPct val="100000"/>
+                        </a:lnSpc>
+                        <a:spcBef>
+                          <a:spcPts val="0"/>
+                        </a:spcBef>
+                        <a:spcAft>
+                          <a:spcPts val="0"/>
+                        </a:spcAft>
+                        <a:buClrTx/>
+                        <a:buSzTx/>
+                        <a:buFont typeface="Arial" panose="020B0604020202020204" pitchFamily="34" charset="0"/>
+                        <a:buChar char="•"/>
+                        <a:tabLst/>
+                        <a:defRPr/>
+                      </a:pPr>
+                      <a:r>
+                        <a:rPr lang="de-DE" dirty="0" smtClean="0"/>
+                        <a:t>Hohe Fehlertoleranz</a:t>
+                      </a:r>
+                    </a:p>
+                    <a:p>
+                      <a:pPr marL="285750" marR="0" lvl="0" indent="-285750" algn="l" defTabSz="914400" rtl="0" eaLnBrk="1" fontAlgn="auto" latinLnBrk="0" hangingPunct="1">
+                        <a:lnSpc>
+                          <a:spcPct val="100000"/>
+                        </a:lnSpc>
+                        <a:spcBef>
+                          <a:spcPts val="0"/>
+                        </a:spcBef>
+                        <a:spcAft>
+                          <a:spcPts val="0"/>
+                        </a:spcAft>
+                        <a:buClrTx/>
+                        <a:buSzTx/>
+                        <a:buFont typeface="Arial" panose="020B0604020202020204" pitchFamily="34" charset="0"/>
+                        <a:buChar char="•"/>
+                        <a:tabLst/>
+                        <a:defRPr/>
+                      </a:pPr>
+                      <a:endParaRPr lang="de-DE" dirty="0" smtClean="0"/>
+                    </a:p>
+                    <a:p>
+                      <a:pPr marL="285750" marR="0" lvl="0" indent="-285750" algn="l" defTabSz="914400" rtl="0" eaLnBrk="1" fontAlgn="auto" latinLnBrk="0" hangingPunct="1">
+                        <a:lnSpc>
+                          <a:spcPct val="100000"/>
+                        </a:lnSpc>
+                        <a:spcBef>
+                          <a:spcPts val="0"/>
+                        </a:spcBef>
+                        <a:spcAft>
+                          <a:spcPts val="0"/>
+                        </a:spcAft>
+                        <a:buClrTx/>
+                        <a:buSzTx/>
+                        <a:buFont typeface="Arial" panose="020B0604020202020204" pitchFamily="34" charset="0"/>
+                        <a:buChar char="•"/>
+                        <a:tabLst/>
+                        <a:defRPr/>
+                      </a:pPr>
+                      <a:endParaRPr lang="de-DE" dirty="0" smtClean="0"/>
+                    </a:p>
+                  </a:txBody>
+                  <a:tcPr/>
+                </a:tc>
+              </a:tr>
+              <a:tr h="2462432">
+                <a:tc>
+                  <a:txBody>
+                    <a:bodyPr/>
+                    <a:lstStyle/>
+                    <a:p>
+                      <a:pPr algn="ctr"/>
+                      <a:r>
+                        <a:rPr lang="de-DE" dirty="0" smtClean="0"/>
+                        <a:t>Nachteile</a:t>
+                      </a:r>
+                      <a:endParaRPr lang="de-DE" dirty="0"/>
+                    </a:p>
+                  </a:txBody>
+                  <a:tcPr anchor="ctr"/>
+                </a:tc>
+                <a:tc>
+                  <a:txBody>
+                    <a:bodyPr/>
+                    <a:lstStyle/>
+                    <a:p>
+                      <a:pPr marL="285750" marR="0" lvl="0" indent="-285750" algn="l" defTabSz="914400" rtl="0" eaLnBrk="1" fontAlgn="auto" latinLnBrk="0" hangingPunct="1">
+                        <a:lnSpc>
+                          <a:spcPct val="100000"/>
+                        </a:lnSpc>
+                        <a:spcBef>
+                          <a:spcPts val="0"/>
+                        </a:spcBef>
+                        <a:spcAft>
+                          <a:spcPts val="0"/>
+                        </a:spcAft>
+                        <a:buClrTx/>
+                        <a:buSzTx/>
+                        <a:buFont typeface="Arial" panose="020B0604020202020204" pitchFamily="34" charset="0"/>
+                        <a:buChar char="•"/>
+                        <a:tabLst/>
+                        <a:defRPr/>
+                      </a:pPr>
+                      <a:r>
+                        <a:rPr lang="de-DE" dirty="0" smtClean="0"/>
+                        <a:t>Der Nutzer muss sich um seine Plattform, die Anwendungen und die Wartung der Softwareumgebung selbst kümmern.</a:t>
+                      </a:r>
+                    </a:p>
+                    <a:p>
+                      <a:pPr marL="285750" indent="-285750">
+                        <a:buFont typeface="Arial" panose="020B0604020202020204" pitchFamily="34" charset="0"/>
+                        <a:buChar char="•"/>
+                      </a:pPr>
+                      <a:endParaRPr lang="de-DE" dirty="0"/>
+                    </a:p>
+                  </a:txBody>
+                  <a:tcPr/>
+                </a:tc>
+                <a:tc>
+                  <a:txBody>
+                    <a:bodyPr/>
+                    <a:lstStyle/>
+                    <a:p>
+                      <a:pPr marL="285750" indent="-285750">
+                        <a:buFont typeface="Arial" panose="020B0604020202020204" pitchFamily="34" charset="0"/>
+                        <a:buChar char="•"/>
+                      </a:pPr>
+                      <a:r>
+                        <a:rPr lang="de-DE" dirty="0" smtClean="0"/>
+                        <a:t>keinen Einfluss auf die Konfiguration der Umgebung</a:t>
+                      </a:r>
+                    </a:p>
+                    <a:p>
+                      <a:pPr marL="285750" indent="-285750">
+                        <a:buFont typeface="Arial" panose="020B0604020202020204" pitchFamily="34" charset="0"/>
+                        <a:buChar char="•"/>
+                      </a:pPr>
+                      <a:r>
+                        <a:rPr lang="de-DE" dirty="0" smtClean="0"/>
+                        <a:t>Niemals extern zur Verfügung (falls Konkurs </a:t>
+                      </a:r>
+                      <a:r>
+                        <a:rPr lang="de-DE" smtClean="0"/>
+                        <a:t>des Anbieters)</a:t>
+                      </a:r>
+                      <a:endParaRPr lang="de-DE" dirty="0"/>
+                    </a:p>
+                  </a:txBody>
+                  <a:tcPr/>
+                </a:tc>
+                <a:tc>
+                  <a:txBody>
+                    <a:bodyPr/>
+                    <a:lstStyle/>
+                    <a:p>
+                      <a:pPr marL="285750" indent="-285750">
+                        <a:buFont typeface="Arial" panose="020B0604020202020204" pitchFamily="34" charset="0"/>
+                        <a:buChar char="•"/>
+                      </a:pPr>
+                      <a:r>
+                        <a:rPr lang="de-DE" dirty="0" smtClean="0"/>
+                        <a:t>Vergleichsweise noch weniger Kontrolle (Freiheitsgrad)</a:t>
+                      </a:r>
+                    </a:p>
+                    <a:p>
+                      <a:pPr marL="285750" indent="-285750">
+                        <a:buFont typeface="Arial" panose="020B0604020202020204" pitchFamily="34" charset="0"/>
+                        <a:buChar char="•"/>
+                      </a:pPr>
+                      <a:r>
+                        <a:rPr lang="de-DE" dirty="0" smtClean="0"/>
+                        <a:t>Erhöhtes Lock-in Risiko</a:t>
+                      </a:r>
+                    </a:p>
+                    <a:p>
+                      <a:pPr marL="0" indent="0">
+                        <a:buFont typeface="Arial" panose="020B0604020202020204" pitchFamily="34" charset="0"/>
+                        <a:buNone/>
+                      </a:pPr>
+                      <a:endParaRPr lang="de-DE" dirty="0"/>
+                    </a:p>
+                  </a:txBody>
+                  <a:tcPr/>
+                </a:tc>
+              </a:tr>
+            </a:tbl>
+          </a:graphicData>
+        </a:graphic>
+      </p:graphicFrame>
+    </p:spTree>
+    <p:extLst>
+      <p:ext uri="{BB962C8B-B14F-4D97-AF65-F5344CB8AC3E}">
+        <p14:creationId xmlns:p14="http://schemas.microsoft.com/office/powerpoint/2010/main" val="1027739593"/>
+      </p:ext>
+    </p:extLst>
+  </p:cSld>
+  <p:clrMapOvr>
+    <a:masterClrMapping/>
+  </p:clrMapOvr>
+  <p:timing>
+    <p:tnLst>
+      <p:par>
+        <p:cTn id="1" dur="indefinite" restart="never" nodeType="tmRoot"/>
+      </p:par>
+    </p:tnLst>
+  </p:timing>
+</p:sld>
+</file>
+
+<file path=ppt/slides/slide31.xml><?xml version="1.0" encoding="utf-8"?>
+<p:sld xmlns:a="http://schemas.openxmlformats.org/drawingml/2006/main" xmlns:r="http://schemas.openxmlformats.org/officeDocument/2006/relationships" xmlns:p="http://schemas.openxmlformats.org/presentationml/2006/main">
+  <p:cSld>
+    <p:spTree>
+      <p:nvGrpSpPr>
+        <p:cNvPr id="1" name=""/>
+        <p:cNvGrpSpPr/>
+        <p:nvPr/>
+      </p:nvGrpSpPr>
+      <p:grpSpPr>
+        <a:xfrm>
+          <a:off x="0" y="0"/>
+          <a:ext cx="0" cy="0"/>
+          <a:chOff x="0" y="0"/>
+          <a:chExt cx="0" cy="0"/>
+        </a:xfrm>
+      </p:grpSpPr>
+      <p:sp>
+        <p:nvSpPr>
+          <p:cNvPr id="2" name="Titel 1"/>
+          <p:cNvSpPr>
+            <a:spLocks noGrp="1"/>
+          </p:cNvSpPr>
+          <p:nvPr>
+            <p:ph type="ctrTitle"/>
+          </p:nvPr>
+        </p:nvSpPr>
+        <p:spPr/>
+        <p:txBody>
+          <a:bodyPr/>
+          <a:lstStyle/>
+          <a:p>
+            <a:r>
+              <a:rPr lang="de-DE" dirty="0"/>
+              <a:t>Anwendungsfälle</a:t>
+            </a:r>
+          </a:p>
+        </p:txBody>
+      </p:sp>
+      <p:sp>
+        <p:nvSpPr>
+          <p:cNvPr id="3" name="Untertitel 2"/>
+          <p:cNvSpPr>
+            <a:spLocks noGrp="1"/>
+          </p:cNvSpPr>
+          <p:nvPr>
+            <p:ph type="subTitle" idx="1"/>
+          </p:nvPr>
+        </p:nvSpPr>
+        <p:spPr/>
+        <p:txBody>
+          <a:bodyPr/>
+          <a:lstStyle/>
+          <a:p>
+            <a:endParaRPr lang="de-DE"/>
+          </a:p>
+        </p:txBody>
+      </p:sp>
+    </p:spTree>
+    <p:extLst>
+      <p:ext uri="{BB962C8B-B14F-4D97-AF65-F5344CB8AC3E}">
+        <p14:creationId xmlns:p14="http://schemas.microsoft.com/office/powerpoint/2010/main" val="3619588491"/>
+      </p:ext>
+    </p:extLst>
+  </p:cSld>
+  <p:clrMapOvr>
+    <a:masterClrMapping/>
+  </p:clrMapOvr>
+  <p:timing>
+    <p:tnLst>
+      <p:par>
+        <p:cTn id="1" dur="indefinite" restart="never" nodeType="tmRoot"/>
+      </p:par>
+    </p:tnLst>
+  </p:timing>
+</p:sld>
+</file>
+
+<file path=ppt/slides/slide32.xml><?xml version="1.0" encoding="utf-8"?>
+<p:sld xmlns:a="http://schemas.openxmlformats.org/drawingml/2006/main" xmlns:r="http://schemas.openxmlformats.org/officeDocument/2006/relationships" xmlns:p="http://schemas.openxmlformats.org/presentationml/2006/main">
+  <p:cSld>
+    <p:spTree>
+      <p:nvGrpSpPr>
+        <p:cNvPr id="1" name=""/>
+        <p:cNvGrpSpPr/>
+        <p:nvPr/>
+      </p:nvGrpSpPr>
+      <p:grpSpPr>
+        <a:xfrm>
+          <a:off x="0" y="0"/>
+          <a:ext cx="0" cy="0"/>
+          <a:chOff x="0" y="0"/>
+          <a:chExt cx="0" cy="0"/>
+        </a:xfrm>
+      </p:grpSpPr>
+      <p:sp>
+        <p:nvSpPr>
+          <p:cNvPr id="2" name="Titel 1"/>
+          <p:cNvSpPr>
+            <a:spLocks noGrp="1"/>
+          </p:cNvSpPr>
+          <p:nvPr>
+            <p:ph type="title"/>
+          </p:nvPr>
+        </p:nvSpPr>
+        <p:spPr/>
+        <p:txBody>
+          <a:bodyPr/>
+          <a:lstStyle/>
+          <a:p>
+            <a:r>
+              <a:rPr lang="de-DE" dirty="0" smtClean="0"/>
+              <a:t>Anwendungsfälle</a:t>
+            </a:r>
+            <a:endParaRPr lang="de-DE" dirty="0"/>
+          </a:p>
+        </p:txBody>
+      </p:sp>
+      <p:sp>
+        <p:nvSpPr>
+          <p:cNvPr id="3" name="Inhaltsplatzhalter 2"/>
+          <p:cNvSpPr>
+            <a:spLocks noGrp="1"/>
+          </p:cNvSpPr>
+          <p:nvPr>
+            <p:ph idx="1"/>
+          </p:nvPr>
+        </p:nvSpPr>
+        <p:spPr/>
+        <p:txBody>
+          <a:bodyPr/>
+          <a:lstStyle/>
+          <a:p>
+            <a:r>
+              <a:rPr lang="de-DE" dirty="0" smtClean="0"/>
+              <a:t>Tests und Entwicklung</a:t>
+            </a:r>
+          </a:p>
+          <a:p>
+            <a:r>
+              <a:rPr lang="de-DE" dirty="0" smtClean="0"/>
+              <a:t>Webhosting</a:t>
+            </a:r>
+          </a:p>
+          <a:p>
+            <a:r>
+              <a:rPr lang="de-DE" dirty="0" smtClean="0"/>
+              <a:t>Web-Apps</a:t>
+            </a:r>
+          </a:p>
+          <a:p>
+            <a:r>
+              <a:rPr lang="de-DE" dirty="0" smtClean="0"/>
+              <a:t>High Performance Computing</a:t>
+            </a:r>
+          </a:p>
+          <a:p>
+            <a:r>
+              <a:rPr lang="de-DE" dirty="0" smtClean="0"/>
+              <a:t>Big Data-Analyse</a:t>
+            </a:r>
+          </a:p>
+          <a:p>
+            <a:pPr marL="0" indent="0">
+              <a:buNone/>
+            </a:pPr>
+            <a:endParaRPr lang="de-DE" dirty="0"/>
+          </a:p>
+        </p:txBody>
+      </p:sp>
+    </p:spTree>
+    <p:extLst>
+      <p:ext uri="{BB962C8B-B14F-4D97-AF65-F5344CB8AC3E}">
+        <p14:creationId xmlns:p14="http://schemas.microsoft.com/office/powerpoint/2010/main" val="4196774702"/>
+      </p:ext>
+    </p:extLst>
+  </p:cSld>
+  <p:clrMapOvr>
+    <a:masterClrMapping/>
+  </p:clrMapOvr>
+  <p:timing>
+    <p:tnLst>
+      <p:par>
+        <p:cTn id="1" dur="indefinite" restart="never" nodeType="tmRoot"/>
+      </p:par>
+    </p:tnLst>
+  </p:timing>
+</p:sld>
+</file>
+
+<file path=ppt/slides/slide33.xml><?xml version="1.0" encoding="utf-8"?>
+<p:sld xmlns:a="http://schemas.openxmlformats.org/drawingml/2006/main" xmlns:r="http://schemas.openxmlformats.org/officeDocument/2006/relationships" xmlns:p="http://schemas.openxmlformats.org/presentationml/2006/main">
+  <p:cSld>
+    <p:spTree>
+      <p:nvGrpSpPr>
+        <p:cNvPr id="1" name=""/>
+        <p:cNvGrpSpPr/>
+        <p:nvPr/>
+      </p:nvGrpSpPr>
+      <p:grpSpPr>
+        <a:xfrm>
+          <a:off x="0" y="0"/>
+          <a:ext cx="0" cy="0"/>
+          <a:chOff x="0" y="0"/>
+          <a:chExt cx="0" cy="0"/>
+        </a:xfrm>
+      </p:grpSpPr>
+      <p:sp>
+        <p:nvSpPr>
+          <p:cNvPr id="2" name="Titel 1"/>
+          <p:cNvSpPr>
+            <a:spLocks noGrp="1"/>
+          </p:cNvSpPr>
+          <p:nvPr>
+            <p:ph type="title"/>
+          </p:nvPr>
+        </p:nvSpPr>
+        <p:spPr/>
+        <p:txBody>
+          <a:bodyPr/>
+          <a:lstStyle/>
+          <a:p>
+            <a:r>
+              <a:rPr lang="de-DE" dirty="0"/>
+              <a:t>Anwendungsfälle</a:t>
+            </a:r>
+          </a:p>
+        </p:txBody>
+      </p:sp>
+      <p:sp>
+        <p:nvSpPr>
+          <p:cNvPr id="3" name="Inhaltsplatzhalter 2"/>
+          <p:cNvSpPr>
+            <a:spLocks noGrp="1"/>
+          </p:cNvSpPr>
+          <p:nvPr>
+            <p:ph idx="1"/>
+          </p:nvPr>
+        </p:nvSpPr>
+        <p:spPr/>
+        <p:txBody>
+          <a:bodyPr/>
+          <a:lstStyle/>
+          <a:p>
+            <a:r>
+              <a:rPr lang="de-DE" dirty="0"/>
+              <a:t>Umcodieren von Inhalten </a:t>
+            </a:r>
+          </a:p>
+          <a:p>
+            <a:r>
+              <a:rPr lang="de-DE" dirty="0"/>
+              <a:t>Anbindung der </a:t>
+            </a:r>
+            <a:r>
+              <a:rPr lang="de-DE" dirty="0" smtClean="0"/>
+              <a:t>Backend-Dienste für Internet-</a:t>
+            </a:r>
+            <a:r>
+              <a:rPr lang="de-DE" dirty="0" err="1" smtClean="0"/>
+              <a:t>of</a:t>
+            </a:r>
+            <a:r>
+              <a:rPr lang="de-DE" dirty="0" smtClean="0"/>
+              <a:t>-Things-Anwendungen</a:t>
+            </a:r>
+          </a:p>
+          <a:p>
+            <a:r>
+              <a:rPr lang="de-DE" dirty="0"/>
+              <a:t> </a:t>
+            </a:r>
+            <a:r>
+              <a:rPr lang="de-DE" dirty="0" smtClean="0"/>
+              <a:t>Sprach- </a:t>
+            </a:r>
+            <a:r>
+              <a:rPr lang="de-DE" dirty="0"/>
+              <a:t>oder Bilderkennung</a:t>
+            </a:r>
+            <a:endParaRPr lang="de-DE" dirty="0"/>
+          </a:p>
+          <a:p>
+            <a:endParaRPr lang="de-DE" dirty="0"/>
+          </a:p>
+        </p:txBody>
+      </p:sp>
+    </p:spTree>
+    <p:extLst>
+      <p:ext uri="{BB962C8B-B14F-4D97-AF65-F5344CB8AC3E}">
+        <p14:creationId xmlns:p14="http://schemas.microsoft.com/office/powerpoint/2010/main" val="4155930306"/>
+      </p:ext>
+    </p:extLst>
+  </p:cSld>
+  <p:clrMapOvr>
+    <a:masterClrMapping/>
+  </p:clrMapOvr>
+  <p:timing>
+    <p:tnLst>
+      <p:par>
+        <p:cTn id="1" dur="indefinite" restart="never" nodeType="tmRoot"/>
+      </p:par>
+    </p:tnLst>
+  </p:timing>
+</p:sld>
+</file>
+
+<file path=ppt/slides/slide34.xml><?xml version="1.0" encoding="utf-8"?>
+<p:sld xmlns:a="http://schemas.openxmlformats.org/drawingml/2006/main" xmlns:r="http://schemas.openxmlformats.org/officeDocument/2006/relationships" xmlns:p="http://schemas.openxmlformats.org/presentationml/2006/main">
+  <p:cSld>
+    <p:spTree>
+      <p:nvGrpSpPr>
+        <p:cNvPr id="1" name=""/>
+        <p:cNvGrpSpPr/>
+        <p:nvPr/>
+      </p:nvGrpSpPr>
+      <p:grpSpPr>
+        <a:xfrm>
+          <a:off x="0" y="0"/>
+          <a:ext cx="0" cy="0"/>
+          <a:chOff x="0" y="0"/>
+          <a:chExt cx="0" cy="0"/>
+        </a:xfrm>
+      </p:grpSpPr>
+      <p:sp>
+        <p:nvSpPr>
+          <p:cNvPr id="2" name="Titel 1"/>
+          <p:cNvSpPr>
+            <a:spLocks noGrp="1"/>
+          </p:cNvSpPr>
+          <p:nvPr>
+            <p:ph type="ctrTitle"/>
+          </p:nvPr>
+        </p:nvSpPr>
+        <p:spPr/>
+        <p:txBody>
+          <a:bodyPr/>
+          <a:lstStyle/>
+          <a:p>
+            <a:r>
+              <a:rPr lang="de-DE" dirty="0"/>
+              <a:t>Anbieter</a:t>
+            </a:r>
+          </a:p>
+        </p:txBody>
+      </p:sp>
+      <p:sp>
+        <p:nvSpPr>
+          <p:cNvPr id="3" name="Untertitel 2"/>
+          <p:cNvSpPr>
+            <a:spLocks noGrp="1"/>
+          </p:cNvSpPr>
+          <p:nvPr>
+            <p:ph type="subTitle" idx="1"/>
+          </p:nvPr>
+        </p:nvSpPr>
+        <p:spPr/>
+        <p:txBody>
+          <a:bodyPr/>
+          <a:lstStyle/>
+          <a:p>
+            <a:endParaRPr lang="de-DE"/>
+          </a:p>
+        </p:txBody>
+      </p:sp>
+    </p:spTree>
+    <p:extLst>
+      <p:ext uri="{BB962C8B-B14F-4D97-AF65-F5344CB8AC3E}">
+        <p14:creationId xmlns:p14="http://schemas.microsoft.com/office/powerpoint/2010/main" val="2786094276"/>
+      </p:ext>
+    </p:extLst>
+  </p:cSld>
+  <p:clrMapOvr>
+    <a:masterClrMapping/>
+  </p:clrMapOvr>
+</p:sld>
+</file>
+
+<file path=ppt/slides/slide35.xml><?xml version="1.0" encoding="utf-8"?>
+<p:sld xmlns:a="http://schemas.openxmlformats.org/drawingml/2006/main" xmlns:r="http://schemas.openxmlformats.org/officeDocument/2006/relationships" xmlns:p="http://schemas.openxmlformats.org/presentationml/2006/main">
+  <p:cSld>
+    <p:spTree>
+      <p:nvGrpSpPr>
+        <p:cNvPr id="1" name=""/>
+        <p:cNvGrpSpPr/>
+        <p:nvPr/>
+      </p:nvGrpSpPr>
+      <p:grpSpPr>
+        <a:xfrm>
+          <a:off x="0" y="0"/>
+          <a:ext cx="0" cy="0"/>
+          <a:chOff x="0" y="0"/>
+          <a:chExt cx="0" cy="0"/>
+        </a:xfrm>
+      </p:grpSpPr>
+      <p:sp>
+        <p:nvSpPr>
+          <p:cNvPr id="2" name="Titel 1"/>
+          <p:cNvSpPr>
+            <a:spLocks noGrp="1"/>
+          </p:cNvSpPr>
+          <p:nvPr>
+            <p:ph type="title"/>
+          </p:nvPr>
+        </p:nvSpPr>
+        <p:spPr/>
+        <p:txBody>
+          <a:bodyPr/>
+          <a:lstStyle/>
+          <a:p>
+            <a:r>
+              <a:rPr lang="de-DE" dirty="0"/>
+              <a:t>Anbieter </a:t>
+            </a:r>
+            <a:r>
+              <a:rPr lang="de-DE" dirty="0" err="1"/>
+              <a:t>IaaS</a:t>
+            </a:r>
+            <a:endParaRPr lang="de-DE" dirty="0"/>
+          </a:p>
+        </p:txBody>
+      </p:sp>
+      <p:sp>
+        <p:nvSpPr>
+          <p:cNvPr id="3" name="Inhaltsplatzhalter 2"/>
+          <p:cNvSpPr>
+            <a:spLocks noGrp="1"/>
+          </p:cNvSpPr>
+          <p:nvPr>
+            <p:ph idx="1"/>
+          </p:nvPr>
+        </p:nvSpPr>
+        <p:spPr/>
+        <p:txBody>
+          <a:bodyPr/>
+          <a:lstStyle/>
+          <a:p>
+            <a:r>
+              <a:rPr lang="de-DE" dirty="0" smtClean="0"/>
+              <a:t>Amazon EC2</a:t>
+            </a:r>
+          </a:p>
+          <a:p>
+            <a:r>
+              <a:rPr lang="de-DE" dirty="0" err="1" smtClean="0"/>
+              <a:t>ProfitBricks</a:t>
+            </a:r>
+            <a:endParaRPr lang="de-DE" dirty="0" smtClean="0"/>
+          </a:p>
+          <a:p>
+            <a:r>
+              <a:rPr lang="de-DE" dirty="0" err="1" smtClean="0"/>
+              <a:t>Rackspace</a:t>
+            </a:r>
+            <a:r>
+              <a:rPr lang="de-DE" dirty="0" smtClean="0"/>
+              <a:t> Cloud</a:t>
+            </a:r>
+            <a:endParaRPr lang="de-DE" dirty="0"/>
+          </a:p>
+        </p:txBody>
+      </p:sp>
+      <p:pic>
+        <p:nvPicPr>
+          <p:cNvPr id="2050" name="Picture 2" descr="Bildergebnis für ProfitBricks"/>
+          <p:cNvPicPr>
+            <a:picLocks noChangeAspect="1" noChangeArrowheads="1"/>
+          </p:cNvPicPr>
+          <p:nvPr/>
+        </p:nvPicPr>
+        <p:blipFill>
+          <a:blip r:embed="rId2">
+            <a:extLst>
+              <a:ext uri="{28A0092B-C50C-407E-A947-70E740481C1C}">
+                <a14:useLocalDpi xmlns:a14="http://schemas.microsoft.com/office/drawing/2010/main" val="0"/>
+              </a:ext>
+            </a:extLst>
+          </a:blip>
+          <a:srcRect/>
+          <a:stretch>
+            <a:fillRect/>
+          </a:stretch>
+        </p:blipFill>
+        <p:spPr bwMode="auto">
+          <a:xfrm>
+            <a:off x="7344027" y="1825625"/>
+            <a:ext cx="1905000" cy="1905000"/>
+          </a:xfrm>
+          <a:prstGeom prst="rect">
+            <a:avLst/>
+          </a:prstGeom>
+          <a:noFill/>
+          <a:extLst>
+            <a:ext uri="{909E8E84-426E-40DD-AFC4-6F175D3DCCD1}">
+              <a14:hiddenFill xmlns:a14="http://schemas.microsoft.com/office/drawing/2010/main">
+                <a:solidFill>
+                  <a:srgbClr val="FFFFFF"/>
+                </a:solidFill>
+              </a14:hiddenFill>
+            </a:ext>
+          </a:extLst>
+        </p:spPr>
+      </p:pic>
+      <p:pic>
+        <p:nvPicPr>
+          <p:cNvPr id="2052" name="Picture 4" descr="https://signalfx-82c9.kxcdn.com/wp-content/uploads/EC2-logo-full.jpg"/>
+          <p:cNvPicPr>
+            <a:picLocks noChangeAspect="1" noChangeArrowheads="1"/>
+          </p:cNvPicPr>
+          <p:nvPr/>
+        </p:nvPicPr>
+        <p:blipFill>
+          <a:blip r:embed="rId3">
+            <a:extLst>
+              <a:ext uri="{28A0092B-C50C-407E-A947-70E740481C1C}">
+                <a14:useLocalDpi xmlns:a14="http://schemas.microsoft.com/office/drawing/2010/main" val="0"/>
+              </a:ext>
+            </a:extLst>
+          </a:blip>
+          <a:srcRect/>
+          <a:stretch>
+            <a:fillRect/>
+          </a:stretch>
+        </p:blipFill>
+        <p:spPr bwMode="auto">
+          <a:xfrm>
+            <a:off x="4610352" y="300038"/>
+            <a:ext cx="2436921" cy="2479376"/>
+          </a:xfrm>
+          <a:prstGeom prst="rect">
+            <a:avLst/>
+          </a:prstGeom>
+          <a:noFill/>
+          <a:extLst>
+            <a:ext uri="{909E8E84-426E-40DD-AFC4-6F175D3DCCD1}">
+              <a14:hiddenFill xmlns:a14="http://schemas.microsoft.com/office/drawing/2010/main">
+                <a:solidFill>
+                  <a:srgbClr val="FFFFFF"/>
+                </a:solidFill>
+              </a14:hiddenFill>
+            </a:ext>
+          </a:extLst>
+        </p:spPr>
+      </p:pic>
+      <p:pic>
+        <p:nvPicPr>
+          <p:cNvPr id="2054" name="Picture 6" descr="https://gigaom.com/wp-content/uploads/sites/1/2012/08/rackspace_logo_08_07_20122.jpg?w=300"/>
+          <p:cNvPicPr>
+            <a:picLocks noChangeAspect="1" noChangeArrowheads="1"/>
+          </p:cNvPicPr>
+          <p:nvPr/>
+        </p:nvPicPr>
+        <p:blipFill>
+          <a:blip r:embed="rId4" cstate="print">
+            <a:extLst>
+              <a:ext uri="{28A0092B-C50C-407E-A947-70E740481C1C}">
+                <a14:useLocalDpi xmlns:a14="http://schemas.microsoft.com/office/drawing/2010/main" val="0"/>
+              </a:ext>
+            </a:extLst>
+          </a:blip>
+          <a:srcRect/>
+          <a:stretch>
+            <a:fillRect/>
+          </a:stretch>
+        </p:blipFill>
+        <p:spPr bwMode="auto">
+          <a:xfrm>
+            <a:off x="4093833" y="4001294"/>
+            <a:ext cx="5602428" cy="2034199"/>
+          </a:xfrm>
+          <a:prstGeom prst="rect">
+            <a:avLst/>
+          </a:prstGeom>
+          <a:noFill/>
+          <a:extLst>
+            <a:ext uri="{909E8E84-426E-40DD-AFC4-6F175D3DCCD1}">
+              <a14:hiddenFill xmlns:a14="http://schemas.microsoft.com/office/drawing/2010/main">
+                <a:solidFill>
+                  <a:srgbClr val="FFFFFF"/>
+                </a:solidFill>
+              </a14:hiddenFill>
+            </a:ext>
+          </a:extLst>
+        </p:spPr>
+      </p:pic>
+    </p:spTree>
+    <p:extLst>
+      <p:ext uri="{BB962C8B-B14F-4D97-AF65-F5344CB8AC3E}">
+        <p14:creationId xmlns:p14="http://schemas.microsoft.com/office/powerpoint/2010/main" val="4068680426"/>
+      </p:ext>
+    </p:extLst>
+  </p:cSld>
+  <p:clrMapOvr>
+    <a:masterClrMapping/>
+  </p:clrMapOvr>
+</p:sld>
+</file>
+
+<file path=ppt/slides/slide36.xml><?xml version="1.0" encoding="utf-8"?>
+<p:sld xmlns:a="http://schemas.openxmlformats.org/drawingml/2006/main" xmlns:r="http://schemas.openxmlformats.org/officeDocument/2006/relationships" xmlns:p="http://schemas.openxmlformats.org/presentationml/2006/main">
+  <p:cSld>
+    <p:spTree>
+      <p:nvGrpSpPr>
+        <p:cNvPr id="1" name=""/>
+        <p:cNvGrpSpPr/>
+        <p:nvPr/>
+      </p:nvGrpSpPr>
+      <p:grpSpPr>
+        <a:xfrm>
+          <a:off x="0" y="0"/>
+          <a:ext cx="0" cy="0"/>
+          <a:chOff x="0" y="0"/>
+          <a:chExt cx="0" cy="0"/>
+        </a:xfrm>
+      </p:grpSpPr>
+      <p:sp>
+        <p:nvSpPr>
+          <p:cNvPr id="2" name="Titel 1"/>
+          <p:cNvSpPr>
+            <a:spLocks noGrp="1"/>
+          </p:cNvSpPr>
+          <p:nvPr>
+            <p:ph type="title"/>
+          </p:nvPr>
+        </p:nvSpPr>
+        <p:spPr/>
+        <p:txBody>
+          <a:bodyPr/>
+          <a:lstStyle/>
+          <a:p>
+            <a:r>
+              <a:rPr lang="de-DE" dirty="0" smtClean="0"/>
+              <a:t>Anbieter </a:t>
+            </a:r>
+            <a:r>
+              <a:rPr lang="de-DE" dirty="0" err="1" smtClean="0"/>
+              <a:t>PaaS</a:t>
+            </a:r>
+            <a:endParaRPr lang="de-DE" dirty="0"/>
+          </a:p>
+        </p:txBody>
+      </p:sp>
+      <p:sp>
+        <p:nvSpPr>
+          <p:cNvPr id="3" name="Inhaltsplatzhalter 2"/>
+          <p:cNvSpPr>
+            <a:spLocks noGrp="1"/>
+          </p:cNvSpPr>
+          <p:nvPr>
+            <p:ph idx="1"/>
+          </p:nvPr>
+        </p:nvSpPr>
+        <p:spPr/>
+        <p:txBody>
+          <a:bodyPr>
+            <a:normAutofit/>
+          </a:bodyPr>
+          <a:lstStyle/>
+          <a:p>
+            <a:r>
+              <a:rPr lang="de-DE" dirty="0" smtClean="0"/>
+              <a:t>Google </a:t>
+            </a:r>
+            <a:r>
+              <a:rPr lang="de-DE" dirty="0"/>
+              <a:t>(Google App Engine</a:t>
+            </a:r>
+            <a:r>
+              <a:rPr lang="de-DE" dirty="0" smtClean="0"/>
+              <a:t>)</a:t>
+            </a:r>
+            <a:endParaRPr lang="de-DE" dirty="0"/>
+          </a:p>
+          <a:p>
+            <a:r>
+              <a:rPr lang="de-DE" dirty="0" smtClean="0"/>
+              <a:t>Microsoft </a:t>
+            </a:r>
+            <a:r>
+              <a:rPr lang="de-DE" dirty="0"/>
+              <a:t>(Windows </a:t>
+            </a:r>
+            <a:r>
+              <a:rPr lang="de-DE" dirty="0" err="1"/>
+              <a:t>Azure</a:t>
+            </a:r>
+            <a:r>
+              <a:rPr lang="de-DE" dirty="0" smtClean="0"/>
+              <a:t>)</a:t>
+            </a:r>
+            <a:endParaRPr lang="de-DE" dirty="0" smtClean="0"/>
+          </a:p>
+          <a:p>
+            <a:r>
+              <a:rPr lang="de-DE" dirty="0" smtClean="0"/>
+              <a:t>Amazon </a:t>
+            </a:r>
+            <a:r>
+              <a:rPr lang="de-DE" dirty="0"/>
+              <a:t>(Amazon </a:t>
+            </a:r>
+            <a:r>
+              <a:rPr lang="de-DE" dirty="0" err="1"/>
+              <a:t>Elastic</a:t>
+            </a:r>
+            <a:r>
+              <a:rPr lang="de-DE" dirty="0"/>
+              <a:t> </a:t>
+            </a:r>
+            <a:r>
+              <a:rPr lang="de-DE" dirty="0" err="1"/>
+              <a:t>Beanstalk</a:t>
+            </a:r>
+            <a:r>
+              <a:rPr lang="de-DE" dirty="0"/>
+              <a:t>)</a:t>
+            </a:r>
+          </a:p>
+        </p:txBody>
+      </p:sp>
+      <p:pic>
+        <p:nvPicPr>
+          <p:cNvPr id="4" name="Grafik 3"/>
+          <p:cNvPicPr>
+            <a:picLocks noChangeAspect="1"/>
+          </p:cNvPicPr>
+          <p:nvPr/>
+        </p:nvPicPr>
+        <p:blipFill>
+          <a:blip r:embed="rId3">
+            <a:extLst>
+              <a:ext uri="{28A0092B-C50C-407E-A947-70E740481C1C}">
+                <a14:useLocalDpi xmlns:a14="http://schemas.microsoft.com/office/drawing/2010/main" val="0"/>
+              </a:ext>
+            </a:extLst>
+          </a:blip>
+          <a:stretch>
+            <a:fillRect/>
+          </a:stretch>
+        </p:blipFill>
+        <p:spPr>
+          <a:xfrm>
+            <a:off x="4384833" y="4127638"/>
+            <a:ext cx="1949512" cy="1949512"/>
+          </a:xfrm>
+          <a:prstGeom prst="rect">
+            <a:avLst/>
+          </a:prstGeom>
+        </p:spPr>
+      </p:pic>
+      <p:pic>
+        <p:nvPicPr>
+          <p:cNvPr id="5" name="Grafik 4"/>
+          <p:cNvPicPr>
+            <a:picLocks noChangeAspect="1"/>
+          </p:cNvPicPr>
+          <p:nvPr/>
+        </p:nvPicPr>
+        <p:blipFill>
+          <a:blip r:embed="rId4">
+            <a:extLst>
+              <a:ext uri="{28A0092B-C50C-407E-A947-70E740481C1C}">
+                <a14:useLocalDpi xmlns:a14="http://schemas.microsoft.com/office/drawing/2010/main" val="0"/>
+              </a:ext>
+            </a:extLst>
+          </a:blip>
+          <a:stretch>
+            <a:fillRect/>
+          </a:stretch>
+        </p:blipFill>
+        <p:spPr>
+          <a:xfrm>
+            <a:off x="8643838" y="2921349"/>
+            <a:ext cx="2709962" cy="1812871"/>
+          </a:xfrm>
+          <a:prstGeom prst="rect">
+            <a:avLst/>
+          </a:prstGeom>
+        </p:spPr>
+      </p:pic>
+      <p:pic>
+        <p:nvPicPr>
+          <p:cNvPr id="6" name="Grafik 5"/>
+          <p:cNvPicPr>
+            <a:picLocks noChangeAspect="1"/>
+          </p:cNvPicPr>
+          <p:nvPr/>
+        </p:nvPicPr>
+        <p:blipFill>
+          <a:blip r:embed="rId5">
+            <a:extLst>
+              <a:ext uri="{28A0092B-C50C-407E-A947-70E740481C1C}">
+                <a14:useLocalDpi xmlns:a14="http://schemas.microsoft.com/office/drawing/2010/main" val="0"/>
+              </a:ext>
+            </a:extLst>
+          </a:blip>
+          <a:stretch>
+            <a:fillRect/>
+          </a:stretch>
+        </p:blipFill>
+        <p:spPr>
+          <a:xfrm>
+            <a:off x="6523755" y="66361"/>
+            <a:ext cx="3154399" cy="2184421"/>
+          </a:xfrm>
+          <a:prstGeom prst="rect">
+            <a:avLst/>
+          </a:prstGeom>
+        </p:spPr>
+      </p:pic>
+    </p:spTree>
+    <p:extLst>
+      <p:ext uri="{BB962C8B-B14F-4D97-AF65-F5344CB8AC3E}">
+        <p14:creationId xmlns:p14="http://schemas.microsoft.com/office/powerpoint/2010/main" val="2844539051"/>
+      </p:ext>
+    </p:extLst>
+  </p:cSld>
+  <p:clrMapOvr>
+    <a:masterClrMapping/>
+  </p:clrMapOvr>
+</p:sld>
+</file>
+
+<file path=ppt/slides/slide37.xml><?xml version="1.0" encoding="utf-8"?>
+<p:sld xmlns:a="http://schemas.openxmlformats.org/drawingml/2006/main" xmlns:r="http://schemas.openxmlformats.org/officeDocument/2006/relationships" xmlns:p="http://schemas.openxmlformats.org/presentationml/2006/main">
+  <p:cSld>
+    <p:spTree>
+      <p:nvGrpSpPr>
+        <p:cNvPr id="1" name=""/>
+        <p:cNvGrpSpPr/>
+        <p:nvPr/>
+      </p:nvGrpSpPr>
+      <p:grpSpPr>
+        <a:xfrm>
+          <a:off x="0" y="0"/>
+          <a:ext cx="0" cy="0"/>
+          <a:chOff x="0" y="0"/>
+          <a:chExt cx="0" cy="0"/>
+        </a:xfrm>
+      </p:grpSpPr>
+      <p:sp>
+        <p:nvSpPr>
+          <p:cNvPr id="2" name="Titel 1"/>
+          <p:cNvSpPr>
+            <a:spLocks noGrp="1"/>
+          </p:cNvSpPr>
+          <p:nvPr>
+            <p:ph type="title"/>
+          </p:nvPr>
+        </p:nvSpPr>
+        <p:spPr/>
+        <p:txBody>
+          <a:bodyPr/>
+          <a:lstStyle/>
+          <a:p>
+            <a:r>
+              <a:rPr lang="de-DE" dirty="0" smtClean="0"/>
+              <a:t>Anbieter </a:t>
+            </a:r>
+            <a:r>
+              <a:rPr lang="de-DE" dirty="0" err="1" smtClean="0"/>
+              <a:t>FaaS</a:t>
+            </a:r>
+            <a:endParaRPr lang="de-DE" dirty="0"/>
+          </a:p>
+        </p:txBody>
+      </p:sp>
+      <p:sp>
+        <p:nvSpPr>
+          <p:cNvPr id="3" name="Inhaltsplatzhalter 2"/>
+          <p:cNvSpPr>
+            <a:spLocks noGrp="1"/>
+          </p:cNvSpPr>
+          <p:nvPr>
+            <p:ph idx="1"/>
+          </p:nvPr>
+        </p:nvSpPr>
+        <p:spPr/>
+        <p:txBody>
+          <a:bodyPr/>
+          <a:lstStyle/>
+          <a:p>
+            <a:r>
+              <a:rPr lang="de-DE" dirty="0" smtClean="0"/>
+              <a:t>Amazon Web Services: AWS Lambda</a:t>
+            </a:r>
+          </a:p>
+          <a:p>
+            <a:r>
+              <a:rPr lang="de-DE" dirty="0" smtClean="0"/>
+              <a:t>Microsoft: </a:t>
+            </a:r>
+            <a:r>
+              <a:rPr lang="de-DE" dirty="0" err="1" smtClean="0"/>
+              <a:t>Azure-Functions</a:t>
+            </a:r>
+            <a:endParaRPr lang="de-DE" dirty="0" smtClean="0"/>
+          </a:p>
+          <a:p>
+            <a:r>
+              <a:rPr lang="de-DE" dirty="0" smtClean="0"/>
+              <a:t>Google: Cloud </a:t>
+            </a:r>
+            <a:r>
+              <a:rPr lang="de-DE" dirty="0" err="1" smtClean="0"/>
+              <a:t>Functions</a:t>
+            </a:r>
+            <a:endParaRPr lang="de-DE" dirty="0" smtClean="0"/>
+          </a:p>
+          <a:p>
+            <a:r>
+              <a:rPr lang="de-DE" dirty="0" smtClean="0"/>
+              <a:t>IBM: </a:t>
+            </a:r>
+            <a:r>
+              <a:rPr lang="de-DE" dirty="0" err="1" smtClean="0"/>
+              <a:t>Bluemix</a:t>
+            </a:r>
+            <a:r>
+              <a:rPr lang="de-DE" dirty="0" smtClean="0"/>
+              <a:t> </a:t>
+            </a:r>
+            <a:r>
+              <a:rPr lang="de-DE" dirty="0" err="1" smtClean="0"/>
+              <a:t>OpenWhisk</a:t>
+            </a:r>
+            <a:endParaRPr lang="de-DE" dirty="0" smtClean="0"/>
+          </a:p>
+          <a:p>
+            <a:r>
+              <a:rPr lang="de-DE" dirty="0" smtClean="0"/>
+              <a:t>Iron.io</a:t>
+            </a:r>
+            <a:endParaRPr lang="de-DE" dirty="0"/>
+          </a:p>
+        </p:txBody>
+      </p:sp>
+      <p:pic>
+        <p:nvPicPr>
+          <p:cNvPr id="1030" name="Picture 6" descr="Bildergebnis für aws lambda"/>
+          <p:cNvPicPr>
+            <a:picLocks noChangeAspect="1" noChangeArrowheads="1"/>
+          </p:cNvPicPr>
+          <p:nvPr/>
+        </p:nvPicPr>
+        <p:blipFill>
+          <a:blip r:embed="rId2" cstate="print">
+            <a:extLst>
+              <a:ext uri="{28A0092B-C50C-407E-A947-70E740481C1C}">
+                <a14:useLocalDpi xmlns:a14="http://schemas.microsoft.com/office/drawing/2010/main" val="0"/>
+              </a:ext>
+            </a:extLst>
+          </a:blip>
+          <a:srcRect/>
+          <a:stretch>
+            <a:fillRect/>
+          </a:stretch>
+        </p:blipFill>
+        <p:spPr bwMode="auto">
+          <a:xfrm>
+            <a:off x="6858459" y="446608"/>
+            <a:ext cx="1826215" cy="1889188"/>
+          </a:xfrm>
+          <a:prstGeom prst="rect">
+            <a:avLst/>
+          </a:prstGeom>
+          <a:noFill/>
+          <a:extLst>
+            <a:ext uri="{909E8E84-426E-40DD-AFC4-6F175D3DCCD1}">
+              <a14:hiddenFill xmlns:a14="http://schemas.microsoft.com/office/drawing/2010/main">
+                <a:solidFill>
+                  <a:srgbClr val="FFFFFF"/>
+                </a:solidFill>
+              </a14:hiddenFill>
+            </a:ext>
+          </a:extLst>
+        </p:spPr>
+      </p:pic>
+      <p:pic>
+        <p:nvPicPr>
+          <p:cNvPr id="1032" name="Picture 8" descr="Bildergebnis für google cloud functions"/>
+          <p:cNvPicPr>
+            <a:picLocks noChangeAspect="1" noChangeArrowheads="1"/>
+          </p:cNvPicPr>
+          <p:nvPr/>
+        </p:nvPicPr>
+        <p:blipFill>
+          <a:blip r:embed="rId3">
+            <a:extLst>
+              <a:ext uri="{28A0092B-C50C-407E-A947-70E740481C1C}">
+                <a14:useLocalDpi xmlns:a14="http://schemas.microsoft.com/office/drawing/2010/main" val="0"/>
+              </a:ext>
+            </a:extLst>
+          </a:blip>
+          <a:srcRect/>
+          <a:stretch>
+            <a:fillRect/>
+          </a:stretch>
+        </p:blipFill>
+        <p:spPr bwMode="auto">
+          <a:xfrm>
+            <a:off x="9448800" y="2224338"/>
+            <a:ext cx="1905000" cy="1905000"/>
+          </a:xfrm>
+          <a:prstGeom prst="rect">
+            <a:avLst/>
+          </a:prstGeom>
+          <a:noFill/>
+          <a:extLst>
+            <a:ext uri="{909E8E84-426E-40DD-AFC4-6F175D3DCCD1}">
+              <a14:hiddenFill xmlns:a14="http://schemas.microsoft.com/office/drawing/2010/main">
+                <a:solidFill>
+                  <a:srgbClr val="FFFFFF"/>
+                </a:solidFill>
+              </a14:hiddenFill>
+            </a:ext>
+          </a:extLst>
+        </p:spPr>
+      </p:pic>
+      <p:pic>
+        <p:nvPicPr>
+          <p:cNvPr id="1034" name="Picture 10" descr="Bildergebnis für ibm bluemix openwhisk"/>
+          <p:cNvPicPr>
+            <a:picLocks noChangeAspect="1" noChangeArrowheads="1"/>
+          </p:cNvPicPr>
+          <p:nvPr/>
+        </p:nvPicPr>
+        <p:blipFill>
+          <a:blip r:embed="rId4">
+            <a:extLst>
+              <a:ext uri="{28A0092B-C50C-407E-A947-70E740481C1C}">
+                <a14:useLocalDpi xmlns:a14="http://schemas.microsoft.com/office/drawing/2010/main" val="0"/>
+              </a:ext>
+            </a:extLst>
+          </a:blip>
+          <a:srcRect/>
+          <a:stretch>
+            <a:fillRect/>
+          </a:stretch>
+        </p:blipFill>
+        <p:spPr bwMode="auto">
+          <a:xfrm>
+            <a:off x="5404172" y="4327614"/>
+            <a:ext cx="5371118" cy="1984286"/>
+          </a:xfrm>
+          <a:prstGeom prst="rect">
+            <a:avLst/>
+          </a:prstGeom>
+          <a:noFill/>
+          <a:extLst>
+            <a:ext uri="{909E8E84-426E-40DD-AFC4-6F175D3DCCD1}">
+              <a14:hiddenFill xmlns:a14="http://schemas.microsoft.com/office/drawing/2010/main">
+                <a:solidFill>
+                  <a:srgbClr val="FFFFFF"/>
+                </a:solidFill>
+              </a14:hiddenFill>
+            </a:ext>
+          </a:extLst>
+        </p:spPr>
+      </p:pic>
+    </p:spTree>
+    <p:extLst>
+      <p:ext uri="{BB962C8B-B14F-4D97-AF65-F5344CB8AC3E}">
+        <p14:creationId xmlns:p14="http://schemas.microsoft.com/office/powerpoint/2010/main" val="2106144732"/>
+      </p:ext>
+    </p:extLst>
+  </p:cSld>
+  <p:clrMapOvr>
+    <a:masterClrMapping/>
+  </p:clrMapOvr>
+</p:sld>
+</file>
+
+<file path=ppt/slides/slide38.xml><?xml version="1.0" encoding="utf-8"?>
+<p:sld xmlns:a="http://schemas.openxmlformats.org/drawingml/2006/main" xmlns:r="http://schemas.openxmlformats.org/officeDocument/2006/relationships" xmlns:p="http://schemas.openxmlformats.org/presentationml/2006/main">
+  <p:cSld>
+    <p:spTree>
+      <p:nvGrpSpPr>
+        <p:cNvPr id="1" name=""/>
+        <p:cNvGrpSpPr/>
+        <p:nvPr/>
+      </p:nvGrpSpPr>
+      <p:grpSpPr>
+        <a:xfrm>
+          <a:off x="0" y="0"/>
+          <a:ext cx="0" cy="0"/>
+          <a:chOff x="0" y="0"/>
+          <a:chExt cx="0" cy="0"/>
+        </a:xfrm>
+      </p:grpSpPr>
+      <p:sp>
+        <p:nvSpPr>
+          <p:cNvPr id="2" name="Titel 1"/>
+          <p:cNvSpPr>
+            <a:spLocks noGrp="1"/>
+          </p:cNvSpPr>
+          <p:nvPr>
+            <p:ph type="ctrTitle"/>
+          </p:nvPr>
+        </p:nvSpPr>
+        <p:spPr/>
+        <p:txBody>
+          <a:bodyPr/>
+          <a:lstStyle/>
+          <a:p>
+            <a:r>
+              <a:rPr lang="de-DE" dirty="0" smtClean="0"/>
+              <a:t>Vielen Dank für Ihre Aufmerksamkeit</a:t>
+            </a:r>
+            <a:endParaRPr lang="de-DE" dirty="0"/>
+          </a:p>
+        </p:txBody>
+      </p:sp>
+      <p:sp>
+        <p:nvSpPr>
+          <p:cNvPr id="3" name="Untertitel 2"/>
+          <p:cNvSpPr>
+            <a:spLocks noGrp="1"/>
+          </p:cNvSpPr>
+          <p:nvPr>
+            <p:ph type="subTitle" idx="1"/>
+          </p:nvPr>
+        </p:nvSpPr>
+        <p:spPr>
+          <a:xfrm rot="5400000">
+            <a:off x="1035113" y="3085991"/>
+            <a:ext cx="9144000" cy="1655762"/>
+          </a:xfrm>
+        </p:spPr>
+        <p:txBody>
+          <a:bodyPr>
+            <a:normAutofit/>
+          </a:bodyPr>
+          <a:lstStyle/>
+          <a:p>
+            <a:r>
+              <a:rPr lang="de-DE" sz="5400" dirty="0" smtClean="0"/>
+              <a:t>;)</a:t>
+            </a:r>
+            <a:endParaRPr lang="de-DE" sz="5400" dirty="0"/>
+          </a:p>
+        </p:txBody>
+      </p:sp>
+    </p:spTree>
+    <p:extLst>
+      <p:ext uri="{BB962C8B-B14F-4D97-AF65-F5344CB8AC3E}">
+        <p14:creationId xmlns:p14="http://schemas.microsoft.com/office/powerpoint/2010/main" val="3495533871"/>
+      </p:ext>
+    </p:extLst>
+  </p:cSld>
+  <p:clrMapOvr>
+    <a:masterClrMapping/>
+  </p:clrMapOvr>
+</p:sld>
+</file>
+
+<file path=ppt/slides/slide39.xml><?xml version="1.0" encoding="utf-8"?>
+<p:sld xmlns:a="http://schemas.openxmlformats.org/drawingml/2006/main" xmlns:r="http://schemas.openxmlformats.org/officeDocument/2006/relationships" xmlns:p="http://schemas.openxmlformats.org/presentationml/2006/main">
+  <p:cSld>
+    <p:spTree>
+      <p:nvGrpSpPr>
+        <p:cNvPr id="1" name=""/>
+        <p:cNvGrpSpPr/>
+        <p:nvPr/>
+      </p:nvGrpSpPr>
+      <p:grpSpPr>
+        <a:xfrm>
+          <a:off x="0" y="0"/>
+          <a:ext cx="0" cy="0"/>
+          <a:chOff x="0" y="0"/>
+          <a:chExt cx="0" cy="0"/>
+        </a:xfrm>
+      </p:grpSpPr>
+      <p:sp>
+        <p:nvSpPr>
+          <p:cNvPr id="2" name="Titel 1"/>
+          <p:cNvSpPr>
+            <a:spLocks noGrp="1"/>
+          </p:cNvSpPr>
+          <p:nvPr>
+            <p:ph type="ctrTitle"/>
+          </p:nvPr>
+        </p:nvSpPr>
+        <p:spPr/>
+        <p:txBody>
+          <a:bodyPr/>
+          <a:lstStyle/>
+          <a:p>
+            <a:r>
+              <a:rPr lang="de-DE" dirty="0" smtClean="0"/>
+              <a:t>Quellen</a:t>
+            </a:r>
+            <a:endParaRPr lang="de-DE" dirty="0"/>
+          </a:p>
+        </p:txBody>
+      </p:sp>
+      <p:sp>
+        <p:nvSpPr>
+          <p:cNvPr id="3" name="Untertitel 2"/>
+          <p:cNvSpPr>
+            <a:spLocks noGrp="1"/>
+          </p:cNvSpPr>
+          <p:nvPr>
+            <p:ph type="subTitle" idx="1"/>
+          </p:nvPr>
+        </p:nvSpPr>
+        <p:spPr/>
+        <p:txBody>
+          <a:bodyPr/>
+          <a:lstStyle/>
+          <a:p>
+            <a:endParaRPr lang="de-DE"/>
+          </a:p>
+        </p:txBody>
+      </p:sp>
+    </p:spTree>
+    <p:extLst>
+      <p:ext uri="{BB962C8B-B14F-4D97-AF65-F5344CB8AC3E}">
+        <p14:creationId xmlns:p14="http://schemas.microsoft.com/office/powerpoint/2010/main" val="3750465967"/>
+      </p:ext>
+    </p:extLst>
+  </p:cSld>
+  <p:clrMapOvr>
+    <a:masterClrMapping/>
+  </p:clrMapOvr>
+</p:sld>
+</file>
+
+<file path=ppt/slides/slide4.xml><?xml version="1.0" encoding="utf-8"?>
+<p:sld xmlns:a="http://schemas.openxmlformats.org/drawingml/2006/main" xmlns:r="http://schemas.openxmlformats.org/officeDocument/2006/relationships" xmlns:p="http://schemas.openxmlformats.org/presentationml/2006/main">
+  <p:cSld>
+    <p:spTree>
+      <p:nvGrpSpPr>
+        <p:cNvPr id="1" name=""/>
+        <p:cNvGrpSpPr/>
+        <p:nvPr/>
+      </p:nvGrpSpPr>
+      <p:grpSpPr>
+        <a:xfrm>
+          <a:off x="0" y="0"/>
+          <a:ext cx="0" cy="0"/>
+          <a:chOff x="0" y="0"/>
+          <a:chExt cx="0" cy="0"/>
+        </a:xfrm>
+      </p:grpSpPr>
+      <p:sp>
+        <p:nvSpPr>
+          <p:cNvPr id="2" name="Titel 1"/>
+          <p:cNvSpPr>
+            <a:spLocks noGrp="1"/>
+          </p:cNvSpPr>
+          <p:nvPr>
+            <p:ph type="title"/>
+          </p:nvPr>
+        </p:nvSpPr>
+        <p:spPr/>
+        <p:txBody>
+          <a:bodyPr/>
+          <a:lstStyle/>
+          <a:p>
+            <a:endParaRPr lang="de-DE" dirty="0"/>
+          </a:p>
+        </p:txBody>
+      </p:sp>
+      <p:pic>
+        <p:nvPicPr>
+          <p:cNvPr id="4" name="Inhaltsplatzhalter 3" descr="Bildschirmausschnitt"/>
+          <p:cNvPicPr>
+            <a:picLocks noGrp="1" noChangeAspect="1"/>
+          </p:cNvPicPr>
+          <p:nvPr>
+            <p:ph idx="1"/>
+          </p:nvPr>
+        </p:nvPicPr>
+        <p:blipFill>
+          <a:blip r:embed="rId2">
+            <a:extLst>
+              <a:ext uri="{28A0092B-C50C-407E-A947-70E740481C1C}">
+                <a14:useLocalDpi xmlns:a14="http://schemas.microsoft.com/office/drawing/2010/main" val="0"/>
+              </a:ext>
+            </a:extLst>
+          </a:blip>
+          <a:stretch>
+            <a:fillRect/>
+          </a:stretch>
+        </p:blipFill>
+        <p:spPr>
+          <a:xfrm>
+            <a:off x="85344" y="207264"/>
+            <a:ext cx="11950140" cy="6059424"/>
+          </a:xfrm>
+        </p:spPr>
+      </p:pic>
+    </p:spTree>
+    <p:extLst>
+      <p:ext uri="{BB962C8B-B14F-4D97-AF65-F5344CB8AC3E}">
+        <p14:creationId xmlns:p14="http://schemas.microsoft.com/office/powerpoint/2010/main" val="3941603781"/>
+      </p:ext>
+    </p:extLst>
+  </p:cSld>
+  <p:clrMapOvr>
+    <a:masterClrMapping/>
+  </p:clrMapOvr>
+  <p:timing>
+    <p:tnLst>
+      <p:par>
+        <p:cTn id="1" dur="indefinite" restart="never" nodeType="tmRoot"/>
+      </p:par>
+    </p:tnLst>
+  </p:timing>
+</p:sld>
+</file>
+
+<file path=ppt/slides/slide40.xml><?xml version="1.0" encoding="utf-8"?>
+<p:sld xmlns:a="http://schemas.openxmlformats.org/drawingml/2006/main" xmlns:r="http://schemas.openxmlformats.org/officeDocument/2006/relationships" xmlns:p="http://schemas.openxmlformats.org/presentationml/2006/main">
+  <p:cSld>
+    <p:spTree>
+      <p:nvGrpSpPr>
+        <p:cNvPr id="1" name=""/>
+        <p:cNvGrpSpPr/>
+        <p:nvPr/>
+      </p:nvGrpSpPr>
+      <p:grpSpPr>
+        <a:xfrm>
+          <a:off x="0" y="0"/>
+          <a:ext cx="0" cy="0"/>
+          <a:chOff x="0" y="0"/>
+          <a:chExt cx="0" cy="0"/>
+        </a:xfrm>
+      </p:grpSpPr>
+      <p:sp>
+        <p:nvSpPr>
+          <p:cNvPr id="2" name="Titel 1"/>
+          <p:cNvSpPr>
+            <a:spLocks noGrp="1"/>
+          </p:cNvSpPr>
+          <p:nvPr>
+            <p:ph type="title"/>
+          </p:nvPr>
+        </p:nvSpPr>
+        <p:spPr/>
+        <p:txBody>
+          <a:bodyPr/>
+          <a:lstStyle/>
+          <a:p>
+            <a:r>
+              <a:rPr lang="de-DE" dirty="0" smtClean="0"/>
+              <a:t>Quellen</a:t>
+            </a:r>
+            <a:endParaRPr lang="de-DE" dirty="0"/>
+          </a:p>
+        </p:txBody>
+      </p:sp>
+      <p:sp>
+        <p:nvSpPr>
+          <p:cNvPr id="3" name="Inhaltsplatzhalter 2"/>
+          <p:cNvSpPr>
+            <a:spLocks noGrp="1"/>
+          </p:cNvSpPr>
+          <p:nvPr>
+            <p:ph idx="1"/>
+          </p:nvPr>
+        </p:nvSpPr>
+        <p:spPr/>
+        <p:txBody>
+          <a:bodyPr>
+            <a:normAutofit fontScale="92500" lnSpcReduction="10000"/>
+          </a:bodyPr>
+          <a:lstStyle/>
+          <a:p>
+            <a:r>
+              <a:rPr lang="de-DE" dirty="0">
+                <a:hlinkClick r:id="rId2"/>
+              </a:rPr>
+              <a:t>https://</a:t>
+            </a:r>
+            <a:r>
+              <a:rPr lang="de-DE" dirty="0" smtClean="0">
+                <a:hlinkClick r:id="rId2"/>
+              </a:rPr>
+              <a:t>www.profitbricks.com/sites/default/files/profitbricks-200px.png</a:t>
+            </a:r>
+            <a:endParaRPr lang="de-DE" dirty="0" smtClean="0"/>
+          </a:p>
+          <a:p>
+            <a:r>
+              <a:rPr lang="de-DE" dirty="0">
+                <a:hlinkClick r:id="rId3"/>
+              </a:rPr>
+              <a:t>https://</a:t>
+            </a:r>
+            <a:r>
+              <a:rPr lang="de-DE" dirty="0" smtClean="0">
+                <a:hlinkClick r:id="rId3"/>
+              </a:rPr>
+              <a:t>signalfx-82c9.kxcdn.com/wp-content/uploads/EC2-logo-full.jpg</a:t>
+            </a:r>
+            <a:endParaRPr lang="de-DE" dirty="0" smtClean="0"/>
+          </a:p>
+          <a:p>
+            <a:r>
+              <a:rPr lang="de-DE" dirty="0">
+                <a:hlinkClick r:id="rId4"/>
+              </a:rPr>
+              <a:t>https://</a:t>
+            </a:r>
+            <a:r>
+              <a:rPr lang="de-DE" dirty="0" smtClean="0">
+                <a:hlinkClick r:id="rId4"/>
+              </a:rPr>
+              <a:t>gigaom.com/wp-content/uploads/sites/1/2012/08/rackspace_logo_08_07_20122.jpg?w=300</a:t>
+            </a:r>
+            <a:endParaRPr lang="de-DE" dirty="0" smtClean="0"/>
+          </a:p>
+          <a:p>
+            <a:r>
+              <a:rPr lang="de-DE" dirty="0">
+                <a:hlinkClick r:id="rId5"/>
+              </a:rPr>
+              <a:t>https://</a:t>
+            </a:r>
+            <a:r>
+              <a:rPr lang="de-DE" dirty="0" smtClean="0">
+                <a:hlinkClick r:id="rId5"/>
+              </a:rPr>
+              <a:t>www.vcnewsnetwork.com/wp-content/uploads/2017/09/16656-thumb.png</a:t>
+            </a:r>
+            <a:endParaRPr lang="de-DE" dirty="0" smtClean="0"/>
+          </a:p>
+          <a:p>
+            <a:r>
+              <a:rPr lang="de-DE" dirty="0">
+                <a:hlinkClick r:id="rId6"/>
+              </a:rPr>
+              <a:t>http://</a:t>
+            </a:r>
+            <a:r>
+              <a:rPr lang="de-DE" dirty="0" smtClean="0">
+                <a:hlinkClick r:id="rId6"/>
+              </a:rPr>
+              <a:t>www.xangati.com/wp-content/uploads/2016/09/PaaS.png</a:t>
+            </a:r>
+            <a:endParaRPr lang="de-DE" dirty="0" smtClean="0"/>
+          </a:p>
+          <a:p>
+            <a:r>
+              <a:rPr lang="de-DE" dirty="0">
+                <a:hlinkClick r:id="rId7"/>
+              </a:rPr>
+              <a:t>https://</a:t>
+            </a:r>
+            <a:r>
+              <a:rPr lang="de-DE" dirty="0" smtClean="0">
+                <a:hlinkClick r:id="rId7"/>
+              </a:rPr>
+              <a:t>jaxenter.de/serverless-best-practices-61856</a:t>
+            </a:r>
+            <a:endParaRPr lang="de-DE" dirty="0" smtClean="0"/>
+          </a:p>
+          <a:p>
+            <a:r>
+              <a:rPr lang="de-DE" dirty="0"/>
+              <a:t>https://www.cloudcomputing-insider.de/was-ist-platform-as-a-service-a-624296/</a:t>
+            </a:r>
+          </a:p>
+          <a:p>
+            <a:endParaRPr lang="de-DE" dirty="0"/>
+          </a:p>
+          <a:p>
+            <a:endParaRPr lang="de-DE" dirty="0"/>
+          </a:p>
+        </p:txBody>
+      </p:sp>
+    </p:spTree>
+    <p:extLst>
+      <p:ext uri="{BB962C8B-B14F-4D97-AF65-F5344CB8AC3E}">
+        <p14:creationId xmlns:p14="http://schemas.microsoft.com/office/powerpoint/2010/main" val="334305847"/>
+      </p:ext>
+    </p:extLst>
+  </p:cSld>
+  <p:clrMapOvr>
+    <a:masterClrMapping/>
+  </p:clrMapOvr>
+</p:sld>
+</file>
+
+<file path=ppt/slides/slide41.xml><?xml version="1.0" encoding="utf-8"?>
+<p:sld xmlns:a="http://schemas.openxmlformats.org/drawingml/2006/main" xmlns:r="http://schemas.openxmlformats.org/officeDocument/2006/relationships" xmlns:p="http://schemas.openxmlformats.org/presentationml/2006/main">
+  <p:cSld>
+    <p:spTree>
+      <p:nvGrpSpPr>
+        <p:cNvPr id="1" name=""/>
+        <p:cNvGrpSpPr/>
+        <p:nvPr/>
+      </p:nvGrpSpPr>
+      <p:grpSpPr>
+        <a:xfrm>
+          <a:off x="0" y="0"/>
+          <a:ext cx="0" cy="0"/>
+          <a:chOff x="0" y="0"/>
+          <a:chExt cx="0" cy="0"/>
+        </a:xfrm>
+      </p:grpSpPr>
+      <p:sp>
+        <p:nvSpPr>
+          <p:cNvPr id="2" name="Titel 1"/>
+          <p:cNvSpPr>
+            <a:spLocks noGrp="1"/>
+          </p:cNvSpPr>
+          <p:nvPr>
+            <p:ph type="title"/>
+          </p:nvPr>
+        </p:nvSpPr>
+        <p:spPr/>
+        <p:txBody>
+          <a:bodyPr/>
+          <a:lstStyle/>
+          <a:p>
+            <a:r>
+              <a:rPr lang="de-DE" dirty="0" smtClean="0"/>
+              <a:t>Quellen</a:t>
+            </a:r>
+            <a:endParaRPr lang="de-DE" dirty="0"/>
+          </a:p>
+        </p:txBody>
+      </p:sp>
+      <p:sp>
+        <p:nvSpPr>
+          <p:cNvPr id="3" name="Inhaltsplatzhalter 2"/>
+          <p:cNvSpPr>
+            <a:spLocks noGrp="1"/>
+          </p:cNvSpPr>
+          <p:nvPr>
+            <p:ph idx="1"/>
+          </p:nvPr>
+        </p:nvSpPr>
+        <p:spPr/>
+        <p:txBody>
+          <a:bodyPr>
+            <a:normAutofit fontScale="92500" lnSpcReduction="10000"/>
+          </a:bodyPr>
+          <a:lstStyle/>
+          <a:p>
+            <a:r>
+              <a:rPr lang="de-DE" u="sng" dirty="0">
+                <a:hlinkClick r:id="rId2"/>
+              </a:rPr>
+              <a:t>https://www.cloudcomputing-insider.de/was-ist-infrastructure-as-a-service-a-605071/</a:t>
+            </a:r>
+            <a:endParaRPr lang="de-DE" dirty="0"/>
+          </a:p>
+          <a:p>
+            <a:r>
+              <a:rPr lang="de-DE" u="sng" dirty="0">
+                <a:hlinkClick r:id="rId3"/>
+              </a:rPr>
+              <a:t>https://www.profitbricks.de/de/cloud-lexikon/iaas</a:t>
+            </a:r>
+            <a:r>
+              <a:rPr lang="de-DE" u="sng" dirty="0" smtClean="0">
+                <a:hlinkClick r:id="rId3"/>
+              </a:rPr>
+              <a:t>/</a:t>
+            </a:r>
+            <a:r>
+              <a:rPr lang="de-DE" dirty="0"/>
+              <a:t> </a:t>
+            </a:r>
+          </a:p>
+          <a:p>
+            <a:r>
+              <a:rPr lang="de-DE" u="sng" dirty="0">
+                <a:hlinkClick r:id="rId4"/>
+              </a:rPr>
+              <a:t>https://</a:t>
+            </a:r>
+            <a:r>
+              <a:rPr lang="de-DE" u="sng" dirty="0" smtClean="0">
+                <a:hlinkClick r:id="rId4"/>
+              </a:rPr>
+              <a:t>www.interoute.de/was-ist-iaas</a:t>
+            </a:r>
+            <a:endParaRPr lang="de-DE" u="sng" dirty="0" smtClean="0"/>
+          </a:p>
+          <a:p>
+            <a:r>
+              <a:rPr lang="de-DE" dirty="0"/>
+              <a:t>https://de.slideshare.net/bennybauer1/serverless-when-to-faas</a:t>
+            </a:r>
+          </a:p>
+          <a:p>
+            <a:r>
+              <a:rPr lang="de-DE" dirty="0"/>
+              <a:t>https://131707-379326-1-raikfcquaxqncofqfm.stackpathdns.com/wp-content/uploads/2017/09/gapp_587de1fda58b4.jpg</a:t>
+            </a:r>
+          </a:p>
+          <a:p>
+            <a:r>
+              <a:rPr lang="de-DE" dirty="0"/>
+              <a:t>https://images.techhive.com/images/article/2013/05/windowsazure-100038816-large.jpg</a:t>
+            </a:r>
+          </a:p>
+          <a:p>
+            <a:r>
+              <a:rPr lang="de-DE" dirty="0"/>
+              <a:t>https://colintoh.com/content/blog/14-aws-elastic-beanstalk-survival-guide-introduction/elastic_beanstalk_logo.png</a:t>
+            </a:r>
+          </a:p>
+          <a:p>
+            <a:endParaRPr lang="de-DE" u="sng" dirty="0" smtClean="0"/>
+          </a:p>
+          <a:p>
+            <a:endParaRPr lang="de-DE" dirty="0"/>
+          </a:p>
+          <a:p>
+            <a:endParaRPr lang="de-DE" dirty="0"/>
+          </a:p>
+        </p:txBody>
+      </p:sp>
+    </p:spTree>
+    <p:extLst>
+      <p:ext uri="{BB962C8B-B14F-4D97-AF65-F5344CB8AC3E}">
+        <p14:creationId xmlns:p14="http://schemas.microsoft.com/office/powerpoint/2010/main" val="2454609177"/>
+      </p:ext>
+    </p:extLst>
+  </p:cSld>
+  <p:clrMapOvr>
+    <a:masterClrMapping/>
+  </p:clrMapOvr>
+</p:sld>
+</file>
+
+<file path=ppt/slides/slide42.xml><?xml version="1.0" encoding="utf-8"?>
+<p:sld xmlns:a="http://schemas.openxmlformats.org/drawingml/2006/main" xmlns:r="http://schemas.openxmlformats.org/officeDocument/2006/relationships" xmlns:p="http://schemas.openxmlformats.org/presentationml/2006/main">
+  <p:cSld>
+    <p:spTree>
+      <p:nvGrpSpPr>
+        <p:cNvPr id="1" name=""/>
+        <p:cNvGrpSpPr/>
+        <p:nvPr/>
+      </p:nvGrpSpPr>
+      <p:grpSpPr>
+        <a:xfrm>
+          <a:off x="0" y="0"/>
+          <a:ext cx="0" cy="0"/>
+          <a:chOff x="0" y="0"/>
+          <a:chExt cx="0" cy="0"/>
+        </a:xfrm>
+      </p:grpSpPr>
+      <p:sp>
+        <p:nvSpPr>
+          <p:cNvPr id="2" name="Titel 1"/>
+          <p:cNvSpPr>
+            <a:spLocks noGrp="1"/>
+          </p:cNvSpPr>
+          <p:nvPr>
+            <p:ph type="title"/>
+          </p:nvPr>
+        </p:nvSpPr>
+        <p:spPr/>
+        <p:txBody>
+          <a:bodyPr/>
+          <a:lstStyle/>
+          <a:p>
+            <a:r>
+              <a:rPr lang="de-DE" dirty="0" smtClean="0"/>
+              <a:t>Quellen</a:t>
+            </a:r>
+            <a:endParaRPr lang="de-DE" dirty="0"/>
+          </a:p>
+        </p:txBody>
+      </p:sp>
+      <p:sp>
+        <p:nvSpPr>
+          <p:cNvPr id="3" name="Inhaltsplatzhalter 2"/>
+          <p:cNvSpPr>
+            <a:spLocks noGrp="1"/>
+          </p:cNvSpPr>
+          <p:nvPr>
+            <p:ph idx="1"/>
+          </p:nvPr>
+        </p:nvSpPr>
+        <p:spPr/>
+        <p:txBody>
+          <a:bodyPr/>
+          <a:lstStyle/>
+          <a:p>
+            <a:r>
+              <a:rPr lang="de-DE" dirty="0" smtClean="0">
+                <a:hlinkClick r:id="rId2"/>
+              </a:rPr>
+              <a:t>https</a:t>
+            </a:r>
+            <a:r>
+              <a:rPr lang="de-DE" dirty="0" smtClean="0">
+                <a:hlinkClick r:id="rId2"/>
+              </a:rPr>
+              <a:t>://stackify.com/function-as-a-service-serverless-architecture/</a:t>
+            </a:r>
+            <a:endParaRPr lang="de-DE" dirty="0" smtClean="0"/>
+          </a:p>
+          <a:p>
+            <a:r>
+              <a:rPr lang="de-DE" dirty="0" smtClean="0">
+                <a:hlinkClick r:id="rId3"/>
+              </a:rPr>
+              <a:t>https</a:t>
+            </a:r>
+            <a:r>
+              <a:rPr lang="de-DE" dirty="0" smtClean="0">
+                <a:hlinkClick r:id="rId3"/>
+              </a:rPr>
+              <a:t>://www.computerwoche.de/a/ein-ausflug-in-die-welt-der-serverless-architekturen,3331496</a:t>
+            </a:r>
+            <a:endParaRPr lang="de-DE" dirty="0" smtClean="0"/>
+          </a:p>
+          <a:p>
+            <a:r>
+              <a:rPr lang="de-DE" dirty="0" smtClean="0">
+                <a:hlinkClick r:id="rId4"/>
+              </a:rPr>
+              <a:t>http</a:t>
+            </a:r>
+            <a:r>
+              <a:rPr lang="de-DE" dirty="0" smtClean="0">
+                <a:hlinkClick r:id="rId4"/>
+              </a:rPr>
+              <a:t>://t3n.de/news/serverless-computing-server-code-849986/</a:t>
+            </a:r>
+            <a:endParaRPr lang="de-DE" dirty="0" smtClean="0"/>
+          </a:p>
+          <a:p>
+            <a:r>
+              <a:rPr lang="de-DE" dirty="0" smtClean="0">
+                <a:hlinkClick r:id="rId5"/>
+              </a:rPr>
+              <a:t>https</a:t>
+            </a:r>
+            <a:r>
+              <a:rPr lang="de-DE" dirty="0" smtClean="0">
+                <a:hlinkClick r:id="rId5"/>
+              </a:rPr>
+              <a:t>://</a:t>
+            </a:r>
+            <a:r>
+              <a:rPr lang="de-DE" dirty="0" smtClean="0">
+                <a:hlinkClick r:id="rId5"/>
+              </a:rPr>
+              <a:t>www.youtube.com/watch?v=nzOE6pIg6Pw</a:t>
+            </a:r>
+            <a:endParaRPr lang="de-DE" dirty="0" smtClean="0"/>
+          </a:p>
+          <a:p>
+            <a:r>
+              <a:rPr lang="de-DE" dirty="0">
+                <a:hlinkClick r:id="rId6"/>
+              </a:rPr>
+              <a:t>https://mesosphere.com/blog/iaas-vs-caas-vs-paas-vs-faas/</a:t>
+            </a:r>
+            <a:endParaRPr lang="de-DE" dirty="0"/>
+          </a:p>
+          <a:p>
+            <a:r>
+              <a:rPr lang="de-DE" dirty="0">
+                <a:hlinkClick r:id="rId7"/>
+              </a:rPr>
+              <a:t>https://en.wikipedia.org/wiki/Function_as_a_service</a:t>
+            </a:r>
+            <a:endParaRPr lang="de-DE" dirty="0"/>
+          </a:p>
+          <a:p>
+            <a:r>
+              <a:rPr lang="de-DE" dirty="0"/>
+              <a:t>https://www.crisp-research.com/serverless-infrastructure-der-schmale-grat-zwischen-einfachheit-und-kontrollverlust/</a:t>
+            </a:r>
+          </a:p>
+          <a:p>
+            <a:endParaRPr lang="de-DE" dirty="0" smtClean="0"/>
+          </a:p>
+          <a:p>
+            <a:endParaRPr lang="de-DE" dirty="0"/>
+          </a:p>
+        </p:txBody>
+      </p:sp>
+    </p:spTree>
+    <p:extLst>
+      <p:ext uri="{BB962C8B-B14F-4D97-AF65-F5344CB8AC3E}">
+        <p14:creationId xmlns:p14="http://schemas.microsoft.com/office/powerpoint/2010/main" val="47548112"/>
+      </p:ext>
+    </p:extLst>
+  </p:cSld>
+  <p:clrMapOvr>
+    <a:masterClrMapping/>
+  </p:clrMapOvr>
+</p:sld>
+</file>
+
+<file path=ppt/slides/slide5.xml><?xml version="1.0" encoding="utf-8"?>
+<p:sld xmlns:a="http://schemas.openxmlformats.org/drawingml/2006/main" xmlns:r="http://schemas.openxmlformats.org/officeDocument/2006/relationships" xmlns:p="http://schemas.openxmlformats.org/presentationml/2006/main">
+  <p:cSld>
+    <p:spTree>
+      <p:nvGrpSpPr>
+        <p:cNvPr id="1" name=""/>
+        <p:cNvGrpSpPr/>
+        <p:nvPr/>
+      </p:nvGrpSpPr>
+      <p:grpSpPr>
+        <a:xfrm>
+          <a:off x="0" y="0"/>
+          <a:ext cx="0" cy="0"/>
+          <a:chOff x="0" y="0"/>
+          <a:chExt cx="0" cy="0"/>
+        </a:xfrm>
+      </p:grpSpPr>
+      <p:sp>
+        <p:nvSpPr>
+          <p:cNvPr id="2" name="Titel 1"/>
+          <p:cNvSpPr>
+            <a:spLocks noGrp="1"/>
+          </p:cNvSpPr>
+          <p:nvPr>
+            <p:ph type="ctrTitle"/>
+          </p:nvPr>
+        </p:nvSpPr>
+        <p:spPr/>
+        <p:txBody>
+          <a:bodyPr/>
+          <a:lstStyle/>
+          <a:p>
+            <a:r>
+              <a:rPr lang="de-DE" dirty="0" err="1" smtClean="0"/>
+              <a:t>IaaS</a:t>
+            </a:r>
+            <a:endParaRPr lang="de-DE" dirty="0"/>
+          </a:p>
+        </p:txBody>
+      </p:sp>
+      <p:sp>
+        <p:nvSpPr>
+          <p:cNvPr id="3" name="Untertitel 2"/>
+          <p:cNvSpPr>
+            <a:spLocks noGrp="1"/>
+          </p:cNvSpPr>
+          <p:nvPr>
+            <p:ph type="subTitle" idx="1"/>
+          </p:nvPr>
+        </p:nvSpPr>
+        <p:spPr/>
+        <p:txBody>
+          <a:bodyPr/>
+          <a:lstStyle/>
+          <a:p>
+            <a:r>
+              <a:rPr lang="de-DE" dirty="0" smtClean="0"/>
+              <a:t>Infrastructure </a:t>
+            </a:r>
+            <a:r>
+              <a:rPr lang="de-DE" dirty="0" err="1" smtClean="0"/>
+              <a:t>as</a:t>
+            </a:r>
+            <a:r>
+              <a:rPr lang="de-DE" dirty="0" smtClean="0"/>
+              <a:t> a Service</a:t>
+            </a:r>
+            <a:endParaRPr lang="de-DE" dirty="0"/>
+          </a:p>
+        </p:txBody>
+      </p:sp>
+    </p:spTree>
+    <p:extLst>
+      <p:ext uri="{BB962C8B-B14F-4D97-AF65-F5344CB8AC3E}">
+        <p14:creationId xmlns:p14="http://schemas.microsoft.com/office/powerpoint/2010/main" val="170269029"/>
+      </p:ext>
+    </p:extLst>
+  </p:cSld>
+  <p:clrMapOvr>
+    <a:masterClrMapping/>
+  </p:clrMapOvr>
+  <p:timing>
+    <p:tnLst>
+      <p:par>
+        <p:cTn id="1" dur="indefinite" restart="never" nodeType="tmRoot"/>
+      </p:par>
+    </p:tnLst>
+  </p:timing>
+</p:sld>
+</file>
+
+<file path=ppt/slides/slide6.xml><?xml version="1.0" encoding="utf-8"?>
+<p:sld xmlns:a="http://schemas.openxmlformats.org/drawingml/2006/main" xmlns:r="http://schemas.openxmlformats.org/officeDocument/2006/relationships" xmlns:p="http://schemas.openxmlformats.org/presentationml/2006/main">
+  <p:cSld>
+    <p:spTree>
+      <p:nvGrpSpPr>
+        <p:cNvPr id="1" name=""/>
+        <p:cNvGrpSpPr/>
+        <p:nvPr/>
+      </p:nvGrpSpPr>
+      <p:grpSpPr>
+        <a:xfrm>
+          <a:off x="0" y="0"/>
+          <a:ext cx="0" cy="0"/>
+          <a:chOff x="0" y="0"/>
+          <a:chExt cx="0" cy="0"/>
+        </a:xfrm>
+      </p:grpSpPr>
+      <p:sp>
+        <p:nvSpPr>
+          <p:cNvPr id="2" name="Titel 1"/>
+          <p:cNvSpPr>
+            <a:spLocks noGrp="1"/>
+          </p:cNvSpPr>
+          <p:nvPr>
+            <p:ph type="title"/>
+          </p:nvPr>
+        </p:nvSpPr>
+        <p:spPr/>
+        <p:txBody>
+          <a:bodyPr/>
+          <a:lstStyle/>
+          <a:p>
+            <a:r>
+              <a:rPr lang="de-DE" dirty="0" smtClean="0"/>
+              <a:t>Was ist </a:t>
+            </a:r>
+            <a:r>
+              <a:rPr lang="de-DE" dirty="0" err="1" smtClean="0"/>
+              <a:t>IaaS</a:t>
+            </a:r>
+            <a:endParaRPr lang="de-DE" dirty="0"/>
+          </a:p>
+        </p:txBody>
+      </p:sp>
+      <p:sp>
+        <p:nvSpPr>
+          <p:cNvPr id="3" name="Inhaltsplatzhalter 2"/>
+          <p:cNvSpPr>
+            <a:spLocks noGrp="1"/>
+          </p:cNvSpPr>
+          <p:nvPr>
+            <p:ph idx="1"/>
+          </p:nvPr>
+        </p:nvSpPr>
+        <p:spPr/>
+        <p:txBody>
+          <a:bodyPr/>
+          <a:lstStyle/>
+          <a:p>
+            <a:r>
+              <a:rPr lang="de-DE" dirty="0"/>
+              <a:t>das Rückgrat des Cloud </a:t>
+            </a:r>
+            <a:r>
+              <a:rPr lang="de-DE" dirty="0" smtClean="0"/>
+              <a:t>Computing</a:t>
+            </a:r>
+          </a:p>
+          <a:p>
+            <a:r>
+              <a:rPr lang="de-DE" dirty="0" smtClean="0"/>
+              <a:t>bietet über eine öffentliche Verbindung, Zugang zu Computing-Ressourcen in einer virtualisierten Umgebung - "die Cloud"</a:t>
+            </a:r>
+            <a:endParaRPr lang="de-DE" dirty="0"/>
+          </a:p>
+        </p:txBody>
+      </p:sp>
+      <p:pic>
+        <p:nvPicPr>
+          <p:cNvPr id="4" name="Grafik 3" descr="Bildschirmausschnitt"/>
+          <p:cNvPicPr>
+            <a:picLocks noChangeAspect="1"/>
+          </p:cNvPicPr>
+          <p:nvPr/>
+        </p:nvPicPr>
+        <p:blipFill>
+          <a:blip r:embed="rId2">
+            <a:extLst>
+              <a:ext uri="{28A0092B-C50C-407E-A947-70E740481C1C}">
+                <a14:useLocalDpi xmlns:a14="http://schemas.microsoft.com/office/drawing/2010/main" val="0"/>
+              </a:ext>
+            </a:extLst>
+          </a:blip>
+          <a:stretch>
+            <a:fillRect/>
+          </a:stretch>
+        </p:blipFill>
+        <p:spPr>
+          <a:xfrm>
+            <a:off x="2315146" y="3302755"/>
+            <a:ext cx="6362510" cy="3009145"/>
+          </a:xfrm>
+          <a:prstGeom prst="rect">
+            <a:avLst/>
+          </a:prstGeom>
+        </p:spPr>
+      </p:pic>
+    </p:spTree>
+    <p:extLst>
+      <p:ext uri="{BB962C8B-B14F-4D97-AF65-F5344CB8AC3E}">
+        <p14:creationId xmlns:p14="http://schemas.microsoft.com/office/powerpoint/2010/main" val="3893086626"/>
+      </p:ext>
+    </p:extLst>
+  </p:cSld>
+  <p:clrMapOvr>
+    <a:masterClrMapping/>
+  </p:clrMapOvr>
+  <p:timing>
+    <p:tnLst>
+      <p:par>
+        <p:cTn id="1" dur="indefinite" restart="never" nodeType="tmRoot"/>
+      </p:par>
+    </p:tnLst>
+  </p:timing>
+</p:sld>
+</file>
+
+<file path=ppt/slides/slide7.xml><?xml version="1.0" encoding="utf-8"?>
+<p:sld xmlns:a="http://schemas.openxmlformats.org/drawingml/2006/main" xmlns:r="http://schemas.openxmlformats.org/officeDocument/2006/relationships" xmlns:p="http://schemas.openxmlformats.org/presentationml/2006/main">
+  <p:cSld>
+    <p:spTree>
+      <p:nvGrpSpPr>
+        <p:cNvPr id="1" name=""/>
+        <p:cNvGrpSpPr/>
+        <p:nvPr/>
+      </p:nvGrpSpPr>
+      <p:grpSpPr>
+        <a:xfrm>
+          <a:off x="0" y="0"/>
+          <a:ext cx="0" cy="0"/>
+          <a:chOff x="0" y="0"/>
+          <a:chExt cx="0" cy="0"/>
+        </a:xfrm>
+      </p:grpSpPr>
+      <p:sp>
+        <p:nvSpPr>
+          <p:cNvPr id="2" name="Titel 1"/>
+          <p:cNvSpPr>
+            <a:spLocks noGrp="1"/>
+          </p:cNvSpPr>
+          <p:nvPr>
+            <p:ph type="title"/>
+          </p:nvPr>
+        </p:nvSpPr>
+        <p:spPr/>
+        <p:txBody>
+          <a:bodyPr/>
+          <a:lstStyle/>
+          <a:p>
+            <a:r>
+              <a:rPr lang="de-DE" dirty="0" smtClean="0"/>
+              <a:t>Welche </a:t>
+            </a:r>
+            <a:r>
+              <a:rPr lang="de-DE" dirty="0" smtClean="0"/>
+              <a:t>Ressourcen </a:t>
+            </a:r>
+            <a:r>
+              <a:rPr lang="de-DE" dirty="0" smtClean="0"/>
+              <a:t>werden bereitgestellt?</a:t>
+            </a:r>
+            <a:endParaRPr lang="de-DE" dirty="0"/>
+          </a:p>
+        </p:txBody>
+      </p:sp>
+      <p:pic>
+        <p:nvPicPr>
+          <p:cNvPr id="4" name="Grafik 3"/>
+          <p:cNvPicPr>
+            <a:picLocks noChangeAspect="1"/>
+          </p:cNvPicPr>
+          <p:nvPr/>
+        </p:nvPicPr>
+        <p:blipFill>
+          <a:blip r:embed="rId2">
+            <a:extLst>
+              <a:ext uri="{28A0092B-C50C-407E-A947-70E740481C1C}">
+                <a14:useLocalDpi xmlns:a14="http://schemas.microsoft.com/office/drawing/2010/main" val="0"/>
+              </a:ext>
+            </a:extLst>
+          </a:blip>
+          <a:stretch>
+            <a:fillRect/>
+          </a:stretch>
+        </p:blipFill>
+        <p:spPr>
+          <a:xfrm>
+            <a:off x="8087105" y="2015522"/>
+            <a:ext cx="3956962" cy="3534886"/>
+          </a:xfrm>
+          <a:prstGeom prst="rect">
+            <a:avLst/>
+          </a:prstGeom>
+        </p:spPr>
+      </p:pic>
+      <p:sp>
+        <p:nvSpPr>
+          <p:cNvPr id="3" name="Inhaltsplatzhalter 2"/>
+          <p:cNvSpPr>
+            <a:spLocks noGrp="1"/>
+          </p:cNvSpPr>
+          <p:nvPr>
+            <p:ph idx="1"/>
+          </p:nvPr>
+        </p:nvSpPr>
+        <p:spPr/>
+        <p:txBody>
+          <a:bodyPr/>
+          <a:lstStyle/>
+          <a:p>
+            <a:r>
+              <a:rPr lang="de-DE" dirty="0"/>
+              <a:t>Server, </a:t>
+            </a:r>
+          </a:p>
+          <a:p>
+            <a:r>
+              <a:rPr lang="de-DE" dirty="0"/>
+              <a:t>Rechen- und Netzkapazitäten,</a:t>
+            </a:r>
+          </a:p>
+          <a:p>
+            <a:r>
+              <a:rPr lang="de-DE" dirty="0"/>
+              <a:t>Kommunikationsgeräte wie Router, </a:t>
+            </a:r>
+          </a:p>
+          <a:p>
+            <a:r>
+              <a:rPr lang="de-DE" dirty="0"/>
+              <a:t>Switche oder Firewalls,</a:t>
+            </a:r>
+          </a:p>
+          <a:p>
+            <a:r>
+              <a:rPr lang="de-DE" dirty="0" smtClean="0"/>
+              <a:t>Speicherplatz</a:t>
+            </a:r>
+            <a:endParaRPr lang="de-DE" dirty="0"/>
+          </a:p>
+          <a:p>
+            <a:r>
+              <a:rPr lang="de-DE" dirty="0"/>
+              <a:t>Systeme zur Archivierung und Sicherung von </a:t>
+            </a:r>
+            <a:r>
+              <a:rPr lang="de-DE" dirty="0" smtClean="0"/>
+              <a:t>Daten</a:t>
+            </a:r>
+            <a:endParaRPr lang="de-DE" dirty="0"/>
+          </a:p>
+          <a:p>
+            <a:endParaRPr lang="de-DE" dirty="0"/>
+          </a:p>
+        </p:txBody>
+      </p:sp>
+    </p:spTree>
+    <p:extLst>
+      <p:ext uri="{BB962C8B-B14F-4D97-AF65-F5344CB8AC3E}">
+        <p14:creationId xmlns:p14="http://schemas.microsoft.com/office/powerpoint/2010/main" val="2870226795"/>
+      </p:ext>
+    </p:extLst>
+  </p:cSld>
+  <p:clrMapOvr>
+    <a:masterClrMapping/>
+  </p:clrMapOvr>
+  <p:timing>
+    <p:tnLst>
+      <p:par>
+        <p:cTn id="1" dur="indefinite" restart="never" nodeType="tmRoot"/>
+      </p:par>
+    </p:tnLst>
+  </p:timing>
+</p:sld>
+</file>
+
+<file path=ppt/slides/slide8.xml><?xml version="1.0" encoding="utf-8"?>
+<p:sld xmlns:a="http://schemas.openxmlformats.org/drawingml/2006/main" xmlns:r="http://schemas.openxmlformats.org/officeDocument/2006/relationships" xmlns:p="http://schemas.openxmlformats.org/presentationml/2006/main">
+  <p:cSld>
+    <p:spTree>
+      <p:nvGrpSpPr>
+        <p:cNvPr id="1" name=""/>
+        <p:cNvGrpSpPr/>
+        <p:nvPr/>
+      </p:nvGrpSpPr>
+      <p:grpSpPr>
+        <a:xfrm>
+          <a:off x="0" y="0"/>
+          <a:ext cx="0" cy="0"/>
+          <a:chOff x="0" y="0"/>
+          <a:chExt cx="0" cy="0"/>
+        </a:xfrm>
+      </p:grpSpPr>
+      <p:sp>
+        <p:nvSpPr>
+          <p:cNvPr id="2" name="Titel 1"/>
+          <p:cNvSpPr>
+            <a:spLocks noGrp="1"/>
+          </p:cNvSpPr>
+          <p:nvPr>
+            <p:ph type="title"/>
+          </p:nvPr>
+        </p:nvSpPr>
+        <p:spPr/>
+        <p:txBody>
+          <a:bodyPr/>
+          <a:lstStyle/>
+          <a:p>
+            <a:r>
+              <a:rPr lang="de-DE" dirty="0" smtClean="0"/>
+              <a:t>Wie werden die Ressourcen bereitgestellt?</a:t>
+            </a:r>
+            <a:endParaRPr lang="de-DE" dirty="0"/>
+          </a:p>
+        </p:txBody>
+      </p:sp>
+      <p:sp>
+        <p:nvSpPr>
+          <p:cNvPr id="3" name="Inhaltsplatzhalter 2"/>
+          <p:cNvSpPr>
+            <a:spLocks noGrp="1"/>
+          </p:cNvSpPr>
+          <p:nvPr>
+            <p:ph idx="1"/>
+          </p:nvPr>
+        </p:nvSpPr>
+        <p:spPr/>
+        <p:txBody>
+          <a:bodyPr/>
+          <a:lstStyle/>
+          <a:p>
+            <a:r>
+              <a:rPr lang="de-DE" dirty="0" smtClean="0"/>
+              <a:t>Der Kunde bekommt Zugriff auf die virtualisierten Komponenten.</a:t>
+            </a:r>
+          </a:p>
+          <a:p>
+            <a:r>
+              <a:rPr lang="de-DE" dirty="0" smtClean="0"/>
+              <a:t>Die </a:t>
+            </a:r>
+            <a:r>
+              <a:rPr lang="de-DE" b="1" dirty="0"/>
+              <a:t>Verfügbarkeiten</a:t>
+            </a:r>
+            <a:r>
+              <a:rPr lang="de-DE" dirty="0"/>
+              <a:t> und </a:t>
+            </a:r>
+            <a:r>
+              <a:rPr lang="de-DE" b="1" dirty="0"/>
+              <a:t>Entstörzeiten</a:t>
+            </a:r>
+            <a:r>
+              <a:rPr lang="de-DE" dirty="0"/>
+              <a:t> der Infrastruktur sind über Service Level Agreements (SLAs) zwischen Nutzer und Dienstleister </a:t>
+            </a:r>
+            <a:r>
+              <a:rPr lang="de-DE" dirty="0" smtClean="0"/>
+              <a:t>geregelt.</a:t>
+            </a:r>
+            <a:endParaRPr lang="de-DE" dirty="0"/>
+          </a:p>
+          <a:p>
+            <a:r>
+              <a:rPr lang="de-DE" b="1" dirty="0"/>
+              <a:t>SLA</a:t>
+            </a:r>
+            <a:r>
+              <a:rPr lang="de-DE" dirty="0"/>
+              <a:t> - </a:t>
+            </a:r>
+            <a:r>
+              <a:rPr lang="de-DE" dirty="0" smtClean="0"/>
+              <a:t>hier </a:t>
+            </a:r>
+            <a:r>
+              <a:rPr lang="de-DE" dirty="0"/>
+              <a:t>werden die zu erbringenden Leistungen eines Cloud Anbieters und deren Abrechnung </a:t>
+            </a:r>
+            <a:r>
+              <a:rPr lang="de-DE" dirty="0" smtClean="0"/>
+              <a:t>beschrieben.</a:t>
+            </a:r>
+            <a:endParaRPr lang="de-DE" dirty="0"/>
+          </a:p>
+          <a:p>
+            <a:endParaRPr lang="de-DE" dirty="0"/>
+          </a:p>
+        </p:txBody>
+      </p:sp>
+    </p:spTree>
+    <p:extLst>
+      <p:ext uri="{BB962C8B-B14F-4D97-AF65-F5344CB8AC3E}">
+        <p14:creationId xmlns:p14="http://schemas.microsoft.com/office/powerpoint/2010/main" val="2384203299"/>
+      </p:ext>
+    </p:extLst>
+  </p:cSld>
+  <p:clrMapOvr>
+    <a:masterClrMapping/>
+  </p:clrMapOvr>
+  <p:timing>
+    <p:tnLst>
+      <p:par>
+        <p:cTn id="1" dur="indefinite" restart="never" nodeType="tmRoot"/>
+      </p:par>
+    </p:tnLst>
+  </p:timing>
+</p:sld>
+</file>
+
+<file path=ppt/slides/slide9.xml><?xml version="1.0" encoding="utf-8"?>
+<p:sld xmlns:a="http://schemas.openxmlformats.org/drawingml/2006/main" xmlns:r="http://schemas.openxmlformats.org/officeDocument/2006/relationships" xmlns:p="http://schemas.openxmlformats.org/presentationml/2006/main">
+  <p:cSld>
+    <p:spTree>
+      <p:nvGrpSpPr>
+        <p:cNvPr id="1" name=""/>
+        <p:cNvGrpSpPr/>
+        <p:nvPr/>
+      </p:nvGrpSpPr>
+      <p:grpSpPr>
+        <a:xfrm>
+          <a:off x="0" y="0"/>
+          <a:ext cx="0" cy="0"/>
+          <a:chOff x="0" y="0"/>
+          <a:chExt cx="0" cy="0"/>
+        </a:xfrm>
+      </p:grpSpPr>
+      <p:sp>
+        <p:nvSpPr>
+          <p:cNvPr id="2" name="Titel 1"/>
+          <p:cNvSpPr>
+            <a:spLocks noGrp="1"/>
+          </p:cNvSpPr>
+          <p:nvPr>
+            <p:ph type="title"/>
+          </p:nvPr>
+        </p:nvSpPr>
+        <p:spPr/>
+        <p:txBody>
+          <a:bodyPr/>
+          <a:lstStyle/>
+          <a:p>
+            <a:r>
+              <a:rPr lang="de-DE" dirty="0" err="1"/>
+              <a:t>IaaS</a:t>
+            </a:r>
+            <a:r>
+              <a:rPr lang="de-DE" dirty="0"/>
+              <a:t>-Cloud-Typen</a:t>
+            </a:r>
+          </a:p>
+        </p:txBody>
+      </p:sp>
+      <p:sp>
+        <p:nvSpPr>
+          <p:cNvPr id="3" name="Inhaltsplatzhalter 2"/>
+          <p:cNvSpPr>
+            <a:spLocks noGrp="1"/>
+          </p:cNvSpPr>
+          <p:nvPr>
+            <p:ph idx="1"/>
+          </p:nvPr>
+        </p:nvSpPr>
+        <p:spPr/>
+        <p:txBody>
+          <a:bodyPr/>
+          <a:lstStyle/>
+          <a:p>
+            <a:r>
+              <a:rPr lang="de-DE" dirty="0"/>
+              <a:t>Public </a:t>
+            </a:r>
+            <a:r>
+              <a:rPr lang="de-DE" dirty="0" err="1"/>
+              <a:t>IaaS</a:t>
+            </a:r>
+            <a:r>
+              <a:rPr lang="de-DE" dirty="0"/>
+              <a:t> </a:t>
+            </a:r>
+            <a:r>
+              <a:rPr lang="de-DE" dirty="0" smtClean="0"/>
+              <a:t>Cloud: </a:t>
+            </a:r>
+          </a:p>
+          <a:p>
+            <a:pPr lvl="1"/>
+            <a:r>
+              <a:rPr lang="de-DE" dirty="0" smtClean="0"/>
+              <a:t>Mehrere </a:t>
+            </a:r>
+            <a:r>
+              <a:rPr lang="de-DE" dirty="0"/>
+              <a:t>Nutzer teilen sich eine einen physikalischen </a:t>
+            </a:r>
+            <a:r>
+              <a:rPr lang="de-DE" dirty="0" smtClean="0"/>
+              <a:t>Server.</a:t>
+            </a:r>
+          </a:p>
+          <a:p>
+            <a:r>
+              <a:rPr lang="de-DE" dirty="0" smtClean="0"/>
+              <a:t>Private </a:t>
+            </a:r>
+            <a:r>
+              <a:rPr lang="de-DE" dirty="0" err="1"/>
+              <a:t>IaaS</a:t>
+            </a:r>
+            <a:r>
+              <a:rPr lang="de-DE" dirty="0"/>
+              <a:t> Cloud:</a:t>
+            </a:r>
+          </a:p>
+          <a:p>
+            <a:pPr lvl="1"/>
+            <a:r>
+              <a:rPr lang="de-DE" dirty="0"/>
+              <a:t>Cloud Computing Services für einzelne </a:t>
+            </a:r>
+            <a:r>
+              <a:rPr lang="de-DE" dirty="0" smtClean="0"/>
+              <a:t>Unternehmen</a:t>
+            </a:r>
+          </a:p>
+          <a:p>
+            <a:pPr lvl="1"/>
+            <a:r>
+              <a:rPr lang="de-DE" dirty="0"/>
+              <a:t>Zugriff auf verschiedene Art und Weise </a:t>
+            </a:r>
+            <a:r>
+              <a:rPr lang="de-DE" dirty="0" err="1" smtClean="0"/>
+              <a:t>limitierbar</a:t>
+            </a:r>
+            <a:endParaRPr lang="de-DE" dirty="0" smtClean="0"/>
+          </a:p>
+          <a:p>
+            <a:r>
+              <a:rPr lang="de-DE" dirty="0"/>
+              <a:t>Hybrid </a:t>
+            </a:r>
+            <a:r>
+              <a:rPr lang="de-DE" dirty="0" err="1"/>
+              <a:t>IaaS</a:t>
+            </a:r>
+            <a:r>
+              <a:rPr lang="de-DE" dirty="0"/>
+              <a:t> </a:t>
+            </a:r>
+            <a:r>
+              <a:rPr lang="de-DE" dirty="0" smtClean="0"/>
+              <a:t>Cloud</a:t>
+            </a:r>
+          </a:p>
+          <a:p>
+            <a:pPr lvl="1"/>
+            <a:r>
+              <a:rPr lang="de-DE" dirty="0"/>
+              <a:t>Zusammenschluss von mehreren ‚Public‘ oder ‚Private‘ </a:t>
+            </a:r>
+            <a:r>
+              <a:rPr lang="de-DE" dirty="0" smtClean="0"/>
+              <a:t>Clouds</a:t>
+            </a:r>
+          </a:p>
+          <a:p>
+            <a:pPr lvl="1"/>
+            <a:r>
+              <a:rPr lang="de-DE" dirty="0" smtClean="0"/>
+              <a:t>Verwaltung von einigen Servern </a:t>
+            </a:r>
+            <a:r>
+              <a:rPr lang="de-DE" dirty="0"/>
+              <a:t>in einer privaten Cloud und </a:t>
+            </a:r>
+            <a:r>
+              <a:rPr lang="de-DE" dirty="0" smtClean="0"/>
+              <a:t>anderen </a:t>
+            </a:r>
+            <a:r>
+              <a:rPr lang="de-DE" dirty="0"/>
+              <a:t>in einer öffentlichen </a:t>
+            </a:r>
+            <a:r>
+              <a:rPr lang="de-DE" dirty="0" smtClean="0"/>
+              <a:t>Cloud</a:t>
+            </a:r>
+            <a:endParaRPr lang="de-DE" dirty="0"/>
+          </a:p>
+          <a:p>
+            <a:pPr lvl="1"/>
+            <a:endParaRPr lang="de-DE" dirty="0" smtClean="0"/>
+          </a:p>
+        </p:txBody>
+      </p:sp>
+    </p:spTree>
+    <p:extLst>
+      <p:ext uri="{BB962C8B-B14F-4D97-AF65-F5344CB8AC3E}">
+        <p14:creationId xmlns:p14="http://schemas.microsoft.com/office/powerpoint/2010/main" val="3115468433"/>
+      </p:ext>
+    </p:extLst>
+  </p:cSld>
+  <p:clrMapOvr>
+    <a:masterClrMapping/>
+  </p:clrMapOvr>
+  <p:timing>
+    <p:tnLst>
+      <p:par>
+        <p:cTn id="1" dur="indefinite" restart="never" nodeType="tmRoot"/>
+      </p:par>
+    </p:tnLst>
+  </p:timing>
 </p:sld>
 </file>
 

--- a/FaaS.pptx
+++ b/FaaS.pptx
@@ -9,23 +9,23 @@
   </p:notesMasterIdLst>
   <p:sldIdLst>
     <p:sldId id="256" r:id="rId2"/>
-    <p:sldId id="273" r:id="rId3"/>
-    <p:sldId id="272" r:id="rId4"/>
-    <p:sldId id="279" r:id="rId5"/>
-    <p:sldId id="278" r:id="rId6"/>
-    <p:sldId id="280" r:id="rId7"/>
-    <p:sldId id="281" r:id="rId8"/>
-    <p:sldId id="282" r:id="rId9"/>
-    <p:sldId id="283" r:id="rId10"/>
-    <p:sldId id="284" r:id="rId11"/>
-    <p:sldId id="290" r:id="rId12"/>
-    <p:sldId id="305" r:id="rId13"/>
-    <p:sldId id="267" r:id="rId14"/>
-    <p:sldId id="268" r:id="rId15"/>
-    <p:sldId id="269" r:id="rId16"/>
-    <p:sldId id="270" r:id="rId17"/>
-    <p:sldId id="306" r:id="rId18"/>
-    <p:sldId id="300" r:id="rId19"/>
+    <p:sldId id="311" r:id="rId3"/>
+    <p:sldId id="312" r:id="rId4"/>
+    <p:sldId id="273" r:id="rId5"/>
+    <p:sldId id="272" r:id="rId6"/>
+    <p:sldId id="279" r:id="rId7"/>
+    <p:sldId id="278" r:id="rId8"/>
+    <p:sldId id="280" r:id="rId9"/>
+    <p:sldId id="281" r:id="rId10"/>
+    <p:sldId id="282" r:id="rId11"/>
+    <p:sldId id="283" r:id="rId12"/>
+    <p:sldId id="284" r:id="rId13"/>
+    <p:sldId id="305" r:id="rId14"/>
+    <p:sldId id="267" r:id="rId15"/>
+    <p:sldId id="268" r:id="rId16"/>
+    <p:sldId id="269" r:id="rId17"/>
+    <p:sldId id="270" r:id="rId18"/>
+    <p:sldId id="306" r:id="rId19"/>
     <p:sldId id="259" r:id="rId20"/>
     <p:sldId id="295" r:id="rId21"/>
     <p:sldId id="296" r:id="rId22"/>
@@ -575,7 +575,7 @@
           <a:p>
             <a:fld id="{C49BF084-0F4D-4C6D-A3FE-9640EDFACDD4}" type="slidenum">
               <a:rPr lang="de-DE" smtClean="0"/>
-              <a:t>3</a:t>
+              <a:t>5</a:t>
             </a:fld>
             <a:endParaRPr lang="de-DE"/>
           </a:p>
@@ -663,7 +663,7 @@
           <a:p>
             <a:fld id="{C49BF084-0F4D-4C6D-A3FE-9640EDFACDD4}" type="slidenum">
               <a:rPr lang="de-DE" smtClean="0"/>
-              <a:t>13</a:t>
+              <a:t>14</a:t>
             </a:fld>
             <a:endParaRPr lang="de-DE"/>
           </a:p>
@@ -770,7 +770,7 @@
           <a:p>
             <a:fld id="{C49BF084-0F4D-4C6D-A3FE-9640EDFACDD4}" type="slidenum">
               <a:rPr lang="de-DE" smtClean="0"/>
-              <a:t>14</a:t>
+              <a:t>15</a:t>
             </a:fld>
             <a:endParaRPr lang="de-DE"/>
           </a:p>
@@ -833,94 +833,6 @@
           <a:bodyPr/>
           <a:lstStyle/>
           <a:p>
-            <a:r>
-              <a:rPr lang="de-DE" dirty="0" smtClean="0"/>
-              <a:t>https://de.slideshare.net/bennybauer1/serverless-when-to-faas</a:t>
-            </a:r>
-            <a:endParaRPr lang="de-DE" dirty="0"/>
-          </a:p>
-        </p:txBody>
-      </p:sp>
-      <p:sp>
-        <p:nvSpPr>
-          <p:cNvPr id="4" name="Foliennummernplatzhalter 3"/>
-          <p:cNvSpPr>
-            <a:spLocks noGrp="1"/>
-          </p:cNvSpPr>
-          <p:nvPr>
-            <p:ph type="sldNum" sz="quarter" idx="10"/>
-          </p:nvPr>
-        </p:nvSpPr>
-        <p:spPr/>
-        <p:txBody>
-          <a:bodyPr/>
-          <a:lstStyle/>
-          <a:p>
-            <a:fld id="{F1341C31-C64A-4066-B95F-748DFDB3F6F6}" type="slidenum">
-              <a:rPr lang="de-DE" smtClean="0"/>
-              <a:t>18</a:t>
-            </a:fld>
-            <a:endParaRPr lang="de-DE"/>
-          </a:p>
-        </p:txBody>
-      </p:sp>
-    </p:spTree>
-    <p:extLst>
-      <p:ext uri="{BB962C8B-B14F-4D97-AF65-F5344CB8AC3E}">
-        <p14:creationId xmlns:p14="http://schemas.microsoft.com/office/powerpoint/2010/main" val="3201659045"/>
-      </p:ext>
-    </p:extLst>
-  </p:cSld>
-  <p:clrMapOvr>
-    <a:masterClrMapping/>
-  </p:clrMapOvr>
-</p:notes>
-</file>
-
-<file path=ppt/notesSlides/notesSlide5.xml><?xml version="1.0" encoding="utf-8"?>
-<p:notes xmlns:a="http://schemas.openxmlformats.org/drawingml/2006/main" xmlns:r="http://schemas.openxmlformats.org/officeDocument/2006/relationships" xmlns:p="http://schemas.openxmlformats.org/presentationml/2006/main">
-  <p:cSld>
-    <p:spTree>
-      <p:nvGrpSpPr>
-        <p:cNvPr id="1" name=""/>
-        <p:cNvGrpSpPr/>
-        <p:nvPr/>
-      </p:nvGrpSpPr>
-      <p:grpSpPr>
-        <a:xfrm>
-          <a:off x="0" y="0"/>
-          <a:ext cx="0" cy="0"/>
-          <a:chOff x="0" y="0"/>
-          <a:chExt cx="0" cy="0"/>
-        </a:xfrm>
-      </p:grpSpPr>
-      <p:sp>
-        <p:nvSpPr>
-          <p:cNvPr id="2" name="Folienbildplatzhalter 1"/>
-          <p:cNvSpPr>
-            <a:spLocks noGrp="1" noRot="1" noChangeAspect="1"/>
-          </p:cNvSpPr>
-          <p:nvPr>
-            <p:ph type="sldImg"/>
-          </p:nvPr>
-        </p:nvSpPr>
-        <p:spPr/>
-      </p:sp>
-      <p:sp>
-        <p:nvSpPr>
-          <p:cNvPr id="3" name="Notizenplatzhalter 2"/>
-          <p:cNvSpPr>
-            <a:spLocks noGrp="1"/>
-          </p:cNvSpPr>
-          <p:nvPr>
-            <p:ph type="body" idx="1"/>
-          </p:nvPr>
-        </p:nvSpPr>
-        <p:spPr/>
-        <p:txBody>
-          <a:bodyPr/>
-          <a:lstStyle/>
-          <a:p>
             <a:endParaRPr lang="de-DE" dirty="0"/>
           </a:p>
         </p:txBody>
@@ -961,7 +873,7 @@
 </p:notes>
 </file>
 
-<file path=ppt/notesSlides/notesSlide6.xml><?xml version="1.0" encoding="utf-8"?>
+<file path=ppt/notesSlides/notesSlide5.xml><?xml version="1.0" encoding="utf-8"?>
 <p:notes xmlns:a="http://schemas.openxmlformats.org/drawingml/2006/main" xmlns:r="http://schemas.openxmlformats.org/officeDocument/2006/relationships" xmlns:p="http://schemas.openxmlformats.org/presentationml/2006/main">
   <p:cSld>
     <p:spTree>
@@ -3937,7 +3849,11 @@
           <a:p>
             <a:r>
               <a:rPr lang="de-DE" dirty="0" err="1" smtClean="0"/>
-              <a:t>FaaS</a:t>
+              <a:t>Serverless</a:t>
+            </a:r>
+            <a:r>
+              <a:rPr lang="de-DE" dirty="0" smtClean="0"/>
+              <a:t> Computing</a:t>
             </a:r>
             <a:endParaRPr lang="de-DE" dirty="0"/>
           </a:p>
@@ -4016,7 +3932,7 @@
           <a:p>
             <a:r>
               <a:rPr lang="de-DE" dirty="0" smtClean="0"/>
-              <a:t>Vorteile </a:t>
+              <a:t>Wie werden die Ressourcen bereitgestellt?</a:t>
             </a:r>
             <a:endParaRPr lang="de-DE" dirty="0"/>
           </a:p>
@@ -4039,70 +3955,58 @@
           <a:p>
             <a:r>
               <a:rPr lang="de-DE" dirty="0" smtClean="0"/>
-              <a:t>nutzungsbezogene </a:t>
+              <a:t>Der Kunde bekommt Zugriff auf die virtualisierten Komponenten.</a:t>
+            </a:r>
+          </a:p>
+          <a:p>
+            <a:r>
+              <a:rPr lang="de-DE" dirty="0" smtClean="0"/>
+              <a:t>Die </a:t>
+            </a:r>
+            <a:r>
+              <a:rPr lang="de-DE" b="1" dirty="0"/>
+              <a:t>Verfügbarkeiten</a:t>
             </a:r>
             <a:r>
               <a:rPr lang="de-DE" dirty="0"/>
-              <a:t>Abrechnung </a:t>
-            </a:r>
-            <a:r>
-              <a:rPr lang="de-DE" dirty="0" smtClean="0"/>
-              <a:t>und </a:t>
+              <a:t> und </a:t>
+            </a:r>
+            <a:r>
+              <a:rPr lang="de-DE" b="1" dirty="0"/>
+              <a:t>Entstörzeiten</a:t>
             </a:r>
             <a:r>
               <a:rPr lang="de-DE" dirty="0"/>
-              <a:t>keine Investitionen für die Anschaffung der Hardware </a:t>
-            </a:r>
-            <a:r>
-              <a:rPr lang="de-DE" dirty="0" smtClean="0"/>
-              <a:t>erforderlich</a:t>
-            </a:r>
-          </a:p>
-          <a:p>
-            <a:r>
-              <a:rPr lang="de-DE" dirty="0" smtClean="0"/>
-              <a:t>Zugriff auf Anwendungen und Daten während einer Notfallsituation weiterhin möglich</a:t>
-            </a:r>
-          </a:p>
-          <a:p>
-            <a:r>
-              <a:rPr lang="de-DE" dirty="0" smtClean="0"/>
-              <a:t>eine für ein neues Produkt erforderliche </a:t>
-            </a:r>
-            <a:r>
-              <a:rPr lang="de-DE" dirty="0" err="1" smtClean="0"/>
-              <a:t>Computinginfrastruktur</a:t>
-            </a:r>
-            <a:r>
-              <a:rPr lang="de-DE" dirty="0" smtClean="0"/>
-              <a:t> kann innerhalb weniger Minuten oder Stunden verfügbar sein</a:t>
-            </a:r>
-          </a:p>
-          <a:p>
-            <a:r>
-              <a:rPr lang="de-DE" dirty="0" smtClean="0"/>
-              <a:t>schnellere </a:t>
+              <a:t> der Infrastruktur sind über Service Level Agreements (SLAs) zwischen Nutzer und Dienstleister </a:t>
+            </a:r>
+            <a:r>
+              <a:rPr lang="de-DE" dirty="0" smtClean="0"/>
+              <a:t>geregelt.</a:t>
+            </a:r>
+            <a:endParaRPr lang="de-DE" dirty="0"/>
+          </a:p>
+          <a:p>
+            <a:r>
+              <a:rPr lang="de-DE" b="1" dirty="0"/>
+              <a:t>SLA</a:t>
             </a:r>
             <a:r>
               <a:rPr lang="de-DE" dirty="0"/>
-              <a:t>Reaktion auf sich ändernde </a:t>
-            </a:r>
-            <a:r>
-              <a:rPr lang="de-DE" dirty="0" smtClean="0"/>
-              <a:t>Geschäftsbedingungen</a:t>
-            </a:r>
-          </a:p>
-          <a:p>
-            <a:r>
-              <a:rPr lang="de-DE" dirty="0" smtClean="0"/>
-              <a:t>höhere Sicherheit</a:t>
-            </a:r>
-          </a:p>
-          <a:p>
+              <a:t> - </a:t>
+            </a:r>
+            <a:r>
+              <a:rPr lang="de-DE" dirty="0" smtClean="0"/>
+              <a:t>hier </a:t>
+            </a:r>
             <a:r>
               <a:rPr lang="de-DE" dirty="0"/>
-              <a:t>Schnellere Bereitstellung neuer Apps für Benutzer</a:t>
-            </a:r>
+              <a:t>werden die zu erbringenden Leistungen eines Cloud Anbieters und deren Abrechnung </a:t>
+            </a:r>
+            <a:r>
+              <a:rPr lang="de-DE" dirty="0" smtClean="0"/>
+              <a:t>beschrieben.</a:t>
+            </a:r>
+            <a:endParaRPr lang="de-DE" dirty="0"/>
           </a:p>
           <a:p>
             <a:endParaRPr lang="de-DE" dirty="0"/>
@@ -4112,7 +4016,7 @@
     </p:spTree>
     <p:extLst>
       <p:ext uri="{BB962C8B-B14F-4D97-AF65-F5344CB8AC3E}">
-        <p14:creationId xmlns:p14="http://schemas.microsoft.com/office/powerpoint/2010/main" val="2353662783"/>
+        <p14:creationId xmlns:p14="http://schemas.microsoft.com/office/powerpoint/2010/main" val="2384203299"/>
       </p:ext>
     </p:extLst>
   </p:cSld>
@@ -4162,53 +4066,164 @@
           <a:lstStyle/>
           <a:p>
             <a:r>
-              <a:rPr lang="de-DE" dirty="0" smtClean="0"/>
-              <a:t>Nachteile</a:t>
+              <a:rPr lang="de-DE" dirty="0" err="1"/>
+              <a:t>IaaS</a:t>
+            </a:r>
+            <a:r>
+              <a:rPr lang="de-DE" dirty="0"/>
+              <a:t>-Cloud-Typen</a:t>
+            </a:r>
+          </a:p>
+        </p:txBody>
+      </p:sp>
+      <p:sp>
+        <p:nvSpPr>
+          <p:cNvPr id="3" name="Inhaltsplatzhalter 2"/>
+          <p:cNvSpPr>
+            <a:spLocks noGrp="1"/>
+          </p:cNvSpPr>
+          <p:nvPr>
+            <p:ph idx="1"/>
+          </p:nvPr>
+        </p:nvSpPr>
+        <p:spPr/>
+        <p:txBody>
+          <a:bodyPr/>
+          <a:lstStyle/>
+          <a:p>
+            <a:r>
+              <a:rPr lang="de-DE" dirty="0"/>
+              <a:t>Public </a:t>
+            </a:r>
+            <a:r>
+              <a:rPr lang="de-DE" dirty="0" err="1"/>
+              <a:t>IaaS</a:t>
+            </a:r>
+            <a:r>
+              <a:rPr lang="de-DE" dirty="0"/>
+              <a:t> </a:t>
+            </a:r>
+            <a:r>
+              <a:rPr lang="de-DE" dirty="0" smtClean="0"/>
+              <a:t>Cloud: </a:t>
+            </a:r>
+          </a:p>
+          <a:p>
+            <a:pPr lvl="1"/>
+            <a:r>
+              <a:rPr lang="de-DE" dirty="0" smtClean="0"/>
+              <a:t>Mehrere </a:t>
+            </a:r>
+            <a:r>
+              <a:rPr lang="de-DE" dirty="0"/>
+              <a:t>Nutzer teilen sich eine einen physikalischen </a:t>
+            </a:r>
+            <a:r>
+              <a:rPr lang="de-DE" dirty="0" smtClean="0"/>
+              <a:t>Server.</a:t>
+            </a:r>
+          </a:p>
+          <a:p>
+            <a:r>
+              <a:rPr lang="de-DE" dirty="0" smtClean="0"/>
+              <a:t>Private </a:t>
+            </a:r>
+            <a:r>
+              <a:rPr lang="de-DE" dirty="0" err="1"/>
+              <a:t>IaaS</a:t>
+            </a:r>
+            <a:r>
+              <a:rPr lang="de-DE" dirty="0"/>
+              <a:t> Cloud:</a:t>
+            </a:r>
+          </a:p>
+          <a:p>
+            <a:pPr lvl="1"/>
+            <a:r>
+              <a:rPr lang="de-DE" dirty="0"/>
+              <a:t>Cloud Computing Services für einzelne </a:t>
+            </a:r>
+            <a:r>
+              <a:rPr lang="de-DE" dirty="0" smtClean="0"/>
+              <a:t>Unternehmen</a:t>
+            </a:r>
+          </a:p>
+          <a:p>
+            <a:pPr lvl="1"/>
+            <a:r>
+              <a:rPr lang="de-DE" dirty="0"/>
+              <a:t>Zugriff auf verschiedene Art und Weise </a:t>
+            </a:r>
+            <a:r>
+              <a:rPr lang="de-DE" dirty="0" err="1" smtClean="0"/>
+              <a:t>limitierbar</a:t>
+            </a:r>
+            <a:endParaRPr lang="de-DE" dirty="0" smtClean="0"/>
+          </a:p>
+          <a:p>
+            <a:r>
+              <a:rPr lang="de-DE" dirty="0"/>
+              <a:t>Hybrid </a:t>
+            </a:r>
+            <a:r>
+              <a:rPr lang="de-DE" dirty="0" err="1"/>
+              <a:t>IaaS</a:t>
+            </a:r>
+            <a:r>
+              <a:rPr lang="de-DE" dirty="0"/>
+              <a:t> </a:t>
+            </a:r>
+            <a:r>
+              <a:rPr lang="de-DE" dirty="0" smtClean="0"/>
+              <a:t>Cloud:</a:t>
+            </a:r>
+            <a:endParaRPr lang="de-DE" dirty="0" smtClean="0"/>
+          </a:p>
+          <a:p>
+            <a:pPr lvl="1"/>
+            <a:r>
+              <a:rPr lang="de-DE" dirty="0"/>
+              <a:t>Zusammenschluss von mehreren ‚Public‘ oder ‚Private‘ </a:t>
+            </a:r>
+            <a:r>
+              <a:rPr lang="de-DE" dirty="0" smtClean="0"/>
+              <a:t>Clouds</a:t>
+            </a:r>
+          </a:p>
+          <a:p>
+            <a:pPr lvl="1"/>
+            <a:r>
+              <a:rPr lang="de-DE" dirty="0" smtClean="0"/>
+              <a:t>Verwaltung von einigen Servern </a:t>
+            </a:r>
+            <a:r>
+              <a:rPr lang="de-DE" dirty="0"/>
+              <a:t>in einer privaten Cloud und </a:t>
+            </a:r>
+            <a:r>
+              <a:rPr lang="de-DE" dirty="0" smtClean="0"/>
+              <a:t>anderen </a:t>
+            </a:r>
+            <a:r>
+              <a:rPr lang="de-DE" dirty="0"/>
+              <a:t>in einer öffentlichen </a:t>
+            </a:r>
+            <a:r>
+              <a:rPr lang="de-DE" dirty="0" smtClean="0"/>
+              <a:t>Cloud</a:t>
             </a:r>
             <a:endParaRPr lang="de-DE" dirty="0"/>
           </a:p>
-        </p:txBody>
-      </p:sp>
-      <p:sp>
-        <p:nvSpPr>
-          <p:cNvPr id="3" name="Inhaltsplatzhalter 2"/>
-          <p:cNvSpPr>
-            <a:spLocks noGrp="1"/>
-          </p:cNvSpPr>
-          <p:nvPr>
-            <p:ph idx="1"/>
-          </p:nvPr>
-        </p:nvSpPr>
-        <p:spPr/>
-        <p:txBody>
-          <a:bodyPr/>
-          <a:lstStyle/>
-          <a:p>
-            <a:r>
-              <a:rPr lang="de-DE" dirty="0"/>
-              <a:t>Der Nutzer muss sich um seine </a:t>
-            </a:r>
-            <a:r>
-              <a:rPr lang="de-DE" dirty="0" smtClean="0"/>
-              <a:t>Plattform, </a:t>
-            </a:r>
-            <a:r>
-              <a:rPr lang="de-DE" dirty="0"/>
-              <a:t>die Anwendungen und die Wartung der Softwareumgebung selbst kümmern.</a:t>
-            </a:r>
-          </a:p>
-          <a:p>
-            <a:pPr marL="0" indent="0">
-              <a:buNone/>
-            </a:pPr>
-            <a:endParaRPr lang="de-DE" dirty="0"/>
+          <a:p>
+            <a:pPr lvl="1"/>
+            <a:endParaRPr lang="de-DE" dirty="0" smtClean="0"/>
           </a:p>
         </p:txBody>
       </p:sp>
     </p:spTree>
     <p:extLst>
       <p:ext uri="{BB962C8B-B14F-4D97-AF65-F5344CB8AC3E}">
-        <p14:creationId xmlns:p14="http://schemas.microsoft.com/office/powerpoint/2010/main" val="107707311"/>
+        <p14:creationId xmlns:p14="http://schemas.microsoft.com/office/powerpoint/2010/main" val="3115468433"/>
       </p:ext>
     </p:extLst>
   </p:cSld>
@@ -4249,6 +4264,153 @@
             <a:spLocks noGrp="1"/>
           </p:cNvSpPr>
           <p:nvPr>
+            <p:ph type="title"/>
+          </p:nvPr>
+        </p:nvSpPr>
+        <p:spPr/>
+        <p:txBody>
+          <a:bodyPr/>
+          <a:lstStyle/>
+          <a:p>
+            <a:r>
+              <a:rPr lang="de-DE" dirty="0" smtClean="0"/>
+              <a:t>Vorteile </a:t>
+            </a:r>
+            <a:endParaRPr lang="de-DE" dirty="0"/>
+          </a:p>
+        </p:txBody>
+      </p:sp>
+      <p:sp>
+        <p:nvSpPr>
+          <p:cNvPr id="3" name="Inhaltsplatzhalter 2"/>
+          <p:cNvSpPr>
+            <a:spLocks noGrp="1"/>
+          </p:cNvSpPr>
+          <p:nvPr>
+            <p:ph idx="1"/>
+          </p:nvPr>
+        </p:nvSpPr>
+        <p:spPr/>
+        <p:txBody>
+          <a:bodyPr/>
+          <a:lstStyle/>
+          <a:p>
+            <a:r>
+              <a:rPr lang="de-DE" dirty="0" smtClean="0"/>
+              <a:t>nutzungsbezogene </a:t>
+            </a:r>
+            <a:r>
+              <a:rPr lang="de-DE" dirty="0"/>
+              <a:t>Abrechnung </a:t>
+            </a:r>
+            <a:r>
+              <a:rPr lang="de-DE" dirty="0" smtClean="0"/>
+              <a:t>und </a:t>
+            </a:r>
+            <a:r>
+              <a:rPr lang="de-DE" dirty="0"/>
+              <a:t>keine Investitionen für die Anschaffung der Hardware </a:t>
+            </a:r>
+            <a:r>
+              <a:rPr lang="de-DE" dirty="0" smtClean="0"/>
+              <a:t>erforderlich</a:t>
+            </a:r>
+          </a:p>
+          <a:p>
+            <a:r>
+              <a:rPr lang="de-DE" dirty="0" smtClean="0"/>
+              <a:t>Zugriff auf Anwendungen und Daten während einer Notfallsituation weiterhin möglich</a:t>
+            </a:r>
+          </a:p>
+          <a:p>
+            <a:r>
+              <a:rPr lang="de-DE" dirty="0" smtClean="0"/>
+              <a:t>eine für ein neues Produkt erforderliche </a:t>
+            </a:r>
+            <a:r>
+              <a:rPr lang="de-DE" dirty="0" err="1" smtClean="0"/>
+              <a:t>Computinginfrastruktur</a:t>
+            </a:r>
+            <a:r>
+              <a:rPr lang="de-DE" dirty="0" smtClean="0"/>
+              <a:t> kann innerhalb weniger Minuten oder Stunden verfügbar sein</a:t>
+            </a:r>
+          </a:p>
+          <a:p>
+            <a:r>
+              <a:rPr lang="de-DE" dirty="0" smtClean="0"/>
+              <a:t>schnellere </a:t>
+            </a:r>
+            <a:r>
+              <a:rPr lang="de-DE" dirty="0"/>
+              <a:t>Reaktion auf sich ändernde </a:t>
+            </a:r>
+            <a:r>
+              <a:rPr lang="de-DE" dirty="0" smtClean="0"/>
+              <a:t>Geschäftsbedingungen</a:t>
+            </a:r>
+          </a:p>
+          <a:p>
+            <a:r>
+              <a:rPr lang="de-DE" dirty="0" smtClean="0"/>
+              <a:t>höhere Sicherheit</a:t>
+            </a:r>
+          </a:p>
+          <a:p>
+            <a:r>
+              <a:rPr lang="de-DE" dirty="0"/>
+              <a:t>Schnellere Bereitstellung neuer Apps für Benutzer</a:t>
+            </a:r>
+          </a:p>
+          <a:p>
+            <a:endParaRPr lang="de-DE" dirty="0"/>
+          </a:p>
+        </p:txBody>
+      </p:sp>
+    </p:spTree>
+    <p:extLst>
+      <p:ext uri="{BB962C8B-B14F-4D97-AF65-F5344CB8AC3E}">
+        <p14:creationId xmlns:p14="http://schemas.microsoft.com/office/powerpoint/2010/main" val="2353662783"/>
+      </p:ext>
+    </p:extLst>
+  </p:cSld>
+  <p:clrMapOvr>
+    <a:masterClrMapping/>
+  </p:clrMapOvr>
+  <p:timing>
+    <p:tnLst>
+      <p:par>
+        <p:cTn id="1" dur="indefinite" restart="never" nodeType="tmRoot"/>
+      </p:par>
+    </p:tnLst>
+  </p:timing>
+</p:sld>
+</file>
+
+<file path=ppt/slides/slide13.xml><?xml version="1.0" encoding="utf-8"?>
+<p:sld xmlns:a="http://schemas.openxmlformats.org/drawingml/2006/main" xmlns:r="http://schemas.openxmlformats.org/officeDocument/2006/relationships" xmlns:p="http://schemas.openxmlformats.org/presentationml/2006/main">
+  <p:cSld>
+    <p:spTree>
+      <p:nvGrpSpPr>
+        <p:cNvPr id="1" name=""/>
+        <p:cNvGrpSpPr/>
+        <p:nvPr/>
+      </p:nvGrpSpPr>
+      <p:grpSpPr>
+        <a:xfrm>
+          <a:off x="0" y="0"/>
+          <a:ext cx="0" cy="0"/>
+          <a:chOff x="0" y="0"/>
+          <a:chExt cx="0" cy="0"/>
+        </a:xfrm>
+      </p:grpSpPr>
+      <p:sp>
+        <p:nvSpPr>
+          <p:cNvPr id="2" name="Titel 1"/>
+          <p:cNvSpPr>
+            <a:spLocks noGrp="1"/>
+          </p:cNvSpPr>
+          <p:nvPr>
             <p:ph type="ctrTitle"/>
           </p:nvPr>
         </p:nvSpPr>
@@ -4320,7 +4482,7 @@
 </p:sld>
 </file>
 
-<file path=ppt/slides/slide13.xml><?xml version="1.0" encoding="utf-8"?>
+<file path=ppt/slides/slide14.xml><?xml version="1.0" encoding="utf-8"?>
 <p:sld xmlns:a="http://schemas.openxmlformats.org/drawingml/2006/main" xmlns:r="http://schemas.openxmlformats.org/officeDocument/2006/relationships" xmlns:p="http://schemas.openxmlformats.org/presentationml/2006/main">
   <p:cSld>
     <p:spTree>
@@ -4447,7 +4609,7 @@
 </p:sld>
 </file>
 
-<file path=ppt/slides/slide14.xml><?xml version="1.0" encoding="utf-8"?>
+<file path=ppt/slides/slide15.xml><?xml version="1.0" encoding="utf-8"?>
 <p:sld xmlns:a="http://schemas.openxmlformats.org/drawingml/2006/main" xmlns:r="http://schemas.openxmlformats.org/officeDocument/2006/relationships" xmlns:p="http://schemas.openxmlformats.org/presentationml/2006/main">
   <p:cSld>
     <p:spTree>
@@ -4484,12 +4646,12 @@
               <a:t>Welche </a:t>
             </a:r>
             <a:r>
-              <a:rPr lang="de-DE" dirty="0" err="1" smtClean="0"/>
-              <a:t>Recourcen</a:t>
-            </a:r>
-            <a:r>
-              <a:rPr lang="de-DE" dirty="0" smtClean="0"/>
-              <a:t> werden bereitgestellt?</a:t>
+              <a:rPr lang="de-DE" dirty="0" smtClean="0"/>
+              <a:t>Ressourcen </a:t>
+            </a:r>
+            <a:r>
+              <a:rPr lang="de-DE" dirty="0" smtClean="0"/>
+              <a:t>werden bereitgestellt?</a:t>
             </a:r>
             <a:endParaRPr lang="de-DE" dirty="0"/>
           </a:p>
@@ -4610,110 +4772,6 @@
 </p:sld>
 </file>
 
-<file path=ppt/slides/slide15.xml><?xml version="1.0" encoding="utf-8"?>
-<p:sld xmlns:a="http://schemas.openxmlformats.org/drawingml/2006/main" xmlns:r="http://schemas.openxmlformats.org/officeDocument/2006/relationships" xmlns:p="http://schemas.openxmlformats.org/presentationml/2006/main">
-  <p:cSld>
-    <p:spTree>
-      <p:nvGrpSpPr>
-        <p:cNvPr id="1" name=""/>
-        <p:cNvGrpSpPr/>
-        <p:nvPr/>
-      </p:nvGrpSpPr>
-      <p:grpSpPr>
-        <a:xfrm>
-          <a:off x="0" y="0"/>
-          <a:ext cx="0" cy="0"/>
-          <a:chOff x="0" y="0"/>
-          <a:chExt cx="0" cy="0"/>
-        </a:xfrm>
-      </p:grpSpPr>
-      <p:sp>
-        <p:nvSpPr>
-          <p:cNvPr id="2" name="Titel 1"/>
-          <p:cNvSpPr>
-            <a:spLocks noGrp="1"/>
-          </p:cNvSpPr>
-          <p:nvPr>
-            <p:ph type="title"/>
-          </p:nvPr>
-        </p:nvSpPr>
-        <p:spPr/>
-        <p:txBody>
-          <a:bodyPr/>
-          <a:lstStyle/>
-          <a:p>
-            <a:r>
-              <a:rPr lang="de-DE" dirty="0" smtClean="0"/>
-              <a:t>Wie werden die Ressourcen bereit gestellt?</a:t>
-            </a:r>
-            <a:endParaRPr lang="de-DE" dirty="0"/>
-          </a:p>
-        </p:txBody>
-      </p:sp>
-      <p:sp>
-        <p:nvSpPr>
-          <p:cNvPr id="3" name="Inhaltsplatzhalter 2"/>
-          <p:cNvSpPr>
-            <a:spLocks noGrp="1"/>
-          </p:cNvSpPr>
-          <p:nvPr>
-            <p:ph idx="1"/>
-          </p:nvPr>
-        </p:nvSpPr>
-        <p:spPr/>
-        <p:txBody>
-          <a:bodyPr/>
-          <a:lstStyle/>
-          <a:p>
-            <a:r>
-              <a:rPr lang="de-DE" dirty="0" smtClean="0"/>
-              <a:t>Ressourcen </a:t>
-            </a:r>
-            <a:r>
-              <a:rPr lang="de-DE" dirty="0"/>
-              <a:t>werden automatisch beim erstellen der Applikation zur Verfügung  gestellt</a:t>
-            </a:r>
-          </a:p>
-          <a:p>
-            <a:r>
-              <a:rPr lang="de-DE" dirty="0" smtClean="0"/>
-              <a:t>sie </a:t>
-            </a:r>
-            <a:r>
-              <a:rPr lang="de-DE" dirty="0"/>
-              <a:t>werden abhängig von den Anforderungen skaliert ("</a:t>
-            </a:r>
-            <a:r>
-              <a:rPr lang="de-DE" dirty="0" err="1"/>
-              <a:t>fabric</a:t>
-            </a:r>
-            <a:r>
-              <a:rPr lang="de-DE" dirty="0"/>
-              <a:t>")</a:t>
-            </a:r>
-          </a:p>
-        </p:txBody>
-      </p:sp>
-    </p:spTree>
-    <p:extLst>
-      <p:ext uri="{BB962C8B-B14F-4D97-AF65-F5344CB8AC3E}">
-        <p14:creationId xmlns:p14="http://schemas.microsoft.com/office/powerpoint/2010/main" val="1267479835"/>
-      </p:ext>
-    </p:extLst>
-  </p:cSld>
-  <p:clrMapOvr>
-    <a:masterClrMapping/>
-  </p:clrMapOvr>
-  <p:timing>
-    <p:tnLst>
-      <p:par>
-        <p:cTn id="1" dur="indefinite" restart="never" nodeType="tmRoot"/>
-      </p:par>
-    </p:tnLst>
-  </p:timing>
-</p:sld>
-</file>
-
 <file path=ppt/slides/slide16.xml><?xml version="1.0" encoding="utf-8"?>
 <p:sld xmlns:a="http://schemas.openxmlformats.org/drawingml/2006/main" xmlns:r="http://schemas.openxmlformats.org/officeDocument/2006/relationships" xmlns:p="http://schemas.openxmlformats.org/presentationml/2006/main">
   <p:cSld>
@@ -4748,7 +4806,7 @@
           <a:p>
             <a:r>
               <a:rPr lang="de-DE" dirty="0" smtClean="0"/>
-              <a:t>Vorteile</a:t>
+              <a:t>Wie werden die Ressourcen bereit gestellt?</a:t>
             </a:r>
             <a:endParaRPr lang="de-DE" dirty="0"/>
           </a:p>
@@ -4766,85 +4824,42 @@
         </p:nvSpPr>
         <p:spPr/>
         <p:txBody>
-          <a:bodyPr>
-            <a:normAutofit lnSpcReduction="10000"/>
-          </a:bodyPr>
-          <a:lstStyle/>
-          <a:p>
-            <a:r>
-              <a:rPr lang="de-DE" dirty="0" smtClean="0"/>
-              <a:t>Monitoring-Funktionen </a:t>
-            </a:r>
-            <a:r>
-              <a:rPr lang="de-DE" dirty="0" smtClean="0"/>
-              <a:t>(Laufzeitverhalten </a:t>
+          <a:bodyPr/>
+          <a:lstStyle/>
+          <a:p>
+            <a:r>
+              <a:rPr lang="de-DE" dirty="0" smtClean="0"/>
+              <a:t>Ressourcen </a:t>
             </a:r>
             <a:r>
               <a:rPr lang="de-DE" dirty="0"/>
-              <a:t>der Anwendungen kann überwacht werden)</a:t>
-            </a:r>
-          </a:p>
-          <a:p>
-            <a:r>
-              <a:rPr lang="de-DE" dirty="0" smtClean="0"/>
-              <a:t>punktet </a:t>
+              <a:t>werden automatisch beim erstellen der Applikation zur Verfügung  gestellt</a:t>
+            </a:r>
+          </a:p>
+          <a:p>
+            <a:r>
+              <a:rPr lang="de-DE" dirty="0" smtClean="0"/>
+              <a:t>sie </a:t>
             </a:r>
             <a:r>
               <a:rPr lang="de-DE" dirty="0"/>
-              <a:t>mit flexiblen und transparenten Kosten</a:t>
-            </a:r>
-          </a:p>
-          <a:p>
+              <a:t>werden abhängig von den Anforderungen skaliert ("</a:t>
+            </a:r>
+            <a:r>
+              <a:rPr lang="de-DE" dirty="0" err="1"/>
+              <a:t>fabric</a:t>
+            </a:r>
             <a:r>
               <a:rPr lang="de-DE" dirty="0"/>
-              <a:t>leistungsstarke </a:t>
-            </a:r>
-            <a:r>
-              <a:rPr lang="de-DE" dirty="0" err="1"/>
-              <a:t>Deployment</a:t>
-            </a:r>
-            <a:r>
-              <a:rPr lang="de-DE" dirty="0"/>
-              <a:t>- und </a:t>
-            </a:r>
-            <a:r>
-              <a:rPr lang="de-DE" dirty="0" err="1"/>
-              <a:t>Managment</a:t>
-            </a:r>
-            <a:r>
-              <a:rPr lang="de-DE" dirty="0"/>
-              <a:t>-Tools.</a:t>
-            </a:r>
-          </a:p>
-          <a:p>
-            <a:r>
-              <a:rPr lang="de-DE" dirty="0"/>
-              <a:t>Entwickler können sich mehr auf ihre individuelle Business-Logik konzentrieren.</a:t>
-            </a:r>
-          </a:p>
-          <a:p>
-            <a:r>
-              <a:rPr lang="de-DE" dirty="0"/>
-              <a:t>komplexe Aufgaben die mit dem Betrieb einer sicheren, hochverfügbaren und leicht skalierbaren Anwendungsinfrastruktur zusammenhängen, liegen im Verantwortungsbereich des </a:t>
-            </a:r>
-            <a:r>
-              <a:rPr lang="de-DE" dirty="0" err="1"/>
-              <a:t>PaaS</a:t>
-            </a:r>
-            <a:r>
-              <a:rPr lang="de-DE" dirty="0"/>
-              <a:t>-Anbieters.</a:t>
-            </a:r>
-          </a:p>
-          <a:p>
-            <a:endParaRPr lang="de-DE" dirty="0"/>
+              <a:t>")</a:t>
+            </a:r>
           </a:p>
         </p:txBody>
       </p:sp>
     </p:spTree>
     <p:extLst>
       <p:ext uri="{BB962C8B-B14F-4D97-AF65-F5344CB8AC3E}">
-        <p14:creationId xmlns:p14="http://schemas.microsoft.com/office/powerpoint/2010/main" val="3344529334"/>
+        <p14:creationId xmlns:p14="http://schemas.microsoft.com/office/powerpoint/2010/main" val="1267479835"/>
       </p:ext>
     </p:extLst>
   </p:cSld>
@@ -4885,53 +4900,105 @@
             <a:spLocks noGrp="1"/>
           </p:cNvSpPr>
           <p:nvPr>
-            <p:ph type="ctrTitle"/>
-          </p:nvPr>
-        </p:nvSpPr>
-        <p:spPr/>
-        <p:txBody>
-          <a:bodyPr/>
-          <a:lstStyle/>
-          <a:p>
+            <p:ph type="title"/>
+          </p:nvPr>
+        </p:nvSpPr>
+        <p:spPr/>
+        <p:txBody>
+          <a:bodyPr/>
+          <a:lstStyle/>
+          <a:p>
+            <a:r>
+              <a:rPr lang="de-DE" dirty="0" smtClean="0"/>
+              <a:t>Vorteile</a:t>
+            </a:r>
+            <a:endParaRPr lang="de-DE" dirty="0"/>
+          </a:p>
+        </p:txBody>
+      </p:sp>
+      <p:sp>
+        <p:nvSpPr>
+          <p:cNvPr id="3" name="Inhaltsplatzhalter 2"/>
+          <p:cNvSpPr>
+            <a:spLocks noGrp="1"/>
+          </p:cNvSpPr>
+          <p:nvPr>
+            <p:ph idx="1"/>
+          </p:nvPr>
+        </p:nvSpPr>
+        <p:spPr/>
+        <p:txBody>
+          <a:bodyPr>
+            <a:normAutofit lnSpcReduction="10000"/>
+          </a:bodyPr>
+          <a:lstStyle/>
+          <a:p>
+            <a:r>
+              <a:rPr lang="de-DE" dirty="0" smtClean="0"/>
+              <a:t>Monitoring-Funktionen </a:t>
+            </a:r>
+            <a:r>
+              <a:rPr lang="de-DE" dirty="0" smtClean="0"/>
+              <a:t>(Laufzeitverhalten </a:t>
+            </a:r>
+            <a:r>
+              <a:rPr lang="de-DE" dirty="0"/>
+              <a:t>der Anwendungen kann überwacht werden)</a:t>
+            </a:r>
+          </a:p>
+          <a:p>
+            <a:r>
+              <a:rPr lang="de-DE" dirty="0" smtClean="0"/>
+              <a:t>punktet </a:t>
+            </a:r>
+            <a:r>
+              <a:rPr lang="de-DE" dirty="0"/>
+              <a:t>mit flexiblen und transparenten Kosten</a:t>
+            </a:r>
+          </a:p>
+          <a:p>
+            <a:r>
+              <a:rPr lang="de-DE" dirty="0"/>
+              <a:t>leistungsstarke </a:t>
+            </a:r>
             <a:r>
               <a:rPr lang="de-DE" dirty="0" err="1"/>
-              <a:t>FaaS</a:t>
-            </a:r>
-            <a:endParaRPr lang="de-DE" dirty="0"/>
-          </a:p>
-        </p:txBody>
-      </p:sp>
-      <p:sp>
-        <p:nvSpPr>
-          <p:cNvPr id="3" name="Untertitel 2"/>
-          <p:cNvSpPr>
-            <a:spLocks noGrp="1"/>
-          </p:cNvSpPr>
-          <p:nvPr>
-            <p:ph type="subTitle" idx="1"/>
-          </p:nvPr>
-        </p:nvSpPr>
-        <p:spPr/>
-        <p:txBody>
-          <a:bodyPr/>
-          <a:lstStyle/>
-          <a:p>
-            <a:r>
-              <a:rPr lang="de-DE" dirty="0" err="1" smtClean="0"/>
-              <a:t>Function</a:t>
-            </a:r>
-            <a:r>
-              <a:rPr lang="de-DE" dirty="0" smtClean="0"/>
-              <a:t> </a:t>
-            </a:r>
-            <a:r>
-              <a:rPr lang="de-DE" dirty="0" err="1" smtClean="0"/>
-              <a:t>as</a:t>
-            </a:r>
-            <a:r>
-              <a:rPr lang="de-DE" dirty="0" smtClean="0"/>
-              <a:t> a Service</a:t>
-            </a:r>
+              <a:t>Deployment</a:t>
+            </a:r>
+            <a:r>
+              <a:rPr lang="de-DE" dirty="0"/>
+              <a:t>- und </a:t>
+            </a:r>
+            <a:r>
+              <a:rPr lang="de-DE" dirty="0" smtClean="0"/>
+              <a:t>Management-Tools</a:t>
+            </a:r>
+            <a:r>
+              <a:rPr lang="de-DE" dirty="0"/>
+              <a:t>.</a:t>
+            </a:r>
+          </a:p>
+          <a:p>
+            <a:r>
+              <a:rPr lang="de-DE" dirty="0"/>
+              <a:t>Entwickler können sich mehr auf ihre individuelle Business-Logik konzentrieren.</a:t>
+            </a:r>
+          </a:p>
+          <a:p>
+            <a:r>
+              <a:rPr lang="de-DE" dirty="0"/>
+              <a:t>komplexe Aufgaben die mit dem Betrieb einer sicheren, hochverfügbaren und leicht skalierbaren Anwendungsinfrastruktur zusammenhängen, liegen im Verantwortungsbereich des </a:t>
+            </a:r>
+            <a:r>
+              <a:rPr lang="de-DE" dirty="0" err="1"/>
+              <a:t>PaaS</a:t>
+            </a:r>
+            <a:r>
+              <a:rPr lang="de-DE" dirty="0"/>
+              <a:t>-Anbieters.</a:t>
+            </a:r>
+          </a:p>
+          <a:p>
             <a:endParaRPr lang="de-DE" dirty="0"/>
           </a:p>
         </p:txBody>
@@ -4939,7 +5006,7 @@
     </p:spTree>
     <p:extLst>
       <p:ext uri="{BB962C8B-B14F-4D97-AF65-F5344CB8AC3E}">
-        <p14:creationId xmlns:p14="http://schemas.microsoft.com/office/powerpoint/2010/main" val="1796274741"/>
+        <p14:creationId xmlns:p14="http://schemas.microsoft.com/office/powerpoint/2010/main" val="3344529334"/>
       </p:ext>
     </p:extLst>
   </p:cSld>
@@ -4980,145 +5047,61 @@
             <a:spLocks noGrp="1"/>
           </p:cNvSpPr>
           <p:nvPr>
-            <p:ph type="title"/>
-          </p:nvPr>
-        </p:nvSpPr>
-        <p:spPr/>
-        <p:txBody>
-          <a:bodyPr/>
-          <a:lstStyle/>
-          <a:p>
-            <a:r>
-              <a:rPr lang="de-DE" dirty="0" smtClean="0"/>
-              <a:t>Verteilte Architekturen im Überblick </a:t>
+            <p:ph type="ctrTitle"/>
+          </p:nvPr>
+        </p:nvSpPr>
+        <p:spPr/>
+        <p:txBody>
+          <a:bodyPr/>
+          <a:lstStyle/>
+          <a:p>
+            <a:r>
+              <a:rPr lang="de-DE" dirty="0" err="1"/>
+              <a:t>FaaS</a:t>
             </a:r>
             <a:endParaRPr lang="de-DE" dirty="0"/>
           </a:p>
         </p:txBody>
       </p:sp>
-      <p:pic>
-        <p:nvPicPr>
-          <p:cNvPr id="4" name="Inhaltsplatzhalter 3" descr="Bildschirmausschnitt"/>
-          <p:cNvPicPr>
-            <a:picLocks noGrp="1" noChangeAspect="1"/>
-          </p:cNvPicPr>
-          <p:nvPr>
-            <p:ph idx="1"/>
-          </p:nvPr>
-        </p:nvPicPr>
-        <p:blipFill>
-          <a:blip r:embed="rId3">
-            <a:extLst>
-              <a:ext uri="{28A0092B-C50C-407E-A947-70E740481C1C}">
-                <a14:useLocalDpi xmlns:a14="http://schemas.microsoft.com/office/drawing/2010/main" val="0"/>
-              </a:ext>
-            </a:extLst>
-          </a:blip>
-          <a:stretch>
-            <a:fillRect/>
-          </a:stretch>
-        </p:blipFill>
-        <p:spPr>
-          <a:xfrm>
-            <a:off x="838200" y="2302493"/>
-            <a:ext cx="10515600" cy="2497717"/>
-          </a:xfrm>
-        </p:spPr>
-      </p:pic>
-      <p:sp>
-        <p:nvSpPr>
-          <p:cNvPr id="5" name="Textfeld 4"/>
-          <p:cNvSpPr txBox="1"/>
-          <p:nvPr/>
-        </p:nvSpPr>
-        <p:spPr>
-          <a:xfrm>
-            <a:off x="1059544" y="4800210"/>
-            <a:ext cx="2171557" cy="461665"/>
-          </a:xfrm>
-          <a:prstGeom prst="rect">
-            <a:avLst/>
-          </a:prstGeom>
-          <a:noFill/>
-        </p:spPr>
-        <p:txBody>
-          <a:bodyPr wrap="none" rtlCol="0">
-            <a:spAutoFit/>
-          </a:bodyPr>
-          <a:lstStyle/>
-          <a:p>
-            <a:r>
-              <a:rPr lang="de-DE" sz="2400" dirty="0" smtClean="0"/>
-              <a:t>Monolith (starr)</a:t>
-            </a:r>
-            <a:endParaRPr lang="de-DE" sz="2400" dirty="0"/>
-          </a:p>
-        </p:txBody>
-      </p:sp>
-      <p:sp>
-        <p:nvSpPr>
-          <p:cNvPr id="6" name="Textfeld 5"/>
-          <p:cNvSpPr txBox="1"/>
-          <p:nvPr/>
-        </p:nvSpPr>
-        <p:spPr>
-          <a:xfrm>
-            <a:off x="4542971" y="4800210"/>
-            <a:ext cx="1910651" cy="461665"/>
-          </a:xfrm>
-          <a:prstGeom prst="rect">
-            <a:avLst/>
-          </a:prstGeom>
-          <a:noFill/>
-        </p:spPr>
-        <p:txBody>
-          <a:bodyPr wrap="none" rtlCol="0">
-            <a:spAutoFit/>
-          </a:bodyPr>
-          <a:lstStyle/>
-          <a:p>
-            <a:r>
-              <a:rPr lang="de-DE" sz="2400" dirty="0" err="1" smtClean="0"/>
-              <a:t>Microservices</a:t>
+      <p:sp>
+        <p:nvSpPr>
+          <p:cNvPr id="3" name="Untertitel 2"/>
+          <p:cNvSpPr>
+            <a:spLocks noGrp="1"/>
+          </p:cNvSpPr>
+          <p:nvPr>
+            <p:ph type="subTitle" idx="1"/>
+          </p:nvPr>
+        </p:nvSpPr>
+        <p:spPr/>
+        <p:txBody>
+          <a:bodyPr/>
+          <a:lstStyle/>
+          <a:p>
+            <a:r>
+              <a:rPr lang="de-DE" dirty="0" err="1" smtClean="0"/>
+              <a:t>Function</a:t>
+            </a:r>
+            <a:r>
+              <a:rPr lang="de-DE" dirty="0" smtClean="0"/>
+              <a:t> </a:t>
+            </a:r>
+            <a:r>
+              <a:rPr lang="de-DE" dirty="0" err="1" smtClean="0"/>
+              <a:t>as</a:t>
+            </a:r>
+            <a:r>
+              <a:rPr lang="de-DE" dirty="0" smtClean="0"/>
+              <a:t> a Service</a:t>
             </a:r>
             <a:endParaRPr lang="de-DE" dirty="0"/>
-          </a:p>
-        </p:txBody>
-      </p:sp>
-      <p:sp>
-        <p:nvSpPr>
-          <p:cNvPr id="7" name="Textfeld 6"/>
-          <p:cNvSpPr txBox="1"/>
-          <p:nvPr/>
-        </p:nvSpPr>
-        <p:spPr>
-          <a:xfrm>
-            <a:off x="8476343" y="4823823"/>
-            <a:ext cx="1452514" cy="461665"/>
-          </a:xfrm>
-          <a:prstGeom prst="rect">
-            <a:avLst/>
-          </a:prstGeom>
-          <a:noFill/>
-        </p:spPr>
-        <p:txBody>
-          <a:bodyPr wrap="none" rtlCol="0">
-            <a:spAutoFit/>
-          </a:bodyPr>
-          <a:lstStyle/>
-          <a:p>
-            <a:r>
-              <a:rPr lang="de-DE" sz="2400" dirty="0" err="1" smtClean="0"/>
-              <a:t>Serverless</a:t>
-            </a:r>
-            <a:endParaRPr lang="de-DE" sz="2800" dirty="0"/>
           </a:p>
         </p:txBody>
       </p:sp>
     </p:spTree>
     <p:extLst>
       <p:ext uri="{BB962C8B-B14F-4D97-AF65-F5344CB8AC3E}">
-        <p14:creationId xmlns:p14="http://schemas.microsoft.com/office/powerpoint/2010/main" val="1758557191"/>
+        <p14:creationId xmlns:p14="http://schemas.microsoft.com/office/powerpoint/2010/main" val="1796274741"/>
       </p:ext>
     </p:extLst>
   </p:cSld>
@@ -5258,45 +5241,107 @@
           <a:p>
             <a:r>
               <a:rPr lang="de-DE" dirty="0" smtClean="0"/>
-              <a:t>Plattform Spektrum</a:t>
+              <a:t>Gliederung</a:t>
             </a:r>
             <a:endParaRPr lang="de-DE" dirty="0"/>
           </a:p>
         </p:txBody>
       </p:sp>
-      <p:pic>
-        <p:nvPicPr>
-          <p:cNvPr id="4" name="Inhaltsplatzhalter 3"/>
-          <p:cNvPicPr>
-            <a:picLocks noGrp="1" noChangeAspect="1"/>
-          </p:cNvPicPr>
+      <p:sp>
+        <p:nvSpPr>
+          <p:cNvPr id="3" name="Inhaltsplatzhalter 2"/>
+          <p:cNvSpPr>
+            <a:spLocks noGrp="1"/>
+          </p:cNvSpPr>
           <p:nvPr>
             <p:ph idx="1"/>
           </p:nvPr>
-        </p:nvPicPr>
-        <p:blipFill>
-          <a:blip r:embed="rId2">
-            <a:extLst>
-              <a:ext uri="{28A0092B-C50C-407E-A947-70E740481C1C}">
-                <a14:useLocalDpi xmlns:a14="http://schemas.microsoft.com/office/drawing/2010/main" val="0"/>
-              </a:ext>
-            </a:extLst>
-          </a:blip>
-          <a:stretch>
-            <a:fillRect/>
-          </a:stretch>
-        </p:blipFill>
-        <p:spPr>
-          <a:xfrm>
-            <a:off x="862510" y="1825625"/>
-            <a:ext cx="10466979" cy="4351338"/>
-          </a:xfrm>
-        </p:spPr>
-      </p:pic>
+        </p:nvSpPr>
+        <p:spPr/>
+        <p:txBody>
+          <a:bodyPr/>
+          <a:lstStyle/>
+          <a:p>
+            <a:pPr marL="514350" indent="-514350">
+              <a:buAutoNum type="arabicPeriod"/>
+            </a:pPr>
+            <a:r>
+              <a:rPr lang="de-DE" dirty="0" smtClean="0"/>
+              <a:t>Einleitung</a:t>
+            </a:r>
+          </a:p>
+          <a:p>
+            <a:pPr marL="514350" indent="-514350">
+              <a:buAutoNum type="arabicPeriod"/>
+            </a:pPr>
+            <a:r>
+              <a:rPr lang="de-DE" dirty="0" err="1" smtClean="0"/>
+              <a:t>IaaS</a:t>
+            </a:r>
+            <a:r>
+              <a:rPr lang="de-DE" dirty="0" smtClean="0"/>
+              <a:t> </a:t>
+            </a:r>
+          </a:p>
+          <a:p>
+            <a:pPr marL="514350" indent="-514350">
+              <a:buAutoNum type="arabicPeriod"/>
+            </a:pPr>
+            <a:r>
+              <a:rPr lang="de-DE" dirty="0" err="1" smtClean="0"/>
+              <a:t>PaaS</a:t>
+            </a:r>
+            <a:endParaRPr lang="de-DE" dirty="0" smtClean="0"/>
+          </a:p>
+          <a:p>
+            <a:pPr marL="514350" indent="-514350">
+              <a:buAutoNum type="arabicPeriod"/>
+            </a:pPr>
+            <a:r>
+              <a:rPr lang="de-DE" dirty="0" err="1" smtClean="0"/>
+              <a:t>FaaS</a:t>
+            </a:r>
+            <a:endParaRPr lang="de-DE" dirty="0" smtClean="0"/>
+          </a:p>
+          <a:p>
+            <a:pPr marL="514350" indent="-514350">
+              <a:buAutoNum type="arabicPeriod"/>
+            </a:pPr>
+            <a:r>
+              <a:rPr lang="de-DE" dirty="0" smtClean="0"/>
+              <a:t>Vergleich</a:t>
+            </a:r>
+          </a:p>
+          <a:p>
+            <a:pPr marL="514350" indent="-514350">
+              <a:buAutoNum type="arabicPeriod"/>
+            </a:pPr>
+            <a:r>
+              <a:rPr lang="de-DE" dirty="0" smtClean="0"/>
+              <a:t>Anwendungsfälle</a:t>
+            </a:r>
+          </a:p>
+          <a:p>
+            <a:pPr marL="514350" indent="-514350">
+              <a:buAutoNum type="arabicPeriod"/>
+            </a:pPr>
+            <a:r>
+              <a:rPr lang="de-DE" dirty="0" smtClean="0"/>
+              <a:t>Anbieter</a:t>
+            </a:r>
+          </a:p>
+          <a:p>
+            <a:pPr marL="0" indent="0">
+              <a:buNone/>
+            </a:pPr>
+            <a:endParaRPr lang="de-DE" dirty="0"/>
+          </a:p>
+        </p:txBody>
+      </p:sp>
     </p:spTree>
     <p:extLst>
       <p:ext uri="{BB962C8B-B14F-4D97-AF65-F5344CB8AC3E}">
-        <p14:creationId xmlns:p14="http://schemas.microsoft.com/office/powerpoint/2010/main" val="3035409648"/>
+        <p14:creationId xmlns:p14="http://schemas.microsoft.com/office/powerpoint/2010/main" val="3709616994"/>
       </p:ext>
     </p:extLst>
   </p:cSld>
@@ -5385,11 +5430,15 @@
           </p:cNvGraphicFramePr>
           <p:nvPr>
             <p:ph idx="1"/>
-            <p:extLst/>
+            <p:extLst>
+              <p:ext uri="{D42A27DB-BD31-4B8C-83A1-F6EECF244321}">
+                <p14:modId xmlns:p14="http://schemas.microsoft.com/office/powerpoint/2010/main" val="2506188480"/>
+              </p:ext>
+            </p:extLst>
           </p:nvPr>
         </p:nvGraphicFramePr>
         <p:xfrm>
-          <a:off x="633984" y="1825625"/>
+          <a:off x="652272" y="2703811"/>
           <a:ext cx="10887456" cy="2108200"/>
         </p:xfrm>
         <a:graphic>
@@ -6769,6 +6818,9 @@
           <a:bodyPr/>
           <a:lstStyle/>
           <a:p>
+            <a:pPr marL="0" indent="0">
+              <a:buNone/>
+            </a:pPr>
             <a:r>
               <a:rPr lang="de-DE" dirty="0" smtClean="0"/>
               <a:t>Web backend</a:t>
@@ -6864,7 +6916,11 @@
           <a:bodyPr/>
           <a:lstStyle/>
           <a:p>
-            <a:endParaRPr lang="de-DE"/>
+            <a:r>
+              <a:rPr lang="de-DE" dirty="0"/>
+              <a:t>Anwendungsfälle</a:t>
+            </a:r>
+            <a:endParaRPr lang="de-DE" dirty="0"/>
           </a:p>
         </p:txBody>
       </p:sp>
@@ -6909,6 +6965,215 @@
           </a:extLst>
         </p:spPr>
       </p:pic>
+      <p:sp>
+        <p:nvSpPr>
+          <p:cNvPr id="5" name="Inhaltsplatzhalter 2"/>
+          <p:cNvSpPr txBox="1">
+            <a:spLocks/>
+          </p:cNvSpPr>
+          <p:nvPr/>
+        </p:nvSpPr>
+        <p:spPr>
+          <a:xfrm>
+            <a:off x="838200" y="1825625"/>
+            <a:ext cx="10515600" cy="4351338"/>
+          </a:xfrm>
+          <a:prstGeom prst="rect">
+            <a:avLst/>
+          </a:prstGeom>
+        </p:spPr>
+        <p:txBody>
+          <a:bodyPr vert="horz" lIns="91440" tIns="45720" rIns="91440" bIns="45720" rtlCol="0">
+            <a:normAutofit/>
+          </a:bodyPr>
+          <a:lstStyle>
+            <a:lvl1pPr marL="228600" indent="-228600" algn="l" defTabSz="914400" rtl="0" eaLnBrk="1" latinLnBrk="0" hangingPunct="1">
+              <a:lnSpc>
+                <a:spcPct val="90000"/>
+              </a:lnSpc>
+              <a:spcBef>
+                <a:spcPts val="1000"/>
+              </a:spcBef>
+              <a:buFont typeface="Arial" panose="020B0604020202020204" pitchFamily="34" charset="0"/>
+              <a:buChar char="•"/>
+              <a:defRPr sz="2800" kern="1200">
+                <a:solidFill>
+                  <a:schemeClr val="tx1"/>
+                </a:solidFill>
+                <a:latin typeface="+mn-lt"/>
+                <a:ea typeface="+mn-ea"/>
+                <a:cs typeface="+mn-cs"/>
+              </a:defRPr>
+            </a:lvl1pPr>
+            <a:lvl2pPr marL="685800" indent="-228600" algn="l" defTabSz="914400" rtl="0" eaLnBrk="1" latinLnBrk="0" hangingPunct="1">
+              <a:lnSpc>
+                <a:spcPct val="90000"/>
+              </a:lnSpc>
+              <a:spcBef>
+                <a:spcPts val="500"/>
+              </a:spcBef>
+              <a:buFont typeface="Arial" panose="020B0604020202020204" pitchFamily="34" charset="0"/>
+              <a:buChar char="•"/>
+              <a:defRPr sz="2400" kern="1200">
+                <a:solidFill>
+                  <a:schemeClr val="tx1"/>
+                </a:solidFill>
+                <a:latin typeface="+mn-lt"/>
+                <a:ea typeface="+mn-ea"/>
+                <a:cs typeface="+mn-cs"/>
+              </a:defRPr>
+            </a:lvl2pPr>
+            <a:lvl3pPr marL="1143000" indent="-228600" algn="l" defTabSz="914400" rtl="0" eaLnBrk="1" latinLnBrk="0" hangingPunct="1">
+              <a:lnSpc>
+                <a:spcPct val="90000"/>
+              </a:lnSpc>
+              <a:spcBef>
+                <a:spcPts val="500"/>
+              </a:spcBef>
+              <a:buFont typeface="Arial" panose="020B0604020202020204" pitchFamily="34" charset="0"/>
+              <a:buChar char="•"/>
+              <a:defRPr sz="2000" kern="1200">
+                <a:solidFill>
+                  <a:schemeClr val="tx1"/>
+                </a:solidFill>
+                <a:latin typeface="+mn-lt"/>
+                <a:ea typeface="+mn-ea"/>
+                <a:cs typeface="+mn-cs"/>
+              </a:defRPr>
+            </a:lvl3pPr>
+            <a:lvl4pPr marL="1600200" indent="-228600" algn="l" defTabSz="914400" rtl="0" eaLnBrk="1" latinLnBrk="0" hangingPunct="1">
+              <a:lnSpc>
+                <a:spcPct val="90000"/>
+              </a:lnSpc>
+              <a:spcBef>
+                <a:spcPts val="500"/>
+              </a:spcBef>
+              <a:buFont typeface="Arial" panose="020B0604020202020204" pitchFamily="34" charset="0"/>
+              <a:buChar char="•"/>
+              <a:defRPr sz="1800" kern="1200">
+                <a:solidFill>
+                  <a:schemeClr val="tx1"/>
+                </a:solidFill>
+                <a:latin typeface="+mn-lt"/>
+                <a:ea typeface="+mn-ea"/>
+                <a:cs typeface="+mn-cs"/>
+              </a:defRPr>
+            </a:lvl4pPr>
+            <a:lvl5pPr marL="2057400" indent="-228600" algn="l" defTabSz="914400" rtl="0" eaLnBrk="1" latinLnBrk="0" hangingPunct="1">
+              <a:lnSpc>
+                <a:spcPct val="90000"/>
+              </a:lnSpc>
+              <a:spcBef>
+                <a:spcPts val="500"/>
+              </a:spcBef>
+              <a:buFont typeface="Arial" panose="020B0604020202020204" pitchFamily="34" charset="0"/>
+              <a:buChar char="•"/>
+              <a:defRPr sz="1800" kern="1200">
+                <a:solidFill>
+                  <a:schemeClr val="tx1"/>
+                </a:solidFill>
+                <a:latin typeface="+mn-lt"/>
+                <a:ea typeface="+mn-ea"/>
+                <a:cs typeface="+mn-cs"/>
+              </a:defRPr>
+            </a:lvl5pPr>
+            <a:lvl6pPr marL="2514600" indent="-228600" algn="l" defTabSz="914400" rtl="0" eaLnBrk="1" latinLnBrk="0" hangingPunct="1">
+              <a:lnSpc>
+                <a:spcPct val="90000"/>
+              </a:lnSpc>
+              <a:spcBef>
+                <a:spcPts val="500"/>
+              </a:spcBef>
+              <a:buFont typeface="Arial" panose="020B0604020202020204" pitchFamily="34" charset="0"/>
+              <a:buChar char="•"/>
+              <a:defRPr sz="1800" kern="1200">
+                <a:solidFill>
+                  <a:schemeClr val="tx1"/>
+                </a:solidFill>
+                <a:latin typeface="+mn-lt"/>
+                <a:ea typeface="+mn-ea"/>
+                <a:cs typeface="+mn-cs"/>
+              </a:defRPr>
+            </a:lvl6pPr>
+            <a:lvl7pPr marL="2971800" indent="-228600" algn="l" defTabSz="914400" rtl="0" eaLnBrk="1" latinLnBrk="0" hangingPunct="1">
+              <a:lnSpc>
+                <a:spcPct val="90000"/>
+              </a:lnSpc>
+              <a:spcBef>
+                <a:spcPts val="500"/>
+              </a:spcBef>
+              <a:buFont typeface="Arial" panose="020B0604020202020204" pitchFamily="34" charset="0"/>
+              <a:buChar char="•"/>
+              <a:defRPr sz="1800" kern="1200">
+                <a:solidFill>
+                  <a:schemeClr val="tx1"/>
+                </a:solidFill>
+                <a:latin typeface="+mn-lt"/>
+                <a:ea typeface="+mn-ea"/>
+                <a:cs typeface="+mn-cs"/>
+              </a:defRPr>
+            </a:lvl7pPr>
+            <a:lvl8pPr marL="3429000" indent="-228600" algn="l" defTabSz="914400" rtl="0" eaLnBrk="1" latinLnBrk="0" hangingPunct="1">
+              <a:lnSpc>
+                <a:spcPct val="90000"/>
+              </a:lnSpc>
+              <a:spcBef>
+                <a:spcPts val="500"/>
+              </a:spcBef>
+              <a:buFont typeface="Arial" panose="020B0604020202020204" pitchFamily="34" charset="0"/>
+              <a:buChar char="•"/>
+              <a:defRPr sz="1800" kern="1200">
+                <a:solidFill>
+                  <a:schemeClr val="tx1"/>
+                </a:solidFill>
+                <a:latin typeface="+mn-lt"/>
+                <a:ea typeface="+mn-ea"/>
+                <a:cs typeface="+mn-cs"/>
+              </a:defRPr>
+            </a:lvl8pPr>
+            <a:lvl9pPr marL="3886200" indent="-228600" algn="l" defTabSz="914400" rtl="0" eaLnBrk="1" latinLnBrk="0" hangingPunct="1">
+              <a:lnSpc>
+                <a:spcPct val="90000"/>
+              </a:lnSpc>
+              <a:spcBef>
+                <a:spcPts val="500"/>
+              </a:spcBef>
+              <a:buFont typeface="Arial" panose="020B0604020202020204" pitchFamily="34" charset="0"/>
+              <a:buChar char="•"/>
+              <a:defRPr sz="1800" kern="1200">
+                <a:solidFill>
+                  <a:schemeClr val="tx1"/>
+                </a:solidFill>
+                <a:latin typeface="+mn-lt"/>
+                <a:ea typeface="+mn-ea"/>
+                <a:cs typeface="+mn-cs"/>
+              </a:defRPr>
+            </a:lvl9pPr>
+          </a:lstStyle>
+          <a:p>
+            <a:pPr marL="0" indent="0">
+              <a:buFont typeface="Arial" panose="020B0604020202020204" pitchFamily="34" charset="0"/>
+              <a:buNone/>
+            </a:pPr>
+            <a:r>
+              <a:rPr lang="de-DE" dirty="0" smtClean="0"/>
+              <a:t>File </a:t>
+            </a:r>
+            <a:r>
+              <a:rPr lang="de-DE" dirty="0" err="1" smtClean="0"/>
+              <a:t>processing</a:t>
+            </a:r>
+            <a:endParaRPr lang="de-DE" dirty="0" smtClean="0"/>
+          </a:p>
+          <a:p>
+            <a:pPr marL="0" indent="0">
+              <a:buFont typeface="Arial" panose="020B0604020202020204" pitchFamily="34" charset="0"/>
+              <a:buNone/>
+            </a:pPr>
+            <a:endParaRPr lang="de-DE" dirty="0"/>
+          </a:p>
+        </p:txBody>
+      </p:sp>
     </p:spTree>
     <p:extLst>
       <p:ext uri="{BB962C8B-B14F-4D97-AF65-F5344CB8AC3E}">
@@ -6984,6 +7249,9 @@
           <a:bodyPr/>
           <a:lstStyle/>
           <a:p>
+            <a:pPr marL="0" indent="0">
+              <a:buNone/>
+            </a:pPr>
             <a:r>
               <a:rPr lang="de-DE" dirty="0" smtClean="0"/>
               <a:t>Ausführung von Funktionen oder </a:t>
@@ -7073,9 +7341,10 @@
           <a:lstStyle/>
           <a:p>
             <a:r>
-              <a:rPr lang="de-DE" dirty="0"/>
-              <a:t>Vorteile/Nachteile</a:t>
-            </a:r>
+              <a:rPr lang="de-DE" dirty="0" smtClean="0"/>
+              <a:t>Vergleich</a:t>
+            </a:r>
+            <a:endParaRPr lang="de-DE" dirty="0"/>
           </a:p>
         </p:txBody>
       </p:sp>
@@ -7135,25 +7404,6 @@
           <a:chExt cx="0" cy="0"/>
         </a:xfrm>
       </p:grpSpPr>
-      <p:sp>
-        <p:nvSpPr>
-          <p:cNvPr id="2" name="Titel 1"/>
-          <p:cNvSpPr>
-            <a:spLocks noGrp="1"/>
-          </p:cNvSpPr>
-          <p:nvPr>
-            <p:ph type="title"/>
-          </p:nvPr>
-        </p:nvSpPr>
-        <p:spPr/>
-        <p:txBody>
-          <a:bodyPr/>
-          <a:lstStyle/>
-          <a:p>
-            <a:endParaRPr lang="de-DE" dirty="0"/>
-          </a:p>
-        </p:txBody>
-      </p:sp>
       <p:pic>
         <p:nvPicPr>
           <p:cNvPr id="4" name="Inhaltsplatzhalter 3"/>
@@ -7178,8 +7428,8 @@
         </p:blipFill>
         <p:spPr>
           <a:xfrm>
-            <a:off x="2228144" y="1825625"/>
-            <a:ext cx="7735712" cy="4351338"/>
+            <a:off x="1" y="0"/>
+            <a:ext cx="12192000" cy="6858000"/>
           </a:xfrm>
         </p:spPr>
       </p:pic>
@@ -7227,64 +7477,56 @@
             <a:spLocks noGrp="1"/>
           </p:cNvSpPr>
           <p:nvPr>
-            <p:ph type="title"/>
-          </p:nvPr>
-        </p:nvSpPr>
-        <p:spPr/>
-        <p:txBody>
-          <a:bodyPr/>
-          <a:lstStyle/>
-          <a:p>
-            <a:endParaRPr lang="de-DE"/>
-          </a:p>
-        </p:txBody>
-      </p:sp>
-      <p:pic>
-        <p:nvPicPr>
-          <p:cNvPr id="4" name="Inhaltsplatzhalter 3"/>
-          <p:cNvPicPr>
-            <a:picLocks noGrp="1" noChangeAspect="1"/>
-          </p:cNvPicPr>
-          <p:nvPr>
-            <p:ph idx="1"/>
-          </p:nvPr>
-        </p:nvPicPr>
-        <p:blipFill>
-          <a:blip r:embed="rId3">
-            <a:extLst>
-              <a:ext uri="{28A0092B-C50C-407E-A947-70E740481C1C}">
-                <a14:useLocalDpi xmlns:a14="http://schemas.microsoft.com/office/drawing/2010/main" val="0"/>
-              </a:ext>
-            </a:extLst>
-          </a:blip>
-          <a:stretch>
-            <a:fillRect/>
-          </a:stretch>
-        </p:blipFill>
+            <p:ph type="ctrTitle"/>
+          </p:nvPr>
+        </p:nvSpPr>
+        <p:spPr/>
+        <p:txBody>
+          <a:bodyPr/>
+          <a:lstStyle/>
+          <a:p>
+            <a:r>
+              <a:rPr lang="de-DE" dirty="0" smtClean="0"/>
+              <a:t>Einleitung</a:t>
+            </a:r>
+            <a:endParaRPr lang="de-DE" dirty="0"/>
+          </a:p>
+        </p:txBody>
+      </p:sp>
+      <p:sp>
+        <p:nvSpPr>
+          <p:cNvPr id="3" name="Untertitel 2"/>
+          <p:cNvSpPr>
+            <a:spLocks noGrp="1"/>
+          </p:cNvSpPr>
+          <p:nvPr>
+            <p:ph type="subTitle" idx="1"/>
+          </p:nvPr>
+        </p:nvSpPr>
         <p:spPr>
           <a:xfrm>
-            <a:off x="1423987" y="2834481"/>
-            <a:ext cx="9344025" cy="2333625"/>
+            <a:off x="1524000" y="3509963"/>
+            <a:ext cx="9144000" cy="1655762"/>
           </a:xfrm>
         </p:spPr>
-      </p:pic>
+        <p:txBody>
+          <a:bodyPr/>
+          <a:lstStyle/>
+          <a:p>
+            <a:endParaRPr lang="de-DE" dirty="0"/>
+          </a:p>
+        </p:txBody>
+      </p:sp>
     </p:spTree>
     <p:extLst>
       <p:ext uri="{BB962C8B-B14F-4D97-AF65-F5344CB8AC3E}">
-        <p14:creationId xmlns:p14="http://schemas.microsoft.com/office/powerpoint/2010/main" val="1613914704"/>
+        <p14:creationId xmlns:p14="http://schemas.microsoft.com/office/powerpoint/2010/main" val="3377961751"/>
       </p:ext>
     </p:extLst>
   </p:cSld>
   <p:clrMapOvr>
     <a:masterClrMapping/>
   </p:clrMapOvr>
-  <p:timing>
-    <p:tnLst>
-      <p:par>
-        <p:cTn id="1" dur="indefinite" restart="never" nodeType="tmRoot"/>
-      </p:par>
-    </p:tnLst>
-  </p:timing>
 </p:sld>
 </file>
 
@@ -8020,11 +8262,7 @@
                       </a:pPr>
                       <a:r>
                         <a:rPr lang="de-DE" dirty="0" smtClean="0"/>
-                        <a:t>Niemals extern zur Verfügung (falls Konkurs </a:t>
-                      </a:r>
-                      <a:r>
-                        <a:rPr lang="de-DE" smtClean="0"/>
-                        <a:t>des Anbieters)</a:t>
+                        <a:t>Niemals extern zur Verfügung (falls Konkurs des Anbieters)</a:t>
                       </a:r>
                       <a:endParaRPr lang="de-DE" dirty="0"/>
                     </a:p>
@@ -9350,6 +9588,664 @@
           <a:bodyPr/>
           <a:lstStyle/>
           <a:p>
+            <a:r>
+              <a:rPr lang="de-DE" dirty="0" smtClean="0"/>
+              <a:t>Plattform Spektrum</a:t>
+            </a:r>
+            <a:endParaRPr lang="de-DE" dirty="0"/>
+          </a:p>
+        </p:txBody>
+      </p:sp>
+      <p:pic>
+        <p:nvPicPr>
+          <p:cNvPr id="4" name="Inhaltsplatzhalter 3"/>
+          <p:cNvPicPr>
+            <a:picLocks noGrp="1" noChangeAspect="1"/>
+          </p:cNvPicPr>
+          <p:nvPr>
+            <p:ph idx="1"/>
+          </p:nvPr>
+        </p:nvPicPr>
+        <p:blipFill>
+          <a:blip r:embed="rId2">
+            <a:extLst>
+              <a:ext uri="{28A0092B-C50C-407E-A947-70E740481C1C}">
+                <a14:useLocalDpi xmlns:a14="http://schemas.microsoft.com/office/drawing/2010/main" val="0"/>
+              </a:ext>
+            </a:extLst>
+          </a:blip>
+          <a:stretch>
+            <a:fillRect/>
+          </a:stretch>
+        </p:blipFill>
+        <p:spPr>
+          <a:xfrm>
+            <a:off x="862510" y="1825625"/>
+            <a:ext cx="10466979" cy="4351338"/>
+          </a:xfrm>
+        </p:spPr>
+      </p:pic>
+    </p:spTree>
+    <p:extLst>
+      <p:ext uri="{BB962C8B-B14F-4D97-AF65-F5344CB8AC3E}">
+        <p14:creationId xmlns:p14="http://schemas.microsoft.com/office/powerpoint/2010/main" val="3035409648"/>
+      </p:ext>
+    </p:extLst>
+  </p:cSld>
+  <p:clrMapOvr>
+    <a:masterClrMapping/>
+  </p:clrMapOvr>
+  <p:timing>
+    <p:tnLst>
+      <p:par>
+        <p:cTn id="1" dur="indefinite" restart="never" nodeType="tmRoot"/>
+      </p:par>
+    </p:tnLst>
+  </p:timing>
+</p:sld>
+</file>
+
+<file path=ppt/slides/slide40.xml><?xml version="1.0" encoding="utf-8"?>
+<p:sld xmlns:a="http://schemas.openxmlformats.org/drawingml/2006/main" xmlns:r="http://schemas.openxmlformats.org/officeDocument/2006/relationships" xmlns:p="http://schemas.openxmlformats.org/presentationml/2006/main">
+  <p:cSld>
+    <p:spTree>
+      <p:nvGrpSpPr>
+        <p:cNvPr id="1" name=""/>
+        <p:cNvGrpSpPr/>
+        <p:nvPr/>
+      </p:nvGrpSpPr>
+      <p:grpSpPr>
+        <a:xfrm>
+          <a:off x="0" y="0"/>
+          <a:ext cx="0" cy="0"/>
+          <a:chOff x="0" y="0"/>
+          <a:chExt cx="0" cy="0"/>
+        </a:xfrm>
+      </p:grpSpPr>
+      <p:sp>
+        <p:nvSpPr>
+          <p:cNvPr id="2" name="Titel 1"/>
+          <p:cNvSpPr>
+            <a:spLocks noGrp="1"/>
+          </p:cNvSpPr>
+          <p:nvPr>
+            <p:ph type="title"/>
+          </p:nvPr>
+        </p:nvSpPr>
+        <p:spPr/>
+        <p:txBody>
+          <a:bodyPr/>
+          <a:lstStyle/>
+          <a:p>
+            <a:r>
+              <a:rPr lang="de-DE" dirty="0" smtClean="0"/>
+              <a:t>Quellen</a:t>
+            </a:r>
+            <a:endParaRPr lang="de-DE" dirty="0"/>
+          </a:p>
+        </p:txBody>
+      </p:sp>
+      <p:sp>
+        <p:nvSpPr>
+          <p:cNvPr id="3" name="Inhaltsplatzhalter 2"/>
+          <p:cNvSpPr>
+            <a:spLocks noGrp="1"/>
+          </p:cNvSpPr>
+          <p:nvPr>
+            <p:ph idx="1"/>
+          </p:nvPr>
+        </p:nvSpPr>
+        <p:spPr/>
+        <p:txBody>
+          <a:bodyPr>
+            <a:normAutofit fontScale="92500" lnSpcReduction="10000"/>
+          </a:bodyPr>
+          <a:lstStyle/>
+          <a:p>
+            <a:r>
+              <a:rPr lang="de-DE" dirty="0">
+                <a:hlinkClick r:id="rId2"/>
+              </a:rPr>
+              <a:t>https://</a:t>
+            </a:r>
+            <a:r>
+              <a:rPr lang="de-DE" dirty="0" smtClean="0">
+                <a:hlinkClick r:id="rId2"/>
+              </a:rPr>
+              <a:t>www.profitbricks.com/sites/default/files/profitbricks-200px.png</a:t>
+            </a:r>
+            <a:endParaRPr lang="de-DE" dirty="0" smtClean="0"/>
+          </a:p>
+          <a:p>
+            <a:r>
+              <a:rPr lang="de-DE" dirty="0">
+                <a:hlinkClick r:id="rId3"/>
+              </a:rPr>
+              <a:t>https://</a:t>
+            </a:r>
+            <a:r>
+              <a:rPr lang="de-DE" dirty="0" smtClean="0">
+                <a:hlinkClick r:id="rId3"/>
+              </a:rPr>
+              <a:t>signalfx-82c9.kxcdn.com/wp-content/uploads/EC2-logo-full.jpg</a:t>
+            </a:r>
+            <a:endParaRPr lang="de-DE" dirty="0" smtClean="0"/>
+          </a:p>
+          <a:p>
+            <a:r>
+              <a:rPr lang="de-DE" dirty="0">
+                <a:hlinkClick r:id="rId4"/>
+              </a:rPr>
+              <a:t>https://</a:t>
+            </a:r>
+            <a:r>
+              <a:rPr lang="de-DE" dirty="0" smtClean="0">
+                <a:hlinkClick r:id="rId4"/>
+              </a:rPr>
+              <a:t>gigaom.com/wp-content/uploads/sites/1/2012/08/rackspace_logo_08_07_20122.jpg?w=300</a:t>
+            </a:r>
+            <a:endParaRPr lang="de-DE" dirty="0" smtClean="0"/>
+          </a:p>
+          <a:p>
+            <a:r>
+              <a:rPr lang="de-DE" dirty="0">
+                <a:hlinkClick r:id="rId5"/>
+              </a:rPr>
+              <a:t>https://</a:t>
+            </a:r>
+            <a:r>
+              <a:rPr lang="de-DE" dirty="0" smtClean="0">
+                <a:hlinkClick r:id="rId5"/>
+              </a:rPr>
+              <a:t>www.vcnewsnetwork.com/wp-content/uploads/2017/09/16656-thumb.png</a:t>
+            </a:r>
+            <a:endParaRPr lang="de-DE" dirty="0" smtClean="0"/>
+          </a:p>
+          <a:p>
+            <a:r>
+              <a:rPr lang="de-DE" dirty="0">
+                <a:hlinkClick r:id="rId6"/>
+              </a:rPr>
+              <a:t>http://</a:t>
+            </a:r>
+            <a:r>
+              <a:rPr lang="de-DE" dirty="0" smtClean="0">
+                <a:hlinkClick r:id="rId6"/>
+              </a:rPr>
+              <a:t>www.xangati.com/wp-content/uploads/2016/09/PaaS.png</a:t>
+            </a:r>
+            <a:endParaRPr lang="de-DE" dirty="0" smtClean="0"/>
+          </a:p>
+          <a:p>
+            <a:r>
+              <a:rPr lang="de-DE" dirty="0">
+                <a:hlinkClick r:id="rId7"/>
+              </a:rPr>
+              <a:t>https://</a:t>
+            </a:r>
+            <a:r>
+              <a:rPr lang="de-DE" dirty="0" smtClean="0">
+                <a:hlinkClick r:id="rId7"/>
+              </a:rPr>
+              <a:t>jaxenter.de/serverless-best-practices-61856</a:t>
+            </a:r>
+            <a:endParaRPr lang="de-DE" dirty="0" smtClean="0"/>
+          </a:p>
+          <a:p>
+            <a:r>
+              <a:rPr lang="de-DE" dirty="0"/>
+              <a:t>https://www.cloudcomputing-insider.de/was-ist-platform-as-a-service-a-624296/</a:t>
+            </a:r>
+          </a:p>
+          <a:p>
+            <a:endParaRPr lang="de-DE" dirty="0"/>
+          </a:p>
+          <a:p>
+            <a:endParaRPr lang="de-DE" dirty="0"/>
+          </a:p>
+        </p:txBody>
+      </p:sp>
+    </p:spTree>
+    <p:extLst>
+      <p:ext uri="{BB962C8B-B14F-4D97-AF65-F5344CB8AC3E}">
+        <p14:creationId xmlns:p14="http://schemas.microsoft.com/office/powerpoint/2010/main" val="334305847"/>
+      </p:ext>
+    </p:extLst>
+  </p:cSld>
+  <p:clrMapOvr>
+    <a:masterClrMapping/>
+  </p:clrMapOvr>
+</p:sld>
+</file>
+
+<file path=ppt/slides/slide41.xml><?xml version="1.0" encoding="utf-8"?>
+<p:sld xmlns:a="http://schemas.openxmlformats.org/drawingml/2006/main" xmlns:r="http://schemas.openxmlformats.org/officeDocument/2006/relationships" xmlns:p="http://schemas.openxmlformats.org/presentationml/2006/main">
+  <p:cSld>
+    <p:spTree>
+      <p:nvGrpSpPr>
+        <p:cNvPr id="1" name=""/>
+        <p:cNvGrpSpPr/>
+        <p:nvPr/>
+      </p:nvGrpSpPr>
+      <p:grpSpPr>
+        <a:xfrm>
+          <a:off x="0" y="0"/>
+          <a:ext cx="0" cy="0"/>
+          <a:chOff x="0" y="0"/>
+          <a:chExt cx="0" cy="0"/>
+        </a:xfrm>
+      </p:grpSpPr>
+      <p:sp>
+        <p:nvSpPr>
+          <p:cNvPr id="2" name="Titel 1"/>
+          <p:cNvSpPr>
+            <a:spLocks noGrp="1"/>
+          </p:cNvSpPr>
+          <p:nvPr>
+            <p:ph type="title"/>
+          </p:nvPr>
+        </p:nvSpPr>
+        <p:spPr/>
+        <p:txBody>
+          <a:bodyPr/>
+          <a:lstStyle/>
+          <a:p>
+            <a:r>
+              <a:rPr lang="de-DE" dirty="0" smtClean="0"/>
+              <a:t>Quellen</a:t>
+            </a:r>
+            <a:endParaRPr lang="de-DE" dirty="0"/>
+          </a:p>
+        </p:txBody>
+      </p:sp>
+      <p:sp>
+        <p:nvSpPr>
+          <p:cNvPr id="3" name="Inhaltsplatzhalter 2"/>
+          <p:cNvSpPr>
+            <a:spLocks noGrp="1"/>
+          </p:cNvSpPr>
+          <p:nvPr>
+            <p:ph idx="1"/>
+          </p:nvPr>
+        </p:nvSpPr>
+        <p:spPr/>
+        <p:txBody>
+          <a:bodyPr>
+            <a:normAutofit fontScale="92500" lnSpcReduction="10000"/>
+          </a:bodyPr>
+          <a:lstStyle/>
+          <a:p>
+            <a:r>
+              <a:rPr lang="de-DE" u="sng" dirty="0">
+                <a:hlinkClick r:id="rId2"/>
+              </a:rPr>
+              <a:t>https://www.cloudcomputing-insider.de/was-ist-infrastructure-as-a-service-a-605071/</a:t>
+            </a:r>
+            <a:endParaRPr lang="de-DE" dirty="0"/>
+          </a:p>
+          <a:p>
+            <a:r>
+              <a:rPr lang="de-DE" u="sng" dirty="0">
+                <a:hlinkClick r:id="rId3"/>
+              </a:rPr>
+              <a:t>https://www.profitbricks.de/de/cloud-lexikon/iaas</a:t>
+            </a:r>
+            <a:r>
+              <a:rPr lang="de-DE" u="sng" dirty="0" smtClean="0">
+                <a:hlinkClick r:id="rId3"/>
+              </a:rPr>
+              <a:t>/</a:t>
+            </a:r>
+            <a:r>
+              <a:rPr lang="de-DE" dirty="0"/>
+              <a:t> </a:t>
+            </a:r>
+          </a:p>
+          <a:p>
+            <a:r>
+              <a:rPr lang="de-DE" u="sng" dirty="0">
+                <a:hlinkClick r:id="rId4"/>
+              </a:rPr>
+              <a:t>https://</a:t>
+            </a:r>
+            <a:r>
+              <a:rPr lang="de-DE" u="sng" dirty="0" smtClean="0">
+                <a:hlinkClick r:id="rId4"/>
+              </a:rPr>
+              <a:t>www.interoute.de/was-ist-iaas</a:t>
+            </a:r>
+            <a:endParaRPr lang="de-DE" u="sng" dirty="0" smtClean="0"/>
+          </a:p>
+          <a:p>
+            <a:r>
+              <a:rPr lang="de-DE" dirty="0"/>
+              <a:t>https://de.slideshare.net/bennybauer1/serverless-when-to-faas</a:t>
+            </a:r>
+          </a:p>
+          <a:p>
+            <a:r>
+              <a:rPr lang="de-DE" dirty="0"/>
+              <a:t>https://131707-379326-1-raikfcquaxqncofqfm.stackpathdns.com/wp-content/uploads/2017/09/gapp_587de1fda58b4.jpg</a:t>
+            </a:r>
+          </a:p>
+          <a:p>
+            <a:r>
+              <a:rPr lang="de-DE" dirty="0"/>
+              <a:t>https://images.techhive.com/images/article/2013/05/windowsazure-100038816-large.jpg</a:t>
+            </a:r>
+          </a:p>
+          <a:p>
+            <a:r>
+              <a:rPr lang="de-DE" dirty="0"/>
+              <a:t>https://colintoh.com/content/blog/14-aws-elastic-beanstalk-survival-guide-introduction/elastic_beanstalk_logo.png</a:t>
+            </a:r>
+          </a:p>
+          <a:p>
+            <a:endParaRPr lang="de-DE" u="sng" dirty="0" smtClean="0"/>
+          </a:p>
+          <a:p>
+            <a:endParaRPr lang="de-DE" dirty="0"/>
+          </a:p>
+          <a:p>
+            <a:endParaRPr lang="de-DE" dirty="0"/>
+          </a:p>
+        </p:txBody>
+      </p:sp>
+    </p:spTree>
+    <p:extLst>
+      <p:ext uri="{BB962C8B-B14F-4D97-AF65-F5344CB8AC3E}">
+        <p14:creationId xmlns:p14="http://schemas.microsoft.com/office/powerpoint/2010/main" val="2454609177"/>
+      </p:ext>
+    </p:extLst>
+  </p:cSld>
+  <p:clrMapOvr>
+    <a:masterClrMapping/>
+  </p:clrMapOvr>
+</p:sld>
+</file>
+
+<file path=ppt/slides/slide42.xml><?xml version="1.0" encoding="utf-8"?>
+<p:sld xmlns:a="http://schemas.openxmlformats.org/drawingml/2006/main" xmlns:r="http://schemas.openxmlformats.org/officeDocument/2006/relationships" xmlns:p="http://schemas.openxmlformats.org/presentationml/2006/main">
+  <p:cSld>
+    <p:spTree>
+      <p:nvGrpSpPr>
+        <p:cNvPr id="1" name=""/>
+        <p:cNvGrpSpPr/>
+        <p:nvPr/>
+      </p:nvGrpSpPr>
+      <p:grpSpPr>
+        <a:xfrm>
+          <a:off x="0" y="0"/>
+          <a:ext cx="0" cy="0"/>
+          <a:chOff x="0" y="0"/>
+          <a:chExt cx="0" cy="0"/>
+        </a:xfrm>
+      </p:grpSpPr>
+      <p:sp>
+        <p:nvSpPr>
+          <p:cNvPr id="2" name="Titel 1"/>
+          <p:cNvSpPr>
+            <a:spLocks noGrp="1"/>
+          </p:cNvSpPr>
+          <p:nvPr>
+            <p:ph type="title"/>
+          </p:nvPr>
+        </p:nvSpPr>
+        <p:spPr/>
+        <p:txBody>
+          <a:bodyPr/>
+          <a:lstStyle/>
+          <a:p>
+            <a:r>
+              <a:rPr lang="de-DE" dirty="0" smtClean="0"/>
+              <a:t>Quellen</a:t>
+            </a:r>
+            <a:endParaRPr lang="de-DE" dirty="0"/>
+          </a:p>
+        </p:txBody>
+      </p:sp>
+      <p:sp>
+        <p:nvSpPr>
+          <p:cNvPr id="3" name="Inhaltsplatzhalter 2"/>
+          <p:cNvSpPr>
+            <a:spLocks noGrp="1"/>
+          </p:cNvSpPr>
+          <p:nvPr>
+            <p:ph idx="1"/>
+          </p:nvPr>
+        </p:nvSpPr>
+        <p:spPr/>
+        <p:txBody>
+          <a:bodyPr/>
+          <a:lstStyle/>
+          <a:p>
+            <a:r>
+              <a:rPr lang="de-DE" dirty="0" smtClean="0">
+                <a:hlinkClick r:id="rId2"/>
+              </a:rPr>
+              <a:t>https</a:t>
+            </a:r>
+            <a:r>
+              <a:rPr lang="de-DE" dirty="0" smtClean="0">
+                <a:hlinkClick r:id="rId2"/>
+              </a:rPr>
+              <a:t>://stackify.com/function-as-a-service-serverless-architecture/</a:t>
+            </a:r>
+            <a:endParaRPr lang="de-DE" dirty="0" smtClean="0"/>
+          </a:p>
+          <a:p>
+            <a:r>
+              <a:rPr lang="de-DE" dirty="0" smtClean="0">
+                <a:hlinkClick r:id="rId3"/>
+              </a:rPr>
+              <a:t>https</a:t>
+            </a:r>
+            <a:r>
+              <a:rPr lang="de-DE" dirty="0" smtClean="0">
+                <a:hlinkClick r:id="rId3"/>
+              </a:rPr>
+              <a:t>://www.computerwoche.de/a/ein-ausflug-in-die-welt-der-serverless-architekturen,3331496</a:t>
+            </a:r>
+            <a:endParaRPr lang="de-DE" dirty="0" smtClean="0"/>
+          </a:p>
+          <a:p>
+            <a:r>
+              <a:rPr lang="de-DE" dirty="0" smtClean="0">
+                <a:hlinkClick r:id="rId4"/>
+              </a:rPr>
+              <a:t>http</a:t>
+            </a:r>
+            <a:r>
+              <a:rPr lang="de-DE" dirty="0" smtClean="0">
+                <a:hlinkClick r:id="rId4"/>
+              </a:rPr>
+              <a:t>://t3n.de/news/serverless-computing-server-code-849986/</a:t>
+            </a:r>
+            <a:endParaRPr lang="de-DE" dirty="0" smtClean="0"/>
+          </a:p>
+          <a:p>
+            <a:r>
+              <a:rPr lang="de-DE" dirty="0" smtClean="0">
+                <a:hlinkClick r:id="rId5"/>
+              </a:rPr>
+              <a:t>https</a:t>
+            </a:r>
+            <a:r>
+              <a:rPr lang="de-DE" dirty="0" smtClean="0">
+                <a:hlinkClick r:id="rId5"/>
+              </a:rPr>
+              <a:t>://</a:t>
+            </a:r>
+            <a:r>
+              <a:rPr lang="de-DE" dirty="0" smtClean="0">
+                <a:hlinkClick r:id="rId5"/>
+              </a:rPr>
+              <a:t>www.youtube.com/watch?v=nzOE6pIg6Pw</a:t>
+            </a:r>
+            <a:endParaRPr lang="de-DE" dirty="0" smtClean="0"/>
+          </a:p>
+          <a:p>
+            <a:r>
+              <a:rPr lang="de-DE" dirty="0">
+                <a:hlinkClick r:id="rId6"/>
+              </a:rPr>
+              <a:t>https://mesosphere.com/blog/iaas-vs-caas-vs-paas-vs-faas/</a:t>
+            </a:r>
+            <a:endParaRPr lang="de-DE" dirty="0"/>
+          </a:p>
+          <a:p>
+            <a:r>
+              <a:rPr lang="de-DE" dirty="0">
+                <a:hlinkClick r:id="rId7"/>
+              </a:rPr>
+              <a:t>https://en.wikipedia.org/wiki/Function_as_a_service</a:t>
+            </a:r>
+            <a:endParaRPr lang="de-DE" dirty="0"/>
+          </a:p>
+          <a:p>
+            <a:r>
+              <a:rPr lang="de-DE" dirty="0"/>
+              <a:t>https://www.crisp-research.com/serverless-infrastructure-der-schmale-grat-zwischen-einfachheit-und-kontrollverlust/</a:t>
+            </a:r>
+          </a:p>
+          <a:p>
+            <a:endParaRPr lang="de-DE" dirty="0" smtClean="0"/>
+          </a:p>
+          <a:p>
+            <a:endParaRPr lang="de-DE" dirty="0"/>
+          </a:p>
+        </p:txBody>
+      </p:sp>
+    </p:spTree>
+    <p:extLst>
+      <p:ext uri="{BB962C8B-B14F-4D97-AF65-F5344CB8AC3E}">
+        <p14:creationId xmlns:p14="http://schemas.microsoft.com/office/powerpoint/2010/main" val="47548112"/>
+      </p:ext>
+    </p:extLst>
+  </p:cSld>
+  <p:clrMapOvr>
+    <a:masterClrMapping/>
+  </p:clrMapOvr>
+</p:sld>
+</file>
+
+<file path=ppt/slides/slide5.xml><?xml version="1.0" encoding="utf-8"?>
+<p:sld xmlns:a="http://schemas.openxmlformats.org/drawingml/2006/main" xmlns:r="http://schemas.openxmlformats.org/officeDocument/2006/relationships" xmlns:p="http://schemas.openxmlformats.org/presentationml/2006/main">
+  <p:cSld>
+    <p:spTree>
+      <p:nvGrpSpPr>
+        <p:cNvPr id="1" name=""/>
+        <p:cNvGrpSpPr/>
+        <p:nvPr/>
+      </p:nvGrpSpPr>
+      <p:grpSpPr>
+        <a:xfrm>
+          <a:off x="0" y="0"/>
+          <a:ext cx="0" cy="0"/>
+          <a:chOff x="0" y="0"/>
+          <a:chExt cx="0" cy="0"/>
+        </a:xfrm>
+      </p:grpSpPr>
+      <p:sp>
+        <p:nvSpPr>
+          <p:cNvPr id="2" name="Titel 1"/>
+          <p:cNvSpPr>
+            <a:spLocks noGrp="1"/>
+          </p:cNvSpPr>
+          <p:nvPr>
+            <p:ph type="title"/>
+          </p:nvPr>
+        </p:nvSpPr>
+        <p:spPr/>
+        <p:txBody>
+          <a:bodyPr/>
+          <a:lstStyle/>
+          <a:p>
+            <a:endParaRPr lang="de-DE"/>
+          </a:p>
+        </p:txBody>
+      </p:sp>
+      <p:pic>
+        <p:nvPicPr>
+          <p:cNvPr id="4" name="Inhaltsplatzhalter 3"/>
+          <p:cNvPicPr>
+            <a:picLocks noGrp="1" noChangeAspect="1"/>
+          </p:cNvPicPr>
+          <p:nvPr>
+            <p:ph idx="1"/>
+          </p:nvPr>
+        </p:nvPicPr>
+        <p:blipFill>
+          <a:blip r:embed="rId3">
+            <a:extLst>
+              <a:ext uri="{28A0092B-C50C-407E-A947-70E740481C1C}">
+                <a14:useLocalDpi xmlns:a14="http://schemas.microsoft.com/office/drawing/2010/main" val="0"/>
+              </a:ext>
+            </a:extLst>
+          </a:blip>
+          <a:stretch>
+            <a:fillRect/>
+          </a:stretch>
+        </p:blipFill>
+        <p:spPr>
+          <a:xfrm>
+            <a:off x="63086" y="1690688"/>
+            <a:ext cx="12065828" cy="3013382"/>
+          </a:xfrm>
+        </p:spPr>
+      </p:pic>
+    </p:spTree>
+    <p:extLst>
+      <p:ext uri="{BB962C8B-B14F-4D97-AF65-F5344CB8AC3E}">
+        <p14:creationId xmlns:p14="http://schemas.microsoft.com/office/powerpoint/2010/main" val="1613914704"/>
+      </p:ext>
+    </p:extLst>
+  </p:cSld>
+  <p:clrMapOvr>
+    <a:masterClrMapping/>
+  </p:clrMapOvr>
+  <p:timing>
+    <p:tnLst>
+      <p:par>
+        <p:cTn id="1" dur="indefinite" restart="never" nodeType="tmRoot"/>
+      </p:par>
+    </p:tnLst>
+  </p:timing>
+</p:sld>
+</file>
+
+<file path=ppt/slides/slide6.xml><?xml version="1.0" encoding="utf-8"?>
+<p:sld xmlns:a="http://schemas.openxmlformats.org/drawingml/2006/main" xmlns:r="http://schemas.openxmlformats.org/officeDocument/2006/relationships" xmlns:p="http://schemas.openxmlformats.org/presentationml/2006/main">
+  <p:cSld>
+    <p:spTree>
+      <p:nvGrpSpPr>
+        <p:cNvPr id="1" name=""/>
+        <p:cNvGrpSpPr/>
+        <p:nvPr/>
+      </p:nvGrpSpPr>
+      <p:grpSpPr>
+        <a:xfrm>
+          <a:off x="0" y="0"/>
+          <a:ext cx="0" cy="0"/>
+          <a:chOff x="0" y="0"/>
+          <a:chExt cx="0" cy="0"/>
+        </a:xfrm>
+      </p:grpSpPr>
+      <p:sp>
+        <p:nvSpPr>
+          <p:cNvPr id="2" name="Titel 1"/>
+          <p:cNvSpPr>
+            <a:spLocks noGrp="1"/>
+          </p:cNvSpPr>
+          <p:nvPr>
+            <p:ph type="title"/>
+          </p:nvPr>
+        </p:nvSpPr>
+        <p:spPr/>
+        <p:txBody>
+          <a:bodyPr/>
+          <a:lstStyle/>
+          <a:p>
             <a:endParaRPr lang="de-DE" dirty="0"/>
           </a:p>
         </p:txBody>
@@ -9403,491 +10299,7 @@
 </p:sld>
 </file>
 
-<file path=ppt/slides/slide40.xml><?xml version="1.0" encoding="utf-8"?>
-<p:sld xmlns:a="http://schemas.openxmlformats.org/drawingml/2006/main" xmlns:r="http://schemas.openxmlformats.org/officeDocument/2006/relationships" xmlns:p="http://schemas.openxmlformats.org/presentationml/2006/main">
-  <p:cSld>
-    <p:spTree>
-      <p:nvGrpSpPr>
-        <p:cNvPr id="1" name=""/>
-        <p:cNvGrpSpPr/>
-        <p:nvPr/>
-      </p:nvGrpSpPr>
-      <p:grpSpPr>
-        <a:xfrm>
-          <a:off x="0" y="0"/>
-          <a:ext cx="0" cy="0"/>
-          <a:chOff x="0" y="0"/>
-          <a:chExt cx="0" cy="0"/>
-        </a:xfrm>
-      </p:grpSpPr>
-      <p:sp>
-        <p:nvSpPr>
-          <p:cNvPr id="2" name="Titel 1"/>
-          <p:cNvSpPr>
-            <a:spLocks noGrp="1"/>
-          </p:cNvSpPr>
-          <p:nvPr>
-            <p:ph type="title"/>
-          </p:nvPr>
-        </p:nvSpPr>
-        <p:spPr/>
-        <p:txBody>
-          <a:bodyPr/>
-          <a:lstStyle/>
-          <a:p>
-            <a:r>
-              <a:rPr lang="de-DE" dirty="0" smtClean="0"/>
-              <a:t>Quellen</a:t>
-            </a:r>
-            <a:endParaRPr lang="de-DE" dirty="0"/>
-          </a:p>
-        </p:txBody>
-      </p:sp>
-      <p:sp>
-        <p:nvSpPr>
-          <p:cNvPr id="3" name="Inhaltsplatzhalter 2"/>
-          <p:cNvSpPr>
-            <a:spLocks noGrp="1"/>
-          </p:cNvSpPr>
-          <p:nvPr>
-            <p:ph idx="1"/>
-          </p:nvPr>
-        </p:nvSpPr>
-        <p:spPr/>
-        <p:txBody>
-          <a:bodyPr>
-            <a:normAutofit fontScale="92500" lnSpcReduction="10000"/>
-          </a:bodyPr>
-          <a:lstStyle/>
-          <a:p>
-            <a:r>
-              <a:rPr lang="de-DE" dirty="0">
-                <a:hlinkClick r:id="rId2"/>
-              </a:rPr>
-              <a:t>https://</a:t>
-            </a:r>
-            <a:r>
-              <a:rPr lang="de-DE" dirty="0" smtClean="0">
-                <a:hlinkClick r:id="rId2"/>
-              </a:rPr>
-              <a:t>www.profitbricks.com/sites/default/files/profitbricks-200px.png</a:t>
-            </a:r>
-            <a:endParaRPr lang="de-DE" dirty="0" smtClean="0"/>
-          </a:p>
-          <a:p>
-            <a:r>
-              <a:rPr lang="de-DE" dirty="0">
-                <a:hlinkClick r:id="rId3"/>
-              </a:rPr>
-              <a:t>https://</a:t>
-            </a:r>
-            <a:r>
-              <a:rPr lang="de-DE" dirty="0" smtClean="0">
-                <a:hlinkClick r:id="rId3"/>
-              </a:rPr>
-              <a:t>signalfx-82c9.kxcdn.com/wp-content/uploads/EC2-logo-full.jpg</a:t>
-            </a:r>
-            <a:endParaRPr lang="de-DE" dirty="0" smtClean="0"/>
-          </a:p>
-          <a:p>
-            <a:r>
-              <a:rPr lang="de-DE" dirty="0">
-                <a:hlinkClick r:id="rId4"/>
-              </a:rPr>
-              <a:t>https://</a:t>
-            </a:r>
-            <a:r>
-              <a:rPr lang="de-DE" dirty="0" smtClean="0">
-                <a:hlinkClick r:id="rId4"/>
-              </a:rPr>
-              <a:t>gigaom.com/wp-content/uploads/sites/1/2012/08/rackspace_logo_08_07_20122.jpg?w=300</a:t>
-            </a:r>
-            <a:endParaRPr lang="de-DE" dirty="0" smtClean="0"/>
-          </a:p>
-          <a:p>
-            <a:r>
-              <a:rPr lang="de-DE" dirty="0">
-                <a:hlinkClick r:id="rId5"/>
-              </a:rPr>
-              <a:t>https://</a:t>
-            </a:r>
-            <a:r>
-              <a:rPr lang="de-DE" dirty="0" smtClean="0">
-                <a:hlinkClick r:id="rId5"/>
-              </a:rPr>
-              <a:t>www.vcnewsnetwork.com/wp-content/uploads/2017/09/16656-thumb.png</a:t>
-            </a:r>
-            <a:endParaRPr lang="de-DE" dirty="0" smtClean="0"/>
-          </a:p>
-          <a:p>
-            <a:r>
-              <a:rPr lang="de-DE" dirty="0">
-                <a:hlinkClick r:id="rId6"/>
-              </a:rPr>
-              <a:t>http://</a:t>
-            </a:r>
-            <a:r>
-              <a:rPr lang="de-DE" dirty="0" smtClean="0">
-                <a:hlinkClick r:id="rId6"/>
-              </a:rPr>
-              <a:t>www.xangati.com/wp-content/uploads/2016/09/PaaS.png</a:t>
-            </a:r>
-            <a:endParaRPr lang="de-DE" dirty="0" smtClean="0"/>
-          </a:p>
-          <a:p>
-            <a:r>
-              <a:rPr lang="de-DE" dirty="0">
-                <a:hlinkClick r:id="rId7"/>
-              </a:rPr>
-              <a:t>https://</a:t>
-            </a:r>
-            <a:r>
-              <a:rPr lang="de-DE" dirty="0" smtClean="0">
-                <a:hlinkClick r:id="rId7"/>
-              </a:rPr>
-              <a:t>jaxenter.de/serverless-best-practices-61856</a:t>
-            </a:r>
-            <a:endParaRPr lang="de-DE" dirty="0" smtClean="0"/>
-          </a:p>
-          <a:p>
-            <a:r>
-              <a:rPr lang="de-DE" dirty="0"/>
-              <a:t>https://www.cloudcomputing-insider.de/was-ist-platform-as-a-service-a-624296/</a:t>
-            </a:r>
-          </a:p>
-          <a:p>
-            <a:endParaRPr lang="de-DE" dirty="0"/>
-          </a:p>
-          <a:p>
-            <a:endParaRPr lang="de-DE" dirty="0"/>
-          </a:p>
-        </p:txBody>
-      </p:sp>
-    </p:spTree>
-    <p:extLst>
-      <p:ext uri="{BB962C8B-B14F-4D97-AF65-F5344CB8AC3E}">
-        <p14:creationId xmlns:p14="http://schemas.microsoft.com/office/powerpoint/2010/main" val="334305847"/>
-      </p:ext>
-    </p:extLst>
-  </p:cSld>
-  <p:clrMapOvr>
-    <a:masterClrMapping/>
-  </p:clrMapOvr>
-</p:sld>
-</file>
-
-<file path=ppt/slides/slide41.xml><?xml version="1.0" encoding="utf-8"?>
-<p:sld xmlns:a="http://schemas.openxmlformats.org/drawingml/2006/main" xmlns:r="http://schemas.openxmlformats.org/officeDocument/2006/relationships" xmlns:p="http://schemas.openxmlformats.org/presentationml/2006/main">
-  <p:cSld>
-    <p:spTree>
-      <p:nvGrpSpPr>
-        <p:cNvPr id="1" name=""/>
-        <p:cNvGrpSpPr/>
-        <p:nvPr/>
-      </p:nvGrpSpPr>
-      <p:grpSpPr>
-        <a:xfrm>
-          <a:off x="0" y="0"/>
-          <a:ext cx="0" cy="0"/>
-          <a:chOff x="0" y="0"/>
-          <a:chExt cx="0" cy="0"/>
-        </a:xfrm>
-      </p:grpSpPr>
-      <p:sp>
-        <p:nvSpPr>
-          <p:cNvPr id="2" name="Titel 1"/>
-          <p:cNvSpPr>
-            <a:spLocks noGrp="1"/>
-          </p:cNvSpPr>
-          <p:nvPr>
-            <p:ph type="title"/>
-          </p:nvPr>
-        </p:nvSpPr>
-        <p:spPr/>
-        <p:txBody>
-          <a:bodyPr/>
-          <a:lstStyle/>
-          <a:p>
-            <a:r>
-              <a:rPr lang="de-DE" dirty="0" smtClean="0"/>
-              <a:t>Quellen</a:t>
-            </a:r>
-            <a:endParaRPr lang="de-DE" dirty="0"/>
-          </a:p>
-        </p:txBody>
-      </p:sp>
-      <p:sp>
-        <p:nvSpPr>
-          <p:cNvPr id="3" name="Inhaltsplatzhalter 2"/>
-          <p:cNvSpPr>
-            <a:spLocks noGrp="1"/>
-          </p:cNvSpPr>
-          <p:nvPr>
-            <p:ph idx="1"/>
-          </p:nvPr>
-        </p:nvSpPr>
-        <p:spPr/>
-        <p:txBody>
-          <a:bodyPr>
-            <a:normAutofit fontScale="92500" lnSpcReduction="10000"/>
-          </a:bodyPr>
-          <a:lstStyle/>
-          <a:p>
-            <a:r>
-              <a:rPr lang="de-DE" u="sng" dirty="0">
-                <a:hlinkClick r:id="rId2"/>
-              </a:rPr>
-              <a:t>https://www.cloudcomputing-insider.de/was-ist-infrastructure-as-a-service-a-605071/</a:t>
-            </a:r>
-            <a:endParaRPr lang="de-DE" dirty="0"/>
-          </a:p>
-          <a:p>
-            <a:r>
-              <a:rPr lang="de-DE" u="sng" dirty="0">
-                <a:hlinkClick r:id="rId3"/>
-              </a:rPr>
-              <a:t>https://www.profitbricks.de/de/cloud-lexikon/iaas</a:t>
-            </a:r>
-            <a:r>
-              <a:rPr lang="de-DE" u="sng" dirty="0" smtClean="0">
-                <a:hlinkClick r:id="rId3"/>
-              </a:rPr>
-              <a:t>/</a:t>
-            </a:r>
-            <a:r>
-              <a:rPr lang="de-DE" dirty="0"/>
-              <a:t> </a:t>
-            </a:r>
-          </a:p>
-          <a:p>
-            <a:r>
-              <a:rPr lang="de-DE" u="sng" dirty="0">
-                <a:hlinkClick r:id="rId4"/>
-              </a:rPr>
-              <a:t>https://</a:t>
-            </a:r>
-            <a:r>
-              <a:rPr lang="de-DE" u="sng" dirty="0" smtClean="0">
-                <a:hlinkClick r:id="rId4"/>
-              </a:rPr>
-              <a:t>www.interoute.de/was-ist-iaas</a:t>
-            </a:r>
-            <a:endParaRPr lang="de-DE" u="sng" dirty="0" smtClean="0"/>
-          </a:p>
-          <a:p>
-            <a:r>
-              <a:rPr lang="de-DE" dirty="0"/>
-              <a:t>https://de.slideshare.net/bennybauer1/serverless-when-to-faas</a:t>
-            </a:r>
-          </a:p>
-          <a:p>
-            <a:r>
-              <a:rPr lang="de-DE" dirty="0"/>
-              <a:t>https://131707-379326-1-raikfcquaxqncofqfm.stackpathdns.com/wp-content/uploads/2017/09/gapp_587de1fda58b4.jpg</a:t>
-            </a:r>
-          </a:p>
-          <a:p>
-            <a:r>
-              <a:rPr lang="de-DE" dirty="0"/>
-              <a:t>https://images.techhive.com/images/article/2013/05/windowsazure-100038816-large.jpg</a:t>
-            </a:r>
-          </a:p>
-          <a:p>
-            <a:r>
-              <a:rPr lang="de-DE" dirty="0"/>
-              <a:t>https://colintoh.com/content/blog/14-aws-elastic-beanstalk-survival-guide-introduction/elastic_beanstalk_logo.png</a:t>
-            </a:r>
-          </a:p>
-          <a:p>
-            <a:endParaRPr lang="de-DE" u="sng" dirty="0" smtClean="0"/>
-          </a:p>
-          <a:p>
-            <a:endParaRPr lang="de-DE" dirty="0"/>
-          </a:p>
-          <a:p>
-            <a:endParaRPr lang="de-DE" dirty="0"/>
-          </a:p>
-        </p:txBody>
-      </p:sp>
-    </p:spTree>
-    <p:extLst>
-      <p:ext uri="{BB962C8B-B14F-4D97-AF65-F5344CB8AC3E}">
-        <p14:creationId xmlns:p14="http://schemas.microsoft.com/office/powerpoint/2010/main" val="2454609177"/>
-      </p:ext>
-    </p:extLst>
-  </p:cSld>
-  <p:clrMapOvr>
-    <a:masterClrMapping/>
-  </p:clrMapOvr>
-</p:sld>
-</file>
-
-<file path=ppt/slides/slide42.xml><?xml version="1.0" encoding="utf-8"?>
-<p:sld xmlns:a="http://schemas.openxmlformats.org/drawingml/2006/main" xmlns:r="http://schemas.openxmlformats.org/officeDocument/2006/relationships" xmlns:p="http://schemas.openxmlformats.org/presentationml/2006/main">
-  <p:cSld>
-    <p:spTree>
-      <p:nvGrpSpPr>
-        <p:cNvPr id="1" name=""/>
-        <p:cNvGrpSpPr/>
-        <p:nvPr/>
-      </p:nvGrpSpPr>
-      <p:grpSpPr>
-        <a:xfrm>
-          <a:off x="0" y="0"/>
-          <a:ext cx="0" cy="0"/>
-          <a:chOff x="0" y="0"/>
-          <a:chExt cx="0" cy="0"/>
-        </a:xfrm>
-      </p:grpSpPr>
-      <p:sp>
-        <p:nvSpPr>
-          <p:cNvPr id="2" name="Titel 1"/>
-          <p:cNvSpPr>
-            <a:spLocks noGrp="1"/>
-          </p:cNvSpPr>
-          <p:nvPr>
-            <p:ph type="title"/>
-          </p:nvPr>
-        </p:nvSpPr>
-        <p:spPr/>
-        <p:txBody>
-          <a:bodyPr/>
-          <a:lstStyle/>
-          <a:p>
-            <a:r>
-              <a:rPr lang="de-DE" dirty="0" smtClean="0"/>
-              <a:t>Quellen</a:t>
-            </a:r>
-            <a:endParaRPr lang="de-DE" dirty="0"/>
-          </a:p>
-        </p:txBody>
-      </p:sp>
-      <p:sp>
-        <p:nvSpPr>
-          <p:cNvPr id="3" name="Inhaltsplatzhalter 2"/>
-          <p:cNvSpPr>
-            <a:spLocks noGrp="1"/>
-          </p:cNvSpPr>
-          <p:nvPr>
-            <p:ph idx="1"/>
-          </p:nvPr>
-        </p:nvSpPr>
-        <p:spPr/>
-        <p:txBody>
-          <a:bodyPr/>
-          <a:lstStyle/>
-          <a:p>
-            <a:r>
-              <a:rPr lang="de-DE" dirty="0" smtClean="0">
-                <a:hlinkClick r:id="rId2"/>
-              </a:rPr>
-              <a:t>https</a:t>
-            </a:r>
-            <a:r>
-              <a:rPr lang="de-DE" dirty="0" smtClean="0">
-                <a:hlinkClick r:id="rId2"/>
-              </a:rPr>
-              <a:t>://stackify.com/function-as-a-service-serverless-architecture/</a:t>
-            </a:r>
-            <a:endParaRPr lang="de-DE" dirty="0" smtClean="0"/>
-          </a:p>
-          <a:p>
-            <a:r>
-              <a:rPr lang="de-DE" dirty="0" smtClean="0">
-                <a:hlinkClick r:id="rId3"/>
-              </a:rPr>
-              <a:t>https</a:t>
-            </a:r>
-            <a:r>
-              <a:rPr lang="de-DE" dirty="0" smtClean="0">
-                <a:hlinkClick r:id="rId3"/>
-              </a:rPr>
-              <a:t>://www.computerwoche.de/a/ein-ausflug-in-die-welt-der-serverless-architekturen,3331496</a:t>
-            </a:r>
-            <a:endParaRPr lang="de-DE" dirty="0" smtClean="0"/>
-          </a:p>
-          <a:p>
-            <a:r>
-              <a:rPr lang="de-DE" dirty="0" smtClean="0">
-                <a:hlinkClick r:id="rId4"/>
-              </a:rPr>
-              <a:t>http</a:t>
-            </a:r>
-            <a:r>
-              <a:rPr lang="de-DE" dirty="0" smtClean="0">
-                <a:hlinkClick r:id="rId4"/>
-              </a:rPr>
-              <a:t>://t3n.de/news/serverless-computing-server-code-849986/</a:t>
-            </a:r>
-            <a:endParaRPr lang="de-DE" dirty="0" smtClean="0"/>
-          </a:p>
-          <a:p>
-            <a:r>
-              <a:rPr lang="de-DE" dirty="0" smtClean="0">
-                <a:hlinkClick r:id="rId5"/>
-              </a:rPr>
-              <a:t>https</a:t>
-            </a:r>
-            <a:r>
-              <a:rPr lang="de-DE" dirty="0" smtClean="0">
-                <a:hlinkClick r:id="rId5"/>
-              </a:rPr>
-              <a:t>://</a:t>
-            </a:r>
-            <a:r>
-              <a:rPr lang="de-DE" dirty="0" smtClean="0">
-                <a:hlinkClick r:id="rId5"/>
-              </a:rPr>
-              <a:t>www.youtube.com/watch?v=nzOE6pIg6Pw</a:t>
-            </a:r>
-            <a:endParaRPr lang="de-DE" dirty="0" smtClean="0"/>
-          </a:p>
-          <a:p>
-            <a:r>
-              <a:rPr lang="de-DE" dirty="0">
-                <a:hlinkClick r:id="rId6"/>
-              </a:rPr>
-              <a:t>https://mesosphere.com/blog/iaas-vs-caas-vs-paas-vs-faas/</a:t>
-            </a:r>
-            <a:endParaRPr lang="de-DE" dirty="0"/>
-          </a:p>
-          <a:p>
-            <a:r>
-              <a:rPr lang="de-DE" dirty="0">
-                <a:hlinkClick r:id="rId7"/>
-              </a:rPr>
-              <a:t>https://en.wikipedia.org/wiki/Function_as_a_service</a:t>
-            </a:r>
-            <a:endParaRPr lang="de-DE" dirty="0"/>
-          </a:p>
-          <a:p>
-            <a:r>
-              <a:rPr lang="de-DE" dirty="0"/>
-              <a:t>https://www.crisp-research.com/serverless-infrastructure-der-schmale-grat-zwischen-einfachheit-und-kontrollverlust/</a:t>
-            </a:r>
-          </a:p>
-          <a:p>
-            <a:endParaRPr lang="de-DE" dirty="0" smtClean="0"/>
-          </a:p>
-          <a:p>
-            <a:endParaRPr lang="de-DE" dirty="0"/>
-          </a:p>
-        </p:txBody>
-      </p:sp>
-    </p:spTree>
-    <p:extLst>
-      <p:ext uri="{BB962C8B-B14F-4D97-AF65-F5344CB8AC3E}">
-        <p14:creationId xmlns:p14="http://schemas.microsoft.com/office/powerpoint/2010/main" val="47548112"/>
-      </p:ext>
-    </p:extLst>
-  </p:cSld>
-  <p:clrMapOvr>
-    <a:masterClrMapping/>
-  </p:clrMapOvr>
-</p:sld>
-</file>
-
-<file path=ppt/slides/slide5.xml><?xml version="1.0" encoding="utf-8"?>
+<file path=ppt/slides/slide7.xml><?xml version="1.0" encoding="utf-8"?>
 <p:sld xmlns:a="http://schemas.openxmlformats.org/drawingml/2006/main" xmlns:r="http://schemas.openxmlformats.org/officeDocument/2006/relationships" xmlns:p="http://schemas.openxmlformats.org/presentationml/2006/main">
   <p:cSld>
     <p:spTree>
@@ -9978,7 +10390,7 @@
 </p:sld>
 </file>
 
-<file path=ppt/slides/slide6.xml><?xml version="1.0" encoding="utf-8"?>
+<file path=ppt/slides/slide8.xml><?xml version="1.0" encoding="utf-8"?>
 <p:sld xmlns:a="http://schemas.openxmlformats.org/drawingml/2006/main" xmlns:r="http://schemas.openxmlformats.org/officeDocument/2006/relationships" xmlns:p="http://schemas.openxmlformats.org/presentationml/2006/main">
   <p:cSld>
     <p:spTree>
@@ -10105,7 +10517,7 @@
 </p:sld>
 </file>
 
-<file path=ppt/slides/slide7.xml><?xml version="1.0" encoding="utf-8"?>
+<file path=ppt/slides/slide9.xml><?xml version="1.0" encoding="utf-8"?>
 <p:sld xmlns:a="http://schemas.openxmlformats.org/drawingml/2006/main" xmlns:r="http://schemas.openxmlformats.org/officeDocument/2006/relationships" xmlns:p="http://schemas.openxmlformats.org/presentationml/2006/main">
   <p:cSld>
     <p:spTree>
@@ -10199,27 +10611,47 @@
           <a:lstStyle/>
           <a:p>
             <a:r>
+              <a:rPr lang="de-DE" dirty="0" smtClean="0"/>
+              <a:t>Server</a:t>
+            </a:r>
+            <a:endParaRPr lang="de-DE" dirty="0"/>
+          </a:p>
+          <a:p>
+            <a:r>
               <a:rPr lang="de-DE" dirty="0"/>
-              <a:t>Server, </a:t>
-            </a:r>
+              <a:t>Rechen- und </a:t>
+            </a:r>
+            <a:r>
+              <a:rPr lang="de-DE" dirty="0" smtClean="0"/>
+              <a:t>Netzkapazitäten</a:t>
+            </a:r>
+            <a:endParaRPr lang="de-DE" dirty="0"/>
           </a:p>
           <a:p>
             <a:r>
               <a:rPr lang="de-DE" dirty="0"/>
-              <a:t>Rechen- und Netzkapazitäten,</a:t>
-            </a:r>
-          </a:p>
-          <a:p>
+              <a:t>Kommunikationsgeräte wie </a:t>
+            </a:r>
+            <a:r>
+              <a:rPr lang="de-DE" dirty="0" smtClean="0"/>
+              <a:t>Router </a:t>
+            </a:r>
+            <a:endParaRPr lang="de-DE" dirty="0"/>
+          </a:p>
+          <a:p>
+            <a:r>
+              <a:rPr lang="de-DE" dirty="0" smtClean="0"/>
+              <a:t>Switches </a:t>
+            </a:r>
             <a:r>
               <a:rPr lang="de-DE" dirty="0"/>
-              <a:t>Kommunikationsgeräte wie Router, </a:t>
-            </a:r>
-          </a:p>
-          <a:p>
-            <a:r>
-              <a:rPr lang="de-DE" dirty="0"/>
-              <a:t>Switche oder Firewalls,</a:t>
-            </a:r>
+              <a:t>oder </a:t>
+            </a:r>
+            <a:r>
+              <a:rPr lang="de-DE" dirty="0" smtClean="0"/>
+              <a:t>Firewalls</a:t>
+            </a:r>
+            <a:endParaRPr lang="de-DE" dirty="0"/>
           </a:p>
           <a:p>
             <a:r>
@@ -10248,347 +10680,6 @@
     <p:extLst>
       <p:ext uri="{BB962C8B-B14F-4D97-AF65-F5344CB8AC3E}">
         <p14:creationId xmlns:p14="http://schemas.microsoft.com/office/powerpoint/2010/main" val="2870226795"/>
-      </p:ext>
-    </p:extLst>
-  </p:cSld>
-  <p:clrMapOvr>
-    <a:masterClrMapping/>
-  </p:clrMapOvr>
-  <p:timing>
-    <p:tnLst>
-      <p:par>
-        <p:cTn id="1" dur="indefinite" restart="never" nodeType="tmRoot"/>
-      </p:par>
-    </p:tnLst>
-  </p:timing>
-</p:sld>
-</file>
-
-<file path=ppt/slides/slide8.xml><?xml version="1.0" encoding="utf-8"?>
-<p:sld xmlns:a="http://schemas.openxmlformats.org/drawingml/2006/main" xmlns:r="http://schemas.openxmlformats.org/officeDocument/2006/relationships" xmlns:p="http://schemas.openxmlformats.org/presentationml/2006/main">
-  <p:cSld>
-    <p:spTree>
-      <p:nvGrpSpPr>
-        <p:cNvPr id="1" name=""/>
-        <p:cNvGrpSpPr/>
-        <p:nvPr/>
-      </p:nvGrpSpPr>
-      <p:grpSpPr>
-        <a:xfrm>
-          <a:off x="0" y="0"/>
-          <a:ext cx="0" cy="0"/>
-          <a:chOff x="0" y="0"/>
-          <a:chExt cx="0" cy="0"/>
-        </a:xfrm>
-      </p:grpSpPr>
-      <p:sp>
-        <p:nvSpPr>
-          <p:cNvPr id="2" name="Titel 1"/>
-          <p:cNvSpPr>
-            <a:spLocks noGrp="1"/>
-          </p:cNvSpPr>
-          <p:nvPr>
-            <p:ph type="title"/>
-          </p:nvPr>
-        </p:nvSpPr>
-        <p:spPr/>
-        <p:txBody>
-          <a:bodyPr/>
-          <a:lstStyle/>
-          <a:p>
-            <a:r>
-              <a:rPr lang="de-DE" dirty="0" smtClean="0"/>
-              <a:t>Wie werden die Ressourcen bereitgestellt?</a:t>
-            </a:r>
-            <a:endParaRPr lang="de-DE" dirty="0"/>
-          </a:p>
-        </p:txBody>
-      </p:sp>
-      <p:sp>
-        <p:nvSpPr>
-          <p:cNvPr id="3" name="Inhaltsplatzhalter 2"/>
-          <p:cNvSpPr>
-            <a:spLocks noGrp="1"/>
-          </p:cNvSpPr>
-          <p:nvPr>
-            <p:ph idx="1"/>
-          </p:nvPr>
-        </p:nvSpPr>
-        <p:spPr/>
-        <p:txBody>
-          <a:bodyPr/>
-          <a:lstStyle/>
-          <a:p>
-            <a:r>
-              <a:rPr lang="de-DE" dirty="0" smtClean="0"/>
-              <a:t>Der Kunde bekommt Zugriff auf die virtualisierten Komponenten.</a:t>
-            </a:r>
-          </a:p>
-          <a:p>
-            <a:r>
-              <a:rPr lang="de-DE" dirty="0" smtClean="0"/>
-              <a:t>Die </a:t>
-            </a:r>
-            <a:r>
-              <a:rPr lang="de-DE" b="1" dirty="0"/>
-              <a:t>Verfügbarkeiten</a:t>
-            </a:r>
-            <a:r>
-              <a:rPr lang="de-DE" dirty="0"/>
-              <a:t> und </a:t>
-            </a:r>
-            <a:r>
-              <a:rPr lang="de-DE" b="1" dirty="0"/>
-              <a:t>Entstörzeiten</a:t>
-            </a:r>
-            <a:r>
-              <a:rPr lang="de-DE" dirty="0"/>
-              <a:t> der Infrastruktur sind über Service Level Agreements (SLAs) zwischen Nutzer und Dienstleister </a:t>
-            </a:r>
-            <a:r>
-              <a:rPr lang="de-DE" dirty="0" smtClean="0"/>
-              <a:t>geregelt.</a:t>
-            </a:r>
-            <a:endParaRPr lang="de-DE" dirty="0"/>
-          </a:p>
-          <a:p>
-            <a:r>
-              <a:rPr lang="de-DE" b="1" dirty="0"/>
-              <a:t>SLA</a:t>
-            </a:r>
-            <a:r>
-              <a:rPr lang="de-DE" dirty="0"/>
-              <a:t> - </a:t>
-            </a:r>
-            <a:r>
-              <a:rPr lang="de-DE" dirty="0" smtClean="0"/>
-              <a:t>hier </a:t>
-            </a:r>
-            <a:r>
-              <a:rPr lang="de-DE" dirty="0"/>
-              <a:t>werden die zu erbringenden Leistungen eines Cloud Anbieters und deren Abrechnung </a:t>
-            </a:r>
-            <a:r>
-              <a:rPr lang="de-DE" dirty="0" smtClean="0"/>
-              <a:t>beschrieben.</a:t>
-            </a:r>
-            <a:endParaRPr lang="de-DE" dirty="0"/>
-          </a:p>
-          <a:p>
-            <a:endParaRPr lang="de-DE" dirty="0"/>
-          </a:p>
-        </p:txBody>
-      </p:sp>
-    </p:spTree>
-    <p:extLst>
-      <p:ext uri="{BB962C8B-B14F-4D97-AF65-F5344CB8AC3E}">
-        <p14:creationId xmlns:p14="http://schemas.microsoft.com/office/powerpoint/2010/main" val="2384203299"/>
-      </p:ext>
-    </p:extLst>
-  </p:cSld>
-  <p:clrMapOvr>
-    <a:masterClrMapping/>
-  </p:clrMapOvr>
-  <p:timing>
-    <p:tnLst>
-      <p:par>
-        <p:cTn id="1" dur="indefinite" restart="never" nodeType="tmRoot"/>
-      </p:par>
-    </p:tnLst>
-  </p:timing>
-</p:sld>
-</file>
-
-<file path=ppt/slides/slide9.xml><?xml version="1.0" encoding="utf-8"?>
-<p:sld xmlns:a="http://schemas.openxmlformats.org/drawingml/2006/main" xmlns:r="http://schemas.openxmlformats.org/officeDocument/2006/relationships" xmlns:p="http://schemas.openxmlformats.org/presentationml/2006/main">
-  <p:cSld>
-    <p:spTree>
-      <p:nvGrpSpPr>
-        <p:cNvPr id="1" name=""/>
-        <p:cNvGrpSpPr/>
-        <p:nvPr/>
-      </p:nvGrpSpPr>
-      <p:grpSpPr>
-        <a:xfrm>
-          <a:off x="0" y="0"/>
-          <a:ext cx="0" cy="0"/>
-          <a:chOff x="0" y="0"/>
-          <a:chExt cx="0" cy="0"/>
-        </a:xfrm>
-      </p:grpSpPr>
-      <p:sp>
-        <p:nvSpPr>
-          <p:cNvPr id="2" name="Titel 1"/>
-          <p:cNvSpPr>
-            <a:spLocks noGrp="1"/>
-          </p:cNvSpPr>
-          <p:nvPr>
-            <p:ph type="title"/>
-          </p:nvPr>
-        </p:nvSpPr>
-        <p:spPr/>
-        <p:txBody>
-          <a:bodyPr/>
-          <a:lstStyle/>
-          <a:p>
-            <a:r>
-              <a:rPr lang="de-DE" dirty="0" err="1"/>
-              <a:t>IaaS</a:t>
-            </a:r>
-            <a:r>
-              <a:rPr lang="de-DE" dirty="0"/>
-              <a:t>-Cloud-Typen</a:t>
-            </a:r>
-          </a:p>
-        </p:txBody>
-      </p:sp>
-      <p:sp>
-        <p:nvSpPr>
-          <p:cNvPr id="3" name="Inhaltsplatzhalter 2"/>
-          <p:cNvSpPr>
-            <a:spLocks noGrp="1"/>
-          </p:cNvSpPr>
-          <p:nvPr>
-            <p:ph idx="1"/>
-          </p:nvPr>
-        </p:nvSpPr>
-        <p:spPr/>
-        <p:txBody>
-          <a:bodyPr/>
-          <a:lstStyle/>
-          <a:p>
-            <a:r>
-              <a:rPr lang="de-DE" dirty="0"/>
-              <a:t>Public </a:t>
-            </a:r>
-            <a:r>
-              <a:rPr lang="de-DE" dirty="0" err="1"/>
-              <a:t>IaaS</a:t>
-            </a:r>
-            <a:r>
-              <a:rPr lang="de-DE" dirty="0"/>
-              <a:t> </a:t>
-            </a:r>
-            <a:r>
-              <a:rPr lang="de-DE" dirty="0" smtClean="0"/>
-              <a:t>Cloud: </a:t>
-            </a:r>
-          </a:p>
-          <a:p>
-            <a:pPr lvl="1"/>
-            <a:r>
-              <a:rPr lang="de-DE" dirty="0" smtClean="0"/>
-              <a:t>Mehrere </a:t>
-            </a:r>
-            <a:r>
-              <a:rPr lang="de-DE" dirty="0"/>
-              <a:t>Nutzer teilen sich eine einen physikalischen </a:t>
-            </a:r>
-            <a:r>
-              <a:rPr lang="de-DE" dirty="0" smtClean="0"/>
-              <a:t>Server.</a:t>
-            </a:r>
-          </a:p>
-          <a:p>
-            <a:r>
-              <a:rPr lang="de-DE" dirty="0" smtClean="0"/>
-              <a:t>Private </a:t>
-            </a:r>
-            <a:r>
-              <a:rPr lang="de-DE" dirty="0" err="1"/>
-              <a:t>IaaS</a:t>
-            </a:r>
-            <a:r>
-              <a:rPr lang="de-DE" dirty="0"/>
-              <a:t> Cloud:</a:t>
-            </a:r>
-          </a:p>
-          <a:p>
-            <a:pPr lvl="1"/>
-            <a:r>
-              <a:rPr lang="de-DE" dirty="0"/>
-              <a:t>Cloud Computing Services für einzelne </a:t>
-            </a:r>
-            <a:r>
-              <a:rPr lang="de-DE" dirty="0" smtClean="0"/>
-              <a:t>Unternehmen</a:t>
-            </a:r>
-          </a:p>
-          <a:p>
-            <a:pPr lvl="1"/>
-            <a:r>
-              <a:rPr lang="de-DE" dirty="0"/>
-              <a:t>Zugriff auf verschiedene Art und Weise </a:t>
-            </a:r>
-            <a:r>
-              <a:rPr lang="de-DE" dirty="0" err="1" smtClean="0"/>
-              <a:t>limitierbar</a:t>
-            </a:r>
-            <a:endParaRPr lang="de-DE" dirty="0" smtClean="0"/>
-          </a:p>
-          <a:p>
-            <a:r>
-              <a:rPr lang="de-DE" dirty="0"/>
-              <a:t>Hybrid </a:t>
-            </a:r>
-            <a:r>
-              <a:rPr lang="de-DE" dirty="0" err="1"/>
-              <a:t>IaaS</a:t>
-            </a:r>
-            <a:r>
-              <a:rPr lang="de-DE" dirty="0"/>
-              <a:t> </a:t>
-            </a:r>
-            <a:r>
-              <a:rPr lang="de-DE" dirty="0" smtClean="0"/>
-              <a:t>Cloud</a:t>
-            </a:r>
-          </a:p>
-          <a:p>
-            <a:pPr lvl="1"/>
-            <a:r>
-              <a:rPr lang="de-DE" dirty="0"/>
-              <a:t>Zusammenschluss von mehreren ‚Public‘ oder ‚Private‘ </a:t>
-            </a:r>
-            <a:r>
-              <a:rPr lang="de-DE" dirty="0" smtClean="0"/>
-              <a:t>Clouds</a:t>
-            </a:r>
-          </a:p>
-          <a:p>
-            <a:pPr lvl="1"/>
-            <a:r>
-              <a:rPr lang="de-DE" dirty="0" smtClean="0"/>
-              <a:t>Verwaltung von einigen Servern </a:t>
-            </a:r>
-            <a:r>
-              <a:rPr lang="de-DE" dirty="0"/>
-              <a:t>in einer privaten Cloud und </a:t>
-            </a:r>
-            <a:r>
-              <a:rPr lang="de-DE" dirty="0" smtClean="0"/>
-              <a:t>anderen </a:t>
-            </a:r>
-            <a:r>
-              <a:rPr lang="de-DE" dirty="0"/>
-              <a:t>in einer öffentlichen </a:t>
-            </a:r>
-            <a:r>
-              <a:rPr lang="de-DE" dirty="0" smtClean="0"/>
-              <a:t>Cloud</a:t>
-            </a:r>
-            <a:endParaRPr lang="de-DE" dirty="0"/>
-          </a:p>
-          <a:p>
-            <a:pPr lvl="1"/>
-            <a:endParaRPr lang="de-DE" dirty="0" smtClean="0"/>
-          </a:p>
-        </p:txBody>
-      </p:sp>
-    </p:spTree>
-    <p:extLst>
-      <p:ext uri="{BB962C8B-B14F-4D97-AF65-F5344CB8AC3E}">
-        <p14:creationId xmlns:p14="http://schemas.microsoft.com/office/powerpoint/2010/main" val="3115468433"/>
       </p:ext>
     </p:extLst>
   </p:cSld>

--- a/FaaS.pptx
+++ b/FaaS.pptx
@@ -5,7 +5,7 @@
     <p:sldMasterId id="2147483648" r:id="rId1"/>
   </p:sldMasterIdLst>
   <p:notesMasterIdLst>
-    <p:notesMasterId r:id="rId44"/>
+    <p:notesMasterId r:id="rId42"/>
   </p:notesMasterIdLst>
   <p:sldIdLst>
     <p:sldId id="256" r:id="rId2"/>
@@ -13,43 +13,41 @@
     <p:sldId id="312" r:id="rId4"/>
     <p:sldId id="273" r:id="rId5"/>
     <p:sldId id="272" r:id="rId6"/>
-    <p:sldId id="279" r:id="rId7"/>
-    <p:sldId id="278" r:id="rId8"/>
-    <p:sldId id="280" r:id="rId9"/>
-    <p:sldId id="281" r:id="rId10"/>
-    <p:sldId id="282" r:id="rId11"/>
-    <p:sldId id="283" r:id="rId12"/>
-    <p:sldId id="284" r:id="rId13"/>
-    <p:sldId id="305" r:id="rId14"/>
-    <p:sldId id="267" r:id="rId15"/>
-    <p:sldId id="268" r:id="rId16"/>
-    <p:sldId id="269" r:id="rId17"/>
-    <p:sldId id="270" r:id="rId18"/>
-    <p:sldId id="306" r:id="rId19"/>
-    <p:sldId id="259" r:id="rId20"/>
-    <p:sldId id="295" r:id="rId21"/>
-    <p:sldId id="296" r:id="rId22"/>
-    <p:sldId id="260" r:id="rId23"/>
-    <p:sldId id="297" r:id="rId24"/>
-    <p:sldId id="277" r:id="rId25"/>
-    <p:sldId id="298" r:id="rId26"/>
-    <p:sldId id="299" r:id="rId27"/>
-    <p:sldId id="275" r:id="rId28"/>
-    <p:sldId id="307" r:id="rId29"/>
-    <p:sldId id="274" r:id="rId30"/>
-    <p:sldId id="261" r:id="rId31"/>
-    <p:sldId id="308" r:id="rId32"/>
-    <p:sldId id="289" r:id="rId33"/>
-    <p:sldId id="304" r:id="rId34"/>
-    <p:sldId id="309" r:id="rId35"/>
-    <p:sldId id="302" r:id="rId36"/>
-    <p:sldId id="271" r:id="rId37"/>
-    <p:sldId id="276" r:id="rId38"/>
-    <p:sldId id="303" r:id="rId39"/>
-    <p:sldId id="310" r:id="rId40"/>
-    <p:sldId id="301" r:id="rId41"/>
-    <p:sldId id="292" r:id="rId42"/>
-    <p:sldId id="263" r:id="rId43"/>
+    <p:sldId id="278" r:id="rId7"/>
+    <p:sldId id="280" r:id="rId8"/>
+    <p:sldId id="281" r:id="rId9"/>
+    <p:sldId id="282" r:id="rId10"/>
+    <p:sldId id="283" r:id="rId11"/>
+    <p:sldId id="284" r:id="rId12"/>
+    <p:sldId id="305" r:id="rId13"/>
+    <p:sldId id="267" r:id="rId14"/>
+    <p:sldId id="268" r:id="rId15"/>
+    <p:sldId id="269" r:id="rId16"/>
+    <p:sldId id="270" r:id="rId17"/>
+    <p:sldId id="306" r:id="rId18"/>
+    <p:sldId id="295" r:id="rId19"/>
+    <p:sldId id="296" r:id="rId20"/>
+    <p:sldId id="260" r:id="rId21"/>
+    <p:sldId id="297" r:id="rId22"/>
+    <p:sldId id="277" r:id="rId23"/>
+    <p:sldId id="298" r:id="rId24"/>
+    <p:sldId id="299" r:id="rId25"/>
+    <p:sldId id="275" r:id="rId26"/>
+    <p:sldId id="307" r:id="rId27"/>
+    <p:sldId id="274" r:id="rId28"/>
+    <p:sldId id="261" r:id="rId29"/>
+    <p:sldId id="308" r:id="rId30"/>
+    <p:sldId id="289" r:id="rId31"/>
+    <p:sldId id="304" r:id="rId32"/>
+    <p:sldId id="309" r:id="rId33"/>
+    <p:sldId id="302" r:id="rId34"/>
+    <p:sldId id="271" r:id="rId35"/>
+    <p:sldId id="276" r:id="rId36"/>
+    <p:sldId id="303" r:id="rId37"/>
+    <p:sldId id="310" r:id="rId38"/>
+    <p:sldId id="301" r:id="rId39"/>
+    <p:sldId id="292" r:id="rId40"/>
+    <p:sldId id="263" r:id="rId41"/>
   </p:sldIdLst>
   <p:sldSz cx="12192000" cy="6858000"/>
   <p:notesSz cx="6858000" cy="9144000"/>
@@ -238,7 +236,7 @@
           <a:p>
             <a:fld id="{B5BBDD20-6B24-4C91-9FAE-2E9FAB68FB77}" type="datetimeFigureOut">
               <a:rPr lang="de-DE" smtClean="0"/>
-              <a:t>06.01.2018</a:t>
+              <a:t>08.01.2018</a:t>
             </a:fld>
             <a:endParaRPr lang="de-DE"/>
           </a:p>
@@ -551,10 +549,10 @@
           <a:lstStyle/>
           <a:p>
             <a:r>
-              <a:rPr lang="de-DE" smtClean="0"/>
+              <a:rPr lang="de-DE" dirty="0" smtClean="0"/>
               <a:t>https://azurecomcdn.azureedge.net/cvt-071850e1df650cde2e7fe4385df571432d9e22d6c33ea29d25c5ca260c03940a/images/page/overview/what-is-paas/what-is-paas.png</a:t>
             </a:r>
-            <a:endParaRPr lang="de-DE"/>
+            <a:endParaRPr lang="de-DE" dirty="0"/>
           </a:p>
         </p:txBody>
       </p:sp>
@@ -663,7 +661,7 @@
           <a:p>
             <a:fld id="{C49BF084-0F4D-4C6D-A3FE-9640EDFACDD4}" type="slidenum">
               <a:rPr lang="de-DE" smtClean="0"/>
-              <a:t>14</a:t>
+              <a:t>13</a:t>
             </a:fld>
             <a:endParaRPr lang="de-DE"/>
           </a:p>
@@ -770,7 +768,7 @@
           <a:p>
             <a:fld id="{C49BF084-0F4D-4C6D-A3FE-9640EDFACDD4}" type="slidenum">
               <a:rPr lang="de-DE" smtClean="0"/>
-              <a:t>15</a:t>
+              <a:t>14</a:t>
             </a:fld>
             <a:endParaRPr lang="de-DE"/>
           </a:p>
@@ -854,7 +852,7 @@
           <a:p>
             <a:fld id="{A016C8F4-1037-4098-92C2-C469CDB212C4}" type="slidenum">
               <a:rPr lang="de-DE" smtClean="0"/>
-              <a:t>27</a:t>
+              <a:t>25</a:t>
             </a:fld>
             <a:endParaRPr lang="de-DE"/>
           </a:p>
@@ -956,7 +954,7 @@
           <a:p>
             <a:fld id="{C49BF084-0F4D-4C6D-A3FE-9640EDFACDD4}" type="slidenum">
               <a:rPr lang="de-DE" smtClean="0"/>
-              <a:t>36</a:t>
+              <a:t>34</a:t>
             </a:fld>
             <a:endParaRPr lang="de-DE"/>
           </a:p>
@@ -1106,7 +1104,7 @@
           <a:p>
             <a:fld id="{7EE558D9-09CA-4D3E-AA20-E16D3D150C12}" type="datetimeFigureOut">
               <a:rPr lang="de-DE" smtClean="0"/>
-              <a:t>06.01.2018</a:t>
+              <a:t>08.01.2018</a:t>
             </a:fld>
             <a:endParaRPr lang="de-DE"/>
           </a:p>
@@ -1276,7 +1274,7 @@
           <a:p>
             <a:fld id="{7EE558D9-09CA-4D3E-AA20-E16D3D150C12}" type="datetimeFigureOut">
               <a:rPr lang="de-DE" smtClean="0"/>
-              <a:t>06.01.2018</a:t>
+              <a:t>08.01.2018</a:t>
             </a:fld>
             <a:endParaRPr lang="de-DE"/>
           </a:p>
@@ -1456,7 +1454,7 @@
           <a:p>
             <a:fld id="{7EE558D9-09CA-4D3E-AA20-E16D3D150C12}" type="datetimeFigureOut">
               <a:rPr lang="de-DE" smtClean="0"/>
-              <a:t>06.01.2018</a:t>
+              <a:t>08.01.2018</a:t>
             </a:fld>
             <a:endParaRPr lang="de-DE"/>
           </a:p>
@@ -1626,7 +1624,7 @@
           <a:p>
             <a:fld id="{7EE558D9-09CA-4D3E-AA20-E16D3D150C12}" type="datetimeFigureOut">
               <a:rPr lang="de-DE" smtClean="0"/>
-              <a:t>06.01.2018</a:t>
+              <a:t>08.01.2018</a:t>
             </a:fld>
             <a:endParaRPr lang="de-DE"/>
           </a:p>
@@ -1872,7 +1870,7 @@
           <a:p>
             <a:fld id="{7EE558D9-09CA-4D3E-AA20-E16D3D150C12}" type="datetimeFigureOut">
               <a:rPr lang="de-DE" smtClean="0"/>
-              <a:t>06.01.2018</a:t>
+              <a:t>08.01.2018</a:t>
             </a:fld>
             <a:endParaRPr lang="de-DE"/>
           </a:p>
@@ -2104,7 +2102,7 @@
           <a:p>
             <a:fld id="{7EE558D9-09CA-4D3E-AA20-E16D3D150C12}" type="datetimeFigureOut">
               <a:rPr lang="de-DE" smtClean="0"/>
-              <a:t>06.01.2018</a:t>
+              <a:t>08.01.2018</a:t>
             </a:fld>
             <a:endParaRPr lang="de-DE"/>
           </a:p>
@@ -2471,7 +2469,7 @@
           <a:p>
             <a:fld id="{7EE558D9-09CA-4D3E-AA20-E16D3D150C12}" type="datetimeFigureOut">
               <a:rPr lang="de-DE" smtClean="0"/>
-              <a:t>06.01.2018</a:t>
+              <a:t>08.01.2018</a:t>
             </a:fld>
             <a:endParaRPr lang="de-DE"/>
           </a:p>
@@ -2589,7 +2587,7 @@
           <a:p>
             <a:fld id="{7EE558D9-09CA-4D3E-AA20-E16D3D150C12}" type="datetimeFigureOut">
               <a:rPr lang="de-DE" smtClean="0"/>
-              <a:t>06.01.2018</a:t>
+              <a:t>08.01.2018</a:t>
             </a:fld>
             <a:endParaRPr lang="de-DE"/>
           </a:p>
@@ -2684,7 +2682,7 @@
           <a:p>
             <a:fld id="{7EE558D9-09CA-4D3E-AA20-E16D3D150C12}" type="datetimeFigureOut">
               <a:rPr lang="de-DE" smtClean="0"/>
-              <a:t>06.01.2018</a:t>
+              <a:t>08.01.2018</a:t>
             </a:fld>
             <a:endParaRPr lang="de-DE"/>
           </a:p>
@@ -2961,7 +2959,7 @@
           <a:p>
             <a:fld id="{7EE558D9-09CA-4D3E-AA20-E16D3D150C12}" type="datetimeFigureOut">
               <a:rPr lang="de-DE" smtClean="0"/>
-              <a:t>06.01.2018</a:t>
+              <a:t>08.01.2018</a:t>
             </a:fld>
             <a:endParaRPr lang="de-DE"/>
           </a:p>
@@ -3214,7 +3212,7 @@
           <a:p>
             <a:fld id="{7EE558D9-09CA-4D3E-AA20-E16D3D150C12}" type="datetimeFigureOut">
               <a:rPr lang="de-DE" smtClean="0"/>
-              <a:t>06.01.2018</a:t>
+              <a:t>08.01.2018</a:t>
             </a:fld>
             <a:endParaRPr lang="de-DE"/>
           </a:p>
@@ -3427,7 +3425,7 @@
           <a:p>
             <a:fld id="{7EE558D9-09CA-4D3E-AA20-E16D3D150C12}" type="datetimeFigureOut">
               <a:rPr lang="de-DE" smtClean="0"/>
-              <a:t>06.01.2018</a:t>
+              <a:t>08.01.2018</a:t>
             </a:fld>
             <a:endParaRPr lang="de-DE"/>
           </a:p>
@@ -3931,92 +3929,163 @@
           <a:lstStyle/>
           <a:p>
             <a:r>
-              <a:rPr lang="de-DE" dirty="0" smtClean="0"/>
-              <a:t>Wie werden die Ressourcen bereitgestellt?</a:t>
+              <a:rPr lang="de-DE" dirty="0" err="1"/>
+              <a:t>IaaS</a:t>
+            </a:r>
+            <a:r>
+              <a:rPr lang="de-DE" dirty="0"/>
+              <a:t>-Cloud-Typen</a:t>
+            </a:r>
+          </a:p>
+        </p:txBody>
+      </p:sp>
+      <p:sp>
+        <p:nvSpPr>
+          <p:cNvPr id="3" name="Inhaltsplatzhalter 2"/>
+          <p:cNvSpPr>
+            <a:spLocks noGrp="1"/>
+          </p:cNvSpPr>
+          <p:nvPr>
+            <p:ph idx="1"/>
+          </p:nvPr>
+        </p:nvSpPr>
+        <p:spPr/>
+        <p:txBody>
+          <a:bodyPr/>
+          <a:lstStyle/>
+          <a:p>
+            <a:r>
+              <a:rPr lang="de-DE" dirty="0"/>
+              <a:t>Public </a:t>
+            </a:r>
+            <a:r>
+              <a:rPr lang="de-DE" dirty="0" err="1"/>
+              <a:t>IaaS</a:t>
+            </a:r>
+            <a:r>
+              <a:rPr lang="de-DE" dirty="0"/>
+              <a:t> </a:t>
+            </a:r>
+            <a:r>
+              <a:rPr lang="de-DE" dirty="0" smtClean="0"/>
+              <a:t>Cloud: </a:t>
+            </a:r>
+          </a:p>
+          <a:p>
+            <a:pPr lvl="1"/>
+            <a:r>
+              <a:rPr lang="de-DE" dirty="0" smtClean="0"/>
+              <a:t>Mehrere </a:t>
+            </a:r>
+            <a:r>
+              <a:rPr lang="de-DE" dirty="0"/>
+              <a:t>Nutzer teilen sich eine einen physikalischen </a:t>
+            </a:r>
+            <a:r>
+              <a:rPr lang="de-DE" dirty="0" smtClean="0"/>
+              <a:t>Server.</a:t>
+            </a:r>
+          </a:p>
+          <a:p>
+            <a:r>
+              <a:rPr lang="de-DE" dirty="0" smtClean="0"/>
+              <a:t>Private </a:t>
+            </a:r>
+            <a:r>
+              <a:rPr lang="de-DE" dirty="0" err="1"/>
+              <a:t>IaaS</a:t>
+            </a:r>
+            <a:r>
+              <a:rPr lang="de-DE" dirty="0"/>
+              <a:t> Cloud:</a:t>
+            </a:r>
+          </a:p>
+          <a:p>
+            <a:pPr lvl="1"/>
+            <a:r>
+              <a:rPr lang="de-DE" dirty="0"/>
+              <a:t>Cloud Computing Services für einzelne </a:t>
+            </a:r>
+            <a:r>
+              <a:rPr lang="de-DE" dirty="0" smtClean="0"/>
+              <a:t>Unternehmen</a:t>
+            </a:r>
+          </a:p>
+          <a:p>
+            <a:pPr lvl="1"/>
+            <a:r>
+              <a:rPr lang="de-DE" dirty="0"/>
+              <a:t>Zugriff auf verschiedene Art und Weise </a:t>
+            </a:r>
+            <a:r>
+              <a:rPr lang="de-DE" dirty="0" err="1" smtClean="0"/>
+              <a:t>limitierbar</a:t>
+            </a:r>
+            <a:endParaRPr lang="de-DE" dirty="0" smtClean="0"/>
+          </a:p>
+          <a:p>
+            <a:r>
+              <a:rPr lang="de-DE" dirty="0"/>
+              <a:t>Hybrid </a:t>
+            </a:r>
+            <a:r>
+              <a:rPr lang="de-DE" dirty="0" err="1"/>
+              <a:t>IaaS</a:t>
+            </a:r>
+            <a:r>
+              <a:rPr lang="de-DE" dirty="0"/>
+              <a:t> </a:t>
+            </a:r>
+            <a:r>
+              <a:rPr lang="de-DE" dirty="0" smtClean="0"/>
+              <a:t>Cloud:</a:t>
+            </a:r>
+          </a:p>
+          <a:p>
+            <a:pPr lvl="1"/>
+            <a:r>
+              <a:rPr lang="de-DE" dirty="0"/>
+              <a:t>Zusammenschluss von mehreren ‚Public‘ oder ‚Private‘ </a:t>
+            </a:r>
+            <a:r>
+              <a:rPr lang="de-DE" dirty="0" smtClean="0"/>
+              <a:t>Clouds</a:t>
+            </a:r>
+          </a:p>
+          <a:p>
+            <a:pPr lvl="1"/>
+            <a:r>
+              <a:rPr lang="de-DE" dirty="0" smtClean="0"/>
+              <a:t>Verwaltung von einigen Servern </a:t>
+            </a:r>
+            <a:r>
+              <a:rPr lang="de-DE" dirty="0"/>
+              <a:t>in einer privaten Cloud und </a:t>
+            </a:r>
+            <a:r>
+              <a:rPr lang="de-DE" dirty="0" smtClean="0"/>
+              <a:t>anderen </a:t>
+            </a:r>
+            <a:r>
+              <a:rPr lang="de-DE" dirty="0"/>
+              <a:t>in einer öffentlichen </a:t>
+            </a:r>
+            <a:r>
+              <a:rPr lang="de-DE" dirty="0" smtClean="0"/>
+              <a:t>Cloud</a:t>
             </a:r>
             <a:endParaRPr lang="de-DE" dirty="0"/>
           </a:p>
-        </p:txBody>
-      </p:sp>
-      <p:sp>
-        <p:nvSpPr>
-          <p:cNvPr id="3" name="Inhaltsplatzhalter 2"/>
-          <p:cNvSpPr>
-            <a:spLocks noGrp="1"/>
-          </p:cNvSpPr>
-          <p:nvPr>
-            <p:ph idx="1"/>
-          </p:nvPr>
-        </p:nvSpPr>
-        <p:spPr/>
-        <p:txBody>
-          <a:bodyPr/>
-          <a:lstStyle/>
-          <a:p>
-            <a:r>
-              <a:rPr lang="de-DE" dirty="0" smtClean="0"/>
-              <a:t>Der Kunde bekommt Zugriff auf die virtualisierten Komponenten.</a:t>
-            </a:r>
-          </a:p>
-          <a:p>
-            <a:r>
-              <a:rPr lang="de-DE" dirty="0" smtClean="0"/>
-              <a:t>Die </a:t>
-            </a:r>
-            <a:r>
-              <a:rPr lang="de-DE" b="1" dirty="0"/>
-              <a:t>Verfügbarkeiten</a:t>
-            </a:r>
-            <a:r>
-              <a:rPr lang="de-DE" dirty="0"/>
-              <a:t> und </a:t>
-            </a:r>
-            <a:r>
-              <a:rPr lang="de-DE" b="1" dirty="0"/>
-              <a:t>Entstörzeiten</a:t>
-            </a:r>
-            <a:r>
-              <a:rPr lang="de-DE" dirty="0"/>
-              <a:t> der Infrastruktur sind über Service Level Agreements (SLAs) zwischen Nutzer und Dienstleister </a:t>
-            </a:r>
-            <a:r>
-              <a:rPr lang="de-DE" dirty="0" smtClean="0"/>
-              <a:t>geregelt.</a:t>
-            </a:r>
-            <a:endParaRPr lang="de-DE" dirty="0"/>
-          </a:p>
-          <a:p>
-            <a:r>
-              <a:rPr lang="de-DE" b="1" dirty="0"/>
-              <a:t>SLA</a:t>
-            </a:r>
-            <a:r>
-              <a:rPr lang="de-DE" dirty="0"/>
-              <a:t> - </a:t>
-            </a:r>
-            <a:r>
-              <a:rPr lang="de-DE" dirty="0" smtClean="0"/>
-              <a:t>hier </a:t>
-            </a:r>
-            <a:r>
-              <a:rPr lang="de-DE" dirty="0"/>
-              <a:t>werden die zu erbringenden Leistungen eines Cloud Anbieters und deren Abrechnung </a:t>
-            </a:r>
-            <a:r>
-              <a:rPr lang="de-DE" dirty="0" smtClean="0"/>
-              <a:t>beschrieben.</a:t>
-            </a:r>
-            <a:endParaRPr lang="de-DE" dirty="0"/>
-          </a:p>
-          <a:p>
-            <a:endParaRPr lang="de-DE" dirty="0"/>
+          <a:p>
+            <a:pPr lvl="1"/>
+            <a:endParaRPr lang="de-DE" dirty="0" smtClean="0"/>
           </a:p>
         </p:txBody>
       </p:sp>
     </p:spTree>
     <p:extLst>
       <p:ext uri="{BB962C8B-B14F-4D97-AF65-F5344CB8AC3E}">
-        <p14:creationId xmlns:p14="http://schemas.microsoft.com/office/powerpoint/2010/main" val="2384203299"/>
+        <p14:creationId xmlns:p14="http://schemas.microsoft.com/office/powerpoint/2010/main" val="3115468433"/>
       </p:ext>
     </p:extLst>
   </p:cSld>
@@ -4066,164 +4135,104 @@
           <a:lstStyle/>
           <a:p>
             <a:r>
-              <a:rPr lang="de-DE" dirty="0" err="1"/>
-              <a:t>IaaS</a:t>
+              <a:rPr lang="de-DE" dirty="0" smtClean="0"/>
+              <a:t>Vorteile </a:t>
+            </a:r>
+            <a:endParaRPr lang="de-DE" dirty="0"/>
+          </a:p>
+        </p:txBody>
+      </p:sp>
+      <p:sp>
+        <p:nvSpPr>
+          <p:cNvPr id="3" name="Inhaltsplatzhalter 2"/>
+          <p:cNvSpPr>
+            <a:spLocks noGrp="1"/>
+          </p:cNvSpPr>
+          <p:nvPr>
+            <p:ph idx="1"/>
+          </p:nvPr>
+        </p:nvSpPr>
+        <p:spPr/>
+        <p:txBody>
+          <a:bodyPr/>
+          <a:lstStyle/>
+          <a:p>
+            <a:r>
+              <a:rPr lang="de-DE" dirty="0" smtClean="0"/>
+              <a:t>nutzungsbezogene </a:t>
             </a:r>
             <a:r>
               <a:rPr lang="de-DE" dirty="0"/>
-              <a:t>-Cloud-Typen</a:t>
-            </a:r>
-          </a:p>
-        </p:txBody>
-      </p:sp>
-      <p:sp>
-        <p:nvSpPr>
-          <p:cNvPr id="3" name="Inhaltsplatzhalter 2"/>
-          <p:cNvSpPr>
-            <a:spLocks noGrp="1"/>
-          </p:cNvSpPr>
-          <p:nvPr>
-            <p:ph idx="1"/>
-          </p:nvPr>
-        </p:nvSpPr>
-        <p:spPr/>
-        <p:txBody>
-          <a:bodyPr/>
-          <a:lstStyle/>
-          <a:p>
+              <a:t>Abrechnung </a:t>
+            </a:r>
+            <a:r>
+              <a:rPr lang="de-DE" dirty="0" smtClean="0"/>
+              <a:t>und </a:t>
+            </a:r>
             <a:r>
               <a:rPr lang="de-DE" dirty="0"/>
-              <a:t>Public </a:t>
-            </a:r>
-            <a:r>
-              <a:rPr lang="de-DE" dirty="0" err="1"/>
-              <a:t>IaaS</a:t>
+              <a:t>keine Investitionen für die Anschaffung der Hardware </a:t>
+            </a:r>
+            <a:r>
+              <a:rPr lang="de-DE" dirty="0" smtClean="0"/>
+              <a:t>erforderlich</a:t>
+            </a:r>
+          </a:p>
+          <a:p>
+            <a:r>
+              <a:rPr lang="de-DE" dirty="0" smtClean="0"/>
+              <a:t>Zugriff auf Anwendungen und Daten während einer Notfallsituation weiterhin möglich</a:t>
+            </a:r>
+          </a:p>
+          <a:p>
+            <a:r>
+              <a:rPr lang="de-DE" dirty="0" smtClean="0"/>
+              <a:t>eine für ein neues Produkt erforderliche </a:t>
+            </a:r>
+            <a:r>
+              <a:rPr lang="de-DE" dirty="0" err="1" smtClean="0"/>
+              <a:t>Computinginfrastruktur</a:t>
+            </a:r>
+            <a:r>
+              <a:rPr lang="de-DE" dirty="0" smtClean="0"/>
+              <a:t> kann innerhalb weniger Minuten oder Stunden verfügbar sein</a:t>
+            </a:r>
+          </a:p>
+          <a:p>
+            <a:r>
+              <a:rPr lang="de-DE" dirty="0" smtClean="0"/>
+              <a:t>schnellere </a:t>
             </a:r>
             <a:r>
               <a:rPr lang="de-DE" dirty="0"/>
-              <a:t> </a:t>
-            </a:r>
-            <a:r>
-              <a:rPr lang="de-DE" dirty="0" smtClean="0"/>
-              <a:t>Cloud: </a:t>
-            </a:r>
-          </a:p>
-          <a:p>
-            <a:pPr lvl="1"/>
-            <a:r>
-              <a:rPr lang="de-DE" dirty="0" smtClean="0"/>
-              <a:t>Mehrere </a:t>
-            </a:r>
+              <a:t>Reaktion auf sich ändernde </a:t>
+            </a:r>
+            <a:r>
+              <a:rPr lang="de-DE" dirty="0" smtClean="0"/>
+              <a:t>Geschäftsbedingungen</a:t>
+            </a:r>
+          </a:p>
+          <a:p>
+            <a:r>
+              <a:rPr lang="de-DE" dirty="0" smtClean="0"/>
+              <a:t>höhere Sicherheit</a:t>
+            </a:r>
+          </a:p>
+          <a:p>
             <a:r>
               <a:rPr lang="de-DE" dirty="0"/>
-              <a:t>Nutzer teilen sich eine einen physikalischen </a:t>
-            </a:r>
-            <a:r>
-              <a:rPr lang="de-DE" dirty="0" smtClean="0"/>
-              <a:t>Server.</a:t>
-            </a:r>
-          </a:p>
-          <a:p>
-            <a:r>
-              <a:rPr lang="de-DE" dirty="0" smtClean="0"/>
-              <a:t>Private </a:t>
-            </a:r>
-            <a:r>
-              <a:rPr lang="de-DE" dirty="0" err="1"/>
-              <a:t>IaaS</a:t>
-            </a:r>
-            <a:r>
-              <a:rPr lang="de-DE" dirty="0"/>
-              <a:t> Cloud:</a:t>
-            </a:r>
-          </a:p>
-          <a:p>
-            <a:pPr lvl="1"/>
-            <a:r>
-              <a:rPr lang="de-DE" dirty="0"/>
-              <a:t>Cloud Computing Services für einzelne </a:t>
-            </a:r>
-            <a:r>
-              <a:rPr lang="de-DE" dirty="0" smtClean="0"/>
-              <a:t>Unternehmen</a:t>
-            </a:r>
-          </a:p>
-          <a:p>
-            <a:pPr lvl="1"/>
-            <a:r>
-              <a:rPr lang="de-DE" dirty="0"/>
-              <a:t>Zugriff auf verschiedene Art und Weise </a:t>
-            </a:r>
-            <a:r>
-              <a:rPr lang="de-DE" dirty="0" err="1" smtClean="0"/>
-              <a:t>limitierbar</a:t>
-            </a:r>
-            <a:endParaRPr lang="de-DE" dirty="0" smtClean="0"/>
-          </a:p>
-          <a:p>
-            <a:r>
-              <a:rPr lang="de-DE" dirty="0"/>
-              <a:t>Hybrid </a:t>
-            </a:r>
-            <a:r>
-              <a:rPr lang="de-DE" dirty="0" err="1"/>
-              <a:t>IaaS</a:t>
-            </a:r>
-            <a:r>
-              <a:rPr lang="de-DE" dirty="0"/>
-              <a:t> </a:t>
-            </a:r>
-            <a:r>
-              <a:rPr lang="de-DE" dirty="0" smtClean="0"/>
-              <a:t>Cloud:</a:t>
-            </a:r>
-            <a:endParaRPr lang="de-DE" dirty="0" smtClean="0"/>
-          </a:p>
-          <a:p>
-            <a:pPr lvl="1"/>
-            <a:r>
-              <a:rPr lang="de-DE" dirty="0"/>
-              <a:t>Zusammenschluss von mehreren ‚Public‘ oder ‚Private‘ </a:t>
-            </a:r>
-            <a:r>
-              <a:rPr lang="de-DE" dirty="0" smtClean="0"/>
-              <a:t>Clouds</a:t>
-            </a:r>
-          </a:p>
-          <a:p>
-            <a:pPr lvl="1"/>
-            <a:r>
-              <a:rPr lang="de-DE" dirty="0" smtClean="0"/>
-              <a:t>Verwaltung von einigen Servern </a:t>
-            </a:r>
-            <a:r>
-              <a:rPr lang="de-DE" dirty="0"/>
-              <a:t>in einer privaten Cloud und </a:t>
-            </a:r>
-            <a:r>
-              <a:rPr lang="de-DE" dirty="0" smtClean="0"/>
-              <a:t>anderen </a:t>
-            </a:r>
-            <a:r>
-              <a:rPr lang="de-DE" dirty="0"/>
-              <a:t>in einer öffentlichen </a:t>
-            </a:r>
-            <a:r>
-              <a:rPr lang="de-DE" dirty="0" smtClean="0"/>
-              <a:t>Cloud</a:t>
-            </a:r>
+              <a:t>Schnellere Bereitstellung neuer Apps für Benutzer</a:t>
+            </a:r>
+          </a:p>
+          <a:p>
             <a:endParaRPr lang="de-DE" dirty="0"/>
-          </a:p>
-          <a:p>
-            <a:pPr lvl="1"/>
-            <a:endParaRPr lang="de-DE" dirty="0" smtClean="0"/>
           </a:p>
         </p:txBody>
       </p:sp>
     </p:spTree>
     <p:extLst>
       <p:ext uri="{BB962C8B-B14F-4D97-AF65-F5344CB8AC3E}">
-        <p14:creationId xmlns:p14="http://schemas.microsoft.com/office/powerpoint/2010/main" val="3115468433"/>
+        <p14:creationId xmlns:p14="http://schemas.microsoft.com/office/powerpoint/2010/main" val="2353662783"/>
       </p:ext>
     </p:extLst>
   </p:cSld>
@@ -4264,153 +4273,6 @@
             <a:spLocks noGrp="1"/>
           </p:cNvSpPr>
           <p:nvPr>
-            <p:ph type="title"/>
-          </p:nvPr>
-        </p:nvSpPr>
-        <p:spPr/>
-        <p:txBody>
-          <a:bodyPr/>
-          <a:lstStyle/>
-          <a:p>
-            <a:r>
-              <a:rPr lang="de-DE" dirty="0" smtClean="0"/>
-              <a:t>Vorteile </a:t>
-            </a:r>
-            <a:endParaRPr lang="de-DE" dirty="0"/>
-          </a:p>
-        </p:txBody>
-      </p:sp>
-      <p:sp>
-        <p:nvSpPr>
-          <p:cNvPr id="3" name="Inhaltsplatzhalter 2"/>
-          <p:cNvSpPr>
-            <a:spLocks noGrp="1"/>
-          </p:cNvSpPr>
-          <p:nvPr>
-            <p:ph idx="1"/>
-          </p:nvPr>
-        </p:nvSpPr>
-        <p:spPr/>
-        <p:txBody>
-          <a:bodyPr/>
-          <a:lstStyle/>
-          <a:p>
-            <a:r>
-              <a:rPr lang="de-DE" dirty="0" smtClean="0"/>
-              <a:t>nutzungsbezogene </a:t>
-            </a:r>
-            <a:r>
-              <a:rPr lang="de-DE" dirty="0"/>
-              <a:t>Abrechnung </a:t>
-            </a:r>
-            <a:r>
-              <a:rPr lang="de-DE" dirty="0" smtClean="0"/>
-              <a:t>und </a:t>
-            </a:r>
-            <a:r>
-              <a:rPr lang="de-DE" dirty="0"/>
-              <a:t>keine Investitionen für die Anschaffung der Hardware </a:t>
-            </a:r>
-            <a:r>
-              <a:rPr lang="de-DE" dirty="0" smtClean="0"/>
-              <a:t>erforderlich</a:t>
-            </a:r>
-          </a:p>
-          <a:p>
-            <a:r>
-              <a:rPr lang="de-DE" dirty="0" smtClean="0"/>
-              <a:t>Zugriff auf Anwendungen und Daten während einer Notfallsituation weiterhin möglich</a:t>
-            </a:r>
-          </a:p>
-          <a:p>
-            <a:r>
-              <a:rPr lang="de-DE" dirty="0" smtClean="0"/>
-              <a:t>eine für ein neues Produkt erforderliche </a:t>
-            </a:r>
-            <a:r>
-              <a:rPr lang="de-DE" dirty="0" err="1" smtClean="0"/>
-              <a:t>Computinginfrastruktur</a:t>
-            </a:r>
-            <a:r>
-              <a:rPr lang="de-DE" dirty="0" smtClean="0"/>
-              <a:t> kann innerhalb weniger Minuten oder Stunden verfügbar sein</a:t>
-            </a:r>
-          </a:p>
-          <a:p>
-            <a:r>
-              <a:rPr lang="de-DE" dirty="0" smtClean="0"/>
-              <a:t>schnellere </a:t>
-            </a:r>
-            <a:r>
-              <a:rPr lang="de-DE" dirty="0"/>
-              <a:t>Reaktion auf sich ändernde </a:t>
-            </a:r>
-            <a:r>
-              <a:rPr lang="de-DE" dirty="0" smtClean="0"/>
-              <a:t>Geschäftsbedingungen</a:t>
-            </a:r>
-          </a:p>
-          <a:p>
-            <a:r>
-              <a:rPr lang="de-DE" dirty="0" smtClean="0"/>
-              <a:t>höhere Sicherheit</a:t>
-            </a:r>
-          </a:p>
-          <a:p>
-            <a:r>
-              <a:rPr lang="de-DE" dirty="0"/>
-              <a:t>Schnellere Bereitstellung neuer Apps für Benutzer</a:t>
-            </a:r>
-          </a:p>
-          <a:p>
-            <a:endParaRPr lang="de-DE" dirty="0"/>
-          </a:p>
-        </p:txBody>
-      </p:sp>
-    </p:spTree>
-    <p:extLst>
-      <p:ext uri="{BB962C8B-B14F-4D97-AF65-F5344CB8AC3E}">
-        <p14:creationId xmlns:p14="http://schemas.microsoft.com/office/powerpoint/2010/main" val="2353662783"/>
-      </p:ext>
-    </p:extLst>
-  </p:cSld>
-  <p:clrMapOvr>
-    <a:masterClrMapping/>
-  </p:clrMapOvr>
-  <p:timing>
-    <p:tnLst>
-      <p:par>
-        <p:cTn id="1" dur="indefinite" restart="never" nodeType="tmRoot"/>
-      </p:par>
-    </p:tnLst>
-  </p:timing>
-</p:sld>
-</file>
-
-<file path=ppt/slides/slide13.xml><?xml version="1.0" encoding="utf-8"?>
-<p:sld xmlns:a="http://schemas.openxmlformats.org/drawingml/2006/main" xmlns:r="http://schemas.openxmlformats.org/officeDocument/2006/relationships" xmlns:p="http://schemas.openxmlformats.org/presentationml/2006/main">
-  <p:cSld>
-    <p:spTree>
-      <p:nvGrpSpPr>
-        <p:cNvPr id="1" name=""/>
-        <p:cNvGrpSpPr/>
-        <p:nvPr/>
-      </p:nvGrpSpPr>
-      <p:grpSpPr>
-        <a:xfrm>
-          <a:off x="0" y="0"/>
-          <a:ext cx="0" cy="0"/>
-          <a:chOff x="0" y="0"/>
-          <a:chExt cx="0" cy="0"/>
-        </a:xfrm>
-      </p:grpSpPr>
-      <p:sp>
-        <p:nvSpPr>
-          <p:cNvPr id="2" name="Titel 1"/>
-          <p:cNvSpPr>
-            <a:spLocks noGrp="1"/>
-          </p:cNvSpPr>
-          <p:nvPr>
             <p:ph type="ctrTitle"/>
           </p:nvPr>
         </p:nvSpPr>
@@ -4482,7 +4344,7 @@
 </p:sld>
 </file>
 
-<file path=ppt/slides/slide14.xml><?xml version="1.0" encoding="utf-8"?>
+<file path=ppt/slides/slide13.xml><?xml version="1.0" encoding="utf-8"?>
 <p:sld xmlns:a="http://schemas.openxmlformats.org/drawingml/2006/main" xmlns:r="http://schemas.openxmlformats.org/officeDocument/2006/relationships" xmlns:p="http://schemas.openxmlformats.org/presentationml/2006/main">
   <p:cSld>
     <p:spTree>
@@ -4609,7 +4471,7 @@
 </p:sld>
 </file>
 
-<file path=ppt/slides/slide15.xml><?xml version="1.0" encoding="utf-8"?>
+<file path=ppt/slides/slide14.xml><?xml version="1.0" encoding="utf-8"?>
 <p:sld xmlns:a="http://schemas.openxmlformats.org/drawingml/2006/main" xmlns:r="http://schemas.openxmlformats.org/officeDocument/2006/relationships" xmlns:p="http://schemas.openxmlformats.org/presentationml/2006/main">
   <p:cSld>
     <p:spTree>
@@ -4643,15 +4505,7 @@
           <a:p>
             <a:r>
               <a:rPr lang="de-DE" dirty="0" smtClean="0"/>
-              <a:t>Welche </a:t>
-            </a:r>
-            <a:r>
-              <a:rPr lang="de-DE" dirty="0" smtClean="0"/>
-              <a:t>Ressourcen </a:t>
-            </a:r>
-            <a:r>
-              <a:rPr lang="de-DE" dirty="0" smtClean="0"/>
-              <a:t>werden bereitgestellt?</a:t>
+              <a:t>Welche Ressourcen werden bereitgestellt?</a:t>
             </a:r>
             <a:endParaRPr lang="de-DE" dirty="0"/>
           </a:p>
@@ -4772,6 +4626,110 @@
 </p:sld>
 </file>
 
+<file path=ppt/slides/slide15.xml><?xml version="1.0" encoding="utf-8"?>
+<p:sld xmlns:a="http://schemas.openxmlformats.org/drawingml/2006/main" xmlns:r="http://schemas.openxmlformats.org/officeDocument/2006/relationships" xmlns:p="http://schemas.openxmlformats.org/presentationml/2006/main">
+  <p:cSld>
+    <p:spTree>
+      <p:nvGrpSpPr>
+        <p:cNvPr id="1" name=""/>
+        <p:cNvGrpSpPr/>
+        <p:nvPr/>
+      </p:nvGrpSpPr>
+      <p:grpSpPr>
+        <a:xfrm>
+          <a:off x="0" y="0"/>
+          <a:ext cx="0" cy="0"/>
+          <a:chOff x="0" y="0"/>
+          <a:chExt cx="0" cy="0"/>
+        </a:xfrm>
+      </p:grpSpPr>
+      <p:sp>
+        <p:nvSpPr>
+          <p:cNvPr id="2" name="Titel 1"/>
+          <p:cNvSpPr>
+            <a:spLocks noGrp="1"/>
+          </p:cNvSpPr>
+          <p:nvPr>
+            <p:ph type="title"/>
+          </p:nvPr>
+        </p:nvSpPr>
+        <p:spPr/>
+        <p:txBody>
+          <a:bodyPr/>
+          <a:lstStyle/>
+          <a:p>
+            <a:r>
+              <a:rPr lang="de-DE" dirty="0" smtClean="0"/>
+              <a:t>Wie werden die Ressourcen bereit gestellt?</a:t>
+            </a:r>
+            <a:endParaRPr lang="de-DE" dirty="0"/>
+          </a:p>
+        </p:txBody>
+      </p:sp>
+      <p:sp>
+        <p:nvSpPr>
+          <p:cNvPr id="3" name="Inhaltsplatzhalter 2"/>
+          <p:cNvSpPr>
+            <a:spLocks noGrp="1"/>
+          </p:cNvSpPr>
+          <p:nvPr>
+            <p:ph idx="1"/>
+          </p:nvPr>
+        </p:nvSpPr>
+        <p:spPr/>
+        <p:txBody>
+          <a:bodyPr/>
+          <a:lstStyle/>
+          <a:p>
+            <a:r>
+              <a:rPr lang="de-DE" dirty="0" smtClean="0"/>
+              <a:t>Ressourcen </a:t>
+            </a:r>
+            <a:r>
+              <a:rPr lang="de-DE" dirty="0"/>
+              <a:t>werden automatisch beim erstellen der Applikation zur Verfügung  gestellt</a:t>
+            </a:r>
+          </a:p>
+          <a:p>
+            <a:r>
+              <a:rPr lang="de-DE" dirty="0" smtClean="0"/>
+              <a:t>sie </a:t>
+            </a:r>
+            <a:r>
+              <a:rPr lang="de-DE" dirty="0"/>
+              <a:t>werden abhängig von den Anforderungen skaliert ("</a:t>
+            </a:r>
+            <a:r>
+              <a:rPr lang="de-DE" dirty="0" err="1"/>
+              <a:t>fabric</a:t>
+            </a:r>
+            <a:r>
+              <a:rPr lang="de-DE" dirty="0"/>
+              <a:t>")</a:t>
+            </a:r>
+          </a:p>
+        </p:txBody>
+      </p:sp>
+    </p:spTree>
+    <p:extLst>
+      <p:ext uri="{BB962C8B-B14F-4D97-AF65-F5344CB8AC3E}">
+        <p14:creationId xmlns:p14="http://schemas.microsoft.com/office/powerpoint/2010/main" val="1267479835"/>
+      </p:ext>
+    </p:extLst>
+  </p:cSld>
+  <p:clrMapOvr>
+    <a:masterClrMapping/>
+  </p:clrMapOvr>
+  <p:timing>
+    <p:tnLst>
+      <p:par>
+        <p:cTn id="1" dur="indefinite" restart="never" nodeType="tmRoot"/>
+      </p:par>
+    </p:tnLst>
+  </p:timing>
+</p:sld>
+</file>
+
 <file path=ppt/slides/slide16.xml><?xml version="1.0" encoding="utf-8"?>
 <p:sld xmlns:a="http://schemas.openxmlformats.org/drawingml/2006/main" xmlns:r="http://schemas.openxmlformats.org/officeDocument/2006/relationships" xmlns:p="http://schemas.openxmlformats.org/presentationml/2006/main">
   <p:cSld>
@@ -4806,7 +4764,7 @@
           <a:p>
             <a:r>
               <a:rPr lang="de-DE" dirty="0" smtClean="0"/>
-              <a:t>Wie werden die Ressourcen bereit gestellt?</a:t>
+              <a:t>Vorteile</a:t>
             </a:r>
             <a:endParaRPr lang="de-DE" dirty="0"/>
           </a:p>
@@ -4824,42 +4782,81 @@
         </p:nvSpPr>
         <p:spPr/>
         <p:txBody>
-          <a:bodyPr/>
-          <a:lstStyle/>
-          <a:p>
-            <a:r>
-              <a:rPr lang="de-DE" dirty="0" smtClean="0"/>
-              <a:t>Ressourcen </a:t>
+          <a:bodyPr>
+            <a:normAutofit lnSpcReduction="10000"/>
+          </a:bodyPr>
+          <a:lstStyle/>
+          <a:p>
+            <a:r>
+              <a:rPr lang="de-DE" dirty="0" smtClean="0"/>
+              <a:t>Monitoring-Funktionen (Laufzeitverhalten </a:t>
             </a:r>
             <a:r>
               <a:rPr lang="de-DE" dirty="0"/>
-              <a:t>werden automatisch beim erstellen der Applikation zur Verfügung  gestellt</a:t>
-            </a:r>
-          </a:p>
-          <a:p>
-            <a:r>
-              <a:rPr lang="de-DE" dirty="0" smtClean="0"/>
-              <a:t>sie </a:t>
+              <a:t>der Anwendungen kann überwacht werden)</a:t>
+            </a:r>
+          </a:p>
+          <a:p>
+            <a:r>
+              <a:rPr lang="de-DE" dirty="0" smtClean="0"/>
+              <a:t>punktet </a:t>
             </a:r>
             <a:r>
               <a:rPr lang="de-DE" dirty="0"/>
-              <a:t>werden abhängig von den Anforderungen skaliert ("</a:t>
+              <a:t>mit flexiblen und transparenten Kosten</a:t>
+            </a:r>
+          </a:p>
+          <a:p>
+            <a:r>
+              <a:rPr lang="de-DE" dirty="0"/>
+              <a:t>leistungsstarke </a:t>
             </a:r>
             <a:r>
               <a:rPr lang="de-DE" dirty="0" err="1"/>
-              <a:t>fabric</a:t>
+              <a:t>Deployment</a:t>
             </a:r>
             <a:r>
               <a:rPr lang="de-DE" dirty="0"/>
-              <a:t>")</a:t>
-            </a:r>
+              <a:t>- und </a:t>
+            </a:r>
+            <a:r>
+              <a:rPr lang="de-DE" dirty="0" smtClean="0"/>
+              <a:t>Management-Tools</a:t>
+            </a:r>
+            <a:r>
+              <a:rPr lang="de-DE" dirty="0"/>
+              <a:t>.</a:t>
+            </a:r>
+          </a:p>
+          <a:p>
+            <a:r>
+              <a:rPr lang="de-DE" dirty="0"/>
+              <a:t>Entwickler können sich mehr auf ihre individuelle Business-Logik konzentrieren.</a:t>
+            </a:r>
+          </a:p>
+          <a:p>
+            <a:r>
+              <a:rPr lang="de-DE" dirty="0"/>
+              <a:t>komplexe Aufgaben die mit dem Betrieb einer sicheren, hochverfügbaren und leicht skalierbaren Anwendungsinfrastruktur zusammenhängen, liegen im Verantwortungsbereich des </a:t>
+            </a:r>
+            <a:r>
+              <a:rPr lang="de-DE" dirty="0" err="1"/>
+              <a:t>PaaS</a:t>
+            </a:r>
+            <a:r>
+              <a:rPr lang="de-DE" dirty="0"/>
+              <a:t>-Anbieters.</a:t>
+            </a:r>
+          </a:p>
+          <a:p>
+            <a:endParaRPr lang="de-DE" dirty="0"/>
           </a:p>
         </p:txBody>
       </p:sp>
     </p:spTree>
     <p:extLst>
       <p:ext uri="{BB962C8B-B14F-4D97-AF65-F5344CB8AC3E}">
-        <p14:creationId xmlns:p14="http://schemas.microsoft.com/office/powerpoint/2010/main" val="1267479835"/>
+        <p14:creationId xmlns:p14="http://schemas.microsoft.com/office/powerpoint/2010/main" val="3344529334"/>
       </p:ext>
     </p:extLst>
   </p:cSld>
@@ -4900,17 +4897,17 @@
             <a:spLocks noGrp="1"/>
           </p:cNvSpPr>
           <p:nvPr>
-            <p:ph type="title"/>
-          </p:nvPr>
-        </p:nvSpPr>
-        <p:spPr/>
-        <p:txBody>
-          <a:bodyPr/>
-          <a:lstStyle/>
-          <a:p>
-            <a:r>
-              <a:rPr lang="de-DE" dirty="0" smtClean="0"/>
-              <a:t>Vorteile</a:t>
+            <p:ph type="ctrTitle"/>
+          </p:nvPr>
+        </p:nvSpPr>
+        <p:spPr/>
+        <p:txBody>
+          <a:bodyPr/>
+          <a:lstStyle/>
+          <a:p>
+            <a:r>
+              <a:rPr lang="de-DE" dirty="0" err="1"/>
+              <a:t>FaaS</a:t>
             </a:r>
             <a:endParaRPr lang="de-DE" dirty="0"/>
           </a:p>
@@ -4918,87 +4915,35 @@
       </p:sp>
       <p:sp>
         <p:nvSpPr>
-          <p:cNvPr id="3" name="Inhaltsplatzhalter 2"/>
-          <p:cNvSpPr>
-            <a:spLocks noGrp="1"/>
-          </p:cNvSpPr>
-          <p:nvPr>
-            <p:ph idx="1"/>
-          </p:nvPr>
-        </p:nvSpPr>
-        <p:spPr/>
-        <p:txBody>
-          <a:bodyPr>
-            <a:normAutofit lnSpcReduction="10000"/>
-          </a:bodyPr>
-          <a:lstStyle/>
-          <a:p>
-            <a:r>
-              <a:rPr lang="de-DE" dirty="0" smtClean="0"/>
-              <a:t>Monitoring-Funktionen </a:t>
-            </a:r>
-            <a:r>
-              <a:rPr lang="de-DE" dirty="0" smtClean="0"/>
-              <a:t>(Laufzeitverhalten </a:t>
-            </a:r>
-            <a:r>
-              <a:rPr lang="de-DE" dirty="0"/>
-              <a:t>der Anwendungen kann überwacht werden)</a:t>
-            </a:r>
-          </a:p>
-          <a:p>
-            <a:r>
-              <a:rPr lang="de-DE" dirty="0" smtClean="0"/>
-              <a:t>punktet </a:t>
-            </a:r>
-            <a:r>
-              <a:rPr lang="de-DE" dirty="0"/>
-              <a:t>mit flexiblen und transparenten Kosten</a:t>
-            </a:r>
-          </a:p>
-          <a:p>
-            <a:r>
-              <a:rPr lang="de-DE" dirty="0"/>
-              <a:t>leistungsstarke </a:t>
-            </a:r>
-            <a:r>
-              <a:rPr lang="de-DE" dirty="0" err="1"/>
-              <a:t>Deployment</a:t>
-            </a:r>
-            <a:r>
-              <a:rPr lang="de-DE" dirty="0"/>
-              <a:t>- und </a:t>
-            </a:r>
-            <a:r>
-              <a:rPr lang="de-DE" dirty="0" smtClean="0"/>
-              <a:t>Management-Tools</a:t>
-            </a:r>
-            <a:r>
-              <a:rPr lang="de-DE" dirty="0"/>
-              <a:t>.</a:t>
-            </a:r>
-          </a:p>
-          <a:p>
-            <a:r>
-              <a:rPr lang="de-DE" dirty="0"/>
-              <a:t>Entwickler können sich mehr auf ihre individuelle Business-Logik konzentrieren.</a:t>
-            </a:r>
-          </a:p>
-          <a:p>
-            <a:r>
-              <a:rPr lang="de-DE" dirty="0"/>
-              <a:t>komplexe Aufgaben die mit dem Betrieb einer sicheren, hochverfügbaren und leicht skalierbaren Anwendungsinfrastruktur zusammenhängen, liegen im Verantwortungsbereich des </a:t>
-            </a:r>
-            <a:r>
-              <a:rPr lang="de-DE" dirty="0" err="1"/>
-              <a:t>PaaS</a:t>
-            </a:r>
-            <a:r>
-              <a:rPr lang="de-DE" dirty="0"/>
-              <a:t>-Anbieters.</a:t>
-            </a:r>
-          </a:p>
-          <a:p>
+          <p:cNvPr id="3" name="Untertitel 2"/>
+          <p:cNvSpPr>
+            <a:spLocks noGrp="1"/>
+          </p:cNvSpPr>
+          <p:nvPr>
+            <p:ph type="subTitle" idx="1"/>
+          </p:nvPr>
+        </p:nvSpPr>
+        <p:spPr/>
+        <p:txBody>
+          <a:bodyPr/>
+          <a:lstStyle/>
+          <a:p>
+            <a:r>
+              <a:rPr lang="de-DE" dirty="0" err="1" smtClean="0"/>
+              <a:t>Function</a:t>
+            </a:r>
+            <a:r>
+              <a:rPr lang="de-DE" dirty="0" smtClean="0"/>
+              <a:t> </a:t>
+            </a:r>
+            <a:r>
+              <a:rPr lang="de-DE" dirty="0" err="1" smtClean="0"/>
+              <a:t>as</a:t>
+            </a:r>
+            <a:r>
+              <a:rPr lang="de-DE" dirty="0" smtClean="0"/>
+              <a:t> a Service</a:t>
+            </a:r>
             <a:endParaRPr lang="de-DE" dirty="0"/>
           </a:p>
         </p:txBody>
@@ -5006,7 +4951,7 @@
     </p:spTree>
     <p:extLst>
       <p:ext uri="{BB962C8B-B14F-4D97-AF65-F5344CB8AC3E}">
-        <p14:creationId xmlns:p14="http://schemas.microsoft.com/office/powerpoint/2010/main" val="3344529334"/>
+        <p14:creationId xmlns:p14="http://schemas.microsoft.com/office/powerpoint/2010/main" val="1796274741"/>
       </p:ext>
     </p:extLst>
   </p:cSld>
@@ -5047,341 +4992,6 @@
             <a:spLocks noGrp="1"/>
           </p:cNvSpPr>
           <p:nvPr>
-            <p:ph type="ctrTitle"/>
-          </p:nvPr>
-        </p:nvSpPr>
-        <p:spPr/>
-        <p:txBody>
-          <a:bodyPr/>
-          <a:lstStyle/>
-          <a:p>
-            <a:r>
-              <a:rPr lang="de-DE" dirty="0" err="1"/>
-              <a:t>FaaS</a:t>
-            </a:r>
-            <a:endParaRPr lang="de-DE" dirty="0"/>
-          </a:p>
-        </p:txBody>
-      </p:sp>
-      <p:sp>
-        <p:nvSpPr>
-          <p:cNvPr id="3" name="Untertitel 2"/>
-          <p:cNvSpPr>
-            <a:spLocks noGrp="1"/>
-          </p:cNvSpPr>
-          <p:nvPr>
-            <p:ph type="subTitle" idx="1"/>
-          </p:nvPr>
-        </p:nvSpPr>
-        <p:spPr/>
-        <p:txBody>
-          <a:bodyPr/>
-          <a:lstStyle/>
-          <a:p>
-            <a:r>
-              <a:rPr lang="de-DE" dirty="0" err="1" smtClean="0"/>
-              <a:t>Function</a:t>
-            </a:r>
-            <a:r>
-              <a:rPr lang="de-DE" dirty="0" smtClean="0"/>
-              <a:t> </a:t>
-            </a:r>
-            <a:r>
-              <a:rPr lang="de-DE" dirty="0" err="1" smtClean="0"/>
-              <a:t>as</a:t>
-            </a:r>
-            <a:r>
-              <a:rPr lang="de-DE" dirty="0" smtClean="0"/>
-              <a:t> a Service</a:t>
-            </a:r>
-            <a:endParaRPr lang="de-DE" dirty="0"/>
-          </a:p>
-        </p:txBody>
-      </p:sp>
-    </p:spTree>
-    <p:extLst>
-      <p:ext uri="{BB962C8B-B14F-4D97-AF65-F5344CB8AC3E}">
-        <p14:creationId xmlns:p14="http://schemas.microsoft.com/office/powerpoint/2010/main" val="1796274741"/>
-      </p:ext>
-    </p:extLst>
-  </p:cSld>
-  <p:clrMapOvr>
-    <a:masterClrMapping/>
-  </p:clrMapOvr>
-  <p:timing>
-    <p:tnLst>
-      <p:par>
-        <p:cTn id="1" dur="indefinite" restart="never" nodeType="tmRoot"/>
-      </p:par>
-    </p:tnLst>
-  </p:timing>
-</p:sld>
-</file>
-
-<file path=ppt/slides/slide19.xml><?xml version="1.0" encoding="utf-8"?>
-<p:sld xmlns:a="http://schemas.openxmlformats.org/drawingml/2006/main" xmlns:r="http://schemas.openxmlformats.org/officeDocument/2006/relationships" xmlns:p="http://schemas.openxmlformats.org/presentationml/2006/main">
-  <p:cSld>
-    <p:spTree>
-      <p:nvGrpSpPr>
-        <p:cNvPr id="1" name=""/>
-        <p:cNvGrpSpPr/>
-        <p:nvPr/>
-      </p:nvGrpSpPr>
-      <p:grpSpPr>
-        <a:xfrm>
-          <a:off x="0" y="0"/>
-          <a:ext cx="0" cy="0"/>
-          <a:chOff x="0" y="0"/>
-          <a:chExt cx="0" cy="0"/>
-        </a:xfrm>
-      </p:grpSpPr>
-      <p:sp>
-        <p:nvSpPr>
-          <p:cNvPr id="2" name="Titel 1"/>
-          <p:cNvSpPr>
-            <a:spLocks noGrp="1"/>
-          </p:cNvSpPr>
-          <p:nvPr>
-            <p:ph type="title"/>
-          </p:nvPr>
-        </p:nvSpPr>
-        <p:spPr/>
-        <p:txBody>
-          <a:bodyPr/>
-          <a:lstStyle/>
-          <a:p>
-            <a:r>
-              <a:rPr lang="de-DE" dirty="0" smtClean="0"/>
-              <a:t>Grundkonzept</a:t>
-            </a:r>
-            <a:endParaRPr lang="de-DE" dirty="0"/>
-          </a:p>
-        </p:txBody>
-      </p:sp>
-      <p:pic>
-        <p:nvPicPr>
-          <p:cNvPr id="4" name="Inhaltsplatzhalter 3"/>
-          <p:cNvPicPr>
-            <a:picLocks noGrp="1" noChangeAspect="1"/>
-          </p:cNvPicPr>
-          <p:nvPr>
-            <p:ph idx="1"/>
-          </p:nvPr>
-        </p:nvPicPr>
-        <p:blipFill>
-          <a:blip r:embed="rId2" cstate="print">
-            <a:extLst>
-              <a:ext uri="{28A0092B-C50C-407E-A947-70E740481C1C}">
-                <a14:useLocalDpi xmlns:a14="http://schemas.microsoft.com/office/drawing/2010/main" val="0"/>
-              </a:ext>
-            </a:extLst>
-          </a:blip>
-          <a:stretch>
-            <a:fillRect/>
-          </a:stretch>
-        </p:blipFill>
-        <p:spPr>
-          <a:xfrm>
-            <a:off x="1197763" y="1825625"/>
-            <a:ext cx="9796473" cy="4351338"/>
-          </a:xfrm>
-        </p:spPr>
-      </p:pic>
-    </p:spTree>
-    <p:extLst>
-      <p:ext uri="{BB962C8B-B14F-4D97-AF65-F5344CB8AC3E}">
-        <p14:creationId xmlns:p14="http://schemas.microsoft.com/office/powerpoint/2010/main" val="1268460424"/>
-      </p:ext>
-    </p:extLst>
-  </p:cSld>
-  <p:clrMapOvr>
-    <a:masterClrMapping/>
-  </p:clrMapOvr>
-  <p:timing>
-    <p:tnLst>
-      <p:par>
-        <p:cTn id="1" dur="indefinite" restart="never" nodeType="tmRoot"/>
-      </p:par>
-    </p:tnLst>
-  </p:timing>
-</p:sld>
-</file>
-
-<file path=ppt/slides/slide2.xml><?xml version="1.0" encoding="utf-8"?>
-<p:sld xmlns:a="http://schemas.openxmlformats.org/drawingml/2006/main" xmlns:r="http://schemas.openxmlformats.org/officeDocument/2006/relationships" xmlns:p="http://schemas.openxmlformats.org/presentationml/2006/main">
-  <p:cSld>
-    <p:spTree>
-      <p:nvGrpSpPr>
-        <p:cNvPr id="1" name=""/>
-        <p:cNvGrpSpPr/>
-        <p:nvPr/>
-      </p:nvGrpSpPr>
-      <p:grpSpPr>
-        <a:xfrm>
-          <a:off x="0" y="0"/>
-          <a:ext cx="0" cy="0"/>
-          <a:chOff x="0" y="0"/>
-          <a:chExt cx="0" cy="0"/>
-        </a:xfrm>
-      </p:grpSpPr>
-      <p:sp>
-        <p:nvSpPr>
-          <p:cNvPr id="2" name="Titel 1"/>
-          <p:cNvSpPr>
-            <a:spLocks noGrp="1"/>
-          </p:cNvSpPr>
-          <p:nvPr>
-            <p:ph type="title"/>
-          </p:nvPr>
-        </p:nvSpPr>
-        <p:spPr/>
-        <p:txBody>
-          <a:bodyPr/>
-          <a:lstStyle/>
-          <a:p>
-            <a:r>
-              <a:rPr lang="de-DE" dirty="0" smtClean="0"/>
-              <a:t>Gliederung</a:t>
-            </a:r>
-            <a:endParaRPr lang="de-DE" dirty="0"/>
-          </a:p>
-        </p:txBody>
-      </p:sp>
-      <p:sp>
-        <p:nvSpPr>
-          <p:cNvPr id="3" name="Inhaltsplatzhalter 2"/>
-          <p:cNvSpPr>
-            <a:spLocks noGrp="1"/>
-          </p:cNvSpPr>
-          <p:nvPr>
-            <p:ph idx="1"/>
-          </p:nvPr>
-        </p:nvSpPr>
-        <p:spPr/>
-        <p:txBody>
-          <a:bodyPr/>
-          <a:lstStyle/>
-          <a:p>
-            <a:pPr marL="514350" indent="-514350">
-              <a:buAutoNum type="arabicPeriod"/>
-            </a:pPr>
-            <a:r>
-              <a:rPr lang="de-DE" dirty="0" smtClean="0"/>
-              <a:t>Einleitung</a:t>
-            </a:r>
-          </a:p>
-          <a:p>
-            <a:pPr marL="514350" indent="-514350">
-              <a:buAutoNum type="arabicPeriod"/>
-            </a:pPr>
-            <a:r>
-              <a:rPr lang="de-DE" dirty="0" err="1" smtClean="0"/>
-              <a:t>IaaS</a:t>
-            </a:r>
-            <a:r>
-              <a:rPr lang="de-DE" dirty="0" smtClean="0"/>
-              <a:t> </a:t>
-            </a:r>
-          </a:p>
-          <a:p>
-            <a:pPr marL="514350" indent="-514350">
-              <a:buAutoNum type="arabicPeriod"/>
-            </a:pPr>
-            <a:r>
-              <a:rPr lang="de-DE" dirty="0" err="1" smtClean="0"/>
-              <a:t>PaaS</a:t>
-            </a:r>
-            <a:endParaRPr lang="de-DE" dirty="0" smtClean="0"/>
-          </a:p>
-          <a:p>
-            <a:pPr marL="514350" indent="-514350">
-              <a:buAutoNum type="arabicPeriod"/>
-            </a:pPr>
-            <a:r>
-              <a:rPr lang="de-DE" dirty="0" err="1" smtClean="0"/>
-              <a:t>FaaS</a:t>
-            </a:r>
-            <a:endParaRPr lang="de-DE" dirty="0" smtClean="0"/>
-          </a:p>
-          <a:p>
-            <a:pPr marL="514350" indent="-514350">
-              <a:buAutoNum type="arabicPeriod"/>
-            </a:pPr>
-            <a:r>
-              <a:rPr lang="de-DE" dirty="0" smtClean="0"/>
-              <a:t>Vergleich</a:t>
-            </a:r>
-          </a:p>
-          <a:p>
-            <a:pPr marL="514350" indent="-514350">
-              <a:buAutoNum type="arabicPeriod"/>
-            </a:pPr>
-            <a:r>
-              <a:rPr lang="de-DE" dirty="0" smtClean="0"/>
-              <a:t>Anwendungsfälle</a:t>
-            </a:r>
-          </a:p>
-          <a:p>
-            <a:pPr marL="514350" indent="-514350">
-              <a:buAutoNum type="arabicPeriod"/>
-            </a:pPr>
-            <a:r>
-              <a:rPr lang="de-DE" dirty="0" smtClean="0"/>
-              <a:t>Anbieter</a:t>
-            </a:r>
-          </a:p>
-          <a:p>
-            <a:pPr marL="0" indent="0">
-              <a:buNone/>
-            </a:pPr>
-            <a:endParaRPr lang="de-DE" dirty="0"/>
-          </a:p>
-        </p:txBody>
-      </p:sp>
-    </p:spTree>
-    <p:extLst>
-      <p:ext uri="{BB962C8B-B14F-4D97-AF65-F5344CB8AC3E}">
-        <p14:creationId xmlns:p14="http://schemas.microsoft.com/office/powerpoint/2010/main" val="3709616994"/>
-      </p:ext>
-    </p:extLst>
-  </p:cSld>
-  <p:clrMapOvr>
-    <a:masterClrMapping/>
-  </p:clrMapOvr>
-  <p:timing>
-    <p:tnLst>
-      <p:par>
-        <p:cTn id="1" dur="indefinite" restart="never" nodeType="tmRoot"/>
-      </p:par>
-    </p:tnLst>
-  </p:timing>
-</p:sld>
-</file>
-
-<file path=ppt/slides/slide20.xml><?xml version="1.0" encoding="utf-8"?>
-<p:sld xmlns:a="http://schemas.openxmlformats.org/drawingml/2006/main" xmlns:r="http://schemas.openxmlformats.org/officeDocument/2006/relationships" xmlns:p="http://schemas.openxmlformats.org/presentationml/2006/main">
-  <p:cSld>
-    <p:spTree>
-      <p:nvGrpSpPr>
-        <p:cNvPr id="1" name=""/>
-        <p:cNvGrpSpPr/>
-        <p:nvPr/>
-      </p:nvGrpSpPr>
-      <p:grpSpPr>
-        <a:xfrm>
-          <a:off x="0" y="0"/>
-          <a:ext cx="0" cy="0"/>
-          <a:chOff x="0" y="0"/>
-          <a:chExt cx="0" cy="0"/>
-        </a:xfrm>
-      </p:grpSpPr>
-      <p:sp>
-        <p:nvSpPr>
-          <p:cNvPr id="2" name="Titel 1"/>
-          <p:cNvSpPr>
-            <a:spLocks noGrp="1"/>
-          </p:cNvSpPr>
-          <p:nvPr>
             <p:ph type="title"/>
           </p:nvPr>
         </p:nvSpPr>
@@ -5432,7 +5042,7 @@
             <p:ph idx="1"/>
             <p:extLst>
               <p:ext uri="{D42A27DB-BD31-4B8C-83A1-F6EECF244321}">
-                <p14:modId xmlns:p14="http://schemas.microsoft.com/office/powerpoint/2010/main" val="2506188480"/>
+                <p14:modId xmlns:p14="http://schemas.microsoft.com/office/powerpoint/2010/main" val="4008969258"/>
               </p:ext>
             </p:extLst>
           </p:nvPr>
@@ -5577,14 +5187,15 @@
                     <a:p>
                       <a:r>
                         <a:rPr lang="de-DE" dirty="0" smtClean="0"/>
-                        <a:t>Nur bei Ausführung des Codes wird eine Gebühr erhoben.</a:t>
+                        <a:t>Nur bei Ausführung des Codes wird eine Gebühr erhoben</a:t>
+                      </a:r>
+                      <a:r>
+                        <a:rPr lang="de-DE" dirty="0" smtClean="0"/>
+                        <a:t>.</a:t>
                       </a:r>
                     </a:p>
                     <a:p>
-                      <a:r>
-                        <a:rPr lang="de-DE" dirty="0" smtClean="0"/>
-                        <a:t>pro 100ms</a:t>
-                      </a:r>
+                      <a:endParaRPr lang="de-DE" dirty="0" smtClean="0"/>
                     </a:p>
                     <a:p>
                       <a:endParaRPr lang="de-DE" dirty="0" smtClean="0"/>
@@ -5635,7 +5246,7 @@
 </p:sld>
 </file>
 
-<file path=ppt/slides/slide21.xml><?xml version="1.0" encoding="utf-8"?>
+<file path=ppt/slides/slide19.xml><?xml version="1.0" encoding="utf-8"?>
 <p:sld xmlns:a="http://schemas.openxmlformats.org/drawingml/2006/main" xmlns:r="http://schemas.openxmlformats.org/officeDocument/2006/relationships" xmlns:p="http://schemas.openxmlformats.org/presentationml/2006/main">
   <p:cSld>
     <p:spTree>
@@ -6056,7 +5667,158 @@
 </p:sld>
 </file>
 
-<file path=ppt/slides/slide22.xml><?xml version="1.0" encoding="utf-8"?>
+<file path=ppt/slides/slide2.xml><?xml version="1.0" encoding="utf-8"?>
+<p:sld xmlns:a="http://schemas.openxmlformats.org/drawingml/2006/main" xmlns:r="http://schemas.openxmlformats.org/officeDocument/2006/relationships" xmlns:p="http://schemas.openxmlformats.org/presentationml/2006/main">
+  <p:cSld>
+    <p:spTree>
+      <p:nvGrpSpPr>
+        <p:cNvPr id="1" name=""/>
+        <p:cNvGrpSpPr/>
+        <p:nvPr/>
+      </p:nvGrpSpPr>
+      <p:grpSpPr>
+        <a:xfrm>
+          <a:off x="0" y="0"/>
+          <a:ext cx="0" cy="0"/>
+          <a:chOff x="0" y="0"/>
+          <a:chExt cx="0" cy="0"/>
+        </a:xfrm>
+      </p:grpSpPr>
+      <p:sp>
+        <p:nvSpPr>
+          <p:cNvPr id="2" name="Titel 1"/>
+          <p:cNvSpPr>
+            <a:spLocks noGrp="1"/>
+          </p:cNvSpPr>
+          <p:nvPr>
+            <p:ph type="title"/>
+          </p:nvPr>
+        </p:nvSpPr>
+        <p:spPr/>
+        <p:txBody>
+          <a:bodyPr/>
+          <a:lstStyle/>
+          <a:p>
+            <a:r>
+              <a:rPr lang="de-DE" dirty="0" smtClean="0"/>
+              <a:t>Gliederung</a:t>
+            </a:r>
+            <a:endParaRPr lang="de-DE" dirty="0"/>
+          </a:p>
+        </p:txBody>
+      </p:sp>
+      <p:sp>
+        <p:nvSpPr>
+          <p:cNvPr id="3" name="Inhaltsplatzhalter 2"/>
+          <p:cNvSpPr>
+            <a:spLocks noGrp="1"/>
+          </p:cNvSpPr>
+          <p:nvPr>
+            <p:ph idx="1"/>
+          </p:nvPr>
+        </p:nvSpPr>
+        <p:spPr/>
+        <p:txBody>
+          <a:bodyPr/>
+          <a:lstStyle/>
+          <a:p>
+            <a:pPr marL="514350" indent="-514350">
+              <a:buAutoNum type="arabicPeriod"/>
+            </a:pPr>
+            <a:r>
+              <a:rPr lang="de-DE" dirty="0" smtClean="0"/>
+              <a:t>Einleitung</a:t>
+            </a:r>
+          </a:p>
+          <a:p>
+            <a:pPr marL="514350" indent="-514350">
+              <a:buAutoNum type="arabicPeriod"/>
+            </a:pPr>
+            <a:r>
+              <a:rPr lang="de-DE" dirty="0" err="1" smtClean="0"/>
+              <a:t>IaaS</a:t>
+            </a:r>
+            <a:r>
+              <a:rPr lang="de-DE" dirty="0" smtClean="0"/>
+              <a:t> </a:t>
+            </a:r>
+          </a:p>
+          <a:p>
+            <a:pPr marL="514350" indent="-514350">
+              <a:buAutoNum type="arabicPeriod"/>
+            </a:pPr>
+            <a:r>
+              <a:rPr lang="de-DE" dirty="0" err="1" smtClean="0"/>
+              <a:t>PaaS</a:t>
+            </a:r>
+            <a:endParaRPr lang="de-DE" dirty="0" smtClean="0"/>
+          </a:p>
+          <a:p>
+            <a:pPr marL="514350" indent="-514350">
+              <a:buAutoNum type="arabicPeriod"/>
+            </a:pPr>
+            <a:r>
+              <a:rPr lang="de-DE" dirty="0" err="1" smtClean="0"/>
+              <a:t>FaaS</a:t>
+            </a:r>
+            <a:endParaRPr lang="de-DE" dirty="0" smtClean="0"/>
+          </a:p>
+          <a:p>
+            <a:pPr marL="514350" indent="-514350">
+              <a:buAutoNum type="arabicPeriod"/>
+            </a:pPr>
+            <a:r>
+              <a:rPr lang="de-DE" dirty="0" smtClean="0"/>
+              <a:t>Vergleich</a:t>
+            </a:r>
+          </a:p>
+          <a:p>
+            <a:pPr marL="514350" indent="-514350">
+              <a:buAutoNum type="arabicPeriod"/>
+            </a:pPr>
+            <a:r>
+              <a:rPr lang="de-DE" dirty="0" smtClean="0"/>
+              <a:t>Anwendungsfälle</a:t>
+            </a:r>
+          </a:p>
+          <a:p>
+            <a:pPr marL="514350" indent="-514350">
+              <a:buAutoNum type="arabicPeriod"/>
+            </a:pPr>
+            <a:r>
+              <a:rPr lang="de-DE" dirty="0" smtClean="0"/>
+              <a:t>Anbieter</a:t>
+            </a:r>
+          </a:p>
+          <a:p>
+            <a:pPr marL="0" indent="0">
+              <a:buNone/>
+            </a:pPr>
+            <a:endParaRPr lang="de-DE" dirty="0"/>
+          </a:p>
+        </p:txBody>
+      </p:sp>
+    </p:spTree>
+    <p:extLst>
+      <p:ext uri="{BB962C8B-B14F-4D97-AF65-F5344CB8AC3E}">
+        <p14:creationId xmlns:p14="http://schemas.microsoft.com/office/powerpoint/2010/main" val="3709616994"/>
+      </p:ext>
+    </p:extLst>
+  </p:cSld>
+  <p:clrMapOvr>
+    <a:masterClrMapping/>
+  </p:clrMapOvr>
+  <p:timing>
+    <p:tnLst>
+      <p:par>
+        <p:cTn id="1" dur="indefinite" restart="never" nodeType="tmRoot"/>
+      </p:par>
+    </p:tnLst>
+  </p:timing>
+</p:sld>
+</file>
+
+<file path=ppt/slides/slide20.xml><?xml version="1.0" encoding="utf-8"?>
 <p:sld xmlns:a="http://schemas.openxmlformats.org/drawingml/2006/main" xmlns:r="http://schemas.openxmlformats.org/officeDocument/2006/relationships" xmlns:p="http://schemas.openxmlformats.org/presentationml/2006/main">
   <p:cSld>
     <p:spTree>
@@ -6191,7 +5953,7 @@
 </p:sld>
 </file>
 
-<file path=ppt/slides/slide23.xml><?xml version="1.0" encoding="utf-8"?>
+<file path=ppt/slides/slide21.xml><?xml version="1.0" encoding="utf-8"?>
 <p:sld xmlns:a="http://schemas.openxmlformats.org/drawingml/2006/main" xmlns:r="http://schemas.openxmlformats.org/officeDocument/2006/relationships" xmlns:p="http://schemas.openxmlformats.org/presentationml/2006/main">
   <p:cSld>
     <p:spTree>
@@ -6407,7 +6169,7 @@
 </p:sld>
 </file>
 
-<file path=ppt/slides/slide24.xml><?xml version="1.0" encoding="utf-8"?>
+<file path=ppt/slides/slide22.xml><?xml version="1.0" encoding="utf-8"?>
 <p:sld xmlns:a="http://schemas.openxmlformats.org/drawingml/2006/main" xmlns:r="http://schemas.openxmlformats.org/officeDocument/2006/relationships" xmlns:p="http://schemas.openxmlformats.org/presentationml/2006/main">
   <p:cSld>
     <p:spTree>
@@ -6469,7 +6231,7 @@
         </p:spPr>
         <p:txBody>
           <a:bodyPr>
-            <a:normAutofit lnSpcReduction="10000"/>
+            <a:normAutofit fontScale="92500" lnSpcReduction="10000"/>
           </a:bodyPr>
           <a:lstStyle/>
           <a:p>
@@ -6514,8 +6276,16 @@
           <a:p>
             <a:r>
               <a:rPr lang="de-DE" dirty="0" smtClean="0"/>
-              <a:t>Automatische Skalierung und Fehlertoleranz</a:t>
-            </a:r>
+              <a:t>Automatische Skalierung </a:t>
+            </a:r>
+            <a:endParaRPr lang="de-DE" dirty="0"/>
+          </a:p>
+          <a:p>
+            <a:r>
+              <a:rPr lang="de-DE" dirty="0" smtClean="0"/>
+              <a:t>Hohe Fehlertoleranz</a:t>
+            </a:r>
+            <a:endParaRPr lang="de-DE" dirty="0" smtClean="0"/>
           </a:p>
           <a:p>
             <a:endParaRPr lang="de-DE" dirty="0" smtClean="0"/>
@@ -6535,7 +6305,7 @@
         </p:nvSpPr>
         <p:spPr>
           <a:xfrm>
-            <a:off x="5594683" y="1960562"/>
+            <a:off x="5585630" y="1960562"/>
             <a:ext cx="4872789" cy="4351338"/>
           </a:xfrm>
           <a:prstGeom prst="rect">
@@ -6712,24 +6482,44 @@
           </a:lstStyle>
           <a:p>
             <a:pPr marL="0" indent="0">
-              <a:buFont typeface="Arial" panose="020B0604020202020204" pitchFamily="34" charset="0"/>
+              <a:lnSpc>
+                <a:spcPct val="80000"/>
+              </a:lnSpc>
               <a:buNone/>
             </a:pPr>
             <a:r>
-              <a:rPr lang="de-DE" dirty="0" smtClean="0"/>
+              <a:rPr lang="de-DE" sz="2600" dirty="0"/>
               <a:t>Nachteile:</a:t>
             </a:r>
           </a:p>
           <a:p>
-            <a:r>
-              <a:rPr lang="de-DE" dirty="0" smtClean="0"/>
+            <a:pPr>
+              <a:lnSpc>
+                <a:spcPct val="80000"/>
+              </a:lnSpc>
+            </a:pPr>
+            <a:r>
+              <a:rPr lang="de-DE" sz="2600" dirty="0"/>
               <a:t>Vergleichsweise wenig Kontrolle (Freiheitsgrad)</a:t>
             </a:r>
           </a:p>
           <a:p>
-            <a:r>
-              <a:rPr lang="de-DE" dirty="0" smtClean="0"/>
-              <a:t>Erhöhtes Lock-in Risiko</a:t>
+            <a:pPr>
+              <a:lnSpc>
+                <a:spcPct val="80000"/>
+              </a:lnSpc>
+            </a:pPr>
+            <a:r>
+              <a:rPr lang="de-DE" sz="2600" dirty="0"/>
+              <a:t>Erhöhtes </a:t>
+            </a:r>
+            <a:r>
+              <a:rPr lang="de-DE" sz="2600" dirty="0"/>
+              <a:t>Lock-in</a:t>
+            </a:r>
+            <a:r>
+              <a:rPr lang="de-DE" sz="2600" dirty="0"/>
+              <a:t> Risiko</a:t>
             </a:r>
           </a:p>
           <a:p>
@@ -6763,7 +6553,7 @@
 </p:sld>
 </file>
 
-<file path=ppt/slides/slide25.xml><?xml version="1.0" encoding="utf-8"?>
+<file path=ppt/slides/slide23.xml><?xml version="1.0" encoding="utf-8"?>
 <p:sld xmlns:a="http://schemas.openxmlformats.org/drawingml/2006/main" xmlns:r="http://schemas.openxmlformats.org/officeDocument/2006/relationships" xmlns:p="http://schemas.openxmlformats.org/presentationml/2006/main">
   <p:cSld>
     <p:spTree>
@@ -6884,7 +6674,7 @@
 </p:sld>
 </file>
 
-<file path=ppt/slides/slide26.xml><?xml version="1.0" encoding="utf-8"?>
+<file path=ppt/slides/slide24.xml><?xml version="1.0" encoding="utf-8"?>
 <p:sld xmlns:a="http://schemas.openxmlformats.org/drawingml/2006/main" xmlns:r="http://schemas.openxmlformats.org/officeDocument/2006/relationships" xmlns:p="http://schemas.openxmlformats.org/presentationml/2006/main">
   <p:cSld>
     <p:spTree>
@@ -6920,7 +6710,6 @@
               <a:rPr lang="de-DE" dirty="0"/>
               <a:t>Anwendungsfälle</a:t>
             </a:r>
-            <a:endParaRPr lang="de-DE" dirty="0"/>
           </a:p>
         </p:txBody>
       </p:sp>
@@ -6947,8 +6736,8 @@
         </p:blipFill>
         <p:spPr bwMode="auto">
           <a:xfrm>
-            <a:off x="2228144" y="2978589"/>
-            <a:ext cx="7735712" cy="3198373"/>
+            <a:off x="142332" y="1825625"/>
+            <a:ext cx="12085967" cy="4997010"/>
           </a:xfrm>
           <a:prstGeom prst="rect">
             <a:avLst/>
@@ -7194,7 +6983,7 @@
 </p:sld>
 </file>
 
-<file path=ppt/slides/slide27.xml><?xml version="1.0" encoding="utf-8"?>
+<file path=ppt/slides/slide25.xml><?xml version="1.0" encoding="utf-8"?>
 <p:sld xmlns:a="http://schemas.openxmlformats.org/drawingml/2006/main" xmlns:r="http://schemas.openxmlformats.org/officeDocument/2006/relationships" xmlns:p="http://schemas.openxmlformats.org/presentationml/2006/main">
   <p:cSld>
     <p:spTree>
@@ -7262,20 +7051,39 @@
             </a:r>
             <a:r>
               <a:rPr lang="de-DE" dirty="0" smtClean="0"/>
-              <a:t> als </a:t>
-            </a:r>
-            <a:r>
-              <a:rPr lang="de-DE" dirty="0" smtClean="0"/>
-              <a:t>Reaktion auf bestimmte Trigger (Miniaturbilder werden automatisch </a:t>
-            </a:r>
-            <a:r>
-              <a:rPr lang="de-DE" dirty="0" smtClean="0"/>
-              <a:t>erstellt, </a:t>
-            </a:r>
-            <a:r>
-              <a:rPr lang="de-DE" dirty="0" smtClean="0"/>
-              <a:t>nachdem eine Bilddatei hochgeladen wurde)</a:t>
-            </a:r>
+              <a:t> als Reaktion auf bestimmte Trigger </a:t>
+            </a:r>
+            <a:r>
+              <a:rPr lang="de-DE" dirty="0" smtClean="0"/>
+              <a:t>(z.B. Miniaturbilder </a:t>
+            </a:r>
+            <a:r>
+              <a:rPr lang="de-DE" dirty="0" smtClean="0"/>
+              <a:t>werden automatisch erstellt, nachdem eine Bilddatei hochgeladen wurde</a:t>
+            </a:r>
+            <a:r>
+              <a:rPr lang="de-DE" dirty="0" smtClean="0"/>
+              <a:t>)</a:t>
+            </a:r>
+          </a:p>
+          <a:p>
+            <a:r>
+              <a:rPr lang="de-DE" dirty="0" smtClean="0"/>
+              <a:t>Alexa</a:t>
+            </a:r>
+          </a:p>
+          <a:p>
+            <a:r>
+              <a:rPr lang="de-DE" dirty="0" smtClean="0"/>
+              <a:t>Uber</a:t>
+            </a:r>
+            <a:endParaRPr lang="de-DE" dirty="0" smtClean="0"/>
+          </a:p>
+          <a:p>
+            <a:pPr marL="0" indent="0">
+              <a:buNone/>
+            </a:pPr>
+            <a:endParaRPr lang="de-DE" dirty="0" smtClean="0"/>
           </a:p>
           <a:p>
             <a:endParaRPr lang="de-DE" dirty="0" smtClean="0"/>
@@ -7308,7 +7116,7 @@
 </p:sld>
 </file>
 
-<file path=ppt/slides/slide28.xml><?xml version="1.0" encoding="utf-8"?>
+<file path=ppt/slides/slide26.xml><?xml version="1.0" encoding="utf-8"?>
 <p:sld xmlns:a="http://schemas.openxmlformats.org/drawingml/2006/main" xmlns:r="http://schemas.openxmlformats.org/officeDocument/2006/relationships" xmlns:p="http://schemas.openxmlformats.org/presentationml/2006/main">
   <p:cSld>
     <p:spTree>
@@ -7387,7 +7195,7 @@
 </p:sld>
 </file>
 
-<file path=ppt/slides/slide29.xml><?xml version="1.0" encoding="utf-8"?>
+<file path=ppt/slides/slide27.xml><?xml version="1.0" encoding="utf-8"?>
 <p:sld xmlns:a="http://schemas.openxmlformats.org/drawingml/2006/main" xmlns:r="http://schemas.openxmlformats.org/officeDocument/2006/relationships" xmlns:p="http://schemas.openxmlformats.org/presentationml/2006/main">
   <p:cSld>
     <p:spTree>
@@ -7453,84 +7261,7 @@
 </p:sld>
 </file>
 
-<file path=ppt/slides/slide3.xml><?xml version="1.0" encoding="utf-8"?>
-<p:sld xmlns:a="http://schemas.openxmlformats.org/drawingml/2006/main" xmlns:r="http://schemas.openxmlformats.org/officeDocument/2006/relationships" xmlns:p="http://schemas.openxmlformats.org/presentationml/2006/main">
-  <p:cSld>
-    <p:spTree>
-      <p:nvGrpSpPr>
-        <p:cNvPr id="1" name=""/>
-        <p:cNvGrpSpPr/>
-        <p:nvPr/>
-      </p:nvGrpSpPr>
-      <p:grpSpPr>
-        <a:xfrm>
-          <a:off x="0" y="0"/>
-          <a:ext cx="0" cy="0"/>
-          <a:chOff x="0" y="0"/>
-          <a:chExt cx="0" cy="0"/>
-        </a:xfrm>
-      </p:grpSpPr>
-      <p:sp>
-        <p:nvSpPr>
-          <p:cNvPr id="2" name="Titel 1"/>
-          <p:cNvSpPr>
-            <a:spLocks noGrp="1"/>
-          </p:cNvSpPr>
-          <p:nvPr>
-            <p:ph type="ctrTitle"/>
-          </p:nvPr>
-        </p:nvSpPr>
-        <p:spPr/>
-        <p:txBody>
-          <a:bodyPr/>
-          <a:lstStyle/>
-          <a:p>
-            <a:r>
-              <a:rPr lang="de-DE" dirty="0" smtClean="0"/>
-              <a:t>Einleitung</a:t>
-            </a:r>
-            <a:endParaRPr lang="de-DE" dirty="0"/>
-          </a:p>
-        </p:txBody>
-      </p:sp>
-      <p:sp>
-        <p:nvSpPr>
-          <p:cNvPr id="3" name="Untertitel 2"/>
-          <p:cNvSpPr>
-            <a:spLocks noGrp="1"/>
-          </p:cNvSpPr>
-          <p:nvPr>
-            <p:ph type="subTitle" idx="1"/>
-          </p:nvPr>
-        </p:nvSpPr>
-        <p:spPr>
-          <a:xfrm>
-            <a:off x="1524000" y="3509963"/>
-            <a:ext cx="9144000" cy="1655762"/>
-          </a:xfrm>
-        </p:spPr>
-        <p:txBody>
-          <a:bodyPr/>
-          <a:lstStyle/>
-          <a:p>
-            <a:endParaRPr lang="de-DE" dirty="0"/>
-          </a:p>
-        </p:txBody>
-      </p:sp>
-    </p:spTree>
-    <p:extLst>
-      <p:ext uri="{BB962C8B-B14F-4D97-AF65-F5344CB8AC3E}">
-        <p14:creationId xmlns:p14="http://schemas.microsoft.com/office/powerpoint/2010/main" val="3377961751"/>
-      </p:ext>
-    </p:extLst>
-  </p:cSld>
-  <p:clrMapOvr>
-    <a:masterClrMapping/>
-  </p:clrMapOvr>
-</p:sld>
-</file>
-
-<file path=ppt/slides/slide30.xml><?xml version="1.0" encoding="utf-8"?>
+<file path=ppt/slides/slide28.xml><?xml version="1.0" encoding="utf-8"?>
 <p:sld xmlns:a="http://schemas.openxmlformats.org/drawingml/2006/main" xmlns:r="http://schemas.openxmlformats.org/officeDocument/2006/relationships" xmlns:p="http://schemas.openxmlformats.org/presentationml/2006/main">
   <p:cSld>
     <p:spTree>
@@ -8328,6 +8059,280 @@
 </p:sld>
 </file>
 
+<file path=ppt/slides/slide29.xml><?xml version="1.0" encoding="utf-8"?>
+<p:sld xmlns:a="http://schemas.openxmlformats.org/drawingml/2006/main" xmlns:r="http://schemas.openxmlformats.org/officeDocument/2006/relationships" xmlns:p="http://schemas.openxmlformats.org/presentationml/2006/main">
+  <p:cSld>
+    <p:spTree>
+      <p:nvGrpSpPr>
+        <p:cNvPr id="1" name=""/>
+        <p:cNvGrpSpPr/>
+        <p:nvPr/>
+      </p:nvGrpSpPr>
+      <p:grpSpPr>
+        <a:xfrm>
+          <a:off x="0" y="0"/>
+          <a:ext cx="0" cy="0"/>
+          <a:chOff x="0" y="0"/>
+          <a:chExt cx="0" cy="0"/>
+        </a:xfrm>
+      </p:grpSpPr>
+      <p:sp>
+        <p:nvSpPr>
+          <p:cNvPr id="2" name="Titel 1"/>
+          <p:cNvSpPr>
+            <a:spLocks noGrp="1"/>
+          </p:cNvSpPr>
+          <p:nvPr>
+            <p:ph type="ctrTitle"/>
+          </p:nvPr>
+        </p:nvSpPr>
+        <p:spPr/>
+        <p:txBody>
+          <a:bodyPr/>
+          <a:lstStyle/>
+          <a:p>
+            <a:r>
+              <a:rPr lang="de-DE" dirty="0"/>
+              <a:t>Anwendungsfälle</a:t>
+            </a:r>
+          </a:p>
+        </p:txBody>
+      </p:sp>
+      <p:sp>
+        <p:nvSpPr>
+          <p:cNvPr id="3" name="Untertitel 2"/>
+          <p:cNvSpPr>
+            <a:spLocks noGrp="1"/>
+          </p:cNvSpPr>
+          <p:nvPr>
+            <p:ph type="subTitle" idx="1"/>
+          </p:nvPr>
+        </p:nvSpPr>
+        <p:spPr/>
+        <p:txBody>
+          <a:bodyPr/>
+          <a:lstStyle/>
+          <a:p>
+            <a:endParaRPr lang="de-DE"/>
+          </a:p>
+        </p:txBody>
+      </p:sp>
+    </p:spTree>
+    <p:extLst>
+      <p:ext uri="{BB962C8B-B14F-4D97-AF65-F5344CB8AC3E}">
+        <p14:creationId xmlns:p14="http://schemas.microsoft.com/office/powerpoint/2010/main" val="3619588491"/>
+      </p:ext>
+    </p:extLst>
+  </p:cSld>
+  <p:clrMapOvr>
+    <a:masterClrMapping/>
+  </p:clrMapOvr>
+  <p:timing>
+    <p:tnLst>
+      <p:par>
+        <p:cTn id="1" dur="indefinite" restart="never" nodeType="tmRoot"/>
+      </p:par>
+    </p:tnLst>
+  </p:timing>
+</p:sld>
+</file>
+
+<file path=ppt/slides/slide3.xml><?xml version="1.0" encoding="utf-8"?>
+<p:sld xmlns:a="http://schemas.openxmlformats.org/drawingml/2006/main" xmlns:r="http://schemas.openxmlformats.org/officeDocument/2006/relationships" xmlns:p="http://schemas.openxmlformats.org/presentationml/2006/main">
+  <p:cSld>
+    <p:spTree>
+      <p:nvGrpSpPr>
+        <p:cNvPr id="1" name=""/>
+        <p:cNvGrpSpPr/>
+        <p:nvPr/>
+      </p:nvGrpSpPr>
+      <p:grpSpPr>
+        <a:xfrm>
+          <a:off x="0" y="0"/>
+          <a:ext cx="0" cy="0"/>
+          <a:chOff x="0" y="0"/>
+          <a:chExt cx="0" cy="0"/>
+        </a:xfrm>
+      </p:grpSpPr>
+      <p:sp>
+        <p:nvSpPr>
+          <p:cNvPr id="2" name="Titel 1"/>
+          <p:cNvSpPr>
+            <a:spLocks noGrp="1"/>
+          </p:cNvSpPr>
+          <p:nvPr>
+            <p:ph type="ctrTitle"/>
+          </p:nvPr>
+        </p:nvSpPr>
+        <p:spPr/>
+        <p:txBody>
+          <a:bodyPr/>
+          <a:lstStyle/>
+          <a:p>
+            <a:r>
+              <a:rPr lang="de-DE" dirty="0" smtClean="0"/>
+              <a:t>Einleitung</a:t>
+            </a:r>
+            <a:endParaRPr lang="de-DE" dirty="0"/>
+          </a:p>
+        </p:txBody>
+      </p:sp>
+      <p:sp>
+        <p:nvSpPr>
+          <p:cNvPr id="3" name="Untertitel 2"/>
+          <p:cNvSpPr>
+            <a:spLocks noGrp="1"/>
+          </p:cNvSpPr>
+          <p:nvPr>
+            <p:ph type="subTitle" idx="1"/>
+          </p:nvPr>
+        </p:nvSpPr>
+        <p:spPr>
+          <a:xfrm>
+            <a:off x="1524000" y="3509963"/>
+            <a:ext cx="9144000" cy="1655762"/>
+          </a:xfrm>
+        </p:spPr>
+        <p:txBody>
+          <a:bodyPr/>
+          <a:lstStyle/>
+          <a:p>
+            <a:endParaRPr lang="de-DE" dirty="0"/>
+          </a:p>
+        </p:txBody>
+      </p:sp>
+    </p:spTree>
+    <p:extLst>
+      <p:ext uri="{BB962C8B-B14F-4D97-AF65-F5344CB8AC3E}">
+        <p14:creationId xmlns:p14="http://schemas.microsoft.com/office/powerpoint/2010/main" val="3377961751"/>
+      </p:ext>
+    </p:extLst>
+  </p:cSld>
+  <p:clrMapOvr>
+    <a:masterClrMapping/>
+  </p:clrMapOvr>
+  <p:timing>
+    <p:tnLst>
+      <p:par>
+        <p:cTn id="1" dur="indefinite" restart="never" nodeType="tmRoot"/>
+      </p:par>
+    </p:tnLst>
+  </p:timing>
+</p:sld>
+</file>
+
+<file path=ppt/slides/slide30.xml><?xml version="1.0" encoding="utf-8"?>
+<p:sld xmlns:a="http://schemas.openxmlformats.org/drawingml/2006/main" xmlns:r="http://schemas.openxmlformats.org/officeDocument/2006/relationships" xmlns:p="http://schemas.openxmlformats.org/presentationml/2006/main">
+  <p:cSld>
+    <p:spTree>
+      <p:nvGrpSpPr>
+        <p:cNvPr id="1" name=""/>
+        <p:cNvGrpSpPr/>
+        <p:nvPr/>
+      </p:nvGrpSpPr>
+      <p:grpSpPr>
+        <a:xfrm>
+          <a:off x="0" y="0"/>
+          <a:ext cx="0" cy="0"/>
+          <a:chOff x="0" y="0"/>
+          <a:chExt cx="0" cy="0"/>
+        </a:xfrm>
+      </p:grpSpPr>
+      <p:sp>
+        <p:nvSpPr>
+          <p:cNvPr id="2" name="Titel 1"/>
+          <p:cNvSpPr>
+            <a:spLocks noGrp="1"/>
+          </p:cNvSpPr>
+          <p:nvPr>
+            <p:ph type="title"/>
+          </p:nvPr>
+        </p:nvSpPr>
+        <p:spPr/>
+        <p:txBody>
+          <a:bodyPr/>
+          <a:lstStyle/>
+          <a:p>
+            <a:r>
+              <a:rPr lang="de-DE" dirty="0" smtClean="0"/>
+              <a:t>Anwendungsfälle</a:t>
+            </a:r>
+            <a:endParaRPr lang="de-DE" dirty="0"/>
+          </a:p>
+        </p:txBody>
+      </p:sp>
+      <p:sp>
+        <p:nvSpPr>
+          <p:cNvPr id="3" name="Inhaltsplatzhalter 2"/>
+          <p:cNvSpPr>
+            <a:spLocks noGrp="1"/>
+          </p:cNvSpPr>
+          <p:nvPr>
+            <p:ph idx="1"/>
+          </p:nvPr>
+        </p:nvSpPr>
+        <p:spPr/>
+        <p:txBody>
+          <a:bodyPr/>
+          <a:lstStyle/>
+          <a:p>
+            <a:r>
+              <a:rPr lang="de-DE" dirty="0" smtClean="0"/>
+              <a:t>Tests und Entwicklung</a:t>
+            </a:r>
+          </a:p>
+          <a:p>
+            <a:r>
+              <a:rPr lang="de-DE" dirty="0" smtClean="0"/>
+              <a:t>Webhosting</a:t>
+            </a:r>
+          </a:p>
+          <a:p>
+            <a:r>
+              <a:rPr lang="de-DE" dirty="0" smtClean="0"/>
+              <a:t>Web-Apps</a:t>
+            </a:r>
+          </a:p>
+          <a:p>
+            <a:r>
+              <a:rPr lang="de-DE" dirty="0" smtClean="0"/>
+              <a:t>High Performance Computing</a:t>
+            </a:r>
+          </a:p>
+          <a:p>
+            <a:r>
+              <a:rPr lang="de-DE" dirty="0" smtClean="0"/>
+              <a:t>Big Data-Analyse</a:t>
+            </a:r>
+          </a:p>
+          <a:p>
+            <a:pPr marL="0" indent="0">
+              <a:buNone/>
+            </a:pPr>
+            <a:endParaRPr lang="de-DE" dirty="0"/>
+          </a:p>
+        </p:txBody>
+      </p:sp>
+    </p:spTree>
+    <p:extLst>
+      <p:ext uri="{BB962C8B-B14F-4D97-AF65-F5344CB8AC3E}">
+        <p14:creationId xmlns:p14="http://schemas.microsoft.com/office/powerpoint/2010/main" val="4196774702"/>
+      </p:ext>
+    </p:extLst>
+  </p:cSld>
+  <p:clrMapOvr>
+    <a:masterClrMapping/>
+  </p:clrMapOvr>
+  <p:timing>
+    <p:tnLst>
+      <p:par>
+        <p:cTn id="1" dur="indefinite" restart="never" nodeType="tmRoot"/>
+      </p:par>
+    </p:tnLst>
+  </p:timing>
+</p:sld>
+</file>
+
 <file path=ppt/slides/slide31.xml><?xml version="1.0" encoding="utf-8"?>
 <p:sld xmlns:a="http://schemas.openxmlformats.org/drawingml/2006/main" xmlns:r="http://schemas.openxmlformats.org/officeDocument/2006/relationships" xmlns:p="http://schemas.openxmlformats.org/presentationml/2006/main">
   <p:cSld>
@@ -8352,7 +8357,7 @@
             <a:spLocks noGrp="1"/>
           </p:cNvSpPr>
           <p:nvPr>
-            <p:ph type="ctrTitle"/>
+            <p:ph type="title"/>
           </p:nvPr>
         </p:nvSpPr>
         <p:spPr/>
@@ -8369,27 +8374,65 @@
       </p:sp>
       <p:sp>
         <p:nvSpPr>
-          <p:cNvPr id="3" name="Untertitel 2"/>
-          <p:cNvSpPr>
-            <a:spLocks noGrp="1"/>
-          </p:cNvSpPr>
-          <p:nvPr>
-            <p:ph type="subTitle" idx="1"/>
-          </p:nvPr>
-        </p:nvSpPr>
-        <p:spPr/>
-        <p:txBody>
-          <a:bodyPr/>
-          <a:lstStyle/>
-          <a:p>
-            <a:endParaRPr lang="de-DE"/>
+          <p:cNvPr id="3" name="Inhaltsplatzhalter 2"/>
+          <p:cNvSpPr>
+            <a:spLocks noGrp="1"/>
+          </p:cNvSpPr>
+          <p:nvPr>
+            <p:ph idx="1"/>
+          </p:nvPr>
+        </p:nvSpPr>
+        <p:spPr/>
+        <p:txBody>
+          <a:bodyPr/>
+          <a:lstStyle/>
+          <a:p>
+            <a:r>
+              <a:rPr lang="de-DE" dirty="0"/>
+              <a:t>Umcodieren von Inhalten </a:t>
+            </a:r>
+          </a:p>
+          <a:p>
+            <a:r>
+              <a:rPr lang="de-DE" dirty="0"/>
+              <a:t>Anbindung der </a:t>
+            </a:r>
+            <a:r>
+              <a:rPr lang="de-DE" dirty="0" smtClean="0"/>
+              <a:t>Backend-Dienste für Internet-</a:t>
+            </a:r>
+            <a:r>
+              <a:rPr lang="de-DE" dirty="0" err="1" smtClean="0"/>
+              <a:t>of</a:t>
+            </a:r>
+            <a:r>
+              <a:rPr lang="de-DE" dirty="0" smtClean="0"/>
+              <a:t>-Things-Anwendungen</a:t>
+            </a:r>
+          </a:p>
+          <a:p>
+            <a:r>
+              <a:rPr lang="de-DE" dirty="0"/>
+              <a:t> </a:t>
+            </a:r>
+            <a:r>
+              <a:rPr lang="de-DE" dirty="0" smtClean="0"/>
+              <a:t>Sprach- </a:t>
+            </a:r>
+            <a:r>
+              <a:rPr lang="de-DE" dirty="0"/>
+              <a:t>oder Bilderkennung</a:t>
+            </a:r>
+          </a:p>
+          <a:p>
+            <a:endParaRPr lang="de-DE" dirty="0"/>
           </a:p>
         </p:txBody>
       </p:sp>
     </p:spTree>
     <p:extLst>
       <p:ext uri="{BB962C8B-B14F-4D97-AF65-F5344CB8AC3E}">
-        <p14:creationId xmlns:p14="http://schemas.microsoft.com/office/powerpoint/2010/main" val="3619588491"/>
+        <p14:creationId xmlns:p14="http://schemas.microsoft.com/office/powerpoint/2010/main" val="4155930306"/>
       </p:ext>
     </p:extLst>
   </p:cSld>
@@ -8430,78 +8473,44 @@
             <a:spLocks noGrp="1"/>
           </p:cNvSpPr>
           <p:nvPr>
-            <p:ph type="title"/>
-          </p:nvPr>
-        </p:nvSpPr>
-        <p:spPr/>
-        <p:txBody>
-          <a:bodyPr/>
-          <a:lstStyle/>
-          <a:p>
-            <a:r>
-              <a:rPr lang="de-DE" dirty="0" smtClean="0"/>
-              <a:t>Anwendungsfälle</a:t>
-            </a:r>
-            <a:endParaRPr lang="de-DE" dirty="0"/>
-          </a:p>
-        </p:txBody>
-      </p:sp>
-      <p:sp>
-        <p:nvSpPr>
-          <p:cNvPr id="3" name="Inhaltsplatzhalter 2"/>
-          <p:cNvSpPr>
-            <a:spLocks noGrp="1"/>
-          </p:cNvSpPr>
-          <p:nvPr>
-            <p:ph idx="1"/>
-          </p:nvPr>
-        </p:nvSpPr>
-        <p:spPr/>
-        <p:txBody>
-          <a:bodyPr/>
-          <a:lstStyle/>
-          <a:p>
-            <a:r>
-              <a:rPr lang="de-DE" dirty="0" smtClean="0"/>
-              <a:t>Tests und Entwicklung</a:t>
-            </a:r>
-          </a:p>
-          <a:p>
-            <a:r>
-              <a:rPr lang="de-DE" dirty="0" smtClean="0"/>
-              <a:t>Webhosting</a:t>
-            </a:r>
-          </a:p>
-          <a:p>
-            <a:r>
-              <a:rPr lang="de-DE" dirty="0" smtClean="0"/>
-              <a:t>Web-Apps</a:t>
-            </a:r>
-          </a:p>
-          <a:p>
-            <a:r>
-              <a:rPr lang="de-DE" dirty="0" smtClean="0"/>
-              <a:t>High Performance Computing</a:t>
-            </a:r>
-          </a:p>
-          <a:p>
-            <a:r>
-              <a:rPr lang="de-DE" dirty="0" smtClean="0"/>
-              <a:t>Big Data-Analyse</a:t>
-            </a:r>
-          </a:p>
-          <a:p>
-            <a:pPr marL="0" indent="0">
-              <a:buNone/>
-            </a:pPr>
-            <a:endParaRPr lang="de-DE" dirty="0"/>
+            <p:ph type="ctrTitle"/>
+          </p:nvPr>
+        </p:nvSpPr>
+        <p:spPr/>
+        <p:txBody>
+          <a:bodyPr/>
+          <a:lstStyle/>
+          <a:p>
+            <a:r>
+              <a:rPr lang="de-DE" dirty="0"/>
+              <a:t>Anbieter</a:t>
+            </a:r>
+          </a:p>
+        </p:txBody>
+      </p:sp>
+      <p:sp>
+        <p:nvSpPr>
+          <p:cNvPr id="3" name="Untertitel 2"/>
+          <p:cNvSpPr>
+            <a:spLocks noGrp="1"/>
+          </p:cNvSpPr>
+          <p:nvPr>
+            <p:ph type="subTitle" idx="1"/>
+          </p:nvPr>
+        </p:nvSpPr>
+        <p:spPr/>
+        <p:txBody>
+          <a:bodyPr/>
+          <a:lstStyle/>
+          <a:p>
+            <a:endParaRPr lang="de-DE"/>
           </a:p>
         </p:txBody>
       </p:sp>
     </p:spTree>
     <p:extLst>
       <p:ext uri="{BB962C8B-B14F-4D97-AF65-F5344CB8AC3E}">
-        <p14:creationId xmlns:p14="http://schemas.microsoft.com/office/powerpoint/2010/main" val="4196774702"/>
+        <p14:creationId xmlns:p14="http://schemas.microsoft.com/office/powerpoint/2010/main" val="2786094276"/>
       </p:ext>
     </p:extLst>
   </p:cSld>
@@ -8519,194 +8528,6 @@
 </file>
 
 <file path=ppt/slides/slide33.xml><?xml version="1.0" encoding="utf-8"?>
-<p:sld xmlns:a="http://schemas.openxmlformats.org/drawingml/2006/main" xmlns:r="http://schemas.openxmlformats.org/officeDocument/2006/relationships" xmlns:p="http://schemas.openxmlformats.org/presentationml/2006/main">
-  <p:cSld>
-    <p:spTree>
-      <p:nvGrpSpPr>
-        <p:cNvPr id="1" name=""/>
-        <p:cNvGrpSpPr/>
-        <p:nvPr/>
-      </p:nvGrpSpPr>
-      <p:grpSpPr>
-        <a:xfrm>
-          <a:off x="0" y="0"/>
-          <a:ext cx="0" cy="0"/>
-          <a:chOff x="0" y="0"/>
-          <a:chExt cx="0" cy="0"/>
-        </a:xfrm>
-      </p:grpSpPr>
-      <p:sp>
-        <p:nvSpPr>
-          <p:cNvPr id="2" name="Titel 1"/>
-          <p:cNvSpPr>
-            <a:spLocks noGrp="1"/>
-          </p:cNvSpPr>
-          <p:nvPr>
-            <p:ph type="title"/>
-          </p:nvPr>
-        </p:nvSpPr>
-        <p:spPr/>
-        <p:txBody>
-          <a:bodyPr/>
-          <a:lstStyle/>
-          <a:p>
-            <a:r>
-              <a:rPr lang="de-DE" dirty="0"/>
-              <a:t>Anwendungsfälle</a:t>
-            </a:r>
-          </a:p>
-        </p:txBody>
-      </p:sp>
-      <p:sp>
-        <p:nvSpPr>
-          <p:cNvPr id="3" name="Inhaltsplatzhalter 2"/>
-          <p:cNvSpPr>
-            <a:spLocks noGrp="1"/>
-          </p:cNvSpPr>
-          <p:nvPr>
-            <p:ph idx="1"/>
-          </p:nvPr>
-        </p:nvSpPr>
-        <p:spPr/>
-        <p:txBody>
-          <a:bodyPr/>
-          <a:lstStyle/>
-          <a:p>
-            <a:r>
-              <a:rPr lang="de-DE" dirty="0"/>
-              <a:t>Umcodieren von Inhalten </a:t>
-            </a:r>
-          </a:p>
-          <a:p>
-            <a:r>
-              <a:rPr lang="de-DE" dirty="0"/>
-              <a:t>Anbindung der </a:t>
-            </a:r>
-            <a:r>
-              <a:rPr lang="de-DE" dirty="0" smtClean="0"/>
-              <a:t>Backend-Dienste für Internet-</a:t>
-            </a:r>
-            <a:r>
-              <a:rPr lang="de-DE" dirty="0" err="1" smtClean="0"/>
-              <a:t>of</a:t>
-            </a:r>
-            <a:r>
-              <a:rPr lang="de-DE" dirty="0" smtClean="0"/>
-              <a:t>-Things-Anwendungen</a:t>
-            </a:r>
-          </a:p>
-          <a:p>
-            <a:r>
-              <a:rPr lang="de-DE" dirty="0"/>
-              <a:t> </a:t>
-            </a:r>
-            <a:r>
-              <a:rPr lang="de-DE" dirty="0" smtClean="0"/>
-              <a:t>Sprach- </a:t>
-            </a:r>
-            <a:r>
-              <a:rPr lang="de-DE" dirty="0"/>
-              <a:t>oder Bilderkennung</a:t>
-            </a:r>
-            <a:endParaRPr lang="de-DE" dirty="0"/>
-          </a:p>
-          <a:p>
-            <a:endParaRPr lang="de-DE" dirty="0"/>
-          </a:p>
-        </p:txBody>
-      </p:sp>
-    </p:spTree>
-    <p:extLst>
-      <p:ext uri="{BB962C8B-B14F-4D97-AF65-F5344CB8AC3E}">
-        <p14:creationId xmlns:p14="http://schemas.microsoft.com/office/powerpoint/2010/main" val="4155930306"/>
-      </p:ext>
-    </p:extLst>
-  </p:cSld>
-  <p:clrMapOvr>
-    <a:masterClrMapping/>
-  </p:clrMapOvr>
-  <p:timing>
-    <p:tnLst>
-      <p:par>
-        <p:cTn id="1" dur="indefinite" restart="never" nodeType="tmRoot"/>
-      </p:par>
-    </p:tnLst>
-  </p:timing>
-</p:sld>
-</file>
-
-<file path=ppt/slides/slide34.xml><?xml version="1.0" encoding="utf-8"?>
-<p:sld xmlns:a="http://schemas.openxmlformats.org/drawingml/2006/main" xmlns:r="http://schemas.openxmlformats.org/officeDocument/2006/relationships" xmlns:p="http://schemas.openxmlformats.org/presentationml/2006/main">
-  <p:cSld>
-    <p:spTree>
-      <p:nvGrpSpPr>
-        <p:cNvPr id="1" name=""/>
-        <p:cNvGrpSpPr/>
-        <p:nvPr/>
-      </p:nvGrpSpPr>
-      <p:grpSpPr>
-        <a:xfrm>
-          <a:off x="0" y="0"/>
-          <a:ext cx="0" cy="0"/>
-          <a:chOff x="0" y="0"/>
-          <a:chExt cx="0" cy="0"/>
-        </a:xfrm>
-      </p:grpSpPr>
-      <p:sp>
-        <p:nvSpPr>
-          <p:cNvPr id="2" name="Titel 1"/>
-          <p:cNvSpPr>
-            <a:spLocks noGrp="1"/>
-          </p:cNvSpPr>
-          <p:nvPr>
-            <p:ph type="ctrTitle"/>
-          </p:nvPr>
-        </p:nvSpPr>
-        <p:spPr/>
-        <p:txBody>
-          <a:bodyPr/>
-          <a:lstStyle/>
-          <a:p>
-            <a:r>
-              <a:rPr lang="de-DE" dirty="0"/>
-              <a:t>Anbieter</a:t>
-            </a:r>
-          </a:p>
-        </p:txBody>
-      </p:sp>
-      <p:sp>
-        <p:nvSpPr>
-          <p:cNvPr id="3" name="Untertitel 2"/>
-          <p:cNvSpPr>
-            <a:spLocks noGrp="1"/>
-          </p:cNvSpPr>
-          <p:nvPr>
-            <p:ph type="subTitle" idx="1"/>
-          </p:nvPr>
-        </p:nvSpPr>
-        <p:spPr/>
-        <p:txBody>
-          <a:bodyPr/>
-          <a:lstStyle/>
-          <a:p>
-            <a:endParaRPr lang="de-DE"/>
-          </a:p>
-        </p:txBody>
-      </p:sp>
-    </p:spTree>
-    <p:extLst>
-      <p:ext uri="{BB962C8B-B14F-4D97-AF65-F5344CB8AC3E}">
-        <p14:creationId xmlns:p14="http://schemas.microsoft.com/office/powerpoint/2010/main" val="2786094276"/>
-      </p:ext>
-    </p:extLst>
-  </p:cSld>
-  <p:clrMapOvr>
-    <a:masterClrMapping/>
-  </p:clrMapOvr>
-</p:sld>
-</file>
-
-<file path=ppt/slides/slide35.xml><?xml version="1.0" encoding="utf-8"?>
 <p:sld xmlns:a="http://schemas.openxmlformats.org/drawingml/2006/main" xmlns:r="http://schemas.openxmlformats.org/officeDocument/2006/relationships" xmlns:p="http://schemas.openxmlformats.org/presentationml/2006/main">
   <p:cSld>
     <p:spTree>
@@ -8923,10 +8744,17 @@
   <p:clrMapOvr>
     <a:masterClrMapping/>
   </p:clrMapOvr>
+  <p:timing>
+    <p:tnLst>
+      <p:par>
+        <p:cTn id="1" dur="indefinite" restart="never" nodeType="tmRoot"/>
+      </p:par>
+    </p:tnLst>
+  </p:timing>
 </p:sld>
 </file>
 
-<file path=ppt/slides/slide36.xml><?xml version="1.0" encoding="utf-8"?>
+<file path=ppt/slides/slide34.xml><?xml version="1.0" encoding="utf-8"?>
 <p:sld xmlns:a="http://schemas.openxmlformats.org/drawingml/2006/main" xmlns:r="http://schemas.openxmlformats.org/officeDocument/2006/relationships" xmlns:p="http://schemas.openxmlformats.org/presentationml/2006/main">
   <p:cSld>
     <p:spTree>
@@ -9018,7 +8846,6 @@
               <a:rPr lang="de-DE" dirty="0" smtClean="0"/>
               <a:t>)</a:t>
             </a:r>
-            <a:endParaRPr lang="de-DE" dirty="0" smtClean="0"/>
           </a:p>
           <a:p>
             <a:r>
@@ -9148,10 +8975,17 @@
   <p:clrMapOvr>
     <a:masterClrMapping/>
   </p:clrMapOvr>
+  <p:timing>
+    <p:tnLst>
+      <p:par>
+        <p:cTn id="1" dur="indefinite" restart="never" nodeType="tmRoot"/>
+      </p:par>
+    </p:tnLst>
+  </p:timing>
 </p:sld>
 </file>
 
-<file path=ppt/slides/slide37.xml><?xml version="1.0" encoding="utf-8"?>
+<file path=ppt/slides/slide35.xml><?xml version="1.0" encoding="utf-8"?>
 <p:sld xmlns:a="http://schemas.openxmlformats.org/drawingml/2006/main" xmlns:r="http://schemas.openxmlformats.org/officeDocument/2006/relationships" xmlns:p="http://schemas.openxmlformats.org/presentationml/2006/main">
   <p:cSld>
     <p:spTree>
@@ -9398,6 +9232,182 @@
   <p:clrMapOvr>
     <a:masterClrMapping/>
   </p:clrMapOvr>
+  <p:timing>
+    <p:tnLst>
+      <p:par>
+        <p:cTn id="1" dur="indefinite" restart="never" nodeType="tmRoot"/>
+      </p:par>
+    </p:tnLst>
+  </p:timing>
+</p:sld>
+</file>
+
+<file path=ppt/slides/slide36.xml><?xml version="1.0" encoding="utf-8"?>
+<p:sld xmlns:a="http://schemas.openxmlformats.org/drawingml/2006/main" xmlns:r="http://schemas.openxmlformats.org/officeDocument/2006/relationships" xmlns:p="http://schemas.openxmlformats.org/presentationml/2006/main">
+  <p:cSld>
+    <p:spTree>
+      <p:nvGrpSpPr>
+        <p:cNvPr id="1" name=""/>
+        <p:cNvGrpSpPr/>
+        <p:nvPr/>
+      </p:nvGrpSpPr>
+      <p:grpSpPr>
+        <a:xfrm>
+          <a:off x="0" y="0"/>
+          <a:ext cx="0" cy="0"/>
+          <a:chOff x="0" y="0"/>
+          <a:chExt cx="0" cy="0"/>
+        </a:xfrm>
+      </p:grpSpPr>
+      <p:sp>
+        <p:nvSpPr>
+          <p:cNvPr id="2" name="Titel 1"/>
+          <p:cNvSpPr>
+            <a:spLocks noGrp="1"/>
+          </p:cNvSpPr>
+          <p:nvPr>
+            <p:ph type="ctrTitle"/>
+          </p:nvPr>
+        </p:nvSpPr>
+        <p:spPr/>
+        <p:txBody>
+          <a:bodyPr/>
+          <a:lstStyle/>
+          <a:p>
+            <a:r>
+              <a:rPr lang="de-DE" dirty="0" smtClean="0"/>
+              <a:t>Vielen Dank für Ihre Aufmerksamkeit</a:t>
+            </a:r>
+            <a:endParaRPr lang="de-DE" dirty="0"/>
+          </a:p>
+        </p:txBody>
+      </p:sp>
+      <p:sp>
+        <p:nvSpPr>
+          <p:cNvPr id="3" name="Untertitel 2"/>
+          <p:cNvSpPr>
+            <a:spLocks noGrp="1"/>
+          </p:cNvSpPr>
+          <p:nvPr>
+            <p:ph type="subTitle" idx="1"/>
+          </p:nvPr>
+        </p:nvSpPr>
+        <p:spPr>
+          <a:xfrm rot="5400000">
+            <a:off x="1035113" y="3085991"/>
+            <a:ext cx="9144000" cy="1655762"/>
+          </a:xfrm>
+        </p:spPr>
+        <p:txBody>
+          <a:bodyPr>
+            <a:normAutofit/>
+          </a:bodyPr>
+          <a:lstStyle/>
+          <a:p>
+            <a:r>
+              <a:rPr lang="de-DE" sz="5400" dirty="0" smtClean="0"/>
+              <a:t>;)</a:t>
+            </a:r>
+            <a:endParaRPr lang="de-DE" sz="5400" dirty="0"/>
+          </a:p>
+        </p:txBody>
+      </p:sp>
+    </p:spTree>
+    <p:extLst>
+      <p:ext uri="{BB962C8B-B14F-4D97-AF65-F5344CB8AC3E}">
+        <p14:creationId xmlns:p14="http://schemas.microsoft.com/office/powerpoint/2010/main" val="3495533871"/>
+      </p:ext>
+    </p:extLst>
+  </p:cSld>
+  <p:clrMapOvr>
+    <a:masterClrMapping/>
+  </p:clrMapOvr>
+  <p:timing>
+    <p:tnLst>
+      <p:par>
+        <p:cTn id="1" dur="indefinite" restart="never" nodeType="tmRoot"/>
+      </p:par>
+    </p:tnLst>
+  </p:timing>
+</p:sld>
+</file>
+
+<file path=ppt/slides/slide37.xml><?xml version="1.0" encoding="utf-8"?>
+<p:sld xmlns:a="http://schemas.openxmlformats.org/drawingml/2006/main" xmlns:r="http://schemas.openxmlformats.org/officeDocument/2006/relationships" xmlns:p="http://schemas.openxmlformats.org/presentationml/2006/main">
+  <p:cSld>
+    <p:spTree>
+      <p:nvGrpSpPr>
+        <p:cNvPr id="1" name=""/>
+        <p:cNvGrpSpPr/>
+        <p:nvPr/>
+      </p:nvGrpSpPr>
+      <p:grpSpPr>
+        <a:xfrm>
+          <a:off x="0" y="0"/>
+          <a:ext cx="0" cy="0"/>
+          <a:chOff x="0" y="0"/>
+          <a:chExt cx="0" cy="0"/>
+        </a:xfrm>
+      </p:grpSpPr>
+      <p:sp>
+        <p:nvSpPr>
+          <p:cNvPr id="2" name="Titel 1"/>
+          <p:cNvSpPr>
+            <a:spLocks noGrp="1"/>
+          </p:cNvSpPr>
+          <p:nvPr>
+            <p:ph type="ctrTitle"/>
+          </p:nvPr>
+        </p:nvSpPr>
+        <p:spPr/>
+        <p:txBody>
+          <a:bodyPr/>
+          <a:lstStyle/>
+          <a:p>
+            <a:r>
+              <a:rPr lang="de-DE" dirty="0" smtClean="0"/>
+              <a:t>Quellen</a:t>
+            </a:r>
+            <a:endParaRPr lang="de-DE" dirty="0"/>
+          </a:p>
+        </p:txBody>
+      </p:sp>
+      <p:sp>
+        <p:nvSpPr>
+          <p:cNvPr id="3" name="Untertitel 2"/>
+          <p:cNvSpPr>
+            <a:spLocks noGrp="1"/>
+          </p:cNvSpPr>
+          <p:nvPr>
+            <p:ph type="subTitle" idx="1"/>
+          </p:nvPr>
+        </p:nvSpPr>
+        <p:spPr/>
+        <p:txBody>
+          <a:bodyPr/>
+          <a:lstStyle/>
+          <a:p>
+            <a:endParaRPr lang="de-DE"/>
+          </a:p>
+        </p:txBody>
+      </p:sp>
+    </p:spTree>
+    <p:extLst>
+      <p:ext uri="{BB962C8B-B14F-4D97-AF65-F5344CB8AC3E}">
+        <p14:creationId xmlns:p14="http://schemas.microsoft.com/office/powerpoint/2010/main" val="3750465967"/>
+      </p:ext>
+    </p:extLst>
+  </p:cSld>
+  <p:clrMapOvr>
+    <a:masterClrMapping/>
+  </p:clrMapOvr>
+  <p:timing>
+    <p:tnLst>
+      <p:par>
+        <p:cTn id="1" dur="indefinite" restart="never" nodeType="tmRoot"/>
+      </p:par>
+    </p:tnLst>
+  </p:timing>
 </p:sld>
 </file>
 
@@ -9425,17 +9435,17 @@
             <a:spLocks noGrp="1"/>
           </p:cNvSpPr>
           <p:nvPr>
-            <p:ph type="ctrTitle"/>
-          </p:nvPr>
-        </p:nvSpPr>
-        <p:spPr/>
-        <p:txBody>
-          <a:bodyPr/>
-          <a:lstStyle/>
-          <a:p>
-            <a:r>
-              <a:rPr lang="de-DE" dirty="0" smtClean="0"/>
-              <a:t>Vielen Dank für Ihre Aufmerksamkeit</a:t>
+            <p:ph type="title"/>
+          </p:nvPr>
+        </p:nvSpPr>
+        <p:spPr/>
+        <p:txBody>
+          <a:bodyPr/>
+          <a:lstStyle/>
+          <a:p>
+            <a:r>
+              <a:rPr lang="de-DE" dirty="0" smtClean="0"/>
+              <a:t>Quellen</a:t>
             </a:r>
             <a:endParaRPr lang="de-DE" dirty="0"/>
           </a:p>
@@ -9443,38 +9453,128 @@
       </p:sp>
       <p:sp>
         <p:nvSpPr>
-          <p:cNvPr id="3" name="Untertitel 2"/>
-          <p:cNvSpPr>
-            <a:spLocks noGrp="1"/>
-          </p:cNvSpPr>
-          <p:nvPr>
-            <p:ph type="subTitle" idx="1"/>
-          </p:nvPr>
-        </p:nvSpPr>
-        <p:spPr>
-          <a:xfrm rot="5400000">
-            <a:off x="1035113" y="3085991"/>
-            <a:ext cx="9144000" cy="1655762"/>
-          </a:xfrm>
-        </p:spPr>
+          <p:cNvPr id="3" name="Inhaltsplatzhalter 2"/>
+          <p:cNvSpPr>
+            <a:spLocks noGrp="1"/>
+          </p:cNvSpPr>
+          <p:nvPr>
+            <p:ph idx="1"/>
+          </p:nvPr>
+        </p:nvSpPr>
+        <p:spPr/>
         <p:txBody>
           <a:bodyPr>
-            <a:normAutofit/>
+            <a:normAutofit fontScale="92500" lnSpcReduction="10000"/>
           </a:bodyPr>
           <a:lstStyle/>
           <a:p>
             <a:r>
-              <a:rPr lang="de-DE" sz="5400" dirty="0" smtClean="0"/>
-              <a:t>;)</a:t>
-            </a:r>
-            <a:endParaRPr lang="de-DE" sz="5400" dirty="0"/>
+              <a:rPr lang="de-DE" dirty="0">
+                <a:hlinkClick r:id="rId2"/>
+              </a:rPr>
+              <a:t>https://</a:t>
+            </a:r>
+            <a:r>
+              <a:rPr lang="de-DE" dirty="0" smtClean="0">
+                <a:hlinkClick r:id="rId2"/>
+              </a:rPr>
+              <a:t>www.profitbricks.com/sites/default/files/profitbricks-200px.png</a:t>
+            </a:r>
+            <a:endParaRPr lang="de-DE" dirty="0" smtClean="0"/>
+          </a:p>
+          <a:p>
+            <a:r>
+              <a:rPr lang="de-DE" dirty="0">
+                <a:hlinkClick r:id="rId3"/>
+              </a:rPr>
+              <a:t>https://</a:t>
+            </a:r>
+            <a:r>
+              <a:rPr lang="de-DE" dirty="0" smtClean="0">
+                <a:hlinkClick r:id="rId3"/>
+              </a:rPr>
+              <a:t>signalfx-82c9.kxcdn.com/wp-content/uploads/EC2-logo-full.jpg</a:t>
+            </a:r>
+            <a:endParaRPr lang="de-DE" dirty="0" smtClean="0"/>
+          </a:p>
+          <a:p>
+            <a:r>
+              <a:rPr lang="de-DE" dirty="0">
+                <a:hlinkClick r:id="rId4"/>
+              </a:rPr>
+              <a:t>https://</a:t>
+            </a:r>
+            <a:r>
+              <a:rPr lang="de-DE" dirty="0" smtClean="0">
+                <a:hlinkClick r:id="rId4"/>
+              </a:rPr>
+              <a:t>gigaom.com/wp-content/uploads/sites/1/2012/08/rackspace_logo_08_07_20122.jpg?w=300</a:t>
+            </a:r>
+            <a:endParaRPr lang="de-DE" dirty="0" smtClean="0"/>
+          </a:p>
+          <a:p>
+            <a:r>
+              <a:rPr lang="de-DE" dirty="0">
+                <a:hlinkClick r:id="rId5"/>
+              </a:rPr>
+              <a:t>https://</a:t>
+            </a:r>
+            <a:r>
+              <a:rPr lang="de-DE" dirty="0" smtClean="0">
+                <a:hlinkClick r:id="rId5"/>
+              </a:rPr>
+              <a:t>www.vcnewsnetwork.com/wp-content/uploads/2017/09/16656-thumb.png</a:t>
+            </a:r>
+            <a:endParaRPr lang="de-DE" dirty="0" smtClean="0"/>
+          </a:p>
+          <a:p>
+            <a:r>
+              <a:rPr lang="de-DE" dirty="0">
+                <a:hlinkClick r:id="rId6"/>
+              </a:rPr>
+              <a:t>http://</a:t>
+            </a:r>
+            <a:r>
+              <a:rPr lang="de-DE" dirty="0" smtClean="0">
+                <a:hlinkClick r:id="rId6"/>
+              </a:rPr>
+              <a:t>www.xangati.com/wp-content/uploads/2016/09/PaaS.png</a:t>
+            </a:r>
+            <a:endParaRPr lang="de-DE" dirty="0" smtClean="0"/>
+          </a:p>
+          <a:p>
+            <a:r>
+              <a:rPr lang="de-DE" dirty="0">
+                <a:hlinkClick r:id="rId7"/>
+              </a:rPr>
+              <a:t>https://</a:t>
+            </a:r>
+            <a:r>
+              <a:rPr lang="de-DE" dirty="0" smtClean="0">
+                <a:hlinkClick r:id="rId7"/>
+              </a:rPr>
+              <a:t>jaxenter.de/serverless-best-practices-61856</a:t>
+            </a:r>
+            <a:endParaRPr lang="de-DE" dirty="0" smtClean="0"/>
+          </a:p>
+          <a:p>
+            <a:r>
+              <a:rPr lang="de-DE" dirty="0"/>
+              <a:t>https://www.cloudcomputing-insider.de/was-ist-platform-as-a-service-a-624296/</a:t>
+            </a:r>
+          </a:p>
+          <a:p>
+            <a:endParaRPr lang="de-DE" dirty="0"/>
+          </a:p>
+          <a:p>
+            <a:endParaRPr lang="de-DE" dirty="0"/>
           </a:p>
         </p:txBody>
       </p:sp>
     </p:spTree>
     <p:extLst>
       <p:ext uri="{BB962C8B-B14F-4D97-AF65-F5344CB8AC3E}">
-        <p14:creationId xmlns:p14="http://schemas.microsoft.com/office/powerpoint/2010/main" val="3495533871"/>
+        <p14:creationId xmlns:p14="http://schemas.microsoft.com/office/powerpoint/2010/main" val="334305847"/>
       </p:ext>
     </p:extLst>
   </p:cSld>
@@ -9508,7 +9608,7 @@
             <a:spLocks noGrp="1"/>
           </p:cNvSpPr>
           <p:nvPr>
-            <p:ph type="ctrTitle"/>
+            <p:ph type="title"/>
           </p:nvPr>
         </p:nvSpPr>
         <p:spPr/>
@@ -9526,27 +9626,101 @@
       </p:sp>
       <p:sp>
         <p:nvSpPr>
-          <p:cNvPr id="3" name="Untertitel 2"/>
-          <p:cNvSpPr>
-            <a:spLocks noGrp="1"/>
-          </p:cNvSpPr>
-          <p:nvPr>
-            <p:ph type="subTitle" idx="1"/>
-          </p:nvPr>
-        </p:nvSpPr>
-        <p:spPr/>
-        <p:txBody>
-          <a:bodyPr/>
-          <a:lstStyle/>
-          <a:p>
-            <a:endParaRPr lang="de-DE"/>
+          <p:cNvPr id="3" name="Inhaltsplatzhalter 2"/>
+          <p:cNvSpPr>
+            <a:spLocks noGrp="1"/>
+          </p:cNvSpPr>
+          <p:nvPr>
+            <p:ph idx="1"/>
+          </p:nvPr>
+        </p:nvSpPr>
+        <p:spPr/>
+        <p:txBody>
+          <a:bodyPr>
+            <a:normAutofit fontScale="92500" lnSpcReduction="10000"/>
+          </a:bodyPr>
+          <a:lstStyle/>
+          <a:p>
+            <a:r>
+              <a:rPr lang="de-DE" u="sng" dirty="0">
+                <a:hlinkClick r:id="rId2"/>
+              </a:rPr>
+              <a:t>https://www.cloudcomputing-insider.de/was-ist-infrastructure-as-a-service-a-605071/</a:t>
+            </a:r>
+            <a:endParaRPr lang="de-DE" dirty="0"/>
+          </a:p>
+          <a:p>
+            <a:r>
+              <a:rPr lang="de-DE" u="sng" dirty="0">
+                <a:hlinkClick r:id="rId3"/>
+              </a:rPr>
+              <a:t>https://www.profitbricks.de/de/cloud-lexikon/iaas</a:t>
+            </a:r>
+            <a:r>
+              <a:rPr lang="de-DE" u="sng" dirty="0" smtClean="0">
+                <a:hlinkClick r:id="rId3"/>
+              </a:rPr>
+              <a:t>/</a:t>
+            </a:r>
+            <a:r>
+              <a:rPr lang="de-DE" dirty="0"/>
+              <a:t> </a:t>
+            </a:r>
+          </a:p>
+          <a:p>
+            <a:r>
+              <a:rPr lang="de-DE" u="sng" dirty="0">
+                <a:hlinkClick r:id="rId4"/>
+              </a:rPr>
+              <a:t>https://</a:t>
+            </a:r>
+            <a:r>
+              <a:rPr lang="de-DE" u="sng" dirty="0" smtClean="0">
+                <a:hlinkClick r:id="rId4"/>
+              </a:rPr>
+              <a:t>www.interoute.de/was-ist-iaas</a:t>
+            </a:r>
+            <a:endParaRPr lang="de-DE" u="sng" dirty="0" smtClean="0"/>
+          </a:p>
+          <a:p>
+            <a:r>
+              <a:rPr lang="de-DE" dirty="0"/>
+              <a:t>https://de.slideshare.net/bennybauer1/serverless-when-to-faas</a:t>
+            </a:r>
+          </a:p>
+          <a:p>
+            <a:r>
+              <a:rPr lang="de-DE" dirty="0"/>
+              <a:t>https://131707-379326-1-raikfcquaxqncofqfm.stackpathdns.com/wp-content/uploads/2017/09/gapp_587de1fda58b4.jpg</a:t>
+            </a:r>
+          </a:p>
+          <a:p>
+            <a:r>
+              <a:rPr lang="de-DE" dirty="0"/>
+              <a:t>https://images.techhive.com/images/article/2013/05/windowsazure-100038816-large.jpg</a:t>
+            </a:r>
+          </a:p>
+          <a:p>
+            <a:r>
+              <a:rPr lang="de-DE" dirty="0"/>
+              <a:t>https://colintoh.com/content/blog/14-aws-elastic-beanstalk-survival-guide-introduction/elastic_beanstalk_logo.png</a:t>
+            </a:r>
+          </a:p>
+          <a:p>
+            <a:endParaRPr lang="de-DE" u="sng" dirty="0" smtClean="0"/>
+          </a:p>
+          <a:p>
+            <a:endParaRPr lang="de-DE" dirty="0"/>
+          </a:p>
+          <a:p>
+            <a:endParaRPr lang="de-DE" dirty="0"/>
           </a:p>
         </p:txBody>
       </p:sp>
     </p:spTree>
     <p:extLst>
       <p:ext uri="{BB962C8B-B14F-4D97-AF65-F5344CB8AC3E}">
-        <p14:creationId xmlns:p14="http://schemas.microsoft.com/office/powerpoint/2010/main" val="3750465967"/>
+        <p14:creationId xmlns:p14="http://schemas.microsoft.com/office/powerpoint/2010/main" val="2454609177"/>
       </p:ext>
     </p:extLst>
   </p:cSld>
@@ -9697,390 +9871,41 @@
         </p:nvSpPr>
         <p:spPr/>
         <p:txBody>
-          <a:bodyPr>
-            <a:normAutofit fontScale="92500" lnSpcReduction="10000"/>
-          </a:bodyPr>
-          <a:lstStyle/>
-          <a:p>
-            <a:r>
-              <a:rPr lang="de-DE" dirty="0">
-                <a:hlinkClick r:id="rId2"/>
-              </a:rPr>
-              <a:t>https://</a:t>
-            </a:r>
+          <a:bodyPr/>
+          <a:lstStyle/>
+          <a:p>
             <a:r>
               <a:rPr lang="de-DE" dirty="0" smtClean="0">
                 <a:hlinkClick r:id="rId2"/>
               </a:rPr>
-              <a:t>www.profitbricks.com/sites/default/files/profitbricks-200px.png</a:t>
+              <a:t>https://stackify.com/function-as-a-service-serverless-architecture/</a:t>
             </a:r>
             <a:endParaRPr lang="de-DE" dirty="0" smtClean="0"/>
           </a:p>
           <a:p>
-            <a:r>
-              <a:rPr lang="de-DE" dirty="0">
-                <a:hlinkClick r:id="rId3"/>
-              </a:rPr>
-              <a:t>https://</a:t>
-            </a:r>
             <a:r>
               <a:rPr lang="de-DE" dirty="0" smtClean="0">
                 <a:hlinkClick r:id="rId3"/>
               </a:rPr>
-              <a:t>signalfx-82c9.kxcdn.com/wp-content/uploads/EC2-logo-full.jpg</a:t>
+              <a:t>https://www.computerwoche.de/a/ein-ausflug-in-die-welt-der-serverless-architekturen,3331496</a:t>
             </a:r>
             <a:endParaRPr lang="de-DE" dirty="0" smtClean="0"/>
           </a:p>
           <a:p>
-            <a:r>
-              <a:rPr lang="de-DE" dirty="0">
-                <a:hlinkClick r:id="rId4"/>
-              </a:rPr>
-              <a:t>https://</a:t>
-            </a:r>
             <a:r>
               <a:rPr lang="de-DE" dirty="0" smtClean="0">
                 <a:hlinkClick r:id="rId4"/>
               </a:rPr>
-              <a:t>gigaom.com/wp-content/uploads/sites/1/2012/08/rackspace_logo_08_07_20122.jpg?w=300</a:t>
+              <a:t>http://t3n.de/news/serverless-computing-server-code-849986/</a:t>
             </a:r>
             <a:endParaRPr lang="de-DE" dirty="0" smtClean="0"/>
           </a:p>
           <a:p>
-            <a:r>
-              <a:rPr lang="de-DE" dirty="0">
-                <a:hlinkClick r:id="rId5"/>
-              </a:rPr>
-              <a:t>https://</a:t>
-            </a:r>
             <a:r>
               <a:rPr lang="de-DE" dirty="0" smtClean="0">
                 <a:hlinkClick r:id="rId5"/>
               </a:rPr>
-              <a:t>www.vcnewsnetwork.com/wp-content/uploads/2017/09/16656-thumb.png</a:t>
-            </a:r>
-            <a:endParaRPr lang="de-DE" dirty="0" smtClean="0"/>
-          </a:p>
-          <a:p>
-            <a:r>
-              <a:rPr lang="de-DE" dirty="0">
-                <a:hlinkClick r:id="rId6"/>
-              </a:rPr>
-              <a:t>http://</a:t>
-            </a:r>
-            <a:r>
-              <a:rPr lang="de-DE" dirty="0" smtClean="0">
-                <a:hlinkClick r:id="rId6"/>
-              </a:rPr>
-              <a:t>www.xangati.com/wp-content/uploads/2016/09/PaaS.png</a:t>
-            </a:r>
-            <a:endParaRPr lang="de-DE" dirty="0" smtClean="0"/>
-          </a:p>
-          <a:p>
-            <a:r>
-              <a:rPr lang="de-DE" dirty="0">
-                <a:hlinkClick r:id="rId7"/>
-              </a:rPr>
-              <a:t>https://</a:t>
-            </a:r>
-            <a:r>
-              <a:rPr lang="de-DE" dirty="0" smtClean="0">
-                <a:hlinkClick r:id="rId7"/>
-              </a:rPr>
-              <a:t>jaxenter.de/serverless-best-practices-61856</a:t>
-            </a:r>
-            <a:endParaRPr lang="de-DE" dirty="0" smtClean="0"/>
-          </a:p>
-          <a:p>
-            <a:r>
-              <a:rPr lang="de-DE" dirty="0"/>
-              <a:t>https://www.cloudcomputing-insider.de/was-ist-platform-as-a-service-a-624296/</a:t>
-            </a:r>
-          </a:p>
-          <a:p>
-            <a:endParaRPr lang="de-DE" dirty="0"/>
-          </a:p>
-          <a:p>
-            <a:endParaRPr lang="de-DE" dirty="0"/>
-          </a:p>
-        </p:txBody>
-      </p:sp>
-    </p:spTree>
-    <p:extLst>
-      <p:ext uri="{BB962C8B-B14F-4D97-AF65-F5344CB8AC3E}">
-        <p14:creationId xmlns:p14="http://schemas.microsoft.com/office/powerpoint/2010/main" val="334305847"/>
-      </p:ext>
-    </p:extLst>
-  </p:cSld>
-  <p:clrMapOvr>
-    <a:masterClrMapping/>
-  </p:clrMapOvr>
-</p:sld>
-</file>
-
-<file path=ppt/slides/slide41.xml><?xml version="1.0" encoding="utf-8"?>
-<p:sld xmlns:a="http://schemas.openxmlformats.org/drawingml/2006/main" xmlns:r="http://schemas.openxmlformats.org/officeDocument/2006/relationships" xmlns:p="http://schemas.openxmlformats.org/presentationml/2006/main">
-  <p:cSld>
-    <p:spTree>
-      <p:nvGrpSpPr>
-        <p:cNvPr id="1" name=""/>
-        <p:cNvGrpSpPr/>
-        <p:nvPr/>
-      </p:nvGrpSpPr>
-      <p:grpSpPr>
-        <a:xfrm>
-          <a:off x="0" y="0"/>
-          <a:ext cx="0" cy="0"/>
-          <a:chOff x="0" y="0"/>
-          <a:chExt cx="0" cy="0"/>
-        </a:xfrm>
-      </p:grpSpPr>
-      <p:sp>
-        <p:nvSpPr>
-          <p:cNvPr id="2" name="Titel 1"/>
-          <p:cNvSpPr>
-            <a:spLocks noGrp="1"/>
-          </p:cNvSpPr>
-          <p:nvPr>
-            <p:ph type="title"/>
-          </p:nvPr>
-        </p:nvSpPr>
-        <p:spPr/>
-        <p:txBody>
-          <a:bodyPr/>
-          <a:lstStyle/>
-          <a:p>
-            <a:r>
-              <a:rPr lang="de-DE" dirty="0" smtClean="0"/>
-              <a:t>Quellen</a:t>
-            </a:r>
-            <a:endParaRPr lang="de-DE" dirty="0"/>
-          </a:p>
-        </p:txBody>
-      </p:sp>
-      <p:sp>
-        <p:nvSpPr>
-          <p:cNvPr id="3" name="Inhaltsplatzhalter 2"/>
-          <p:cNvSpPr>
-            <a:spLocks noGrp="1"/>
-          </p:cNvSpPr>
-          <p:nvPr>
-            <p:ph idx="1"/>
-          </p:nvPr>
-        </p:nvSpPr>
-        <p:spPr/>
-        <p:txBody>
-          <a:bodyPr>
-            <a:normAutofit fontScale="92500" lnSpcReduction="10000"/>
-          </a:bodyPr>
-          <a:lstStyle/>
-          <a:p>
-            <a:r>
-              <a:rPr lang="de-DE" u="sng" dirty="0">
-                <a:hlinkClick r:id="rId2"/>
-              </a:rPr>
-              <a:t>https://www.cloudcomputing-insider.de/was-ist-infrastructure-as-a-service-a-605071/</a:t>
-            </a:r>
-            <a:endParaRPr lang="de-DE" dirty="0"/>
-          </a:p>
-          <a:p>
-            <a:r>
-              <a:rPr lang="de-DE" u="sng" dirty="0">
-                <a:hlinkClick r:id="rId3"/>
-              </a:rPr>
-              <a:t>https://www.profitbricks.de/de/cloud-lexikon/iaas</a:t>
-            </a:r>
-            <a:r>
-              <a:rPr lang="de-DE" u="sng" dirty="0" smtClean="0">
-                <a:hlinkClick r:id="rId3"/>
-              </a:rPr>
-              <a:t>/</a:t>
-            </a:r>
-            <a:r>
-              <a:rPr lang="de-DE" dirty="0"/>
-              <a:t> </a:t>
-            </a:r>
-          </a:p>
-          <a:p>
-            <a:r>
-              <a:rPr lang="de-DE" u="sng" dirty="0">
-                <a:hlinkClick r:id="rId4"/>
-              </a:rPr>
-              <a:t>https://</a:t>
-            </a:r>
-            <a:r>
-              <a:rPr lang="de-DE" u="sng" dirty="0" smtClean="0">
-                <a:hlinkClick r:id="rId4"/>
-              </a:rPr>
-              <a:t>www.interoute.de/was-ist-iaas</a:t>
-            </a:r>
-            <a:endParaRPr lang="de-DE" u="sng" dirty="0" smtClean="0"/>
-          </a:p>
-          <a:p>
-            <a:r>
-              <a:rPr lang="de-DE" dirty="0"/>
-              <a:t>https://de.slideshare.net/bennybauer1/serverless-when-to-faas</a:t>
-            </a:r>
-          </a:p>
-          <a:p>
-            <a:r>
-              <a:rPr lang="de-DE" dirty="0"/>
-              <a:t>https://131707-379326-1-raikfcquaxqncofqfm.stackpathdns.com/wp-content/uploads/2017/09/gapp_587de1fda58b4.jpg</a:t>
-            </a:r>
-          </a:p>
-          <a:p>
-            <a:r>
-              <a:rPr lang="de-DE" dirty="0"/>
-              <a:t>https://images.techhive.com/images/article/2013/05/windowsazure-100038816-large.jpg</a:t>
-            </a:r>
-          </a:p>
-          <a:p>
-            <a:r>
-              <a:rPr lang="de-DE" dirty="0"/>
-              <a:t>https://colintoh.com/content/blog/14-aws-elastic-beanstalk-survival-guide-introduction/elastic_beanstalk_logo.png</a:t>
-            </a:r>
-          </a:p>
-          <a:p>
-            <a:endParaRPr lang="de-DE" u="sng" dirty="0" smtClean="0"/>
-          </a:p>
-          <a:p>
-            <a:endParaRPr lang="de-DE" dirty="0"/>
-          </a:p>
-          <a:p>
-            <a:endParaRPr lang="de-DE" dirty="0"/>
-          </a:p>
-        </p:txBody>
-      </p:sp>
-    </p:spTree>
-    <p:extLst>
-      <p:ext uri="{BB962C8B-B14F-4D97-AF65-F5344CB8AC3E}">
-        <p14:creationId xmlns:p14="http://schemas.microsoft.com/office/powerpoint/2010/main" val="2454609177"/>
-      </p:ext>
-    </p:extLst>
-  </p:cSld>
-  <p:clrMapOvr>
-    <a:masterClrMapping/>
-  </p:clrMapOvr>
-</p:sld>
-</file>
-
-<file path=ppt/slides/slide42.xml><?xml version="1.0" encoding="utf-8"?>
-<p:sld xmlns:a="http://schemas.openxmlformats.org/drawingml/2006/main" xmlns:r="http://schemas.openxmlformats.org/officeDocument/2006/relationships" xmlns:p="http://schemas.openxmlformats.org/presentationml/2006/main">
-  <p:cSld>
-    <p:spTree>
-      <p:nvGrpSpPr>
-        <p:cNvPr id="1" name=""/>
-        <p:cNvGrpSpPr/>
-        <p:nvPr/>
-      </p:nvGrpSpPr>
-      <p:grpSpPr>
-        <a:xfrm>
-          <a:off x="0" y="0"/>
-          <a:ext cx="0" cy="0"/>
-          <a:chOff x="0" y="0"/>
-          <a:chExt cx="0" cy="0"/>
-        </a:xfrm>
-      </p:grpSpPr>
-      <p:sp>
-        <p:nvSpPr>
-          <p:cNvPr id="2" name="Titel 1"/>
-          <p:cNvSpPr>
-            <a:spLocks noGrp="1"/>
-          </p:cNvSpPr>
-          <p:nvPr>
-            <p:ph type="title"/>
-          </p:nvPr>
-        </p:nvSpPr>
-        <p:spPr/>
-        <p:txBody>
-          <a:bodyPr/>
-          <a:lstStyle/>
-          <a:p>
-            <a:r>
-              <a:rPr lang="de-DE" dirty="0" smtClean="0"/>
-              <a:t>Quellen</a:t>
-            </a:r>
-            <a:endParaRPr lang="de-DE" dirty="0"/>
-          </a:p>
-        </p:txBody>
-      </p:sp>
-      <p:sp>
-        <p:nvSpPr>
-          <p:cNvPr id="3" name="Inhaltsplatzhalter 2"/>
-          <p:cNvSpPr>
-            <a:spLocks noGrp="1"/>
-          </p:cNvSpPr>
-          <p:nvPr>
-            <p:ph idx="1"/>
-          </p:nvPr>
-        </p:nvSpPr>
-        <p:spPr/>
-        <p:txBody>
-          <a:bodyPr/>
-          <a:lstStyle/>
-          <a:p>
-            <a:r>
-              <a:rPr lang="de-DE" dirty="0" smtClean="0">
-                <a:hlinkClick r:id="rId2"/>
-              </a:rPr>
-              <a:t>https</a:t>
-            </a:r>
-            <a:r>
-              <a:rPr lang="de-DE" dirty="0" smtClean="0">
-                <a:hlinkClick r:id="rId2"/>
-              </a:rPr>
-              <a:t>://stackify.com/function-as-a-service-serverless-architecture/</a:t>
-            </a:r>
-            <a:endParaRPr lang="de-DE" dirty="0" smtClean="0"/>
-          </a:p>
-          <a:p>
-            <a:r>
-              <a:rPr lang="de-DE" dirty="0" smtClean="0">
-                <a:hlinkClick r:id="rId3"/>
-              </a:rPr>
-              <a:t>https</a:t>
-            </a:r>
-            <a:r>
-              <a:rPr lang="de-DE" dirty="0" smtClean="0">
-                <a:hlinkClick r:id="rId3"/>
-              </a:rPr>
-              <a:t>://www.computerwoche.de/a/ein-ausflug-in-die-welt-der-serverless-architekturen,3331496</a:t>
-            </a:r>
-            <a:endParaRPr lang="de-DE" dirty="0" smtClean="0"/>
-          </a:p>
-          <a:p>
-            <a:r>
-              <a:rPr lang="de-DE" dirty="0" smtClean="0">
-                <a:hlinkClick r:id="rId4"/>
-              </a:rPr>
-              <a:t>http</a:t>
-            </a:r>
-            <a:r>
-              <a:rPr lang="de-DE" dirty="0" smtClean="0">
-                <a:hlinkClick r:id="rId4"/>
-              </a:rPr>
-              <a:t>://t3n.de/news/serverless-computing-server-code-849986/</a:t>
-            </a:r>
-            <a:endParaRPr lang="de-DE" dirty="0" smtClean="0"/>
-          </a:p>
-          <a:p>
-            <a:r>
-              <a:rPr lang="de-DE" dirty="0" smtClean="0">
-                <a:hlinkClick r:id="rId5"/>
-              </a:rPr>
-              <a:t>https</a:t>
-            </a:r>
-            <a:r>
-              <a:rPr lang="de-DE" dirty="0" smtClean="0">
-                <a:hlinkClick r:id="rId5"/>
-              </a:rPr>
-              <a:t>://</a:t>
-            </a:r>
-            <a:r>
-              <a:rPr lang="de-DE" dirty="0" smtClean="0">
-                <a:hlinkClick r:id="rId5"/>
-              </a:rPr>
-              <a:t>www.youtube.com/watch?v=nzOE6pIg6Pw</a:t>
+              <a:t>https://www.youtube.com/watch?v=nzOE6pIg6Pw</a:t>
             </a:r>
             <a:endParaRPr lang="de-DE" dirty="0" smtClean="0"/>
           </a:p>
@@ -10238,91 +10063,6 @@
             <a:spLocks noGrp="1"/>
           </p:cNvSpPr>
           <p:nvPr>
-            <p:ph type="title"/>
-          </p:nvPr>
-        </p:nvSpPr>
-        <p:spPr/>
-        <p:txBody>
-          <a:bodyPr/>
-          <a:lstStyle/>
-          <a:p>
-            <a:endParaRPr lang="de-DE" dirty="0"/>
-          </a:p>
-        </p:txBody>
-      </p:sp>
-      <p:pic>
-        <p:nvPicPr>
-          <p:cNvPr id="4" name="Inhaltsplatzhalter 3" descr="Bildschirmausschnitt"/>
-          <p:cNvPicPr>
-            <a:picLocks noGrp="1" noChangeAspect="1"/>
-          </p:cNvPicPr>
-          <p:nvPr>
-            <p:ph idx="1"/>
-          </p:nvPr>
-        </p:nvPicPr>
-        <p:blipFill>
-          <a:blip r:embed="rId2">
-            <a:extLst>
-              <a:ext uri="{28A0092B-C50C-407E-A947-70E740481C1C}">
-                <a14:useLocalDpi xmlns:a14="http://schemas.microsoft.com/office/drawing/2010/main" val="0"/>
-              </a:ext>
-            </a:extLst>
-          </a:blip>
-          <a:stretch>
-            <a:fillRect/>
-          </a:stretch>
-        </p:blipFill>
-        <p:spPr>
-          <a:xfrm>
-            <a:off x="85344" y="207264"/>
-            <a:ext cx="11950140" cy="6059424"/>
-          </a:xfrm>
-        </p:spPr>
-      </p:pic>
-    </p:spTree>
-    <p:extLst>
-      <p:ext uri="{BB962C8B-B14F-4D97-AF65-F5344CB8AC3E}">
-        <p14:creationId xmlns:p14="http://schemas.microsoft.com/office/powerpoint/2010/main" val="3941603781"/>
-      </p:ext>
-    </p:extLst>
-  </p:cSld>
-  <p:clrMapOvr>
-    <a:masterClrMapping/>
-  </p:clrMapOvr>
-  <p:timing>
-    <p:tnLst>
-      <p:par>
-        <p:cTn id="1" dur="indefinite" restart="never" nodeType="tmRoot"/>
-      </p:par>
-    </p:tnLst>
-  </p:timing>
-</p:sld>
-</file>
-
-<file path=ppt/slides/slide7.xml><?xml version="1.0" encoding="utf-8"?>
-<p:sld xmlns:a="http://schemas.openxmlformats.org/drawingml/2006/main" xmlns:r="http://schemas.openxmlformats.org/officeDocument/2006/relationships" xmlns:p="http://schemas.openxmlformats.org/presentationml/2006/main">
-  <p:cSld>
-    <p:spTree>
-      <p:nvGrpSpPr>
-        <p:cNvPr id="1" name=""/>
-        <p:cNvGrpSpPr/>
-        <p:nvPr/>
-      </p:nvGrpSpPr>
-      <p:grpSpPr>
-        <a:xfrm>
-          <a:off x="0" y="0"/>
-          <a:ext cx="0" cy="0"/>
-          <a:chOff x="0" y="0"/>
-          <a:chExt cx="0" cy="0"/>
-        </a:xfrm>
-      </p:grpSpPr>
-      <p:sp>
-        <p:nvSpPr>
-          <p:cNvPr id="2" name="Titel 1"/>
-          <p:cNvSpPr>
-            <a:spLocks noGrp="1"/>
-          </p:cNvSpPr>
-          <p:nvPr>
             <p:ph type="ctrTitle"/>
           </p:nvPr>
         </p:nvSpPr>
@@ -10390,7 +10130,7 @@
 </p:sld>
 </file>
 
-<file path=ppt/slides/slide8.xml><?xml version="1.0" encoding="utf-8"?>
+<file path=ppt/slides/slide7.xml><?xml version="1.0" encoding="utf-8"?>
 <p:sld xmlns:a="http://schemas.openxmlformats.org/drawingml/2006/main" xmlns:r="http://schemas.openxmlformats.org/officeDocument/2006/relationships" xmlns:p="http://schemas.openxmlformats.org/presentationml/2006/main">
   <p:cSld>
     <p:spTree>
@@ -10517,7 +10257,7 @@
 </p:sld>
 </file>
 
-<file path=ppt/slides/slide9.xml><?xml version="1.0" encoding="utf-8"?>
+<file path=ppt/slides/slide8.xml><?xml version="1.0" encoding="utf-8"?>
 <p:sld xmlns:a="http://schemas.openxmlformats.org/drawingml/2006/main" xmlns:r="http://schemas.openxmlformats.org/officeDocument/2006/relationships" xmlns:p="http://schemas.openxmlformats.org/presentationml/2006/main">
   <p:cSld>
     <p:spTree>
@@ -10551,15 +10291,7 @@
           <a:p>
             <a:r>
               <a:rPr lang="de-DE" dirty="0" smtClean="0"/>
-              <a:t>Welche </a:t>
-            </a:r>
-            <a:r>
-              <a:rPr lang="de-DE" dirty="0" smtClean="0"/>
-              <a:t>Ressourcen </a:t>
-            </a:r>
-            <a:r>
-              <a:rPr lang="de-DE" dirty="0" smtClean="0"/>
-              <a:t>werden bereitgestellt?</a:t>
+              <a:t>Welche Ressourcen werden bereitgestellt?</a:t>
             </a:r>
             <a:endParaRPr lang="de-DE" dirty="0"/>
           </a:p>
@@ -10629,27 +10361,8 @@
           </a:p>
           <a:p>
             <a:r>
-              <a:rPr lang="de-DE" dirty="0"/>
-              <a:t>Kommunikationsgeräte wie </a:t>
-            </a:r>
-            <a:r>
-              <a:rPr lang="de-DE" dirty="0" smtClean="0"/>
-              <a:t>Router </a:t>
-            </a:r>
-            <a:endParaRPr lang="de-DE" dirty="0"/>
-          </a:p>
-          <a:p>
-            <a:r>
-              <a:rPr lang="de-DE" dirty="0" smtClean="0"/>
-              <a:t>Switches </a:t>
-            </a:r>
-            <a:r>
-              <a:rPr lang="de-DE" dirty="0"/>
-              <a:t>oder </a:t>
-            </a:r>
-            <a:r>
-              <a:rPr lang="de-DE" dirty="0" smtClean="0"/>
-              <a:t>Firewalls</a:t>
+              <a:rPr lang="de-DE" dirty="0" smtClean="0"/>
+              <a:t>Kommunikationsgeräte</a:t>
             </a:r>
             <a:endParaRPr lang="de-DE" dirty="0"/>
           </a:p>
@@ -10680,6 +10393,141 @@
     <p:extLst>
       <p:ext uri="{BB962C8B-B14F-4D97-AF65-F5344CB8AC3E}">
         <p14:creationId xmlns:p14="http://schemas.microsoft.com/office/powerpoint/2010/main" val="2870226795"/>
+      </p:ext>
+    </p:extLst>
+  </p:cSld>
+  <p:clrMapOvr>
+    <a:masterClrMapping/>
+  </p:clrMapOvr>
+  <p:timing>
+    <p:tnLst>
+      <p:par>
+        <p:cTn id="1" dur="indefinite" restart="never" nodeType="tmRoot"/>
+      </p:par>
+    </p:tnLst>
+  </p:timing>
+</p:sld>
+</file>
+
+<file path=ppt/slides/slide9.xml><?xml version="1.0" encoding="utf-8"?>
+<p:sld xmlns:a="http://schemas.openxmlformats.org/drawingml/2006/main" xmlns:r="http://schemas.openxmlformats.org/officeDocument/2006/relationships" xmlns:p="http://schemas.openxmlformats.org/presentationml/2006/main">
+  <p:cSld>
+    <p:spTree>
+      <p:nvGrpSpPr>
+        <p:cNvPr id="1" name=""/>
+        <p:cNvGrpSpPr/>
+        <p:nvPr/>
+      </p:nvGrpSpPr>
+      <p:grpSpPr>
+        <a:xfrm>
+          <a:off x="0" y="0"/>
+          <a:ext cx="0" cy="0"/>
+          <a:chOff x="0" y="0"/>
+          <a:chExt cx="0" cy="0"/>
+        </a:xfrm>
+      </p:grpSpPr>
+      <p:sp>
+        <p:nvSpPr>
+          <p:cNvPr id="2" name="Titel 1"/>
+          <p:cNvSpPr>
+            <a:spLocks noGrp="1"/>
+          </p:cNvSpPr>
+          <p:nvPr>
+            <p:ph type="title"/>
+          </p:nvPr>
+        </p:nvSpPr>
+        <p:spPr/>
+        <p:txBody>
+          <a:bodyPr/>
+          <a:lstStyle/>
+          <a:p>
+            <a:r>
+              <a:rPr lang="de-DE" dirty="0" smtClean="0"/>
+              <a:t>Wie werden die Ressourcen bereitgestellt?</a:t>
+            </a:r>
+            <a:endParaRPr lang="de-DE" dirty="0"/>
+          </a:p>
+        </p:txBody>
+      </p:sp>
+      <p:sp>
+        <p:nvSpPr>
+          <p:cNvPr id="3" name="Inhaltsplatzhalter 2"/>
+          <p:cNvSpPr>
+            <a:spLocks noGrp="1"/>
+          </p:cNvSpPr>
+          <p:nvPr>
+            <p:ph idx="1"/>
+          </p:nvPr>
+        </p:nvSpPr>
+        <p:spPr/>
+        <p:txBody>
+          <a:bodyPr/>
+          <a:lstStyle/>
+          <a:p>
+            <a:r>
+              <a:rPr lang="de-DE" dirty="0" smtClean="0"/>
+              <a:t>Der Kunde bekommt Zugriff auf die virtualisierten Komponenten.</a:t>
+            </a:r>
+          </a:p>
+          <a:p>
+            <a:r>
+              <a:rPr lang="de-DE" dirty="0" smtClean="0"/>
+              <a:t>Die </a:t>
+            </a:r>
+            <a:r>
+              <a:rPr lang="de-DE" b="1" dirty="0"/>
+              <a:t>Verfügbarkeiten</a:t>
+            </a:r>
+            <a:r>
+              <a:rPr lang="de-DE" dirty="0"/>
+              <a:t> und </a:t>
+            </a:r>
+            <a:r>
+              <a:rPr lang="de-DE" b="1" dirty="0"/>
+              <a:t>Entstörzeiten</a:t>
+            </a:r>
+            <a:r>
+              <a:rPr lang="de-DE" dirty="0"/>
+              <a:t> der Infrastruktur sind über Service Level Agreements (SLAs) zwischen Nutzer und Dienstleister </a:t>
+            </a:r>
+            <a:r>
+              <a:rPr lang="de-DE" dirty="0" smtClean="0"/>
+              <a:t>geregelt.</a:t>
+            </a:r>
+            <a:endParaRPr lang="de-DE" dirty="0"/>
+          </a:p>
+          <a:p>
+            <a:r>
+              <a:rPr lang="de-DE" b="1" dirty="0"/>
+              <a:t>SLA</a:t>
+            </a:r>
+            <a:r>
+              <a:rPr lang="de-DE" dirty="0"/>
+              <a:t> - </a:t>
+            </a:r>
+            <a:r>
+              <a:rPr lang="de-DE" dirty="0" smtClean="0"/>
+              <a:t>hier </a:t>
+            </a:r>
+            <a:r>
+              <a:rPr lang="de-DE" dirty="0"/>
+              <a:t>werden die zu erbringenden Leistungen eines Cloud Anbieters und deren Abrechnung </a:t>
+            </a:r>
+            <a:r>
+              <a:rPr lang="de-DE" dirty="0" smtClean="0"/>
+              <a:t>beschrieben.</a:t>
+            </a:r>
+            <a:endParaRPr lang="de-DE" dirty="0"/>
+          </a:p>
+          <a:p>
+            <a:endParaRPr lang="de-DE" dirty="0"/>
+          </a:p>
+        </p:txBody>
+      </p:sp>
+    </p:spTree>
+    <p:extLst>
+      <p:ext uri="{BB962C8B-B14F-4D97-AF65-F5344CB8AC3E}">
+        <p14:creationId xmlns:p14="http://schemas.microsoft.com/office/powerpoint/2010/main" val="2384203299"/>
       </p:ext>
     </p:extLst>
   </p:cSld>
